--- a/plan/영화-사용자.pptx
+++ b/plan/영화-사용자.pptx
@@ -1,6 +1,6 @@
 
 <file path=ppt/presentation.xml><?xml version="1.0" encoding="utf-8"?>
-<p:presentation xmlns:a="http://schemas.openxmlformats.org/drawingml/2006/main" xmlns:r="http://schemas.openxmlformats.org/officeDocument/2006/relationships" xmlns:p="http://schemas.openxmlformats.org/presentationml/2006/main" saveSubsetFonts="1">
+<p:presentation xmlns:a="http://schemas.openxmlformats.org/drawingml/2006/main" xmlns:r="http://schemas.openxmlformats.org/officeDocument/2006/relationships" xmlns:p="http://schemas.openxmlformats.org/presentationml/2006/main" embedTrueTypeFonts="1" saveSubsetFonts="1">
   <p:sldMasterIdLst>
     <p:sldMasterId id="2147483648" r:id="rId1"/>
   </p:sldMasterIdLst>
@@ -22,6 +22,25 @@
   </p:sldIdLst>
   <p:sldSz cx="9144000" cy="6858000" type="screen4x3"/>
   <p:notesSz cx="6858000" cy="9144000"/>
+  <p:embeddedFontLst>
+    <p:embeddedFont>
+      <p:font typeface="맑은 고딕" panose="020B0503020000020004" pitchFamily="50" charset="-127"/>
+      <p:regular r:id="rId14"/>
+      <p:bold r:id="rId15"/>
+    </p:embeddedFont>
+    <p:embeddedFont>
+      <p:font typeface="나눔바른펜" panose="020B0503000000000000" pitchFamily="50" charset="-127"/>
+      <p:regular r:id="rId16"/>
+      <p:bold r:id="rId17"/>
+    </p:embeddedFont>
+    <p:embeddedFont>
+      <p:font typeface="Segoe UI" panose="020B0502040204020203" pitchFamily="34" charset="0"/>
+      <p:regular r:id="rId18"/>
+      <p:bold r:id="rId19"/>
+      <p:italic r:id="rId20"/>
+      <p:boldItalic r:id="rId21"/>
+    </p:embeddedFont>
+  </p:embeddedFontLst>
   <p:defaultTextStyle>
     <a:defPPr>
       <a:defRPr lang="ko-KR"/>

--- a/plan/영화-사용자.pptx
+++ b/plan/영화-사용자.pptx
@@ -5,40 +5,43 @@
     <p:sldMasterId id="2147483648" r:id="rId1"/>
   </p:sldMasterIdLst>
   <p:notesMasterIdLst>
-    <p:notesMasterId r:id="rId13"/>
+    <p:notesMasterId r:id="rId16"/>
   </p:notesMasterIdLst>
   <p:sldIdLst>
     <p:sldId id="267" r:id="rId2"/>
     <p:sldId id="268" r:id="rId3"/>
     <p:sldId id="266" r:id="rId4"/>
-    <p:sldId id="265" r:id="rId5"/>
-    <p:sldId id="264" r:id="rId6"/>
-    <p:sldId id="263" r:id="rId7"/>
-    <p:sldId id="262" r:id="rId8"/>
-    <p:sldId id="261" r:id="rId9"/>
-    <p:sldId id="258" r:id="rId10"/>
-    <p:sldId id="260" r:id="rId11"/>
-    <p:sldId id="259" r:id="rId12"/>
+    <p:sldId id="269" r:id="rId5"/>
+    <p:sldId id="270" r:id="rId6"/>
+    <p:sldId id="271" r:id="rId7"/>
+    <p:sldId id="265" r:id="rId8"/>
+    <p:sldId id="264" r:id="rId9"/>
+    <p:sldId id="263" r:id="rId10"/>
+    <p:sldId id="262" r:id="rId11"/>
+    <p:sldId id="261" r:id="rId12"/>
+    <p:sldId id="258" r:id="rId13"/>
+    <p:sldId id="260" r:id="rId14"/>
+    <p:sldId id="259" r:id="rId15"/>
   </p:sldIdLst>
   <p:sldSz cx="9144000" cy="6858000" type="screen4x3"/>
   <p:notesSz cx="6858000" cy="9144000"/>
   <p:embeddedFontLst>
     <p:embeddedFont>
       <p:font typeface="맑은 고딕" panose="020B0503020000020004" pitchFamily="50" charset="-127"/>
-      <p:regular r:id="rId14"/>
-      <p:bold r:id="rId15"/>
+      <p:regular r:id="rId17"/>
+      <p:bold r:id="rId18"/>
     </p:embeddedFont>
     <p:embeddedFont>
       <p:font typeface="나눔바른펜" panose="020B0503000000000000" pitchFamily="50" charset="-127"/>
-      <p:regular r:id="rId16"/>
-      <p:bold r:id="rId17"/>
+      <p:regular r:id="rId19"/>
+      <p:bold r:id="rId20"/>
     </p:embeddedFont>
     <p:embeddedFont>
       <p:font typeface="Segoe UI" panose="020B0502040204020203" pitchFamily="34" charset="0"/>
-      <p:regular r:id="rId18"/>
-      <p:bold r:id="rId19"/>
-      <p:italic r:id="rId20"/>
-      <p:boldItalic r:id="rId21"/>
+      <p:regular r:id="rId21"/>
+      <p:bold r:id="rId22"/>
+      <p:italic r:id="rId23"/>
+      <p:boldItalic r:id="rId24"/>
     </p:embeddedFont>
   </p:embeddedFontLst>
   <p:defaultTextStyle>
@@ -137,6 +140,4971 @@
     </a:lvl9pPr>
   </p:defaultTextStyle>
 </p:presentation>
+</file>
+
+<file path=ppt/diagrams/colors1.xml><?xml version="1.0" encoding="utf-8"?>
+<dgm:colorsDef xmlns:dgm="http://schemas.openxmlformats.org/drawingml/2006/diagram" xmlns:a="http://schemas.openxmlformats.org/drawingml/2006/main" uniqueId="urn:microsoft.com/office/officeart/2005/8/colors/accent1_2">
+  <dgm:title val=""/>
+  <dgm:desc val=""/>
+  <dgm:catLst>
+    <dgm:cat type="accent1" pri="11200"/>
+  </dgm:catLst>
+  <dgm:styleLbl name="node0">
+    <dgm:fillClrLst meth="repeat">
+      <a:schemeClr val="accent1"/>
+    </dgm:fillClrLst>
+    <dgm:linClrLst meth="repeat">
+      <a:schemeClr val="lt1"/>
+    </dgm:linClrLst>
+    <dgm:effectClrLst/>
+    <dgm:txLinClrLst/>
+    <dgm:txFillClrLst/>
+    <dgm:txEffectClrLst/>
+  </dgm:styleLbl>
+  <dgm:styleLbl name="alignNode1">
+    <dgm:fillClrLst meth="repeat">
+      <a:schemeClr val="accent1"/>
+    </dgm:fillClrLst>
+    <dgm:linClrLst meth="repeat">
+      <a:schemeClr val="accent1"/>
+    </dgm:linClrLst>
+    <dgm:effectClrLst/>
+    <dgm:txLinClrLst/>
+    <dgm:txFillClrLst/>
+    <dgm:txEffectClrLst/>
+  </dgm:styleLbl>
+  <dgm:styleLbl name="node1">
+    <dgm:fillClrLst meth="repeat">
+      <a:schemeClr val="accent1"/>
+    </dgm:fillClrLst>
+    <dgm:linClrLst meth="repeat">
+      <a:schemeClr val="lt1"/>
+    </dgm:linClrLst>
+    <dgm:effectClrLst/>
+    <dgm:txLinClrLst/>
+    <dgm:txFillClrLst/>
+    <dgm:txEffectClrLst/>
+  </dgm:styleLbl>
+  <dgm:styleLbl name="lnNode1">
+    <dgm:fillClrLst meth="repeat">
+      <a:schemeClr val="accent1"/>
+    </dgm:fillClrLst>
+    <dgm:linClrLst meth="repeat">
+      <a:schemeClr val="lt1"/>
+    </dgm:linClrLst>
+    <dgm:effectClrLst/>
+    <dgm:txLinClrLst/>
+    <dgm:txFillClrLst/>
+    <dgm:txEffectClrLst/>
+  </dgm:styleLbl>
+  <dgm:styleLbl name="vennNode1">
+    <dgm:fillClrLst meth="repeat">
+      <a:schemeClr val="accent1">
+        <a:alpha val="50000"/>
+      </a:schemeClr>
+    </dgm:fillClrLst>
+    <dgm:linClrLst meth="repeat">
+      <a:schemeClr val="lt1"/>
+    </dgm:linClrLst>
+    <dgm:effectClrLst/>
+    <dgm:txLinClrLst/>
+    <dgm:txFillClrLst/>
+    <dgm:txEffectClrLst/>
+  </dgm:styleLbl>
+  <dgm:styleLbl name="node2">
+    <dgm:fillClrLst meth="repeat">
+      <a:schemeClr val="accent1"/>
+    </dgm:fillClrLst>
+    <dgm:linClrLst meth="repeat">
+      <a:schemeClr val="lt1"/>
+    </dgm:linClrLst>
+    <dgm:effectClrLst/>
+    <dgm:txLinClrLst/>
+    <dgm:txFillClrLst/>
+    <dgm:txEffectClrLst/>
+  </dgm:styleLbl>
+  <dgm:styleLbl name="node3">
+    <dgm:fillClrLst meth="repeat">
+      <a:schemeClr val="accent1"/>
+    </dgm:fillClrLst>
+    <dgm:linClrLst meth="repeat">
+      <a:schemeClr val="lt1"/>
+    </dgm:linClrLst>
+    <dgm:effectClrLst/>
+    <dgm:txLinClrLst/>
+    <dgm:txFillClrLst/>
+    <dgm:txEffectClrLst/>
+  </dgm:styleLbl>
+  <dgm:styleLbl name="node4">
+    <dgm:fillClrLst meth="repeat">
+      <a:schemeClr val="accent1"/>
+    </dgm:fillClrLst>
+    <dgm:linClrLst meth="repeat">
+      <a:schemeClr val="lt1"/>
+    </dgm:linClrLst>
+    <dgm:effectClrLst/>
+    <dgm:txLinClrLst/>
+    <dgm:txFillClrLst/>
+    <dgm:txEffectClrLst/>
+  </dgm:styleLbl>
+  <dgm:styleLbl name="fgImgPlace1">
+    <dgm:fillClrLst meth="repeat">
+      <a:schemeClr val="accent1">
+        <a:tint val="50000"/>
+      </a:schemeClr>
+    </dgm:fillClrLst>
+    <dgm:linClrLst meth="repeat">
+      <a:schemeClr val="lt1"/>
+    </dgm:linClrLst>
+    <dgm:effectClrLst/>
+    <dgm:txLinClrLst/>
+    <dgm:txFillClrLst meth="repeat">
+      <a:schemeClr val="lt1"/>
+    </dgm:txFillClrLst>
+    <dgm:txEffectClrLst/>
+  </dgm:styleLbl>
+  <dgm:styleLbl name="alignImgPlace1">
+    <dgm:fillClrLst meth="repeat">
+      <a:schemeClr val="accent1">
+        <a:tint val="50000"/>
+      </a:schemeClr>
+    </dgm:fillClrLst>
+    <dgm:linClrLst meth="repeat">
+      <a:schemeClr val="lt1"/>
+    </dgm:linClrLst>
+    <dgm:effectClrLst/>
+    <dgm:txLinClrLst/>
+    <dgm:txFillClrLst meth="repeat">
+      <a:schemeClr val="lt1"/>
+    </dgm:txFillClrLst>
+    <dgm:txEffectClrLst/>
+  </dgm:styleLbl>
+  <dgm:styleLbl name="bgImgPlace1">
+    <dgm:fillClrLst meth="repeat">
+      <a:schemeClr val="accent1">
+        <a:tint val="50000"/>
+      </a:schemeClr>
+    </dgm:fillClrLst>
+    <dgm:linClrLst meth="repeat">
+      <a:schemeClr val="lt1"/>
+    </dgm:linClrLst>
+    <dgm:effectClrLst/>
+    <dgm:txLinClrLst/>
+    <dgm:txFillClrLst meth="repeat">
+      <a:schemeClr val="lt1"/>
+    </dgm:txFillClrLst>
+    <dgm:txEffectClrLst/>
+  </dgm:styleLbl>
+  <dgm:styleLbl name="sibTrans2D1">
+    <dgm:fillClrLst meth="repeat">
+      <a:schemeClr val="accent1">
+        <a:tint val="60000"/>
+      </a:schemeClr>
+    </dgm:fillClrLst>
+    <dgm:linClrLst meth="repeat">
+      <a:schemeClr val="accent1">
+        <a:tint val="60000"/>
+      </a:schemeClr>
+    </dgm:linClrLst>
+    <dgm:effectClrLst/>
+    <dgm:txLinClrLst/>
+    <dgm:txFillClrLst/>
+    <dgm:txEffectClrLst/>
+  </dgm:styleLbl>
+  <dgm:styleLbl name="fgSibTrans2D1">
+    <dgm:fillClrLst meth="repeat">
+      <a:schemeClr val="accent1">
+        <a:tint val="60000"/>
+      </a:schemeClr>
+    </dgm:fillClrLst>
+    <dgm:linClrLst meth="repeat">
+      <a:schemeClr val="accent1">
+        <a:tint val="60000"/>
+      </a:schemeClr>
+    </dgm:linClrLst>
+    <dgm:effectClrLst/>
+    <dgm:txLinClrLst/>
+    <dgm:txFillClrLst/>
+    <dgm:txEffectClrLst/>
+  </dgm:styleLbl>
+  <dgm:styleLbl name="bgSibTrans2D1">
+    <dgm:fillClrLst meth="repeat">
+      <a:schemeClr val="accent1">
+        <a:tint val="60000"/>
+      </a:schemeClr>
+    </dgm:fillClrLst>
+    <dgm:linClrLst meth="repeat">
+      <a:schemeClr val="accent1">
+        <a:tint val="60000"/>
+      </a:schemeClr>
+    </dgm:linClrLst>
+    <dgm:effectClrLst/>
+    <dgm:txLinClrLst/>
+    <dgm:txFillClrLst/>
+    <dgm:txEffectClrLst/>
+  </dgm:styleLbl>
+  <dgm:styleLbl name="sibTrans1D1">
+    <dgm:fillClrLst meth="repeat">
+      <a:schemeClr val="accent1"/>
+    </dgm:fillClrLst>
+    <dgm:linClrLst meth="repeat">
+      <a:schemeClr val="accent1"/>
+    </dgm:linClrLst>
+    <dgm:effectClrLst/>
+    <dgm:txLinClrLst/>
+    <dgm:txFillClrLst meth="repeat">
+      <a:schemeClr val="tx1"/>
+    </dgm:txFillClrLst>
+    <dgm:txEffectClrLst/>
+  </dgm:styleLbl>
+  <dgm:styleLbl name="callout">
+    <dgm:fillClrLst meth="repeat">
+      <a:schemeClr val="accent1"/>
+    </dgm:fillClrLst>
+    <dgm:linClrLst meth="repeat">
+      <a:schemeClr val="accent1">
+        <a:tint val="50000"/>
+      </a:schemeClr>
+    </dgm:linClrLst>
+    <dgm:effectClrLst/>
+    <dgm:txLinClrLst/>
+    <dgm:txFillClrLst meth="repeat">
+      <a:schemeClr val="tx1"/>
+    </dgm:txFillClrLst>
+    <dgm:txEffectClrLst/>
+  </dgm:styleLbl>
+  <dgm:styleLbl name="asst0">
+    <dgm:fillClrLst meth="repeat">
+      <a:schemeClr val="accent1"/>
+    </dgm:fillClrLst>
+    <dgm:linClrLst meth="repeat">
+      <a:schemeClr val="lt1"/>
+    </dgm:linClrLst>
+    <dgm:effectClrLst/>
+    <dgm:txLinClrLst/>
+    <dgm:txFillClrLst/>
+    <dgm:txEffectClrLst/>
+  </dgm:styleLbl>
+  <dgm:styleLbl name="asst1">
+    <dgm:fillClrLst meth="repeat">
+      <a:schemeClr val="accent1"/>
+    </dgm:fillClrLst>
+    <dgm:linClrLst meth="repeat">
+      <a:schemeClr val="lt1"/>
+    </dgm:linClrLst>
+    <dgm:effectClrLst/>
+    <dgm:txLinClrLst/>
+    <dgm:txFillClrLst/>
+    <dgm:txEffectClrLst/>
+  </dgm:styleLbl>
+  <dgm:styleLbl name="asst2">
+    <dgm:fillClrLst meth="repeat">
+      <a:schemeClr val="accent1"/>
+    </dgm:fillClrLst>
+    <dgm:linClrLst meth="repeat">
+      <a:schemeClr val="lt1"/>
+    </dgm:linClrLst>
+    <dgm:effectClrLst/>
+    <dgm:txLinClrLst/>
+    <dgm:txFillClrLst/>
+    <dgm:txEffectClrLst/>
+  </dgm:styleLbl>
+  <dgm:styleLbl name="asst3">
+    <dgm:fillClrLst meth="repeat">
+      <a:schemeClr val="accent1"/>
+    </dgm:fillClrLst>
+    <dgm:linClrLst meth="repeat">
+      <a:schemeClr val="lt1"/>
+    </dgm:linClrLst>
+    <dgm:effectClrLst/>
+    <dgm:txLinClrLst/>
+    <dgm:txFillClrLst/>
+    <dgm:txEffectClrLst/>
+  </dgm:styleLbl>
+  <dgm:styleLbl name="asst4">
+    <dgm:fillClrLst meth="repeat">
+      <a:schemeClr val="accent1"/>
+    </dgm:fillClrLst>
+    <dgm:linClrLst meth="repeat">
+      <a:schemeClr val="lt1"/>
+    </dgm:linClrLst>
+    <dgm:effectClrLst/>
+    <dgm:txLinClrLst/>
+    <dgm:txFillClrLst/>
+    <dgm:txEffectClrLst/>
+  </dgm:styleLbl>
+  <dgm:styleLbl name="parChTrans2D1">
+    <dgm:fillClrLst meth="repeat">
+      <a:schemeClr val="accent1">
+        <a:tint val="60000"/>
+      </a:schemeClr>
+    </dgm:fillClrLst>
+    <dgm:linClrLst meth="repeat">
+      <a:schemeClr val="accent1">
+        <a:tint val="60000"/>
+      </a:schemeClr>
+    </dgm:linClrLst>
+    <dgm:effectClrLst/>
+    <dgm:txLinClrLst/>
+    <dgm:txFillClrLst meth="repeat">
+      <a:schemeClr val="lt1"/>
+    </dgm:txFillClrLst>
+    <dgm:txEffectClrLst/>
+  </dgm:styleLbl>
+  <dgm:styleLbl name="parChTrans2D2">
+    <dgm:fillClrLst meth="repeat">
+      <a:schemeClr val="accent1"/>
+    </dgm:fillClrLst>
+    <dgm:linClrLst meth="repeat">
+      <a:schemeClr val="accent1"/>
+    </dgm:linClrLst>
+    <dgm:effectClrLst/>
+    <dgm:txLinClrLst/>
+    <dgm:txFillClrLst meth="repeat">
+      <a:schemeClr val="lt1"/>
+    </dgm:txFillClrLst>
+    <dgm:txEffectClrLst/>
+  </dgm:styleLbl>
+  <dgm:styleLbl name="parChTrans2D3">
+    <dgm:fillClrLst meth="repeat">
+      <a:schemeClr val="accent1"/>
+    </dgm:fillClrLst>
+    <dgm:linClrLst meth="repeat">
+      <a:schemeClr val="accent1"/>
+    </dgm:linClrLst>
+    <dgm:effectClrLst/>
+    <dgm:txLinClrLst/>
+    <dgm:txFillClrLst meth="repeat">
+      <a:schemeClr val="lt1"/>
+    </dgm:txFillClrLst>
+    <dgm:txEffectClrLst/>
+  </dgm:styleLbl>
+  <dgm:styleLbl name="parChTrans2D4">
+    <dgm:fillClrLst meth="repeat">
+      <a:schemeClr val="accent1"/>
+    </dgm:fillClrLst>
+    <dgm:linClrLst meth="repeat">
+      <a:schemeClr val="accent1"/>
+    </dgm:linClrLst>
+    <dgm:effectClrLst/>
+    <dgm:txLinClrLst/>
+    <dgm:txFillClrLst meth="repeat">
+      <a:schemeClr val="lt1"/>
+    </dgm:txFillClrLst>
+    <dgm:txEffectClrLst/>
+  </dgm:styleLbl>
+  <dgm:styleLbl name="parChTrans1D1">
+    <dgm:fillClrLst meth="repeat">
+      <a:schemeClr val="accent1"/>
+    </dgm:fillClrLst>
+    <dgm:linClrLst meth="repeat">
+      <a:schemeClr val="accent1">
+        <a:shade val="60000"/>
+      </a:schemeClr>
+    </dgm:linClrLst>
+    <dgm:effectClrLst/>
+    <dgm:txLinClrLst/>
+    <dgm:txFillClrLst meth="repeat">
+      <a:schemeClr val="tx1"/>
+    </dgm:txFillClrLst>
+    <dgm:txEffectClrLst/>
+  </dgm:styleLbl>
+  <dgm:styleLbl name="parChTrans1D2">
+    <dgm:fillClrLst meth="repeat">
+      <a:schemeClr val="accent1"/>
+    </dgm:fillClrLst>
+    <dgm:linClrLst meth="repeat">
+      <a:schemeClr val="accent1">
+        <a:shade val="60000"/>
+      </a:schemeClr>
+    </dgm:linClrLst>
+    <dgm:effectClrLst/>
+    <dgm:txLinClrLst/>
+    <dgm:txFillClrLst meth="repeat">
+      <a:schemeClr val="tx1"/>
+    </dgm:txFillClrLst>
+    <dgm:txEffectClrLst/>
+  </dgm:styleLbl>
+  <dgm:styleLbl name="parChTrans1D3">
+    <dgm:fillClrLst meth="repeat">
+      <a:schemeClr val="accent1"/>
+    </dgm:fillClrLst>
+    <dgm:linClrLst meth="repeat">
+      <a:schemeClr val="accent1">
+        <a:shade val="80000"/>
+      </a:schemeClr>
+    </dgm:linClrLst>
+    <dgm:effectClrLst/>
+    <dgm:txLinClrLst/>
+    <dgm:txFillClrLst meth="repeat">
+      <a:schemeClr val="tx1"/>
+    </dgm:txFillClrLst>
+    <dgm:txEffectClrLst/>
+  </dgm:styleLbl>
+  <dgm:styleLbl name="parChTrans1D4">
+    <dgm:fillClrLst meth="repeat">
+      <a:schemeClr val="accent1"/>
+    </dgm:fillClrLst>
+    <dgm:linClrLst meth="repeat">
+      <a:schemeClr val="accent1">
+        <a:shade val="80000"/>
+      </a:schemeClr>
+    </dgm:linClrLst>
+    <dgm:effectClrLst/>
+    <dgm:txLinClrLst/>
+    <dgm:txFillClrLst meth="repeat">
+      <a:schemeClr val="tx1"/>
+    </dgm:txFillClrLst>
+    <dgm:txEffectClrLst/>
+  </dgm:styleLbl>
+  <dgm:styleLbl name="fgAcc1">
+    <dgm:fillClrLst meth="repeat">
+      <a:schemeClr val="lt1">
+        <a:alpha val="90000"/>
+      </a:schemeClr>
+    </dgm:fillClrLst>
+    <dgm:linClrLst meth="repeat">
+      <a:schemeClr val="accent1"/>
+    </dgm:linClrLst>
+    <dgm:effectClrLst/>
+    <dgm:txLinClrLst/>
+    <dgm:txFillClrLst meth="repeat">
+      <a:schemeClr val="dk1"/>
+    </dgm:txFillClrLst>
+    <dgm:txEffectClrLst/>
+  </dgm:styleLbl>
+  <dgm:styleLbl name="conFgAcc1">
+    <dgm:fillClrLst meth="repeat">
+      <a:schemeClr val="lt1">
+        <a:alpha val="90000"/>
+      </a:schemeClr>
+    </dgm:fillClrLst>
+    <dgm:linClrLst meth="repeat">
+      <a:schemeClr val="accent1"/>
+    </dgm:linClrLst>
+    <dgm:effectClrLst/>
+    <dgm:txLinClrLst/>
+    <dgm:txFillClrLst meth="repeat">
+      <a:schemeClr val="dk1"/>
+    </dgm:txFillClrLst>
+    <dgm:txEffectClrLst/>
+  </dgm:styleLbl>
+  <dgm:styleLbl name="alignAcc1">
+    <dgm:fillClrLst meth="repeat">
+      <a:schemeClr val="lt1">
+        <a:alpha val="90000"/>
+      </a:schemeClr>
+    </dgm:fillClrLst>
+    <dgm:linClrLst meth="repeat">
+      <a:schemeClr val="accent1"/>
+    </dgm:linClrLst>
+    <dgm:effectClrLst/>
+    <dgm:txLinClrLst/>
+    <dgm:txFillClrLst meth="repeat">
+      <a:schemeClr val="dk1"/>
+    </dgm:txFillClrLst>
+    <dgm:txEffectClrLst/>
+  </dgm:styleLbl>
+  <dgm:styleLbl name="trAlignAcc1">
+    <dgm:fillClrLst meth="repeat">
+      <a:schemeClr val="lt1">
+        <a:alpha val="40000"/>
+      </a:schemeClr>
+    </dgm:fillClrLst>
+    <dgm:linClrLst meth="repeat">
+      <a:schemeClr val="accent1"/>
+    </dgm:linClrLst>
+    <dgm:effectClrLst/>
+    <dgm:txLinClrLst/>
+    <dgm:txFillClrLst meth="repeat">
+      <a:schemeClr val="dk1"/>
+    </dgm:txFillClrLst>
+    <dgm:txEffectClrLst/>
+  </dgm:styleLbl>
+  <dgm:styleLbl name="bgAcc1">
+    <dgm:fillClrLst meth="repeat">
+      <a:schemeClr val="lt1">
+        <a:alpha val="90000"/>
+      </a:schemeClr>
+    </dgm:fillClrLst>
+    <dgm:linClrLst meth="repeat">
+      <a:schemeClr val="accent1"/>
+    </dgm:linClrLst>
+    <dgm:effectClrLst/>
+    <dgm:txLinClrLst/>
+    <dgm:txFillClrLst meth="repeat">
+      <a:schemeClr val="dk1"/>
+    </dgm:txFillClrLst>
+    <dgm:txEffectClrLst/>
+  </dgm:styleLbl>
+  <dgm:styleLbl name="solidFgAcc1">
+    <dgm:fillClrLst meth="repeat">
+      <a:schemeClr val="lt1"/>
+    </dgm:fillClrLst>
+    <dgm:linClrLst meth="repeat">
+      <a:schemeClr val="accent1"/>
+    </dgm:linClrLst>
+    <dgm:effectClrLst/>
+    <dgm:txLinClrLst/>
+    <dgm:txFillClrLst meth="repeat">
+      <a:schemeClr val="dk1"/>
+    </dgm:txFillClrLst>
+    <dgm:txEffectClrLst/>
+  </dgm:styleLbl>
+  <dgm:styleLbl name="solidAlignAcc1">
+    <dgm:fillClrLst meth="repeat">
+      <a:schemeClr val="lt1"/>
+    </dgm:fillClrLst>
+    <dgm:linClrLst meth="repeat">
+      <a:schemeClr val="accent1"/>
+    </dgm:linClrLst>
+    <dgm:effectClrLst/>
+    <dgm:txLinClrLst/>
+    <dgm:txFillClrLst meth="repeat">
+      <a:schemeClr val="dk1"/>
+    </dgm:txFillClrLst>
+    <dgm:txEffectClrLst/>
+  </dgm:styleLbl>
+  <dgm:styleLbl name="solidBgAcc1">
+    <dgm:fillClrLst meth="repeat">
+      <a:schemeClr val="lt1"/>
+    </dgm:fillClrLst>
+    <dgm:linClrLst meth="repeat">
+      <a:schemeClr val="accent1"/>
+    </dgm:linClrLst>
+    <dgm:effectClrLst/>
+    <dgm:txLinClrLst/>
+    <dgm:txFillClrLst meth="repeat">
+      <a:schemeClr val="dk1"/>
+    </dgm:txFillClrLst>
+    <dgm:txEffectClrLst/>
+  </dgm:styleLbl>
+  <dgm:styleLbl name="fgAccFollowNode1">
+    <dgm:fillClrLst meth="repeat">
+      <a:schemeClr val="accent1">
+        <a:alpha val="90000"/>
+        <a:tint val="40000"/>
+      </a:schemeClr>
+    </dgm:fillClrLst>
+    <dgm:linClrLst meth="repeat">
+      <a:schemeClr val="accent1">
+        <a:alpha val="90000"/>
+        <a:tint val="40000"/>
+      </a:schemeClr>
+    </dgm:linClrLst>
+    <dgm:effectClrLst/>
+    <dgm:txLinClrLst/>
+    <dgm:txFillClrLst meth="repeat">
+      <a:schemeClr val="dk1"/>
+    </dgm:txFillClrLst>
+    <dgm:txEffectClrLst/>
+  </dgm:styleLbl>
+  <dgm:styleLbl name="alignAccFollowNode1">
+    <dgm:fillClrLst meth="repeat">
+      <a:schemeClr val="accent1">
+        <a:alpha val="90000"/>
+        <a:tint val="40000"/>
+      </a:schemeClr>
+    </dgm:fillClrLst>
+    <dgm:linClrLst meth="repeat">
+      <a:schemeClr val="accent1">
+        <a:alpha val="90000"/>
+        <a:tint val="40000"/>
+      </a:schemeClr>
+    </dgm:linClrLst>
+    <dgm:effectClrLst/>
+    <dgm:txLinClrLst/>
+    <dgm:txFillClrLst meth="repeat">
+      <a:schemeClr val="dk1"/>
+    </dgm:txFillClrLst>
+    <dgm:txEffectClrLst/>
+  </dgm:styleLbl>
+  <dgm:styleLbl name="bgAccFollowNode1">
+    <dgm:fillClrLst meth="repeat">
+      <a:schemeClr val="accent1">
+        <a:alpha val="90000"/>
+        <a:tint val="40000"/>
+      </a:schemeClr>
+    </dgm:fillClrLst>
+    <dgm:linClrLst meth="repeat">
+      <a:schemeClr val="accent1">
+        <a:alpha val="90000"/>
+        <a:tint val="40000"/>
+      </a:schemeClr>
+    </dgm:linClrLst>
+    <dgm:effectClrLst/>
+    <dgm:txLinClrLst/>
+    <dgm:txFillClrLst meth="repeat">
+      <a:schemeClr val="dk1"/>
+    </dgm:txFillClrLst>
+    <dgm:txEffectClrLst/>
+  </dgm:styleLbl>
+  <dgm:styleLbl name="fgAcc0">
+    <dgm:fillClrLst meth="repeat">
+      <a:schemeClr val="lt1">
+        <a:alpha val="90000"/>
+      </a:schemeClr>
+    </dgm:fillClrLst>
+    <dgm:linClrLst meth="repeat">
+      <a:schemeClr val="accent1"/>
+    </dgm:linClrLst>
+    <dgm:effectClrLst/>
+    <dgm:txLinClrLst/>
+    <dgm:txFillClrLst meth="repeat">
+      <a:schemeClr val="dk1"/>
+    </dgm:txFillClrLst>
+    <dgm:txEffectClrLst/>
+  </dgm:styleLbl>
+  <dgm:styleLbl name="fgAcc2">
+    <dgm:fillClrLst meth="repeat">
+      <a:schemeClr val="lt1">
+        <a:alpha val="90000"/>
+      </a:schemeClr>
+    </dgm:fillClrLst>
+    <dgm:linClrLst meth="repeat">
+      <a:schemeClr val="accent1"/>
+    </dgm:linClrLst>
+    <dgm:effectClrLst/>
+    <dgm:txLinClrLst/>
+    <dgm:txFillClrLst meth="repeat">
+      <a:schemeClr val="dk1"/>
+    </dgm:txFillClrLst>
+    <dgm:txEffectClrLst/>
+  </dgm:styleLbl>
+  <dgm:styleLbl name="fgAcc3">
+    <dgm:fillClrLst meth="repeat">
+      <a:schemeClr val="lt1">
+        <a:alpha val="90000"/>
+      </a:schemeClr>
+    </dgm:fillClrLst>
+    <dgm:linClrLst meth="repeat">
+      <a:schemeClr val="accent1"/>
+    </dgm:linClrLst>
+    <dgm:effectClrLst/>
+    <dgm:txLinClrLst/>
+    <dgm:txFillClrLst meth="repeat">
+      <a:schemeClr val="dk1"/>
+    </dgm:txFillClrLst>
+    <dgm:txEffectClrLst/>
+  </dgm:styleLbl>
+  <dgm:styleLbl name="fgAcc4">
+    <dgm:fillClrLst meth="repeat">
+      <a:schemeClr val="lt1">
+        <a:alpha val="90000"/>
+      </a:schemeClr>
+    </dgm:fillClrLst>
+    <dgm:linClrLst meth="repeat">
+      <a:schemeClr val="accent1"/>
+    </dgm:linClrLst>
+    <dgm:effectClrLst/>
+    <dgm:txLinClrLst/>
+    <dgm:txFillClrLst meth="repeat">
+      <a:schemeClr val="dk1"/>
+    </dgm:txFillClrLst>
+    <dgm:txEffectClrLst/>
+  </dgm:styleLbl>
+  <dgm:styleLbl name="bgShp">
+    <dgm:fillClrLst meth="repeat">
+      <a:schemeClr val="accent1">
+        <a:tint val="40000"/>
+      </a:schemeClr>
+    </dgm:fillClrLst>
+    <dgm:linClrLst meth="repeat">
+      <a:schemeClr val="accent1"/>
+    </dgm:linClrLst>
+    <dgm:effectClrLst/>
+    <dgm:txLinClrLst/>
+    <dgm:txFillClrLst meth="repeat">
+      <a:schemeClr val="dk1"/>
+    </dgm:txFillClrLst>
+    <dgm:txEffectClrLst/>
+  </dgm:styleLbl>
+  <dgm:styleLbl name="dkBgShp">
+    <dgm:fillClrLst meth="repeat">
+      <a:schemeClr val="accent1">
+        <a:shade val="80000"/>
+      </a:schemeClr>
+    </dgm:fillClrLst>
+    <dgm:linClrLst meth="repeat">
+      <a:schemeClr val="accent1"/>
+    </dgm:linClrLst>
+    <dgm:effectClrLst/>
+    <dgm:txLinClrLst/>
+    <dgm:txFillClrLst meth="repeat">
+      <a:schemeClr val="lt1"/>
+    </dgm:txFillClrLst>
+    <dgm:txEffectClrLst/>
+  </dgm:styleLbl>
+  <dgm:styleLbl name="trBgShp">
+    <dgm:fillClrLst meth="repeat">
+      <a:schemeClr val="accent1">
+        <a:tint val="50000"/>
+        <a:alpha val="40000"/>
+      </a:schemeClr>
+    </dgm:fillClrLst>
+    <dgm:linClrLst meth="repeat">
+      <a:schemeClr val="accent1"/>
+    </dgm:linClrLst>
+    <dgm:effectClrLst/>
+    <dgm:txLinClrLst/>
+    <dgm:txFillClrLst meth="repeat">
+      <a:schemeClr val="lt1"/>
+    </dgm:txFillClrLst>
+    <dgm:txEffectClrLst/>
+  </dgm:styleLbl>
+  <dgm:styleLbl name="fgShp">
+    <dgm:fillClrLst meth="repeat">
+      <a:schemeClr val="accent1">
+        <a:tint val="60000"/>
+      </a:schemeClr>
+    </dgm:fillClrLst>
+    <dgm:linClrLst meth="repeat">
+      <a:schemeClr val="lt1"/>
+    </dgm:linClrLst>
+    <dgm:effectClrLst/>
+    <dgm:txLinClrLst/>
+    <dgm:txFillClrLst meth="repeat">
+      <a:schemeClr val="dk1"/>
+    </dgm:txFillClrLst>
+    <dgm:txEffectClrLst/>
+  </dgm:styleLbl>
+  <dgm:styleLbl name="revTx">
+    <dgm:fillClrLst meth="repeat">
+      <a:schemeClr val="lt1">
+        <a:alpha val="0"/>
+      </a:schemeClr>
+    </dgm:fillClrLst>
+    <dgm:linClrLst meth="repeat">
+      <a:schemeClr val="dk1">
+        <a:alpha val="0"/>
+      </a:schemeClr>
+    </dgm:linClrLst>
+    <dgm:effectClrLst/>
+    <dgm:txLinClrLst/>
+    <dgm:txFillClrLst meth="repeat">
+      <a:schemeClr val="tx1"/>
+    </dgm:txFillClrLst>
+    <dgm:txEffectClrLst/>
+  </dgm:styleLbl>
+</dgm:colorsDef>
+</file>
+
+<file path=ppt/diagrams/data1.xml><?xml version="1.0" encoding="utf-8"?>
+<dgm:dataModel xmlns:dgm="http://schemas.openxmlformats.org/drawingml/2006/diagram" xmlns:a="http://schemas.openxmlformats.org/drawingml/2006/main">
+  <dgm:ptLst>
+    <dgm:pt modelId="{2F8B88FA-EA34-4251-9CBA-5C72B3D98BEB}" type="doc">
+      <dgm:prSet loTypeId="urn:microsoft.com/office/officeart/2005/8/layout/hList1" loCatId="list" qsTypeId="urn:microsoft.com/office/officeart/2005/8/quickstyle/simple1" qsCatId="simple" csTypeId="urn:microsoft.com/office/officeart/2005/8/colors/accent1_2" csCatId="accent1" phldr="1"/>
+      <dgm:spPr/>
+      <dgm:t>
+        <a:bodyPr/>
+        <a:lstStyle/>
+        <a:p>
+          <a:pPr latinLnBrk="1"/>
+          <a:endParaRPr lang="ko-KR" altLang="en-US"/>
+        </a:p>
+      </dgm:t>
+    </dgm:pt>
+    <dgm:pt modelId="{215C8E6F-8698-47FC-93AC-AE49DF422482}">
+      <dgm:prSet phldrT="[텍스트]"/>
+      <dgm:spPr>
+        <a:solidFill>
+          <a:schemeClr val="accent3">
+            <a:lumMod val="75000"/>
+            <a:alpha val="70000"/>
+          </a:schemeClr>
+        </a:solidFill>
+        <a:ln w="9525">
+          <a:solidFill>
+            <a:schemeClr val="accent3">
+              <a:lumMod val="60000"/>
+              <a:lumOff val="40000"/>
+            </a:schemeClr>
+          </a:solidFill>
+        </a:ln>
+      </dgm:spPr>
+      <dgm:t>
+        <a:bodyPr/>
+        <a:lstStyle/>
+        <a:p>
+          <a:pPr latinLnBrk="1"/>
+          <a:r>
+            <a:rPr lang="en-US" altLang="ko-KR" dirty="0" smtClean="0">
+              <a:latin typeface="나눔바른펜" panose="020B0503000000000000" pitchFamily="50" charset="-127"/>
+              <a:ea typeface="나눔바른펜" panose="020B0503000000000000" pitchFamily="50" charset="-127"/>
+            </a:rPr>
+            <a:t>MOVIE</a:t>
+          </a:r>
+          <a:endParaRPr lang="ko-KR" altLang="en-US" dirty="0">
+            <a:latin typeface="나눔바른펜" panose="020B0503000000000000" pitchFamily="50" charset="-127"/>
+            <a:ea typeface="나눔바른펜" panose="020B0503000000000000" pitchFamily="50" charset="-127"/>
+          </a:endParaRPr>
+        </a:p>
+      </dgm:t>
+    </dgm:pt>
+    <dgm:pt modelId="{462A0A7D-1459-4626-9162-F4D4EA076617}" type="parTrans" cxnId="{8E0FAF16-277F-4C9B-94F2-ABC713667B1B}">
+      <dgm:prSet/>
+      <dgm:spPr/>
+      <dgm:t>
+        <a:bodyPr/>
+        <a:lstStyle/>
+        <a:p>
+          <a:pPr latinLnBrk="1"/>
+          <a:endParaRPr lang="ko-KR" altLang="en-US"/>
+        </a:p>
+      </dgm:t>
+    </dgm:pt>
+    <dgm:pt modelId="{5609EAFB-9704-4FFF-B387-46442AAB325C}" type="sibTrans" cxnId="{8E0FAF16-277F-4C9B-94F2-ABC713667B1B}">
+      <dgm:prSet/>
+      <dgm:spPr/>
+      <dgm:t>
+        <a:bodyPr/>
+        <a:lstStyle/>
+        <a:p>
+          <a:pPr latinLnBrk="1"/>
+          <a:endParaRPr lang="ko-KR" altLang="en-US"/>
+        </a:p>
+      </dgm:t>
+    </dgm:pt>
+    <dgm:pt modelId="{027FFB65-53ED-4095-83DC-53B25035484C}">
+      <dgm:prSet phldrT="[텍스트]" custT="1"/>
+      <dgm:spPr>
+        <a:solidFill>
+          <a:schemeClr val="accent3">
+            <a:lumMod val="20000"/>
+            <a:lumOff val="80000"/>
+          </a:schemeClr>
+        </a:solidFill>
+        <a:ln w="9525">
+          <a:solidFill>
+            <a:schemeClr val="accent3">
+              <a:lumMod val="60000"/>
+              <a:lumOff val="40000"/>
+            </a:schemeClr>
+          </a:solidFill>
+        </a:ln>
+      </dgm:spPr>
+      <dgm:t>
+        <a:bodyPr/>
+        <a:lstStyle/>
+        <a:p>
+          <a:pPr algn="l" latinLnBrk="1"/>
+          <a:r>
+            <a:rPr lang="ko-KR" altLang="en-US" sz="1600" dirty="0" smtClean="0">
+              <a:gradFill>
+                <a:gsLst>
+                  <a:gs pos="0">
+                    <a:schemeClr val="tx1"/>
+                  </a:gs>
+                  <a:gs pos="50000">
+                    <a:schemeClr val="tx1"/>
+                  </a:gs>
+                  <a:gs pos="100000">
+                    <a:schemeClr val="tx1"/>
+                  </a:gs>
+                </a:gsLst>
+                <a:lin ang="5400000" scaled="0"/>
+              </a:gradFill>
+              <a:latin typeface="나눔바른펜" panose="020B0503000000000000" pitchFamily="50" charset="-127"/>
+              <a:ea typeface="나눔바른펜" panose="020B0503000000000000" pitchFamily="50" charset="-127"/>
+            </a:rPr>
+            <a:t>전체 </a:t>
+          </a:r>
+          <a:r>
+            <a:rPr lang="ko-KR" altLang="en-US" sz="1600" dirty="0" err="1" smtClean="0">
+              <a:gradFill>
+                <a:gsLst>
+                  <a:gs pos="0">
+                    <a:schemeClr val="tx1"/>
+                  </a:gs>
+                  <a:gs pos="50000">
+                    <a:schemeClr val="tx1"/>
+                  </a:gs>
+                  <a:gs pos="100000">
+                    <a:schemeClr val="tx1"/>
+                  </a:gs>
+                </a:gsLst>
+                <a:lin ang="5400000" scaled="0"/>
+              </a:gradFill>
+              <a:latin typeface="나눔바른펜" panose="020B0503000000000000" pitchFamily="50" charset="-127"/>
+              <a:ea typeface="나눔바른펜" panose="020B0503000000000000" pitchFamily="50" charset="-127"/>
+            </a:rPr>
+            <a:t>상영작</a:t>
+          </a:r>
+          <a:endParaRPr lang="ko-KR" altLang="en-US" sz="1600" dirty="0">
+            <a:gradFill>
+              <a:gsLst>
+                <a:gs pos="0">
+                  <a:schemeClr val="tx1"/>
+                </a:gs>
+                <a:gs pos="50000">
+                  <a:schemeClr val="tx1"/>
+                </a:gs>
+                <a:gs pos="100000">
+                  <a:schemeClr val="tx1"/>
+                </a:gs>
+              </a:gsLst>
+              <a:lin ang="5400000" scaled="0"/>
+            </a:gradFill>
+            <a:latin typeface="나눔바른펜" panose="020B0503000000000000" pitchFamily="50" charset="-127"/>
+            <a:ea typeface="나눔바른펜" panose="020B0503000000000000" pitchFamily="50" charset="-127"/>
+          </a:endParaRPr>
+        </a:p>
+      </dgm:t>
+    </dgm:pt>
+    <dgm:pt modelId="{EC3FE1C4-0F2B-4AB0-A035-314A3B0E3950}" type="parTrans" cxnId="{A68F27C5-B071-4F3C-A423-A1E7A32EAE75}">
+      <dgm:prSet/>
+      <dgm:spPr/>
+      <dgm:t>
+        <a:bodyPr/>
+        <a:lstStyle/>
+        <a:p>
+          <a:pPr latinLnBrk="1"/>
+          <a:endParaRPr lang="ko-KR" altLang="en-US"/>
+        </a:p>
+      </dgm:t>
+    </dgm:pt>
+    <dgm:pt modelId="{229E109A-D00E-4810-B676-648F96008E67}" type="sibTrans" cxnId="{A68F27C5-B071-4F3C-A423-A1E7A32EAE75}">
+      <dgm:prSet/>
+      <dgm:spPr/>
+      <dgm:t>
+        <a:bodyPr/>
+        <a:lstStyle/>
+        <a:p>
+          <a:pPr latinLnBrk="1"/>
+          <a:endParaRPr lang="ko-KR" altLang="en-US"/>
+        </a:p>
+      </dgm:t>
+    </dgm:pt>
+    <dgm:pt modelId="{1254C8AF-6557-4574-B5B6-7B62FF2F5B17}">
+      <dgm:prSet phldrT="[텍스트]" custT="1"/>
+      <dgm:spPr>
+        <a:solidFill>
+          <a:schemeClr val="accent3">
+            <a:lumMod val="20000"/>
+            <a:lumOff val="80000"/>
+          </a:schemeClr>
+        </a:solidFill>
+        <a:ln w="9525">
+          <a:solidFill>
+            <a:schemeClr val="accent3">
+              <a:lumMod val="60000"/>
+              <a:lumOff val="40000"/>
+            </a:schemeClr>
+          </a:solidFill>
+        </a:ln>
+      </dgm:spPr>
+      <dgm:t>
+        <a:bodyPr/>
+        <a:lstStyle/>
+        <a:p>
+          <a:pPr algn="l" latinLnBrk="1"/>
+          <a:r>
+            <a:rPr lang="ko-KR" altLang="en-US" sz="1600" dirty="0" smtClean="0">
+              <a:gradFill>
+                <a:gsLst>
+                  <a:gs pos="0">
+                    <a:schemeClr val="tx1"/>
+                  </a:gs>
+                  <a:gs pos="50000">
+                    <a:schemeClr val="tx1"/>
+                  </a:gs>
+                  <a:gs pos="100000">
+                    <a:schemeClr val="tx1"/>
+                  </a:gs>
+                </a:gsLst>
+                <a:lin ang="5400000" scaled="0"/>
+              </a:gradFill>
+              <a:latin typeface="나눔바른펜" panose="020B0503000000000000" pitchFamily="50" charset="-127"/>
+              <a:ea typeface="나눔바른펜" panose="020B0503000000000000" pitchFamily="50" charset="-127"/>
+            </a:rPr>
+            <a:t>개봉 </a:t>
+          </a:r>
+          <a:r>
+            <a:rPr lang="ko-KR" altLang="en-US" sz="1600" dirty="0" err="1" smtClean="0">
+              <a:gradFill>
+                <a:gsLst>
+                  <a:gs pos="0">
+                    <a:schemeClr val="tx1"/>
+                  </a:gs>
+                  <a:gs pos="50000">
+                    <a:schemeClr val="tx1"/>
+                  </a:gs>
+                  <a:gs pos="100000">
+                    <a:schemeClr val="tx1"/>
+                  </a:gs>
+                </a:gsLst>
+                <a:lin ang="5400000" scaled="0"/>
+              </a:gradFill>
+              <a:latin typeface="나눔바른펜" panose="020B0503000000000000" pitchFamily="50" charset="-127"/>
+              <a:ea typeface="나눔바른펜" panose="020B0503000000000000" pitchFamily="50" charset="-127"/>
+            </a:rPr>
+            <a:t>예정작</a:t>
+          </a:r>
+          <a:endParaRPr lang="ko-KR" altLang="en-US" sz="1600" dirty="0">
+            <a:gradFill>
+              <a:gsLst>
+                <a:gs pos="0">
+                  <a:schemeClr val="tx1"/>
+                </a:gs>
+                <a:gs pos="50000">
+                  <a:schemeClr val="tx1"/>
+                </a:gs>
+                <a:gs pos="100000">
+                  <a:schemeClr val="tx1"/>
+                </a:gs>
+              </a:gsLst>
+              <a:lin ang="5400000" scaled="0"/>
+            </a:gradFill>
+            <a:latin typeface="나눔바른펜" panose="020B0503000000000000" pitchFamily="50" charset="-127"/>
+            <a:ea typeface="나눔바른펜" panose="020B0503000000000000" pitchFamily="50" charset="-127"/>
+          </a:endParaRPr>
+        </a:p>
+      </dgm:t>
+    </dgm:pt>
+    <dgm:pt modelId="{88D62FCF-91A2-457C-818B-6FAEF1CADC70}" type="parTrans" cxnId="{3D0D9B6B-5BE1-42BD-B7AE-9C28E076DF54}">
+      <dgm:prSet/>
+      <dgm:spPr/>
+      <dgm:t>
+        <a:bodyPr/>
+        <a:lstStyle/>
+        <a:p>
+          <a:pPr latinLnBrk="1"/>
+          <a:endParaRPr lang="ko-KR" altLang="en-US"/>
+        </a:p>
+      </dgm:t>
+    </dgm:pt>
+    <dgm:pt modelId="{729B352F-3AC8-4D49-9477-58DF1FDCA5CD}" type="sibTrans" cxnId="{3D0D9B6B-5BE1-42BD-B7AE-9C28E076DF54}">
+      <dgm:prSet/>
+      <dgm:spPr/>
+      <dgm:t>
+        <a:bodyPr/>
+        <a:lstStyle/>
+        <a:p>
+          <a:pPr latinLnBrk="1"/>
+          <a:endParaRPr lang="ko-KR" altLang="en-US"/>
+        </a:p>
+      </dgm:t>
+    </dgm:pt>
+    <dgm:pt modelId="{1D39F82F-CB9E-4AEF-9924-789E05BF1361}">
+      <dgm:prSet phldrT="[텍스트]"/>
+      <dgm:spPr>
+        <a:solidFill>
+          <a:schemeClr val="accent3">
+            <a:lumMod val="75000"/>
+            <a:alpha val="70000"/>
+          </a:schemeClr>
+        </a:solidFill>
+        <a:ln w="9525">
+          <a:solidFill>
+            <a:schemeClr val="accent3">
+              <a:lumMod val="60000"/>
+              <a:lumOff val="40000"/>
+            </a:schemeClr>
+          </a:solidFill>
+        </a:ln>
+      </dgm:spPr>
+      <dgm:t>
+        <a:bodyPr/>
+        <a:lstStyle/>
+        <a:p>
+          <a:pPr latinLnBrk="1"/>
+          <a:r>
+            <a:rPr lang="en-US" altLang="ko-KR" dirty="0" smtClean="0">
+              <a:latin typeface="나눔바른펜" panose="020B0503000000000000" pitchFamily="50" charset="-127"/>
+              <a:ea typeface="나눔바른펜" panose="020B0503000000000000" pitchFamily="50" charset="-127"/>
+            </a:rPr>
+            <a:t>TICKET</a:t>
+          </a:r>
+          <a:endParaRPr lang="ko-KR" altLang="en-US" dirty="0">
+            <a:latin typeface="나눔바른펜" panose="020B0503000000000000" pitchFamily="50" charset="-127"/>
+            <a:ea typeface="나눔바른펜" panose="020B0503000000000000" pitchFamily="50" charset="-127"/>
+          </a:endParaRPr>
+        </a:p>
+      </dgm:t>
+    </dgm:pt>
+    <dgm:pt modelId="{34268F66-F002-420E-8E52-7CA6B52CED94}" type="parTrans" cxnId="{787ADB6C-7B96-4F1E-B956-25B2113FAF21}">
+      <dgm:prSet/>
+      <dgm:spPr/>
+      <dgm:t>
+        <a:bodyPr/>
+        <a:lstStyle/>
+        <a:p>
+          <a:pPr latinLnBrk="1"/>
+          <a:endParaRPr lang="ko-KR" altLang="en-US"/>
+        </a:p>
+      </dgm:t>
+    </dgm:pt>
+    <dgm:pt modelId="{9A7426B4-0B3B-49B7-BEDA-C195E96E0603}" type="sibTrans" cxnId="{787ADB6C-7B96-4F1E-B956-25B2113FAF21}">
+      <dgm:prSet/>
+      <dgm:spPr/>
+      <dgm:t>
+        <a:bodyPr/>
+        <a:lstStyle/>
+        <a:p>
+          <a:pPr latinLnBrk="1"/>
+          <a:endParaRPr lang="ko-KR" altLang="en-US"/>
+        </a:p>
+      </dgm:t>
+    </dgm:pt>
+    <dgm:pt modelId="{C450C209-8308-4A9C-98D4-D889371E2640}">
+      <dgm:prSet phldrT="[텍스트]" custT="1"/>
+      <dgm:spPr>
+        <a:solidFill>
+          <a:schemeClr val="accent3">
+            <a:lumMod val="20000"/>
+            <a:lumOff val="80000"/>
+          </a:schemeClr>
+        </a:solidFill>
+        <a:ln w="9525">
+          <a:solidFill>
+            <a:schemeClr val="accent3">
+              <a:lumMod val="60000"/>
+              <a:lumOff val="40000"/>
+            </a:schemeClr>
+          </a:solidFill>
+        </a:ln>
+      </dgm:spPr>
+      <dgm:t>
+        <a:bodyPr/>
+        <a:lstStyle/>
+        <a:p>
+          <a:pPr algn="l" latinLnBrk="1"/>
+          <a:r>
+            <a:rPr lang="ko-KR" altLang="en-US" sz="1600" dirty="0" smtClean="0">
+              <a:gradFill>
+                <a:gsLst>
+                  <a:gs pos="0">
+                    <a:schemeClr val="tx1"/>
+                  </a:gs>
+                  <a:gs pos="50000">
+                    <a:schemeClr val="tx1"/>
+                  </a:gs>
+                  <a:gs pos="100000">
+                    <a:schemeClr val="tx1"/>
+                  </a:gs>
+                </a:gsLst>
+                <a:lin ang="5400000" scaled="0"/>
+              </a:gradFill>
+              <a:latin typeface="나눔바른펜" panose="020B0503000000000000" pitchFamily="50" charset="-127"/>
+              <a:ea typeface="나눔바른펜" panose="020B0503000000000000" pitchFamily="50" charset="-127"/>
+            </a:rPr>
+            <a:t>예매하기</a:t>
+          </a:r>
+          <a:endParaRPr lang="ko-KR" altLang="en-US" sz="1600" dirty="0">
+            <a:gradFill>
+              <a:gsLst>
+                <a:gs pos="0">
+                  <a:schemeClr val="tx1"/>
+                </a:gs>
+                <a:gs pos="50000">
+                  <a:schemeClr val="tx1"/>
+                </a:gs>
+                <a:gs pos="100000">
+                  <a:schemeClr val="tx1"/>
+                </a:gs>
+              </a:gsLst>
+              <a:lin ang="5400000" scaled="0"/>
+            </a:gradFill>
+            <a:latin typeface="나눔바른펜" panose="020B0503000000000000" pitchFamily="50" charset="-127"/>
+            <a:ea typeface="나눔바른펜" panose="020B0503000000000000" pitchFamily="50" charset="-127"/>
+          </a:endParaRPr>
+        </a:p>
+      </dgm:t>
+    </dgm:pt>
+    <dgm:pt modelId="{CC1A7DF8-59AD-4F70-A8B7-705A615FF79E}" type="parTrans" cxnId="{786D0149-00D7-4DAD-B1B7-C9D8D2BB33A6}">
+      <dgm:prSet/>
+      <dgm:spPr/>
+      <dgm:t>
+        <a:bodyPr/>
+        <a:lstStyle/>
+        <a:p>
+          <a:pPr latinLnBrk="1"/>
+          <a:endParaRPr lang="ko-KR" altLang="en-US"/>
+        </a:p>
+      </dgm:t>
+    </dgm:pt>
+    <dgm:pt modelId="{1CCC5D79-F41C-4D2C-98C8-C1A51157B37B}" type="sibTrans" cxnId="{786D0149-00D7-4DAD-B1B7-C9D8D2BB33A6}">
+      <dgm:prSet/>
+      <dgm:spPr/>
+      <dgm:t>
+        <a:bodyPr/>
+        <a:lstStyle/>
+        <a:p>
+          <a:pPr latinLnBrk="1"/>
+          <a:endParaRPr lang="ko-KR" altLang="en-US"/>
+        </a:p>
+      </dgm:t>
+    </dgm:pt>
+    <dgm:pt modelId="{64F9711B-B5FD-4BDF-90EB-F46D9240AD61}">
+      <dgm:prSet phldrT="[텍스트]" custT="1"/>
+      <dgm:spPr>
+        <a:solidFill>
+          <a:schemeClr val="accent3">
+            <a:lumMod val="20000"/>
+            <a:lumOff val="80000"/>
+          </a:schemeClr>
+        </a:solidFill>
+        <a:ln w="9525">
+          <a:solidFill>
+            <a:schemeClr val="accent3">
+              <a:lumMod val="60000"/>
+              <a:lumOff val="40000"/>
+            </a:schemeClr>
+          </a:solidFill>
+        </a:ln>
+      </dgm:spPr>
+      <dgm:t>
+        <a:bodyPr/>
+        <a:lstStyle/>
+        <a:p>
+          <a:pPr algn="l" latinLnBrk="1"/>
+          <a:r>
+            <a:rPr lang="ko-KR" altLang="en-US" sz="1600" dirty="0" smtClean="0">
+              <a:gradFill>
+                <a:gsLst>
+                  <a:gs pos="0">
+                    <a:schemeClr val="tx1"/>
+                  </a:gs>
+                  <a:gs pos="50000">
+                    <a:schemeClr val="tx1"/>
+                  </a:gs>
+                  <a:gs pos="100000">
+                    <a:schemeClr val="tx1"/>
+                  </a:gs>
+                </a:gsLst>
+                <a:lin ang="5400000" scaled="0"/>
+              </a:gradFill>
+              <a:latin typeface="나눔바른펜" panose="020B0503000000000000" pitchFamily="50" charset="-127"/>
+              <a:ea typeface="나눔바른펜" panose="020B0503000000000000" pitchFamily="50" charset="-127"/>
+            </a:rPr>
+            <a:t>상영 시간표</a:t>
+          </a:r>
+          <a:endParaRPr lang="ko-KR" altLang="en-US" sz="1600" dirty="0">
+            <a:gradFill>
+              <a:gsLst>
+                <a:gs pos="0">
+                  <a:schemeClr val="tx1"/>
+                </a:gs>
+                <a:gs pos="50000">
+                  <a:schemeClr val="tx1"/>
+                </a:gs>
+                <a:gs pos="100000">
+                  <a:schemeClr val="tx1"/>
+                </a:gs>
+              </a:gsLst>
+              <a:lin ang="5400000" scaled="0"/>
+            </a:gradFill>
+            <a:latin typeface="나눔바른펜" panose="020B0503000000000000" pitchFamily="50" charset="-127"/>
+            <a:ea typeface="나눔바른펜" panose="020B0503000000000000" pitchFamily="50" charset="-127"/>
+          </a:endParaRPr>
+        </a:p>
+      </dgm:t>
+    </dgm:pt>
+    <dgm:pt modelId="{279A19C9-BAE8-424D-9C70-BD7C35FF1D95}" type="parTrans" cxnId="{3181D498-4B12-44A3-B4AC-03F93F890C6A}">
+      <dgm:prSet/>
+      <dgm:spPr/>
+      <dgm:t>
+        <a:bodyPr/>
+        <a:lstStyle/>
+        <a:p>
+          <a:pPr latinLnBrk="1"/>
+          <a:endParaRPr lang="ko-KR" altLang="en-US"/>
+        </a:p>
+      </dgm:t>
+    </dgm:pt>
+    <dgm:pt modelId="{8D6E3D92-C0A5-40F8-B314-D3B005BD01F7}" type="sibTrans" cxnId="{3181D498-4B12-44A3-B4AC-03F93F890C6A}">
+      <dgm:prSet/>
+      <dgm:spPr/>
+      <dgm:t>
+        <a:bodyPr/>
+        <a:lstStyle/>
+        <a:p>
+          <a:pPr latinLnBrk="1"/>
+          <a:endParaRPr lang="ko-KR" altLang="en-US"/>
+        </a:p>
+      </dgm:t>
+    </dgm:pt>
+    <dgm:pt modelId="{3B9BD745-1589-4BC5-B410-DD79990A4AFA}">
+      <dgm:prSet phldrT="[텍스트]"/>
+      <dgm:spPr>
+        <a:solidFill>
+          <a:schemeClr val="accent3">
+            <a:lumMod val="75000"/>
+            <a:alpha val="70000"/>
+          </a:schemeClr>
+        </a:solidFill>
+        <a:ln w="9525">
+          <a:solidFill>
+            <a:schemeClr val="accent3">
+              <a:lumMod val="60000"/>
+              <a:lumOff val="40000"/>
+            </a:schemeClr>
+          </a:solidFill>
+        </a:ln>
+      </dgm:spPr>
+      <dgm:t>
+        <a:bodyPr/>
+        <a:lstStyle/>
+        <a:p>
+          <a:pPr latinLnBrk="1"/>
+          <a:r>
+            <a:rPr lang="en-US" altLang="ko-KR" dirty="0" smtClean="0">
+              <a:latin typeface="나눔바른펜" panose="020B0503000000000000" pitchFamily="50" charset="-127"/>
+              <a:ea typeface="나눔바른펜" panose="020B0503000000000000" pitchFamily="50" charset="-127"/>
+            </a:rPr>
+            <a:t>NOTICE</a:t>
+          </a:r>
+          <a:endParaRPr lang="ko-KR" altLang="en-US" dirty="0">
+            <a:latin typeface="나눔바른펜" panose="020B0503000000000000" pitchFamily="50" charset="-127"/>
+            <a:ea typeface="나눔바른펜" panose="020B0503000000000000" pitchFamily="50" charset="-127"/>
+          </a:endParaRPr>
+        </a:p>
+      </dgm:t>
+    </dgm:pt>
+    <dgm:pt modelId="{79221F01-1F6A-4710-8DFB-1BCF3AA2F051}" type="parTrans" cxnId="{DDBF89B7-7F4B-439B-8C32-493D85B935CC}">
+      <dgm:prSet/>
+      <dgm:spPr/>
+      <dgm:t>
+        <a:bodyPr/>
+        <a:lstStyle/>
+        <a:p>
+          <a:pPr latinLnBrk="1"/>
+          <a:endParaRPr lang="ko-KR" altLang="en-US"/>
+        </a:p>
+      </dgm:t>
+    </dgm:pt>
+    <dgm:pt modelId="{F99F4EDB-8CB5-4045-A896-BB116EF1CDD4}" type="sibTrans" cxnId="{DDBF89B7-7F4B-439B-8C32-493D85B935CC}">
+      <dgm:prSet/>
+      <dgm:spPr/>
+      <dgm:t>
+        <a:bodyPr/>
+        <a:lstStyle/>
+        <a:p>
+          <a:pPr latinLnBrk="1"/>
+          <a:endParaRPr lang="ko-KR" altLang="en-US"/>
+        </a:p>
+      </dgm:t>
+    </dgm:pt>
+    <dgm:pt modelId="{F26CA426-7536-40FD-83BA-7A5A9DC59E14}">
+      <dgm:prSet phldrT="[텍스트]" custT="1"/>
+      <dgm:spPr>
+        <a:solidFill>
+          <a:schemeClr val="accent3">
+            <a:lumMod val="20000"/>
+            <a:lumOff val="80000"/>
+          </a:schemeClr>
+        </a:solidFill>
+        <a:ln w="9525">
+          <a:solidFill>
+            <a:schemeClr val="accent3">
+              <a:lumMod val="60000"/>
+              <a:lumOff val="40000"/>
+            </a:schemeClr>
+          </a:solidFill>
+        </a:ln>
+      </dgm:spPr>
+      <dgm:t>
+        <a:bodyPr/>
+        <a:lstStyle/>
+        <a:p>
+          <a:pPr algn="l" latinLnBrk="1"/>
+          <a:r>
+            <a:rPr lang="ko-KR" altLang="en-US" sz="1600" dirty="0" smtClean="0">
+              <a:gradFill>
+                <a:gsLst>
+                  <a:gs pos="0">
+                    <a:schemeClr val="tx1"/>
+                  </a:gs>
+                  <a:gs pos="50000">
+                    <a:schemeClr val="tx1"/>
+                  </a:gs>
+                  <a:gs pos="100000">
+                    <a:schemeClr val="tx1"/>
+                  </a:gs>
+                </a:gsLst>
+                <a:lin ang="5400000" scaled="0"/>
+              </a:gradFill>
+              <a:latin typeface="나눔바른펜" panose="020B0503000000000000" pitchFamily="50" charset="-127"/>
+              <a:ea typeface="나눔바른펜" panose="020B0503000000000000" pitchFamily="50" charset="-127"/>
+            </a:rPr>
+            <a:t>공지사항</a:t>
+          </a:r>
+          <a:endParaRPr lang="ko-KR" altLang="en-US" sz="1600" dirty="0">
+            <a:gradFill>
+              <a:gsLst>
+                <a:gs pos="0">
+                  <a:schemeClr val="tx1"/>
+                </a:gs>
+                <a:gs pos="50000">
+                  <a:schemeClr val="tx1"/>
+                </a:gs>
+                <a:gs pos="100000">
+                  <a:schemeClr val="tx1"/>
+                </a:gs>
+              </a:gsLst>
+              <a:lin ang="5400000" scaled="0"/>
+            </a:gradFill>
+            <a:latin typeface="나눔바른펜" panose="020B0503000000000000" pitchFamily="50" charset="-127"/>
+            <a:ea typeface="나눔바른펜" panose="020B0503000000000000" pitchFamily="50" charset="-127"/>
+          </a:endParaRPr>
+        </a:p>
+      </dgm:t>
+    </dgm:pt>
+    <dgm:pt modelId="{D42BCC5E-1521-4808-9A4D-EA18E800A0C9}" type="parTrans" cxnId="{7A0C79AC-2D8B-4D06-87E1-C3882C8B2D4F}">
+      <dgm:prSet/>
+      <dgm:spPr/>
+      <dgm:t>
+        <a:bodyPr/>
+        <a:lstStyle/>
+        <a:p>
+          <a:pPr latinLnBrk="1"/>
+          <a:endParaRPr lang="ko-KR" altLang="en-US"/>
+        </a:p>
+      </dgm:t>
+    </dgm:pt>
+    <dgm:pt modelId="{277312FF-E9E9-4FF8-B88F-B218F20CFEDC}" type="sibTrans" cxnId="{7A0C79AC-2D8B-4D06-87E1-C3882C8B2D4F}">
+      <dgm:prSet/>
+      <dgm:spPr/>
+      <dgm:t>
+        <a:bodyPr/>
+        <a:lstStyle/>
+        <a:p>
+          <a:pPr latinLnBrk="1"/>
+          <a:endParaRPr lang="ko-KR" altLang="en-US"/>
+        </a:p>
+      </dgm:t>
+    </dgm:pt>
+    <dgm:pt modelId="{4EF906D9-B3AF-435D-8F7A-75A7DA6F5508}">
+      <dgm:prSet phldrT="[텍스트]" custT="1"/>
+      <dgm:spPr>
+        <a:solidFill>
+          <a:schemeClr val="accent3">
+            <a:lumMod val="20000"/>
+            <a:lumOff val="80000"/>
+          </a:schemeClr>
+        </a:solidFill>
+        <a:ln w="9525">
+          <a:solidFill>
+            <a:schemeClr val="accent3">
+              <a:lumMod val="60000"/>
+              <a:lumOff val="40000"/>
+            </a:schemeClr>
+          </a:solidFill>
+        </a:ln>
+      </dgm:spPr>
+      <dgm:t>
+        <a:bodyPr/>
+        <a:lstStyle/>
+        <a:p>
+          <a:pPr algn="l" latinLnBrk="1"/>
+          <a:r>
+            <a:rPr lang="ko-KR" altLang="en-US" sz="1600" dirty="0" smtClean="0">
+              <a:gradFill>
+                <a:gsLst>
+                  <a:gs pos="0">
+                    <a:schemeClr val="tx1"/>
+                  </a:gs>
+                  <a:gs pos="50000">
+                    <a:schemeClr val="tx1"/>
+                  </a:gs>
+                  <a:gs pos="100000">
+                    <a:schemeClr val="tx1"/>
+                  </a:gs>
+                </a:gsLst>
+                <a:lin ang="5400000" scaled="0"/>
+              </a:gradFill>
+              <a:latin typeface="나눔바른펜" panose="020B0503000000000000" pitchFamily="50" charset="-127"/>
+              <a:ea typeface="나눔바른펜" panose="020B0503000000000000" pitchFamily="50" charset="-127"/>
+            </a:rPr>
+            <a:t>이벤트</a:t>
+          </a:r>
+          <a:endParaRPr lang="ko-KR" altLang="en-US" sz="1600" dirty="0">
+            <a:gradFill>
+              <a:gsLst>
+                <a:gs pos="0">
+                  <a:schemeClr val="tx1"/>
+                </a:gs>
+                <a:gs pos="50000">
+                  <a:schemeClr val="tx1"/>
+                </a:gs>
+                <a:gs pos="100000">
+                  <a:schemeClr val="tx1"/>
+                </a:gs>
+              </a:gsLst>
+              <a:lin ang="5400000" scaled="0"/>
+            </a:gradFill>
+            <a:latin typeface="나눔바른펜" panose="020B0503000000000000" pitchFamily="50" charset="-127"/>
+            <a:ea typeface="나눔바른펜" panose="020B0503000000000000" pitchFamily="50" charset="-127"/>
+          </a:endParaRPr>
+        </a:p>
+      </dgm:t>
+    </dgm:pt>
+    <dgm:pt modelId="{F8D785BC-6A5C-40DB-8BE0-99400824B782}" type="parTrans" cxnId="{EC8D5B0C-D3C7-4E04-A295-72D10DC877CC}">
+      <dgm:prSet/>
+      <dgm:spPr/>
+      <dgm:t>
+        <a:bodyPr/>
+        <a:lstStyle/>
+        <a:p>
+          <a:pPr latinLnBrk="1"/>
+          <a:endParaRPr lang="ko-KR" altLang="en-US"/>
+        </a:p>
+      </dgm:t>
+    </dgm:pt>
+    <dgm:pt modelId="{C77CFE47-2A19-400F-8FAD-28C882C33A54}" type="sibTrans" cxnId="{EC8D5B0C-D3C7-4E04-A295-72D10DC877CC}">
+      <dgm:prSet/>
+      <dgm:spPr/>
+      <dgm:t>
+        <a:bodyPr/>
+        <a:lstStyle/>
+        <a:p>
+          <a:pPr latinLnBrk="1"/>
+          <a:endParaRPr lang="ko-KR" altLang="en-US"/>
+        </a:p>
+      </dgm:t>
+    </dgm:pt>
+    <dgm:pt modelId="{45EB11C7-ECBC-40BF-824A-04F62AE3EED6}">
+      <dgm:prSet phldrT="[텍스트]"/>
+      <dgm:spPr>
+        <a:solidFill>
+          <a:schemeClr val="accent3">
+            <a:lumMod val="75000"/>
+            <a:alpha val="70000"/>
+          </a:schemeClr>
+        </a:solidFill>
+        <a:ln w="9525">
+          <a:solidFill>
+            <a:schemeClr val="accent3">
+              <a:lumMod val="60000"/>
+              <a:lumOff val="40000"/>
+            </a:schemeClr>
+          </a:solidFill>
+        </a:ln>
+      </dgm:spPr>
+      <dgm:t>
+        <a:bodyPr/>
+        <a:lstStyle/>
+        <a:p>
+          <a:pPr latinLnBrk="1"/>
+          <a:r>
+            <a:rPr lang="en-US" altLang="ko-KR" dirty="0" smtClean="0">
+              <a:latin typeface="나눔바른펜" panose="020B0503000000000000" pitchFamily="50" charset="-127"/>
+              <a:ea typeface="나눔바른펜" panose="020B0503000000000000" pitchFamily="50" charset="-127"/>
+            </a:rPr>
+            <a:t>STORE</a:t>
+          </a:r>
+          <a:endParaRPr lang="ko-KR" altLang="en-US" dirty="0">
+            <a:latin typeface="나눔바른펜" panose="020B0503000000000000" pitchFamily="50" charset="-127"/>
+            <a:ea typeface="나눔바른펜" panose="020B0503000000000000" pitchFamily="50" charset="-127"/>
+          </a:endParaRPr>
+        </a:p>
+      </dgm:t>
+    </dgm:pt>
+    <dgm:pt modelId="{27F9701D-AA31-4756-B578-F146F73765A3}" type="parTrans" cxnId="{9088D039-74ED-4DFD-AC2D-4960B61C9D9A}">
+      <dgm:prSet/>
+      <dgm:spPr/>
+      <dgm:t>
+        <a:bodyPr/>
+        <a:lstStyle/>
+        <a:p>
+          <a:pPr latinLnBrk="1"/>
+          <a:endParaRPr lang="ko-KR" altLang="en-US"/>
+        </a:p>
+      </dgm:t>
+    </dgm:pt>
+    <dgm:pt modelId="{7CBBBBB7-E0EE-49EA-BB0A-FFED21E97EF1}" type="sibTrans" cxnId="{9088D039-74ED-4DFD-AC2D-4960B61C9D9A}">
+      <dgm:prSet/>
+      <dgm:spPr/>
+      <dgm:t>
+        <a:bodyPr/>
+        <a:lstStyle/>
+        <a:p>
+          <a:pPr latinLnBrk="1"/>
+          <a:endParaRPr lang="ko-KR" altLang="en-US"/>
+        </a:p>
+      </dgm:t>
+    </dgm:pt>
+    <dgm:pt modelId="{6617F36F-5CF9-4296-B656-1994A056E12A}">
+      <dgm:prSet phldrT="[텍스트]"/>
+      <dgm:spPr>
+        <a:solidFill>
+          <a:schemeClr val="accent3">
+            <a:lumMod val="75000"/>
+            <a:alpha val="70000"/>
+          </a:schemeClr>
+        </a:solidFill>
+        <a:ln w="9525">
+          <a:solidFill>
+            <a:schemeClr val="accent3">
+              <a:lumMod val="60000"/>
+              <a:lumOff val="40000"/>
+            </a:schemeClr>
+          </a:solidFill>
+        </a:ln>
+      </dgm:spPr>
+      <dgm:t>
+        <a:bodyPr/>
+        <a:lstStyle/>
+        <a:p>
+          <a:pPr latinLnBrk="1"/>
+          <a:r>
+            <a:rPr lang="ko-KR" altLang="en-US" dirty="0" err="1" smtClean="0">
+              <a:latin typeface="나눔바른펜" panose="020B0503000000000000" pitchFamily="50" charset="-127"/>
+              <a:ea typeface="나눔바른펜" panose="020B0503000000000000" pitchFamily="50" charset="-127"/>
+            </a:rPr>
+            <a:t>마이페이지</a:t>
+          </a:r>
+          <a:endParaRPr lang="ko-KR" altLang="en-US" dirty="0">
+            <a:latin typeface="나눔바른펜" panose="020B0503000000000000" pitchFamily="50" charset="-127"/>
+            <a:ea typeface="나눔바른펜" panose="020B0503000000000000" pitchFamily="50" charset="-127"/>
+          </a:endParaRPr>
+        </a:p>
+      </dgm:t>
+    </dgm:pt>
+    <dgm:pt modelId="{45C7874A-8C9F-46FD-881D-550CAC8BC0A4}" type="parTrans" cxnId="{C93022D6-4A20-4952-8052-476CFBC4900D}">
+      <dgm:prSet/>
+      <dgm:spPr/>
+      <dgm:t>
+        <a:bodyPr/>
+        <a:lstStyle/>
+        <a:p>
+          <a:pPr latinLnBrk="1"/>
+          <a:endParaRPr lang="ko-KR" altLang="en-US"/>
+        </a:p>
+      </dgm:t>
+    </dgm:pt>
+    <dgm:pt modelId="{465981DB-EAA0-4E6A-B8EE-C22C728DD663}" type="sibTrans" cxnId="{C93022D6-4A20-4952-8052-476CFBC4900D}">
+      <dgm:prSet/>
+      <dgm:spPr/>
+      <dgm:t>
+        <a:bodyPr/>
+        <a:lstStyle/>
+        <a:p>
+          <a:pPr latinLnBrk="1"/>
+          <a:endParaRPr lang="ko-KR" altLang="en-US"/>
+        </a:p>
+      </dgm:t>
+    </dgm:pt>
+    <dgm:pt modelId="{C1F66760-3BCB-499E-AAD9-EAE2099B0150}">
+      <dgm:prSet phldrT="[텍스트]" custT="1"/>
+      <dgm:spPr>
+        <a:solidFill>
+          <a:schemeClr val="accent3">
+            <a:lumMod val="20000"/>
+            <a:lumOff val="80000"/>
+          </a:schemeClr>
+        </a:solidFill>
+        <a:ln w="9525">
+          <a:solidFill>
+            <a:schemeClr val="accent3">
+              <a:lumMod val="60000"/>
+              <a:lumOff val="40000"/>
+            </a:schemeClr>
+          </a:solidFill>
+        </a:ln>
+      </dgm:spPr>
+      <dgm:t>
+        <a:bodyPr/>
+        <a:lstStyle/>
+        <a:p>
+          <a:pPr algn="l" latinLnBrk="1"/>
+          <a:r>
+            <a:rPr lang="ko-KR" altLang="en-US" sz="1600" dirty="0" smtClean="0">
+              <a:gradFill>
+                <a:gsLst>
+                  <a:gs pos="0">
+                    <a:schemeClr val="tx1"/>
+                  </a:gs>
+                  <a:gs pos="50000">
+                    <a:schemeClr val="tx1"/>
+                  </a:gs>
+                  <a:gs pos="100000">
+                    <a:schemeClr val="tx1"/>
+                  </a:gs>
+                </a:gsLst>
+                <a:lin ang="5400000" scaled="0"/>
+              </a:gradFill>
+              <a:latin typeface="나눔바른펜" panose="020B0503000000000000" pitchFamily="50" charset="-127"/>
+              <a:ea typeface="나눔바른펜" panose="020B0503000000000000" pitchFamily="50" charset="-127"/>
+            </a:rPr>
+            <a:t>상품권</a:t>
+          </a:r>
+          <a:endParaRPr lang="ko-KR" altLang="en-US" sz="1600" dirty="0">
+            <a:gradFill>
+              <a:gsLst>
+                <a:gs pos="0">
+                  <a:schemeClr val="tx1"/>
+                </a:gs>
+                <a:gs pos="50000">
+                  <a:schemeClr val="tx1"/>
+                </a:gs>
+                <a:gs pos="100000">
+                  <a:schemeClr val="tx1"/>
+                </a:gs>
+              </a:gsLst>
+              <a:lin ang="5400000" scaled="0"/>
+            </a:gradFill>
+            <a:latin typeface="나눔바른펜" panose="020B0503000000000000" pitchFamily="50" charset="-127"/>
+            <a:ea typeface="나눔바른펜" panose="020B0503000000000000" pitchFamily="50" charset="-127"/>
+          </a:endParaRPr>
+        </a:p>
+      </dgm:t>
+    </dgm:pt>
+    <dgm:pt modelId="{406A1DA7-2549-4BDE-B64F-58CC84F4F87F}" type="parTrans" cxnId="{9DE35CE0-0EE7-4C19-B9F1-629525B4E536}">
+      <dgm:prSet/>
+      <dgm:spPr/>
+      <dgm:t>
+        <a:bodyPr/>
+        <a:lstStyle/>
+        <a:p>
+          <a:pPr latinLnBrk="1"/>
+          <a:endParaRPr lang="ko-KR" altLang="en-US"/>
+        </a:p>
+      </dgm:t>
+    </dgm:pt>
+    <dgm:pt modelId="{6EFEB88A-3217-4F46-BAF1-8B9286D5AA54}" type="sibTrans" cxnId="{9DE35CE0-0EE7-4C19-B9F1-629525B4E536}">
+      <dgm:prSet/>
+      <dgm:spPr/>
+      <dgm:t>
+        <a:bodyPr/>
+        <a:lstStyle/>
+        <a:p>
+          <a:pPr latinLnBrk="1"/>
+          <a:endParaRPr lang="ko-KR" altLang="en-US"/>
+        </a:p>
+      </dgm:t>
+    </dgm:pt>
+    <dgm:pt modelId="{870EF8B5-7B6F-4EC8-93A5-C5738C0B918B}">
+      <dgm:prSet phldrT="[텍스트]" custT="1"/>
+      <dgm:spPr>
+        <a:solidFill>
+          <a:schemeClr val="accent3">
+            <a:lumMod val="20000"/>
+            <a:lumOff val="80000"/>
+          </a:schemeClr>
+        </a:solidFill>
+        <a:ln w="9525">
+          <a:solidFill>
+            <a:schemeClr val="accent3">
+              <a:lumMod val="60000"/>
+              <a:lumOff val="40000"/>
+            </a:schemeClr>
+          </a:solidFill>
+        </a:ln>
+      </dgm:spPr>
+      <dgm:t>
+        <a:bodyPr/>
+        <a:lstStyle/>
+        <a:p>
+          <a:pPr algn="l" latinLnBrk="1"/>
+          <a:r>
+            <a:rPr lang="ko-KR" altLang="en-US" sz="1600" dirty="0" smtClean="0">
+              <a:gradFill>
+                <a:gsLst>
+                  <a:gs pos="0">
+                    <a:schemeClr val="tx1"/>
+                  </a:gs>
+                  <a:gs pos="50000">
+                    <a:schemeClr val="tx1"/>
+                  </a:gs>
+                  <a:gs pos="100000">
+                    <a:schemeClr val="tx1"/>
+                  </a:gs>
+                </a:gsLst>
+                <a:lin ang="5400000" scaled="0"/>
+              </a:gradFill>
+              <a:latin typeface="나눔바른펜" panose="020B0503000000000000" pitchFamily="50" charset="-127"/>
+              <a:ea typeface="나눔바른펜" panose="020B0503000000000000" pitchFamily="50" charset="-127"/>
+            </a:rPr>
+            <a:t>스낵</a:t>
+          </a:r>
+          <a:endParaRPr lang="ko-KR" altLang="en-US" sz="1600" dirty="0">
+            <a:gradFill>
+              <a:gsLst>
+                <a:gs pos="0">
+                  <a:schemeClr val="tx1"/>
+                </a:gs>
+                <a:gs pos="50000">
+                  <a:schemeClr val="tx1"/>
+                </a:gs>
+                <a:gs pos="100000">
+                  <a:schemeClr val="tx1"/>
+                </a:gs>
+              </a:gsLst>
+              <a:lin ang="5400000" scaled="0"/>
+            </a:gradFill>
+            <a:latin typeface="나눔바른펜" panose="020B0503000000000000" pitchFamily="50" charset="-127"/>
+            <a:ea typeface="나눔바른펜" panose="020B0503000000000000" pitchFamily="50" charset="-127"/>
+          </a:endParaRPr>
+        </a:p>
+      </dgm:t>
+    </dgm:pt>
+    <dgm:pt modelId="{CFDE023B-50A8-4C33-917B-D6945EB0CA55}" type="parTrans" cxnId="{D84B4EED-D4BF-4812-8EB0-BB533CA98C72}">
+      <dgm:prSet/>
+      <dgm:spPr/>
+      <dgm:t>
+        <a:bodyPr/>
+        <a:lstStyle/>
+        <a:p>
+          <a:pPr latinLnBrk="1"/>
+          <a:endParaRPr lang="ko-KR" altLang="en-US"/>
+        </a:p>
+      </dgm:t>
+    </dgm:pt>
+    <dgm:pt modelId="{FEC24E2D-3CE3-49C6-A073-D20C2E62821E}" type="sibTrans" cxnId="{D84B4EED-D4BF-4812-8EB0-BB533CA98C72}">
+      <dgm:prSet/>
+      <dgm:spPr/>
+      <dgm:t>
+        <a:bodyPr/>
+        <a:lstStyle/>
+        <a:p>
+          <a:pPr latinLnBrk="1"/>
+          <a:endParaRPr lang="ko-KR" altLang="en-US"/>
+        </a:p>
+      </dgm:t>
+    </dgm:pt>
+    <dgm:pt modelId="{95496468-E1F4-47EE-8895-CB154668ED86}">
+      <dgm:prSet phldrT="[텍스트]" custT="1"/>
+      <dgm:spPr>
+        <a:solidFill>
+          <a:schemeClr val="accent3">
+            <a:lumMod val="20000"/>
+            <a:lumOff val="80000"/>
+            <a:alpha val="90000"/>
+          </a:schemeClr>
+        </a:solidFill>
+        <a:ln w="9525">
+          <a:solidFill>
+            <a:schemeClr val="accent3">
+              <a:lumMod val="60000"/>
+              <a:lumOff val="40000"/>
+            </a:schemeClr>
+          </a:solidFill>
+        </a:ln>
+      </dgm:spPr>
+      <dgm:t>
+        <a:bodyPr/>
+        <a:lstStyle/>
+        <a:p>
+          <a:pPr algn="l" latinLnBrk="1"/>
+          <a:r>
+            <a:rPr lang="ko-KR" altLang="en-US" sz="1600" dirty="0" smtClean="0">
+              <a:gradFill>
+                <a:gsLst>
+                  <a:gs pos="0">
+                    <a:schemeClr val="tx1"/>
+                  </a:gs>
+                  <a:gs pos="50000">
+                    <a:schemeClr val="tx1"/>
+                  </a:gs>
+                  <a:gs pos="100000">
+                    <a:schemeClr val="tx1"/>
+                  </a:gs>
+                </a:gsLst>
+                <a:lin ang="5400000" scaled="0"/>
+              </a:gradFill>
+              <a:latin typeface="나눔바른펜" panose="020B0503000000000000" pitchFamily="50" charset="-127"/>
+              <a:ea typeface="나눔바른펜" panose="020B0503000000000000" pitchFamily="50" charset="-127"/>
+            </a:rPr>
+            <a:t>예매확인</a:t>
+          </a:r>
+          <a:r>
+            <a:rPr lang="en-US" altLang="ko-KR" sz="1600" dirty="0" smtClean="0">
+              <a:gradFill>
+                <a:gsLst>
+                  <a:gs pos="0">
+                    <a:schemeClr val="tx1"/>
+                  </a:gs>
+                  <a:gs pos="50000">
+                    <a:schemeClr val="tx1"/>
+                  </a:gs>
+                  <a:gs pos="100000">
+                    <a:schemeClr val="tx1"/>
+                  </a:gs>
+                </a:gsLst>
+                <a:lin ang="5400000" scaled="0"/>
+              </a:gradFill>
+              <a:latin typeface="나눔바른펜" panose="020B0503000000000000" pitchFamily="50" charset="-127"/>
+              <a:ea typeface="나눔바른펜" panose="020B0503000000000000" pitchFamily="50" charset="-127"/>
+            </a:rPr>
+            <a:t>/</a:t>
+          </a:r>
+          <a:r>
+            <a:rPr lang="ko-KR" altLang="en-US" sz="1600" dirty="0" smtClean="0">
+              <a:gradFill>
+                <a:gsLst>
+                  <a:gs pos="0">
+                    <a:schemeClr val="tx1"/>
+                  </a:gs>
+                  <a:gs pos="50000">
+                    <a:schemeClr val="tx1"/>
+                  </a:gs>
+                  <a:gs pos="100000">
+                    <a:schemeClr val="tx1"/>
+                  </a:gs>
+                </a:gsLst>
+                <a:lin ang="5400000" scaled="0"/>
+              </a:gradFill>
+              <a:latin typeface="나눔바른펜" panose="020B0503000000000000" pitchFamily="50" charset="-127"/>
+              <a:ea typeface="나눔바른펜" panose="020B0503000000000000" pitchFamily="50" charset="-127"/>
+            </a:rPr>
+            <a:t>취소</a:t>
+          </a:r>
+          <a:endParaRPr lang="ko-KR" altLang="en-US" sz="1600" dirty="0">
+            <a:gradFill>
+              <a:gsLst>
+                <a:gs pos="0">
+                  <a:schemeClr val="tx1"/>
+                </a:gs>
+                <a:gs pos="50000">
+                  <a:schemeClr val="tx1"/>
+                </a:gs>
+                <a:gs pos="100000">
+                  <a:schemeClr val="tx1"/>
+                </a:gs>
+              </a:gsLst>
+              <a:lin ang="5400000" scaled="0"/>
+            </a:gradFill>
+            <a:latin typeface="나눔바른펜" panose="020B0503000000000000" pitchFamily="50" charset="-127"/>
+            <a:ea typeface="나눔바른펜" panose="020B0503000000000000" pitchFamily="50" charset="-127"/>
+          </a:endParaRPr>
+        </a:p>
+      </dgm:t>
+    </dgm:pt>
+    <dgm:pt modelId="{7BD8D1F7-C192-4271-BB24-87675A2985CF}" type="parTrans" cxnId="{496CCA6A-ABF4-4FFC-ABE6-52A894AC2DDA}">
+      <dgm:prSet/>
+      <dgm:spPr/>
+      <dgm:t>
+        <a:bodyPr/>
+        <a:lstStyle/>
+        <a:p>
+          <a:pPr latinLnBrk="1"/>
+          <a:endParaRPr lang="ko-KR" altLang="en-US"/>
+        </a:p>
+      </dgm:t>
+    </dgm:pt>
+    <dgm:pt modelId="{8EE9EB16-E76C-4872-BA57-6A78AC28B47A}" type="sibTrans" cxnId="{496CCA6A-ABF4-4FFC-ABE6-52A894AC2DDA}">
+      <dgm:prSet/>
+      <dgm:spPr/>
+      <dgm:t>
+        <a:bodyPr/>
+        <a:lstStyle/>
+        <a:p>
+          <a:pPr latinLnBrk="1"/>
+          <a:endParaRPr lang="ko-KR" altLang="en-US"/>
+        </a:p>
+      </dgm:t>
+    </dgm:pt>
+    <dgm:pt modelId="{55DBFE96-B4F6-4585-B037-C8C88169E3D8}">
+      <dgm:prSet phldrT="[텍스트]" custT="1"/>
+      <dgm:spPr>
+        <a:solidFill>
+          <a:schemeClr val="accent3">
+            <a:lumMod val="20000"/>
+            <a:lumOff val="80000"/>
+            <a:alpha val="90000"/>
+          </a:schemeClr>
+        </a:solidFill>
+        <a:ln w="9525">
+          <a:solidFill>
+            <a:schemeClr val="accent3">
+              <a:lumMod val="60000"/>
+              <a:lumOff val="40000"/>
+            </a:schemeClr>
+          </a:solidFill>
+        </a:ln>
+      </dgm:spPr>
+      <dgm:t>
+        <a:bodyPr/>
+        <a:lstStyle/>
+        <a:p>
+          <a:pPr algn="l" latinLnBrk="1"/>
+          <a:r>
+            <a:rPr lang="ko-KR" altLang="en-US" sz="1600" dirty="0" smtClean="0">
+              <a:gradFill>
+                <a:gsLst>
+                  <a:gs pos="0">
+                    <a:schemeClr val="tx1"/>
+                  </a:gs>
+                  <a:gs pos="50000">
+                    <a:schemeClr val="tx1"/>
+                  </a:gs>
+                  <a:gs pos="100000">
+                    <a:schemeClr val="tx1"/>
+                  </a:gs>
+                </a:gsLst>
+                <a:lin ang="5400000" scaled="0"/>
+              </a:gradFill>
+              <a:latin typeface="나눔바른펜" panose="020B0503000000000000" pitchFamily="50" charset="-127"/>
+              <a:ea typeface="나눔바른펜" panose="020B0503000000000000" pitchFamily="50" charset="-127"/>
+            </a:rPr>
+            <a:t>포인트</a:t>
+          </a:r>
+          <a:endParaRPr lang="ko-KR" altLang="en-US" sz="1600" dirty="0">
+            <a:gradFill>
+              <a:gsLst>
+                <a:gs pos="0">
+                  <a:schemeClr val="tx1"/>
+                </a:gs>
+                <a:gs pos="50000">
+                  <a:schemeClr val="tx1"/>
+                </a:gs>
+                <a:gs pos="100000">
+                  <a:schemeClr val="tx1"/>
+                </a:gs>
+              </a:gsLst>
+              <a:lin ang="5400000" scaled="0"/>
+            </a:gradFill>
+            <a:latin typeface="나눔바른펜" panose="020B0503000000000000" pitchFamily="50" charset="-127"/>
+            <a:ea typeface="나눔바른펜" panose="020B0503000000000000" pitchFamily="50" charset="-127"/>
+          </a:endParaRPr>
+        </a:p>
+      </dgm:t>
+    </dgm:pt>
+    <dgm:pt modelId="{57B4DDBE-0CF7-4EDA-8019-ACB555A97E22}" type="parTrans" cxnId="{97E99388-B023-44C0-9310-9C156A09F497}">
+      <dgm:prSet/>
+      <dgm:spPr/>
+      <dgm:t>
+        <a:bodyPr/>
+        <a:lstStyle/>
+        <a:p>
+          <a:pPr latinLnBrk="1"/>
+          <a:endParaRPr lang="ko-KR" altLang="en-US"/>
+        </a:p>
+      </dgm:t>
+    </dgm:pt>
+    <dgm:pt modelId="{BB652FE6-DB1F-4720-B0B1-18DE713DD0DC}" type="sibTrans" cxnId="{97E99388-B023-44C0-9310-9C156A09F497}">
+      <dgm:prSet/>
+      <dgm:spPr/>
+      <dgm:t>
+        <a:bodyPr/>
+        <a:lstStyle/>
+        <a:p>
+          <a:pPr latinLnBrk="1"/>
+          <a:endParaRPr lang="ko-KR" altLang="en-US"/>
+        </a:p>
+      </dgm:t>
+    </dgm:pt>
+    <dgm:pt modelId="{A758C0D5-6EF2-4333-B1BB-315ED0917CA7}">
+      <dgm:prSet phldrT="[텍스트]" custT="1"/>
+      <dgm:spPr>
+        <a:solidFill>
+          <a:schemeClr val="accent3">
+            <a:lumMod val="20000"/>
+            <a:lumOff val="80000"/>
+            <a:alpha val="90000"/>
+          </a:schemeClr>
+        </a:solidFill>
+        <a:ln w="9525">
+          <a:solidFill>
+            <a:schemeClr val="accent3">
+              <a:lumMod val="60000"/>
+              <a:lumOff val="40000"/>
+            </a:schemeClr>
+          </a:solidFill>
+        </a:ln>
+      </dgm:spPr>
+      <dgm:t>
+        <a:bodyPr/>
+        <a:lstStyle/>
+        <a:p>
+          <a:pPr algn="l" latinLnBrk="1"/>
+          <a:r>
+            <a:rPr lang="ko-KR" altLang="en-US" sz="1600" dirty="0" smtClean="0">
+              <a:gradFill>
+                <a:gsLst>
+                  <a:gs pos="0">
+                    <a:schemeClr val="tx1"/>
+                  </a:gs>
+                  <a:gs pos="50000">
+                    <a:schemeClr val="tx1"/>
+                  </a:gs>
+                  <a:gs pos="100000">
+                    <a:schemeClr val="tx1"/>
+                  </a:gs>
+                </a:gsLst>
+                <a:lin ang="5400000" scaled="0"/>
+              </a:gradFill>
+              <a:latin typeface="나눔바른펜" panose="020B0503000000000000" pitchFamily="50" charset="-127"/>
+              <a:ea typeface="나눔바른펜" panose="020B0503000000000000" pitchFamily="50" charset="-127"/>
+            </a:rPr>
+            <a:t>내정보</a:t>
+          </a:r>
+          <a:endParaRPr lang="ko-KR" altLang="en-US" sz="1600" dirty="0">
+            <a:gradFill>
+              <a:gsLst>
+                <a:gs pos="0">
+                  <a:schemeClr val="tx1"/>
+                </a:gs>
+                <a:gs pos="50000">
+                  <a:schemeClr val="tx1"/>
+                </a:gs>
+                <a:gs pos="100000">
+                  <a:schemeClr val="tx1"/>
+                </a:gs>
+              </a:gsLst>
+              <a:lin ang="5400000" scaled="0"/>
+            </a:gradFill>
+            <a:latin typeface="나눔바른펜" panose="020B0503000000000000" pitchFamily="50" charset="-127"/>
+            <a:ea typeface="나눔바른펜" panose="020B0503000000000000" pitchFamily="50" charset="-127"/>
+          </a:endParaRPr>
+        </a:p>
+      </dgm:t>
+    </dgm:pt>
+    <dgm:pt modelId="{DC2CE7D7-C1CA-4B38-9AF4-0310D3FA84EC}" type="parTrans" cxnId="{3F74A2A1-D6DD-47BF-801B-AE149949F19D}">
+      <dgm:prSet/>
+      <dgm:spPr/>
+      <dgm:t>
+        <a:bodyPr/>
+        <a:lstStyle/>
+        <a:p>
+          <a:pPr latinLnBrk="1"/>
+          <a:endParaRPr lang="ko-KR" altLang="en-US"/>
+        </a:p>
+      </dgm:t>
+    </dgm:pt>
+    <dgm:pt modelId="{2859A6A8-337F-436C-9212-686F42F3A35D}" type="sibTrans" cxnId="{3F74A2A1-D6DD-47BF-801B-AE149949F19D}">
+      <dgm:prSet/>
+      <dgm:spPr/>
+      <dgm:t>
+        <a:bodyPr/>
+        <a:lstStyle/>
+        <a:p>
+          <a:pPr latinLnBrk="1"/>
+          <a:endParaRPr lang="ko-KR" altLang="en-US"/>
+        </a:p>
+      </dgm:t>
+    </dgm:pt>
+    <dgm:pt modelId="{9E2F2849-046D-4E6E-9A08-C09E68FEBD31}" type="pres">
+      <dgm:prSet presAssocID="{2F8B88FA-EA34-4251-9CBA-5C72B3D98BEB}" presName="Name0" presStyleCnt="0">
+        <dgm:presLayoutVars>
+          <dgm:dir/>
+          <dgm:animLvl val="lvl"/>
+          <dgm:resizeHandles val="exact"/>
+        </dgm:presLayoutVars>
+      </dgm:prSet>
+      <dgm:spPr/>
+    </dgm:pt>
+    <dgm:pt modelId="{FA2A9E7F-03DA-42F9-A36E-2E1DC099A0C9}" type="pres">
+      <dgm:prSet presAssocID="{215C8E6F-8698-47FC-93AC-AE49DF422482}" presName="composite" presStyleCnt="0"/>
+      <dgm:spPr/>
+    </dgm:pt>
+    <dgm:pt modelId="{4F4FBED9-4961-4BFD-B6CB-D919CB75C777}" type="pres">
+      <dgm:prSet presAssocID="{215C8E6F-8698-47FC-93AC-AE49DF422482}" presName="parTx" presStyleLbl="alignNode1" presStyleIdx="0" presStyleCnt="5">
+        <dgm:presLayoutVars>
+          <dgm:chMax val="0"/>
+          <dgm:chPref val="0"/>
+          <dgm:bulletEnabled val="1"/>
+        </dgm:presLayoutVars>
+      </dgm:prSet>
+      <dgm:spPr/>
+      <dgm:t>
+        <a:bodyPr/>
+        <a:lstStyle/>
+        <a:p>
+          <a:pPr latinLnBrk="1"/>
+          <a:endParaRPr lang="ko-KR" altLang="en-US"/>
+        </a:p>
+      </dgm:t>
+    </dgm:pt>
+    <dgm:pt modelId="{DC5CA88D-3101-45B6-9E29-45399F16A69B}" type="pres">
+      <dgm:prSet presAssocID="{215C8E6F-8698-47FC-93AC-AE49DF422482}" presName="desTx" presStyleLbl="alignAccFollowNode1" presStyleIdx="0" presStyleCnt="5">
+        <dgm:presLayoutVars>
+          <dgm:bulletEnabled val="1"/>
+        </dgm:presLayoutVars>
+      </dgm:prSet>
+      <dgm:spPr/>
+    </dgm:pt>
+    <dgm:pt modelId="{7D50DED2-D6E0-4252-9783-3AC5792B5F21}" type="pres">
+      <dgm:prSet presAssocID="{5609EAFB-9704-4FFF-B387-46442AAB325C}" presName="space" presStyleCnt="0"/>
+      <dgm:spPr/>
+    </dgm:pt>
+    <dgm:pt modelId="{C434B78D-427C-49E9-8809-BE78EC5F8534}" type="pres">
+      <dgm:prSet presAssocID="{1D39F82F-CB9E-4AEF-9924-789E05BF1361}" presName="composite" presStyleCnt="0"/>
+      <dgm:spPr/>
+    </dgm:pt>
+    <dgm:pt modelId="{2961BFBB-7CC3-41D0-9BDC-606DBDC51D36}" type="pres">
+      <dgm:prSet presAssocID="{1D39F82F-CB9E-4AEF-9924-789E05BF1361}" presName="parTx" presStyleLbl="alignNode1" presStyleIdx="1" presStyleCnt="5">
+        <dgm:presLayoutVars>
+          <dgm:chMax val="0"/>
+          <dgm:chPref val="0"/>
+          <dgm:bulletEnabled val="1"/>
+        </dgm:presLayoutVars>
+      </dgm:prSet>
+      <dgm:spPr/>
+    </dgm:pt>
+    <dgm:pt modelId="{7FC2973A-10FC-4FF6-AFAE-A2B9E17A518C}" type="pres">
+      <dgm:prSet presAssocID="{1D39F82F-CB9E-4AEF-9924-789E05BF1361}" presName="desTx" presStyleLbl="alignAccFollowNode1" presStyleIdx="1" presStyleCnt="5">
+        <dgm:presLayoutVars>
+          <dgm:bulletEnabled val="1"/>
+        </dgm:presLayoutVars>
+      </dgm:prSet>
+      <dgm:spPr/>
+    </dgm:pt>
+    <dgm:pt modelId="{A6C1F90B-A49E-4882-99AE-60F2464192B7}" type="pres">
+      <dgm:prSet presAssocID="{9A7426B4-0B3B-49B7-BEDA-C195E96E0603}" presName="space" presStyleCnt="0"/>
+      <dgm:spPr/>
+    </dgm:pt>
+    <dgm:pt modelId="{5073234B-6B26-4EE0-894E-E2DA18469BA5}" type="pres">
+      <dgm:prSet presAssocID="{3B9BD745-1589-4BC5-B410-DD79990A4AFA}" presName="composite" presStyleCnt="0"/>
+      <dgm:spPr/>
+    </dgm:pt>
+    <dgm:pt modelId="{7A1229C9-7F65-43E9-815F-6D5B7D5CCCE3}" type="pres">
+      <dgm:prSet presAssocID="{3B9BD745-1589-4BC5-B410-DD79990A4AFA}" presName="parTx" presStyleLbl="alignNode1" presStyleIdx="2" presStyleCnt="5">
+        <dgm:presLayoutVars>
+          <dgm:chMax val="0"/>
+          <dgm:chPref val="0"/>
+          <dgm:bulletEnabled val="1"/>
+        </dgm:presLayoutVars>
+      </dgm:prSet>
+      <dgm:spPr/>
+    </dgm:pt>
+    <dgm:pt modelId="{EB7F7FF9-E83D-4EC0-8872-1B735211698C}" type="pres">
+      <dgm:prSet presAssocID="{3B9BD745-1589-4BC5-B410-DD79990A4AFA}" presName="desTx" presStyleLbl="alignAccFollowNode1" presStyleIdx="2" presStyleCnt="5">
+        <dgm:presLayoutVars>
+          <dgm:bulletEnabled val="1"/>
+        </dgm:presLayoutVars>
+      </dgm:prSet>
+      <dgm:spPr/>
+      <dgm:t>
+        <a:bodyPr/>
+        <a:lstStyle/>
+        <a:p>
+          <a:pPr latinLnBrk="1"/>
+          <a:endParaRPr lang="ko-KR" altLang="en-US"/>
+        </a:p>
+      </dgm:t>
+    </dgm:pt>
+    <dgm:pt modelId="{84853561-58A6-4EA4-BEF6-AB6343EF0999}" type="pres">
+      <dgm:prSet presAssocID="{F99F4EDB-8CB5-4045-A896-BB116EF1CDD4}" presName="space" presStyleCnt="0"/>
+      <dgm:spPr/>
+    </dgm:pt>
+    <dgm:pt modelId="{903D43FA-5A94-4022-BD23-2691BD1B5F67}" type="pres">
+      <dgm:prSet presAssocID="{45EB11C7-ECBC-40BF-824A-04F62AE3EED6}" presName="composite" presStyleCnt="0"/>
+      <dgm:spPr/>
+    </dgm:pt>
+    <dgm:pt modelId="{4B92E83B-F9CF-4713-B507-9FE4CEF0A712}" type="pres">
+      <dgm:prSet presAssocID="{45EB11C7-ECBC-40BF-824A-04F62AE3EED6}" presName="parTx" presStyleLbl="alignNode1" presStyleIdx="3" presStyleCnt="5">
+        <dgm:presLayoutVars>
+          <dgm:chMax val="0"/>
+          <dgm:chPref val="0"/>
+          <dgm:bulletEnabled val="1"/>
+        </dgm:presLayoutVars>
+      </dgm:prSet>
+      <dgm:spPr/>
+      <dgm:t>
+        <a:bodyPr/>
+        <a:lstStyle/>
+        <a:p>
+          <a:pPr latinLnBrk="1"/>
+          <a:endParaRPr lang="ko-KR" altLang="en-US"/>
+        </a:p>
+      </dgm:t>
+    </dgm:pt>
+    <dgm:pt modelId="{2EDF3C54-863C-4C72-B123-8CDE63D9D4C8}" type="pres">
+      <dgm:prSet presAssocID="{45EB11C7-ECBC-40BF-824A-04F62AE3EED6}" presName="desTx" presStyleLbl="alignAccFollowNode1" presStyleIdx="3" presStyleCnt="5">
+        <dgm:presLayoutVars>
+          <dgm:bulletEnabled val="1"/>
+        </dgm:presLayoutVars>
+      </dgm:prSet>
+      <dgm:spPr/>
+      <dgm:t>
+        <a:bodyPr/>
+        <a:lstStyle/>
+        <a:p>
+          <a:pPr latinLnBrk="1"/>
+          <a:endParaRPr lang="ko-KR" altLang="en-US"/>
+        </a:p>
+      </dgm:t>
+    </dgm:pt>
+    <dgm:pt modelId="{34DE6290-F9F8-42AA-9484-5F0C73F4C487}" type="pres">
+      <dgm:prSet presAssocID="{7CBBBBB7-E0EE-49EA-BB0A-FFED21E97EF1}" presName="space" presStyleCnt="0"/>
+      <dgm:spPr/>
+    </dgm:pt>
+    <dgm:pt modelId="{7E70AE26-6708-4150-AA33-5C63F24FF61D}" type="pres">
+      <dgm:prSet presAssocID="{6617F36F-5CF9-4296-B656-1994A056E12A}" presName="composite" presStyleCnt="0"/>
+      <dgm:spPr/>
+    </dgm:pt>
+    <dgm:pt modelId="{CC294880-8F4C-4732-8DA4-FC776C8C7BDC}" type="pres">
+      <dgm:prSet presAssocID="{6617F36F-5CF9-4296-B656-1994A056E12A}" presName="parTx" presStyleLbl="alignNode1" presStyleIdx="4" presStyleCnt="5">
+        <dgm:presLayoutVars>
+          <dgm:chMax val="0"/>
+          <dgm:chPref val="0"/>
+          <dgm:bulletEnabled val="1"/>
+        </dgm:presLayoutVars>
+      </dgm:prSet>
+      <dgm:spPr/>
+      <dgm:t>
+        <a:bodyPr/>
+        <a:lstStyle/>
+        <a:p>
+          <a:pPr latinLnBrk="1"/>
+          <a:endParaRPr lang="ko-KR" altLang="en-US"/>
+        </a:p>
+      </dgm:t>
+    </dgm:pt>
+    <dgm:pt modelId="{2F67CF71-6509-4AD2-A898-2D2DA3287EB5}" type="pres">
+      <dgm:prSet presAssocID="{6617F36F-5CF9-4296-B656-1994A056E12A}" presName="desTx" presStyleLbl="alignAccFollowNode1" presStyleIdx="4" presStyleCnt="5">
+        <dgm:presLayoutVars>
+          <dgm:bulletEnabled val="1"/>
+        </dgm:presLayoutVars>
+      </dgm:prSet>
+      <dgm:spPr/>
+    </dgm:pt>
+  </dgm:ptLst>
+  <dgm:cxnLst>
+    <dgm:cxn modelId="{3181D498-4B12-44A3-B4AC-03F93F890C6A}" srcId="{1D39F82F-CB9E-4AEF-9924-789E05BF1361}" destId="{64F9711B-B5FD-4BDF-90EB-F46D9240AD61}" srcOrd="1" destOrd="0" parTransId="{279A19C9-BAE8-424D-9C70-BD7C35FF1D95}" sibTransId="{8D6E3D92-C0A5-40F8-B314-D3B005BD01F7}"/>
+    <dgm:cxn modelId="{EC8D5B0C-D3C7-4E04-A295-72D10DC877CC}" srcId="{3B9BD745-1589-4BC5-B410-DD79990A4AFA}" destId="{4EF906D9-B3AF-435D-8F7A-75A7DA6F5508}" srcOrd="1" destOrd="0" parTransId="{F8D785BC-6A5C-40DB-8BE0-99400824B782}" sibTransId="{C77CFE47-2A19-400F-8FAD-28C882C33A54}"/>
+    <dgm:cxn modelId="{496CCA6A-ABF4-4FFC-ABE6-52A894AC2DDA}" srcId="{6617F36F-5CF9-4296-B656-1994A056E12A}" destId="{95496468-E1F4-47EE-8895-CB154668ED86}" srcOrd="0" destOrd="0" parTransId="{7BD8D1F7-C192-4271-BB24-87675A2985CF}" sibTransId="{8EE9EB16-E76C-4872-BA57-6A78AC28B47A}"/>
+    <dgm:cxn modelId="{A68F27C5-B071-4F3C-A423-A1E7A32EAE75}" srcId="{215C8E6F-8698-47FC-93AC-AE49DF422482}" destId="{027FFB65-53ED-4095-83DC-53B25035484C}" srcOrd="0" destOrd="0" parTransId="{EC3FE1C4-0F2B-4AB0-A035-314A3B0E3950}" sibTransId="{229E109A-D00E-4810-B676-648F96008E67}"/>
+    <dgm:cxn modelId="{BB4FDE6A-6B2E-473E-AFF2-157339124EBD}" type="presOf" srcId="{1254C8AF-6557-4574-B5B6-7B62FF2F5B17}" destId="{DC5CA88D-3101-45B6-9E29-45399F16A69B}" srcOrd="0" destOrd="1" presId="urn:microsoft.com/office/officeart/2005/8/layout/hList1"/>
+    <dgm:cxn modelId="{97E99388-B023-44C0-9310-9C156A09F497}" srcId="{6617F36F-5CF9-4296-B656-1994A056E12A}" destId="{55DBFE96-B4F6-4585-B037-C8C88169E3D8}" srcOrd="1" destOrd="0" parTransId="{57B4DDBE-0CF7-4EDA-8019-ACB555A97E22}" sibTransId="{BB652FE6-DB1F-4720-B0B1-18DE713DD0DC}"/>
+    <dgm:cxn modelId="{9088D039-74ED-4DFD-AC2D-4960B61C9D9A}" srcId="{2F8B88FA-EA34-4251-9CBA-5C72B3D98BEB}" destId="{45EB11C7-ECBC-40BF-824A-04F62AE3EED6}" srcOrd="3" destOrd="0" parTransId="{27F9701D-AA31-4756-B578-F146F73765A3}" sibTransId="{7CBBBBB7-E0EE-49EA-BB0A-FFED21E97EF1}"/>
+    <dgm:cxn modelId="{DDBF89B7-7F4B-439B-8C32-493D85B935CC}" srcId="{2F8B88FA-EA34-4251-9CBA-5C72B3D98BEB}" destId="{3B9BD745-1589-4BC5-B410-DD79990A4AFA}" srcOrd="2" destOrd="0" parTransId="{79221F01-1F6A-4710-8DFB-1BCF3AA2F051}" sibTransId="{F99F4EDB-8CB5-4045-A896-BB116EF1CDD4}"/>
+    <dgm:cxn modelId="{D84B4EED-D4BF-4812-8EB0-BB533CA98C72}" srcId="{45EB11C7-ECBC-40BF-824A-04F62AE3EED6}" destId="{870EF8B5-7B6F-4EC8-93A5-C5738C0B918B}" srcOrd="1" destOrd="0" parTransId="{CFDE023B-50A8-4C33-917B-D6945EB0CA55}" sibTransId="{FEC24E2D-3CE3-49C6-A073-D20C2E62821E}"/>
+    <dgm:cxn modelId="{C38AD431-DCBA-40E8-A62A-3A21978E4F16}" type="presOf" srcId="{027FFB65-53ED-4095-83DC-53B25035484C}" destId="{DC5CA88D-3101-45B6-9E29-45399F16A69B}" srcOrd="0" destOrd="0" presId="urn:microsoft.com/office/officeart/2005/8/layout/hList1"/>
+    <dgm:cxn modelId="{2867D864-B222-4225-BDA4-B0888B89B4C1}" type="presOf" srcId="{870EF8B5-7B6F-4EC8-93A5-C5738C0B918B}" destId="{2EDF3C54-863C-4C72-B123-8CDE63D9D4C8}" srcOrd="0" destOrd="1" presId="urn:microsoft.com/office/officeart/2005/8/layout/hList1"/>
+    <dgm:cxn modelId="{786D0149-00D7-4DAD-B1B7-C9D8D2BB33A6}" srcId="{1D39F82F-CB9E-4AEF-9924-789E05BF1361}" destId="{C450C209-8308-4A9C-98D4-D889371E2640}" srcOrd="0" destOrd="0" parTransId="{CC1A7DF8-59AD-4F70-A8B7-705A615FF79E}" sibTransId="{1CCC5D79-F41C-4D2C-98C8-C1A51157B37B}"/>
+    <dgm:cxn modelId="{FF68B049-920C-449B-9DAC-0591FDC5D4A6}" type="presOf" srcId="{A758C0D5-6EF2-4333-B1BB-315ED0917CA7}" destId="{2F67CF71-6509-4AD2-A898-2D2DA3287EB5}" srcOrd="0" destOrd="2" presId="urn:microsoft.com/office/officeart/2005/8/layout/hList1"/>
+    <dgm:cxn modelId="{787ADB6C-7B96-4F1E-B956-25B2113FAF21}" srcId="{2F8B88FA-EA34-4251-9CBA-5C72B3D98BEB}" destId="{1D39F82F-CB9E-4AEF-9924-789E05BF1361}" srcOrd="1" destOrd="0" parTransId="{34268F66-F002-420E-8E52-7CA6B52CED94}" sibTransId="{9A7426B4-0B3B-49B7-BEDA-C195E96E0603}"/>
+    <dgm:cxn modelId="{1134AAA7-A3EB-4529-9393-505476047E60}" type="presOf" srcId="{95496468-E1F4-47EE-8895-CB154668ED86}" destId="{2F67CF71-6509-4AD2-A898-2D2DA3287EB5}" srcOrd="0" destOrd="0" presId="urn:microsoft.com/office/officeart/2005/8/layout/hList1"/>
+    <dgm:cxn modelId="{75634A3E-1171-44CF-B0BB-EB980D367E5B}" type="presOf" srcId="{4EF906D9-B3AF-435D-8F7A-75A7DA6F5508}" destId="{EB7F7FF9-E83D-4EC0-8872-1B735211698C}" srcOrd="0" destOrd="1" presId="urn:microsoft.com/office/officeart/2005/8/layout/hList1"/>
+    <dgm:cxn modelId="{126230FF-77EC-4AC8-9972-BE87ED18D43D}" type="presOf" srcId="{215C8E6F-8698-47FC-93AC-AE49DF422482}" destId="{4F4FBED9-4961-4BFD-B6CB-D919CB75C777}" srcOrd="0" destOrd="0" presId="urn:microsoft.com/office/officeart/2005/8/layout/hList1"/>
+    <dgm:cxn modelId="{ADA7A178-185A-412B-964E-63B6630A16FC}" type="presOf" srcId="{C1F66760-3BCB-499E-AAD9-EAE2099B0150}" destId="{2EDF3C54-863C-4C72-B123-8CDE63D9D4C8}" srcOrd="0" destOrd="0" presId="urn:microsoft.com/office/officeart/2005/8/layout/hList1"/>
+    <dgm:cxn modelId="{622F6949-13A4-401C-9A9C-19C70CA8A769}" type="presOf" srcId="{1D39F82F-CB9E-4AEF-9924-789E05BF1361}" destId="{2961BFBB-7CC3-41D0-9BDC-606DBDC51D36}" srcOrd="0" destOrd="0" presId="urn:microsoft.com/office/officeart/2005/8/layout/hList1"/>
+    <dgm:cxn modelId="{C77D61DE-013E-4F80-94E0-C79EEFE957C5}" type="presOf" srcId="{C450C209-8308-4A9C-98D4-D889371E2640}" destId="{7FC2973A-10FC-4FF6-AFAE-A2B9E17A518C}" srcOrd="0" destOrd="0" presId="urn:microsoft.com/office/officeart/2005/8/layout/hList1"/>
+    <dgm:cxn modelId="{9DE35CE0-0EE7-4C19-B9F1-629525B4E536}" srcId="{45EB11C7-ECBC-40BF-824A-04F62AE3EED6}" destId="{C1F66760-3BCB-499E-AAD9-EAE2099B0150}" srcOrd="0" destOrd="0" parTransId="{406A1DA7-2549-4BDE-B64F-58CC84F4F87F}" sibTransId="{6EFEB88A-3217-4F46-BAF1-8B9286D5AA54}"/>
+    <dgm:cxn modelId="{27E8AB6B-D395-4874-B749-18A400A2B81F}" type="presOf" srcId="{6617F36F-5CF9-4296-B656-1994A056E12A}" destId="{CC294880-8F4C-4732-8DA4-FC776C8C7BDC}" srcOrd="0" destOrd="0" presId="urn:microsoft.com/office/officeart/2005/8/layout/hList1"/>
+    <dgm:cxn modelId="{3F74A2A1-D6DD-47BF-801B-AE149949F19D}" srcId="{6617F36F-5CF9-4296-B656-1994A056E12A}" destId="{A758C0D5-6EF2-4333-B1BB-315ED0917CA7}" srcOrd="2" destOrd="0" parTransId="{DC2CE7D7-C1CA-4B38-9AF4-0310D3FA84EC}" sibTransId="{2859A6A8-337F-436C-9212-686F42F3A35D}"/>
+    <dgm:cxn modelId="{3D0D9B6B-5BE1-42BD-B7AE-9C28E076DF54}" srcId="{215C8E6F-8698-47FC-93AC-AE49DF422482}" destId="{1254C8AF-6557-4574-B5B6-7B62FF2F5B17}" srcOrd="1" destOrd="0" parTransId="{88D62FCF-91A2-457C-818B-6FAEF1CADC70}" sibTransId="{729B352F-3AC8-4D49-9477-58DF1FDCA5CD}"/>
+    <dgm:cxn modelId="{CEBA26BA-A0CE-4DB3-947C-5C311A41B0A3}" type="presOf" srcId="{3B9BD745-1589-4BC5-B410-DD79990A4AFA}" destId="{7A1229C9-7F65-43E9-815F-6D5B7D5CCCE3}" srcOrd="0" destOrd="0" presId="urn:microsoft.com/office/officeart/2005/8/layout/hList1"/>
+    <dgm:cxn modelId="{C93022D6-4A20-4952-8052-476CFBC4900D}" srcId="{2F8B88FA-EA34-4251-9CBA-5C72B3D98BEB}" destId="{6617F36F-5CF9-4296-B656-1994A056E12A}" srcOrd="4" destOrd="0" parTransId="{45C7874A-8C9F-46FD-881D-550CAC8BC0A4}" sibTransId="{465981DB-EAA0-4E6A-B8EE-C22C728DD663}"/>
+    <dgm:cxn modelId="{EB321502-1366-4280-BA07-E022B0107AD7}" type="presOf" srcId="{45EB11C7-ECBC-40BF-824A-04F62AE3EED6}" destId="{4B92E83B-F9CF-4713-B507-9FE4CEF0A712}" srcOrd="0" destOrd="0" presId="urn:microsoft.com/office/officeart/2005/8/layout/hList1"/>
+    <dgm:cxn modelId="{7A0C79AC-2D8B-4D06-87E1-C3882C8B2D4F}" srcId="{3B9BD745-1589-4BC5-B410-DD79990A4AFA}" destId="{F26CA426-7536-40FD-83BA-7A5A9DC59E14}" srcOrd="0" destOrd="0" parTransId="{D42BCC5E-1521-4808-9A4D-EA18E800A0C9}" sibTransId="{277312FF-E9E9-4FF8-B88F-B218F20CFEDC}"/>
+    <dgm:cxn modelId="{74FE0B33-6E41-41B5-A44C-8AC8D672820B}" type="presOf" srcId="{F26CA426-7536-40FD-83BA-7A5A9DC59E14}" destId="{EB7F7FF9-E83D-4EC0-8872-1B735211698C}" srcOrd="0" destOrd="0" presId="urn:microsoft.com/office/officeart/2005/8/layout/hList1"/>
+    <dgm:cxn modelId="{59B8BCFE-28DD-4FE0-A90D-CEDEC2DBF2FF}" type="presOf" srcId="{2F8B88FA-EA34-4251-9CBA-5C72B3D98BEB}" destId="{9E2F2849-046D-4E6E-9A08-C09E68FEBD31}" srcOrd="0" destOrd="0" presId="urn:microsoft.com/office/officeart/2005/8/layout/hList1"/>
+    <dgm:cxn modelId="{8884DDF1-F22B-4ECF-94F5-02111C7155EA}" type="presOf" srcId="{64F9711B-B5FD-4BDF-90EB-F46D9240AD61}" destId="{7FC2973A-10FC-4FF6-AFAE-A2B9E17A518C}" srcOrd="0" destOrd="1" presId="urn:microsoft.com/office/officeart/2005/8/layout/hList1"/>
+    <dgm:cxn modelId="{8E0FAF16-277F-4C9B-94F2-ABC713667B1B}" srcId="{2F8B88FA-EA34-4251-9CBA-5C72B3D98BEB}" destId="{215C8E6F-8698-47FC-93AC-AE49DF422482}" srcOrd="0" destOrd="0" parTransId="{462A0A7D-1459-4626-9162-F4D4EA076617}" sibTransId="{5609EAFB-9704-4FFF-B387-46442AAB325C}"/>
+    <dgm:cxn modelId="{00A89A29-3DD8-416E-A811-4D0B7796883D}" type="presOf" srcId="{55DBFE96-B4F6-4585-B037-C8C88169E3D8}" destId="{2F67CF71-6509-4AD2-A898-2D2DA3287EB5}" srcOrd="0" destOrd="1" presId="urn:microsoft.com/office/officeart/2005/8/layout/hList1"/>
+    <dgm:cxn modelId="{BD0E1A65-A9B9-4DD3-9F68-08DBA5B0A321}" type="presParOf" srcId="{9E2F2849-046D-4E6E-9A08-C09E68FEBD31}" destId="{FA2A9E7F-03DA-42F9-A36E-2E1DC099A0C9}" srcOrd="0" destOrd="0" presId="urn:microsoft.com/office/officeart/2005/8/layout/hList1"/>
+    <dgm:cxn modelId="{29C61941-B7D5-49C3-9144-5F02A87E9BFD}" type="presParOf" srcId="{FA2A9E7F-03DA-42F9-A36E-2E1DC099A0C9}" destId="{4F4FBED9-4961-4BFD-B6CB-D919CB75C777}" srcOrd="0" destOrd="0" presId="urn:microsoft.com/office/officeart/2005/8/layout/hList1"/>
+    <dgm:cxn modelId="{5A4A819C-8E1D-421E-BAB9-1E2DA6759612}" type="presParOf" srcId="{FA2A9E7F-03DA-42F9-A36E-2E1DC099A0C9}" destId="{DC5CA88D-3101-45B6-9E29-45399F16A69B}" srcOrd="1" destOrd="0" presId="urn:microsoft.com/office/officeart/2005/8/layout/hList1"/>
+    <dgm:cxn modelId="{2287847E-8812-4D20-911A-D450FBCF8BEA}" type="presParOf" srcId="{9E2F2849-046D-4E6E-9A08-C09E68FEBD31}" destId="{7D50DED2-D6E0-4252-9783-3AC5792B5F21}" srcOrd="1" destOrd="0" presId="urn:microsoft.com/office/officeart/2005/8/layout/hList1"/>
+    <dgm:cxn modelId="{97B08363-67E9-4D1F-A3DB-B318B5709779}" type="presParOf" srcId="{9E2F2849-046D-4E6E-9A08-C09E68FEBD31}" destId="{C434B78D-427C-49E9-8809-BE78EC5F8534}" srcOrd="2" destOrd="0" presId="urn:microsoft.com/office/officeart/2005/8/layout/hList1"/>
+    <dgm:cxn modelId="{628CC1BD-68E9-44A4-A945-1A2E495D6D2B}" type="presParOf" srcId="{C434B78D-427C-49E9-8809-BE78EC5F8534}" destId="{2961BFBB-7CC3-41D0-9BDC-606DBDC51D36}" srcOrd="0" destOrd="0" presId="urn:microsoft.com/office/officeart/2005/8/layout/hList1"/>
+    <dgm:cxn modelId="{DFD1445C-E143-427E-A7CC-97DE9DC8FAA6}" type="presParOf" srcId="{C434B78D-427C-49E9-8809-BE78EC5F8534}" destId="{7FC2973A-10FC-4FF6-AFAE-A2B9E17A518C}" srcOrd="1" destOrd="0" presId="urn:microsoft.com/office/officeart/2005/8/layout/hList1"/>
+    <dgm:cxn modelId="{77A2D493-AFE5-4E23-964E-AB9DDAC5D6AA}" type="presParOf" srcId="{9E2F2849-046D-4E6E-9A08-C09E68FEBD31}" destId="{A6C1F90B-A49E-4882-99AE-60F2464192B7}" srcOrd="3" destOrd="0" presId="urn:microsoft.com/office/officeart/2005/8/layout/hList1"/>
+    <dgm:cxn modelId="{7022F7C5-9D29-43D4-B64D-DED9B5BC0730}" type="presParOf" srcId="{9E2F2849-046D-4E6E-9A08-C09E68FEBD31}" destId="{5073234B-6B26-4EE0-894E-E2DA18469BA5}" srcOrd="4" destOrd="0" presId="urn:microsoft.com/office/officeart/2005/8/layout/hList1"/>
+    <dgm:cxn modelId="{D9B9473E-3D37-416C-A298-478DD172D2E7}" type="presParOf" srcId="{5073234B-6B26-4EE0-894E-E2DA18469BA5}" destId="{7A1229C9-7F65-43E9-815F-6D5B7D5CCCE3}" srcOrd="0" destOrd="0" presId="urn:microsoft.com/office/officeart/2005/8/layout/hList1"/>
+    <dgm:cxn modelId="{5F9F2C70-EDAC-4F93-83F8-6F46661007A2}" type="presParOf" srcId="{5073234B-6B26-4EE0-894E-E2DA18469BA5}" destId="{EB7F7FF9-E83D-4EC0-8872-1B735211698C}" srcOrd="1" destOrd="0" presId="urn:microsoft.com/office/officeart/2005/8/layout/hList1"/>
+    <dgm:cxn modelId="{DEDA5168-5041-406F-BA64-A2E61BA665AE}" type="presParOf" srcId="{9E2F2849-046D-4E6E-9A08-C09E68FEBD31}" destId="{84853561-58A6-4EA4-BEF6-AB6343EF0999}" srcOrd="5" destOrd="0" presId="urn:microsoft.com/office/officeart/2005/8/layout/hList1"/>
+    <dgm:cxn modelId="{C22EE78E-BD22-49C1-805E-42F4E38FAC64}" type="presParOf" srcId="{9E2F2849-046D-4E6E-9A08-C09E68FEBD31}" destId="{903D43FA-5A94-4022-BD23-2691BD1B5F67}" srcOrd="6" destOrd="0" presId="urn:microsoft.com/office/officeart/2005/8/layout/hList1"/>
+    <dgm:cxn modelId="{DE81F6E2-5740-41A0-A905-5CDBDC3487C9}" type="presParOf" srcId="{903D43FA-5A94-4022-BD23-2691BD1B5F67}" destId="{4B92E83B-F9CF-4713-B507-9FE4CEF0A712}" srcOrd="0" destOrd="0" presId="urn:microsoft.com/office/officeart/2005/8/layout/hList1"/>
+    <dgm:cxn modelId="{56932C62-F35D-495B-8F3B-E6AEAAFA5B6E}" type="presParOf" srcId="{903D43FA-5A94-4022-BD23-2691BD1B5F67}" destId="{2EDF3C54-863C-4C72-B123-8CDE63D9D4C8}" srcOrd="1" destOrd="0" presId="urn:microsoft.com/office/officeart/2005/8/layout/hList1"/>
+    <dgm:cxn modelId="{20170C64-B0FF-43A7-AA18-034FCBBB8E07}" type="presParOf" srcId="{9E2F2849-046D-4E6E-9A08-C09E68FEBD31}" destId="{34DE6290-F9F8-42AA-9484-5F0C73F4C487}" srcOrd="7" destOrd="0" presId="urn:microsoft.com/office/officeart/2005/8/layout/hList1"/>
+    <dgm:cxn modelId="{3E24E9E4-E43E-4206-A85E-510EEA683524}" type="presParOf" srcId="{9E2F2849-046D-4E6E-9A08-C09E68FEBD31}" destId="{7E70AE26-6708-4150-AA33-5C63F24FF61D}" srcOrd="8" destOrd="0" presId="urn:microsoft.com/office/officeart/2005/8/layout/hList1"/>
+    <dgm:cxn modelId="{AD1179FA-4B17-4817-B0A9-7FF9C84953D9}" type="presParOf" srcId="{7E70AE26-6708-4150-AA33-5C63F24FF61D}" destId="{CC294880-8F4C-4732-8DA4-FC776C8C7BDC}" srcOrd="0" destOrd="0" presId="urn:microsoft.com/office/officeart/2005/8/layout/hList1"/>
+    <dgm:cxn modelId="{4BFDAC0B-334F-44E6-8D01-19F7794AF8DD}" type="presParOf" srcId="{7E70AE26-6708-4150-AA33-5C63F24FF61D}" destId="{2F67CF71-6509-4AD2-A898-2D2DA3287EB5}" srcOrd="1" destOrd="0" presId="urn:microsoft.com/office/officeart/2005/8/layout/hList1"/>
+  </dgm:cxnLst>
+  <dgm:bg/>
+  <dgm:whole/>
+  <dgm:extLst>
+    <a:ext uri="http://schemas.microsoft.com/office/drawing/2008/diagram">
+      <dsp:dataModelExt xmlns:dsp="http://schemas.microsoft.com/office/drawing/2008/diagram" relId="rId6" minVer="http://schemas.openxmlformats.org/drawingml/2006/diagram"/>
+    </a:ext>
+  </dgm:extLst>
+</dgm:dataModel>
+</file>
+
+<file path=ppt/diagrams/drawing1.xml><?xml version="1.0" encoding="utf-8"?>
+<dsp:drawing xmlns:dgm="http://schemas.openxmlformats.org/drawingml/2006/diagram" xmlns:dsp="http://schemas.microsoft.com/office/drawing/2008/diagram" xmlns:a="http://schemas.openxmlformats.org/drawingml/2006/main">
+  <dsp:spTree>
+    <dsp:nvGrpSpPr>
+      <dsp:cNvPr id="0" name=""/>
+      <dsp:cNvGrpSpPr/>
+    </dsp:nvGrpSpPr>
+    <dsp:grpSpPr/>
+    <dsp:sp modelId="{4F4FBED9-4961-4BFD-B6CB-D919CB75C777}">
+      <dsp:nvSpPr>
+        <dsp:cNvPr id="0" name=""/>
+        <dsp:cNvSpPr/>
+      </dsp:nvSpPr>
+      <dsp:spPr>
+        <a:xfrm>
+          <a:off x="3830" y="1822924"/>
+          <a:ext cx="1468478" cy="587391"/>
+        </a:xfrm>
+        <a:prstGeom prst="rect">
+          <a:avLst/>
+        </a:prstGeom>
+        <a:solidFill>
+          <a:schemeClr val="accent3">
+            <a:lumMod val="75000"/>
+            <a:alpha val="70000"/>
+          </a:schemeClr>
+        </a:solidFill>
+        <a:ln w="9525" cap="flat" cmpd="sng" algn="ctr">
+          <a:solidFill>
+            <a:schemeClr val="accent3">
+              <a:lumMod val="60000"/>
+              <a:lumOff val="40000"/>
+            </a:schemeClr>
+          </a:solidFill>
+          <a:prstDash val="solid"/>
+        </a:ln>
+        <a:effectLst/>
+      </dsp:spPr>
+      <dsp:style>
+        <a:lnRef idx="2">
+          <a:scrgbClr r="0" g="0" b="0"/>
+        </a:lnRef>
+        <a:fillRef idx="1">
+          <a:scrgbClr r="0" g="0" b="0"/>
+        </a:fillRef>
+        <a:effectRef idx="0">
+          <a:scrgbClr r="0" g="0" b="0"/>
+        </a:effectRef>
+        <a:fontRef idx="minor">
+          <a:schemeClr val="lt1"/>
+        </a:fontRef>
+      </dsp:style>
+      <dsp:txBody>
+        <a:bodyPr spcFirstLastPara="0" vert="horz" wrap="square" lIns="149352" tIns="85344" rIns="149352" bIns="85344" numCol="1" spcCol="1270" anchor="ctr" anchorCtr="0">
+          <a:noAutofit/>
+        </a:bodyPr>
+        <a:lstStyle/>
+        <a:p>
+          <a:pPr lvl="0" algn="ctr" defTabSz="933450" latinLnBrk="1">
+            <a:lnSpc>
+              <a:spcPct val="90000"/>
+            </a:lnSpc>
+            <a:spcBef>
+              <a:spcPct val="0"/>
+            </a:spcBef>
+            <a:spcAft>
+              <a:spcPct val="35000"/>
+            </a:spcAft>
+          </a:pPr>
+          <a:r>
+            <a:rPr lang="en-US" altLang="ko-KR" sz="2100" kern="1200" dirty="0" smtClean="0">
+              <a:latin typeface="나눔바른펜" panose="020B0503000000000000" pitchFamily="50" charset="-127"/>
+              <a:ea typeface="나눔바른펜" panose="020B0503000000000000" pitchFamily="50" charset="-127"/>
+            </a:rPr>
+            <a:t>MOVIE</a:t>
+          </a:r>
+          <a:endParaRPr lang="ko-KR" altLang="en-US" sz="2100" kern="1200" dirty="0">
+            <a:latin typeface="나눔바른펜" panose="020B0503000000000000" pitchFamily="50" charset="-127"/>
+            <a:ea typeface="나눔바른펜" panose="020B0503000000000000" pitchFamily="50" charset="-127"/>
+          </a:endParaRPr>
+        </a:p>
+      </dsp:txBody>
+      <dsp:txXfrm>
+        <a:off x="3830" y="1822924"/>
+        <a:ext cx="1468478" cy="587391"/>
+      </dsp:txXfrm>
+    </dsp:sp>
+    <dsp:sp modelId="{DC5CA88D-3101-45B6-9E29-45399F16A69B}">
+      <dsp:nvSpPr>
+        <dsp:cNvPr id="0" name=""/>
+        <dsp:cNvSpPr/>
+      </dsp:nvSpPr>
+      <dsp:spPr>
+        <a:xfrm>
+          <a:off x="3830" y="2410315"/>
+          <a:ext cx="1468478" cy="1239367"/>
+        </a:xfrm>
+        <a:prstGeom prst="rect">
+          <a:avLst/>
+        </a:prstGeom>
+        <a:solidFill>
+          <a:schemeClr val="accent3">
+            <a:lumMod val="20000"/>
+            <a:lumOff val="80000"/>
+          </a:schemeClr>
+        </a:solidFill>
+        <a:ln w="9525" cap="flat" cmpd="sng" algn="ctr">
+          <a:solidFill>
+            <a:schemeClr val="accent3">
+              <a:lumMod val="60000"/>
+              <a:lumOff val="40000"/>
+            </a:schemeClr>
+          </a:solidFill>
+          <a:prstDash val="solid"/>
+        </a:ln>
+        <a:effectLst/>
+      </dsp:spPr>
+      <dsp:style>
+        <a:lnRef idx="2">
+          <a:scrgbClr r="0" g="0" b="0"/>
+        </a:lnRef>
+        <a:fillRef idx="1">
+          <a:scrgbClr r="0" g="0" b="0"/>
+        </a:fillRef>
+        <a:effectRef idx="0">
+          <a:scrgbClr r="0" g="0" b="0"/>
+        </a:effectRef>
+        <a:fontRef idx="minor"/>
+      </dsp:style>
+      <dsp:txBody>
+        <a:bodyPr spcFirstLastPara="0" vert="horz" wrap="square" lIns="85344" tIns="85344" rIns="113792" bIns="128016" numCol="1" spcCol="1270" anchor="t" anchorCtr="0">
+          <a:noAutofit/>
+        </a:bodyPr>
+        <a:lstStyle/>
+        <a:p>
+          <a:pPr marL="171450" lvl="1" indent="-171450" algn="l" defTabSz="711200" latinLnBrk="1">
+            <a:lnSpc>
+              <a:spcPct val="90000"/>
+            </a:lnSpc>
+            <a:spcBef>
+              <a:spcPct val="0"/>
+            </a:spcBef>
+            <a:spcAft>
+              <a:spcPct val="15000"/>
+            </a:spcAft>
+            <a:buChar char="••"/>
+          </a:pPr>
+          <a:r>
+            <a:rPr lang="ko-KR" altLang="en-US" sz="1600" kern="1200" dirty="0" smtClean="0">
+              <a:gradFill>
+                <a:gsLst>
+                  <a:gs pos="0">
+                    <a:schemeClr val="tx1"/>
+                  </a:gs>
+                  <a:gs pos="50000">
+                    <a:schemeClr val="tx1"/>
+                  </a:gs>
+                  <a:gs pos="100000">
+                    <a:schemeClr val="tx1"/>
+                  </a:gs>
+                </a:gsLst>
+                <a:lin ang="5400000" scaled="0"/>
+              </a:gradFill>
+              <a:latin typeface="나눔바른펜" panose="020B0503000000000000" pitchFamily="50" charset="-127"/>
+              <a:ea typeface="나눔바른펜" panose="020B0503000000000000" pitchFamily="50" charset="-127"/>
+            </a:rPr>
+            <a:t>전체 </a:t>
+          </a:r>
+          <a:r>
+            <a:rPr lang="ko-KR" altLang="en-US" sz="1600" kern="1200" dirty="0" err="1" smtClean="0">
+              <a:gradFill>
+                <a:gsLst>
+                  <a:gs pos="0">
+                    <a:schemeClr val="tx1"/>
+                  </a:gs>
+                  <a:gs pos="50000">
+                    <a:schemeClr val="tx1"/>
+                  </a:gs>
+                  <a:gs pos="100000">
+                    <a:schemeClr val="tx1"/>
+                  </a:gs>
+                </a:gsLst>
+                <a:lin ang="5400000" scaled="0"/>
+              </a:gradFill>
+              <a:latin typeface="나눔바른펜" panose="020B0503000000000000" pitchFamily="50" charset="-127"/>
+              <a:ea typeface="나눔바른펜" panose="020B0503000000000000" pitchFamily="50" charset="-127"/>
+            </a:rPr>
+            <a:t>상영작</a:t>
+          </a:r>
+          <a:endParaRPr lang="ko-KR" altLang="en-US" sz="1600" kern="1200" dirty="0">
+            <a:gradFill>
+              <a:gsLst>
+                <a:gs pos="0">
+                  <a:schemeClr val="tx1"/>
+                </a:gs>
+                <a:gs pos="50000">
+                  <a:schemeClr val="tx1"/>
+                </a:gs>
+                <a:gs pos="100000">
+                  <a:schemeClr val="tx1"/>
+                </a:gs>
+              </a:gsLst>
+              <a:lin ang="5400000" scaled="0"/>
+            </a:gradFill>
+            <a:latin typeface="나눔바른펜" panose="020B0503000000000000" pitchFamily="50" charset="-127"/>
+            <a:ea typeface="나눔바른펜" panose="020B0503000000000000" pitchFamily="50" charset="-127"/>
+          </a:endParaRPr>
+        </a:p>
+        <a:p>
+          <a:pPr marL="171450" lvl="1" indent="-171450" algn="l" defTabSz="711200" latinLnBrk="1">
+            <a:lnSpc>
+              <a:spcPct val="90000"/>
+            </a:lnSpc>
+            <a:spcBef>
+              <a:spcPct val="0"/>
+            </a:spcBef>
+            <a:spcAft>
+              <a:spcPct val="15000"/>
+            </a:spcAft>
+            <a:buChar char="••"/>
+          </a:pPr>
+          <a:r>
+            <a:rPr lang="ko-KR" altLang="en-US" sz="1600" kern="1200" dirty="0" smtClean="0">
+              <a:gradFill>
+                <a:gsLst>
+                  <a:gs pos="0">
+                    <a:schemeClr val="tx1"/>
+                  </a:gs>
+                  <a:gs pos="50000">
+                    <a:schemeClr val="tx1"/>
+                  </a:gs>
+                  <a:gs pos="100000">
+                    <a:schemeClr val="tx1"/>
+                  </a:gs>
+                </a:gsLst>
+                <a:lin ang="5400000" scaled="0"/>
+              </a:gradFill>
+              <a:latin typeface="나눔바른펜" panose="020B0503000000000000" pitchFamily="50" charset="-127"/>
+              <a:ea typeface="나눔바른펜" panose="020B0503000000000000" pitchFamily="50" charset="-127"/>
+            </a:rPr>
+            <a:t>개봉 </a:t>
+          </a:r>
+          <a:r>
+            <a:rPr lang="ko-KR" altLang="en-US" sz="1600" kern="1200" dirty="0" err="1" smtClean="0">
+              <a:gradFill>
+                <a:gsLst>
+                  <a:gs pos="0">
+                    <a:schemeClr val="tx1"/>
+                  </a:gs>
+                  <a:gs pos="50000">
+                    <a:schemeClr val="tx1"/>
+                  </a:gs>
+                  <a:gs pos="100000">
+                    <a:schemeClr val="tx1"/>
+                  </a:gs>
+                </a:gsLst>
+                <a:lin ang="5400000" scaled="0"/>
+              </a:gradFill>
+              <a:latin typeface="나눔바른펜" panose="020B0503000000000000" pitchFamily="50" charset="-127"/>
+              <a:ea typeface="나눔바른펜" panose="020B0503000000000000" pitchFamily="50" charset="-127"/>
+            </a:rPr>
+            <a:t>예정작</a:t>
+          </a:r>
+          <a:endParaRPr lang="ko-KR" altLang="en-US" sz="1600" kern="1200" dirty="0">
+            <a:gradFill>
+              <a:gsLst>
+                <a:gs pos="0">
+                  <a:schemeClr val="tx1"/>
+                </a:gs>
+                <a:gs pos="50000">
+                  <a:schemeClr val="tx1"/>
+                </a:gs>
+                <a:gs pos="100000">
+                  <a:schemeClr val="tx1"/>
+                </a:gs>
+              </a:gsLst>
+              <a:lin ang="5400000" scaled="0"/>
+            </a:gradFill>
+            <a:latin typeface="나눔바른펜" panose="020B0503000000000000" pitchFamily="50" charset="-127"/>
+            <a:ea typeface="나눔바른펜" panose="020B0503000000000000" pitchFamily="50" charset="-127"/>
+          </a:endParaRPr>
+        </a:p>
+      </dsp:txBody>
+      <dsp:txXfrm>
+        <a:off x="3830" y="2410315"/>
+        <a:ext cx="1468478" cy="1239367"/>
+      </dsp:txXfrm>
+    </dsp:sp>
+    <dsp:sp modelId="{2961BFBB-7CC3-41D0-9BDC-606DBDC51D36}">
+      <dsp:nvSpPr>
+        <dsp:cNvPr id="0" name=""/>
+        <dsp:cNvSpPr/>
+      </dsp:nvSpPr>
+      <dsp:spPr>
+        <a:xfrm>
+          <a:off x="1677895" y="1822924"/>
+          <a:ext cx="1468478" cy="587391"/>
+        </a:xfrm>
+        <a:prstGeom prst="rect">
+          <a:avLst/>
+        </a:prstGeom>
+        <a:solidFill>
+          <a:schemeClr val="accent3">
+            <a:lumMod val="75000"/>
+            <a:alpha val="70000"/>
+          </a:schemeClr>
+        </a:solidFill>
+        <a:ln w="9525" cap="flat" cmpd="sng" algn="ctr">
+          <a:solidFill>
+            <a:schemeClr val="accent3">
+              <a:lumMod val="60000"/>
+              <a:lumOff val="40000"/>
+            </a:schemeClr>
+          </a:solidFill>
+          <a:prstDash val="solid"/>
+        </a:ln>
+        <a:effectLst/>
+      </dsp:spPr>
+      <dsp:style>
+        <a:lnRef idx="2">
+          <a:scrgbClr r="0" g="0" b="0"/>
+        </a:lnRef>
+        <a:fillRef idx="1">
+          <a:scrgbClr r="0" g="0" b="0"/>
+        </a:fillRef>
+        <a:effectRef idx="0">
+          <a:scrgbClr r="0" g="0" b="0"/>
+        </a:effectRef>
+        <a:fontRef idx="minor">
+          <a:schemeClr val="lt1"/>
+        </a:fontRef>
+      </dsp:style>
+      <dsp:txBody>
+        <a:bodyPr spcFirstLastPara="0" vert="horz" wrap="square" lIns="149352" tIns="85344" rIns="149352" bIns="85344" numCol="1" spcCol="1270" anchor="ctr" anchorCtr="0">
+          <a:noAutofit/>
+        </a:bodyPr>
+        <a:lstStyle/>
+        <a:p>
+          <a:pPr lvl="0" algn="ctr" defTabSz="933450" latinLnBrk="1">
+            <a:lnSpc>
+              <a:spcPct val="90000"/>
+            </a:lnSpc>
+            <a:spcBef>
+              <a:spcPct val="0"/>
+            </a:spcBef>
+            <a:spcAft>
+              <a:spcPct val="35000"/>
+            </a:spcAft>
+          </a:pPr>
+          <a:r>
+            <a:rPr lang="en-US" altLang="ko-KR" sz="2100" kern="1200" dirty="0" smtClean="0">
+              <a:latin typeface="나눔바른펜" panose="020B0503000000000000" pitchFamily="50" charset="-127"/>
+              <a:ea typeface="나눔바른펜" panose="020B0503000000000000" pitchFamily="50" charset="-127"/>
+            </a:rPr>
+            <a:t>TICKET</a:t>
+          </a:r>
+          <a:endParaRPr lang="ko-KR" altLang="en-US" sz="2100" kern="1200" dirty="0">
+            <a:latin typeface="나눔바른펜" panose="020B0503000000000000" pitchFamily="50" charset="-127"/>
+            <a:ea typeface="나눔바른펜" panose="020B0503000000000000" pitchFamily="50" charset="-127"/>
+          </a:endParaRPr>
+        </a:p>
+      </dsp:txBody>
+      <dsp:txXfrm>
+        <a:off x="1677895" y="1822924"/>
+        <a:ext cx="1468478" cy="587391"/>
+      </dsp:txXfrm>
+    </dsp:sp>
+    <dsp:sp modelId="{7FC2973A-10FC-4FF6-AFAE-A2B9E17A518C}">
+      <dsp:nvSpPr>
+        <dsp:cNvPr id="0" name=""/>
+        <dsp:cNvSpPr/>
+      </dsp:nvSpPr>
+      <dsp:spPr>
+        <a:xfrm>
+          <a:off x="1677895" y="2410315"/>
+          <a:ext cx="1468478" cy="1239367"/>
+        </a:xfrm>
+        <a:prstGeom prst="rect">
+          <a:avLst/>
+        </a:prstGeom>
+        <a:solidFill>
+          <a:schemeClr val="accent3">
+            <a:lumMod val="20000"/>
+            <a:lumOff val="80000"/>
+          </a:schemeClr>
+        </a:solidFill>
+        <a:ln w="9525" cap="flat" cmpd="sng" algn="ctr">
+          <a:solidFill>
+            <a:schemeClr val="accent3">
+              <a:lumMod val="60000"/>
+              <a:lumOff val="40000"/>
+            </a:schemeClr>
+          </a:solidFill>
+          <a:prstDash val="solid"/>
+        </a:ln>
+        <a:effectLst/>
+      </dsp:spPr>
+      <dsp:style>
+        <a:lnRef idx="2">
+          <a:scrgbClr r="0" g="0" b="0"/>
+        </a:lnRef>
+        <a:fillRef idx="1">
+          <a:scrgbClr r="0" g="0" b="0"/>
+        </a:fillRef>
+        <a:effectRef idx="0">
+          <a:scrgbClr r="0" g="0" b="0"/>
+        </a:effectRef>
+        <a:fontRef idx="minor"/>
+      </dsp:style>
+      <dsp:txBody>
+        <a:bodyPr spcFirstLastPara="0" vert="horz" wrap="square" lIns="85344" tIns="85344" rIns="113792" bIns="128016" numCol="1" spcCol="1270" anchor="t" anchorCtr="0">
+          <a:noAutofit/>
+        </a:bodyPr>
+        <a:lstStyle/>
+        <a:p>
+          <a:pPr marL="171450" lvl="1" indent="-171450" algn="l" defTabSz="711200" latinLnBrk="1">
+            <a:lnSpc>
+              <a:spcPct val="90000"/>
+            </a:lnSpc>
+            <a:spcBef>
+              <a:spcPct val="0"/>
+            </a:spcBef>
+            <a:spcAft>
+              <a:spcPct val="15000"/>
+            </a:spcAft>
+            <a:buChar char="••"/>
+          </a:pPr>
+          <a:r>
+            <a:rPr lang="ko-KR" altLang="en-US" sz="1600" kern="1200" dirty="0" smtClean="0">
+              <a:gradFill>
+                <a:gsLst>
+                  <a:gs pos="0">
+                    <a:schemeClr val="tx1"/>
+                  </a:gs>
+                  <a:gs pos="50000">
+                    <a:schemeClr val="tx1"/>
+                  </a:gs>
+                  <a:gs pos="100000">
+                    <a:schemeClr val="tx1"/>
+                  </a:gs>
+                </a:gsLst>
+                <a:lin ang="5400000" scaled="0"/>
+              </a:gradFill>
+              <a:latin typeface="나눔바른펜" panose="020B0503000000000000" pitchFamily="50" charset="-127"/>
+              <a:ea typeface="나눔바른펜" panose="020B0503000000000000" pitchFamily="50" charset="-127"/>
+            </a:rPr>
+            <a:t>예매하기</a:t>
+          </a:r>
+          <a:endParaRPr lang="ko-KR" altLang="en-US" sz="1600" kern="1200" dirty="0">
+            <a:gradFill>
+              <a:gsLst>
+                <a:gs pos="0">
+                  <a:schemeClr val="tx1"/>
+                </a:gs>
+                <a:gs pos="50000">
+                  <a:schemeClr val="tx1"/>
+                </a:gs>
+                <a:gs pos="100000">
+                  <a:schemeClr val="tx1"/>
+                </a:gs>
+              </a:gsLst>
+              <a:lin ang="5400000" scaled="0"/>
+            </a:gradFill>
+            <a:latin typeface="나눔바른펜" panose="020B0503000000000000" pitchFamily="50" charset="-127"/>
+            <a:ea typeface="나눔바른펜" panose="020B0503000000000000" pitchFamily="50" charset="-127"/>
+          </a:endParaRPr>
+        </a:p>
+        <a:p>
+          <a:pPr marL="171450" lvl="1" indent="-171450" algn="l" defTabSz="711200" latinLnBrk="1">
+            <a:lnSpc>
+              <a:spcPct val="90000"/>
+            </a:lnSpc>
+            <a:spcBef>
+              <a:spcPct val="0"/>
+            </a:spcBef>
+            <a:spcAft>
+              <a:spcPct val="15000"/>
+            </a:spcAft>
+            <a:buChar char="••"/>
+          </a:pPr>
+          <a:r>
+            <a:rPr lang="ko-KR" altLang="en-US" sz="1600" kern="1200" dirty="0" smtClean="0">
+              <a:gradFill>
+                <a:gsLst>
+                  <a:gs pos="0">
+                    <a:schemeClr val="tx1"/>
+                  </a:gs>
+                  <a:gs pos="50000">
+                    <a:schemeClr val="tx1"/>
+                  </a:gs>
+                  <a:gs pos="100000">
+                    <a:schemeClr val="tx1"/>
+                  </a:gs>
+                </a:gsLst>
+                <a:lin ang="5400000" scaled="0"/>
+              </a:gradFill>
+              <a:latin typeface="나눔바른펜" panose="020B0503000000000000" pitchFamily="50" charset="-127"/>
+              <a:ea typeface="나눔바른펜" panose="020B0503000000000000" pitchFamily="50" charset="-127"/>
+            </a:rPr>
+            <a:t>상영 시간표</a:t>
+          </a:r>
+          <a:endParaRPr lang="ko-KR" altLang="en-US" sz="1600" kern="1200" dirty="0">
+            <a:gradFill>
+              <a:gsLst>
+                <a:gs pos="0">
+                  <a:schemeClr val="tx1"/>
+                </a:gs>
+                <a:gs pos="50000">
+                  <a:schemeClr val="tx1"/>
+                </a:gs>
+                <a:gs pos="100000">
+                  <a:schemeClr val="tx1"/>
+                </a:gs>
+              </a:gsLst>
+              <a:lin ang="5400000" scaled="0"/>
+            </a:gradFill>
+            <a:latin typeface="나눔바른펜" panose="020B0503000000000000" pitchFamily="50" charset="-127"/>
+            <a:ea typeface="나눔바른펜" panose="020B0503000000000000" pitchFamily="50" charset="-127"/>
+          </a:endParaRPr>
+        </a:p>
+      </dsp:txBody>
+      <dsp:txXfrm>
+        <a:off x="1677895" y="2410315"/>
+        <a:ext cx="1468478" cy="1239367"/>
+      </dsp:txXfrm>
+    </dsp:sp>
+    <dsp:sp modelId="{7A1229C9-7F65-43E9-815F-6D5B7D5CCCE3}">
+      <dsp:nvSpPr>
+        <dsp:cNvPr id="0" name=""/>
+        <dsp:cNvSpPr/>
+      </dsp:nvSpPr>
+      <dsp:spPr>
+        <a:xfrm>
+          <a:off x="3351960" y="1822924"/>
+          <a:ext cx="1468478" cy="587391"/>
+        </a:xfrm>
+        <a:prstGeom prst="rect">
+          <a:avLst/>
+        </a:prstGeom>
+        <a:solidFill>
+          <a:schemeClr val="accent3">
+            <a:lumMod val="75000"/>
+            <a:alpha val="70000"/>
+          </a:schemeClr>
+        </a:solidFill>
+        <a:ln w="9525" cap="flat" cmpd="sng" algn="ctr">
+          <a:solidFill>
+            <a:schemeClr val="accent3">
+              <a:lumMod val="60000"/>
+              <a:lumOff val="40000"/>
+            </a:schemeClr>
+          </a:solidFill>
+          <a:prstDash val="solid"/>
+        </a:ln>
+        <a:effectLst/>
+      </dsp:spPr>
+      <dsp:style>
+        <a:lnRef idx="2">
+          <a:scrgbClr r="0" g="0" b="0"/>
+        </a:lnRef>
+        <a:fillRef idx="1">
+          <a:scrgbClr r="0" g="0" b="0"/>
+        </a:fillRef>
+        <a:effectRef idx="0">
+          <a:scrgbClr r="0" g="0" b="0"/>
+        </a:effectRef>
+        <a:fontRef idx="minor">
+          <a:schemeClr val="lt1"/>
+        </a:fontRef>
+      </dsp:style>
+      <dsp:txBody>
+        <a:bodyPr spcFirstLastPara="0" vert="horz" wrap="square" lIns="149352" tIns="85344" rIns="149352" bIns="85344" numCol="1" spcCol="1270" anchor="ctr" anchorCtr="0">
+          <a:noAutofit/>
+        </a:bodyPr>
+        <a:lstStyle/>
+        <a:p>
+          <a:pPr lvl="0" algn="ctr" defTabSz="933450" latinLnBrk="1">
+            <a:lnSpc>
+              <a:spcPct val="90000"/>
+            </a:lnSpc>
+            <a:spcBef>
+              <a:spcPct val="0"/>
+            </a:spcBef>
+            <a:spcAft>
+              <a:spcPct val="35000"/>
+            </a:spcAft>
+          </a:pPr>
+          <a:r>
+            <a:rPr lang="en-US" altLang="ko-KR" sz="2100" kern="1200" dirty="0" smtClean="0">
+              <a:latin typeface="나눔바른펜" panose="020B0503000000000000" pitchFamily="50" charset="-127"/>
+              <a:ea typeface="나눔바른펜" panose="020B0503000000000000" pitchFamily="50" charset="-127"/>
+            </a:rPr>
+            <a:t>NOTICE</a:t>
+          </a:r>
+          <a:endParaRPr lang="ko-KR" altLang="en-US" sz="2100" kern="1200" dirty="0">
+            <a:latin typeface="나눔바른펜" panose="020B0503000000000000" pitchFamily="50" charset="-127"/>
+            <a:ea typeface="나눔바른펜" panose="020B0503000000000000" pitchFamily="50" charset="-127"/>
+          </a:endParaRPr>
+        </a:p>
+      </dsp:txBody>
+      <dsp:txXfrm>
+        <a:off x="3351960" y="1822924"/>
+        <a:ext cx="1468478" cy="587391"/>
+      </dsp:txXfrm>
+    </dsp:sp>
+    <dsp:sp modelId="{EB7F7FF9-E83D-4EC0-8872-1B735211698C}">
+      <dsp:nvSpPr>
+        <dsp:cNvPr id="0" name=""/>
+        <dsp:cNvSpPr/>
+      </dsp:nvSpPr>
+      <dsp:spPr>
+        <a:xfrm>
+          <a:off x="3351960" y="2410315"/>
+          <a:ext cx="1468478" cy="1239367"/>
+        </a:xfrm>
+        <a:prstGeom prst="rect">
+          <a:avLst/>
+        </a:prstGeom>
+        <a:solidFill>
+          <a:schemeClr val="accent3">
+            <a:lumMod val="20000"/>
+            <a:lumOff val="80000"/>
+          </a:schemeClr>
+        </a:solidFill>
+        <a:ln w="9525" cap="flat" cmpd="sng" algn="ctr">
+          <a:solidFill>
+            <a:schemeClr val="accent3">
+              <a:lumMod val="60000"/>
+              <a:lumOff val="40000"/>
+            </a:schemeClr>
+          </a:solidFill>
+          <a:prstDash val="solid"/>
+        </a:ln>
+        <a:effectLst/>
+      </dsp:spPr>
+      <dsp:style>
+        <a:lnRef idx="2">
+          <a:scrgbClr r="0" g="0" b="0"/>
+        </a:lnRef>
+        <a:fillRef idx="1">
+          <a:scrgbClr r="0" g="0" b="0"/>
+        </a:fillRef>
+        <a:effectRef idx="0">
+          <a:scrgbClr r="0" g="0" b="0"/>
+        </a:effectRef>
+        <a:fontRef idx="minor"/>
+      </dsp:style>
+      <dsp:txBody>
+        <a:bodyPr spcFirstLastPara="0" vert="horz" wrap="square" lIns="85344" tIns="85344" rIns="113792" bIns="128016" numCol="1" spcCol="1270" anchor="t" anchorCtr="0">
+          <a:noAutofit/>
+        </a:bodyPr>
+        <a:lstStyle/>
+        <a:p>
+          <a:pPr marL="171450" lvl="1" indent="-171450" algn="l" defTabSz="711200" latinLnBrk="1">
+            <a:lnSpc>
+              <a:spcPct val="90000"/>
+            </a:lnSpc>
+            <a:spcBef>
+              <a:spcPct val="0"/>
+            </a:spcBef>
+            <a:spcAft>
+              <a:spcPct val="15000"/>
+            </a:spcAft>
+            <a:buChar char="••"/>
+          </a:pPr>
+          <a:r>
+            <a:rPr lang="ko-KR" altLang="en-US" sz="1600" kern="1200" dirty="0" smtClean="0">
+              <a:gradFill>
+                <a:gsLst>
+                  <a:gs pos="0">
+                    <a:schemeClr val="tx1"/>
+                  </a:gs>
+                  <a:gs pos="50000">
+                    <a:schemeClr val="tx1"/>
+                  </a:gs>
+                  <a:gs pos="100000">
+                    <a:schemeClr val="tx1"/>
+                  </a:gs>
+                </a:gsLst>
+                <a:lin ang="5400000" scaled="0"/>
+              </a:gradFill>
+              <a:latin typeface="나눔바른펜" panose="020B0503000000000000" pitchFamily="50" charset="-127"/>
+              <a:ea typeface="나눔바른펜" panose="020B0503000000000000" pitchFamily="50" charset="-127"/>
+            </a:rPr>
+            <a:t>공지사항</a:t>
+          </a:r>
+          <a:endParaRPr lang="ko-KR" altLang="en-US" sz="1600" kern="1200" dirty="0">
+            <a:gradFill>
+              <a:gsLst>
+                <a:gs pos="0">
+                  <a:schemeClr val="tx1"/>
+                </a:gs>
+                <a:gs pos="50000">
+                  <a:schemeClr val="tx1"/>
+                </a:gs>
+                <a:gs pos="100000">
+                  <a:schemeClr val="tx1"/>
+                </a:gs>
+              </a:gsLst>
+              <a:lin ang="5400000" scaled="0"/>
+            </a:gradFill>
+            <a:latin typeface="나눔바른펜" panose="020B0503000000000000" pitchFamily="50" charset="-127"/>
+            <a:ea typeface="나눔바른펜" panose="020B0503000000000000" pitchFamily="50" charset="-127"/>
+          </a:endParaRPr>
+        </a:p>
+        <a:p>
+          <a:pPr marL="171450" lvl="1" indent="-171450" algn="l" defTabSz="711200" latinLnBrk="1">
+            <a:lnSpc>
+              <a:spcPct val="90000"/>
+            </a:lnSpc>
+            <a:spcBef>
+              <a:spcPct val="0"/>
+            </a:spcBef>
+            <a:spcAft>
+              <a:spcPct val="15000"/>
+            </a:spcAft>
+            <a:buChar char="••"/>
+          </a:pPr>
+          <a:r>
+            <a:rPr lang="ko-KR" altLang="en-US" sz="1600" kern="1200" dirty="0" smtClean="0">
+              <a:gradFill>
+                <a:gsLst>
+                  <a:gs pos="0">
+                    <a:schemeClr val="tx1"/>
+                  </a:gs>
+                  <a:gs pos="50000">
+                    <a:schemeClr val="tx1"/>
+                  </a:gs>
+                  <a:gs pos="100000">
+                    <a:schemeClr val="tx1"/>
+                  </a:gs>
+                </a:gsLst>
+                <a:lin ang="5400000" scaled="0"/>
+              </a:gradFill>
+              <a:latin typeface="나눔바른펜" panose="020B0503000000000000" pitchFamily="50" charset="-127"/>
+              <a:ea typeface="나눔바른펜" panose="020B0503000000000000" pitchFamily="50" charset="-127"/>
+            </a:rPr>
+            <a:t>이벤트</a:t>
+          </a:r>
+          <a:endParaRPr lang="ko-KR" altLang="en-US" sz="1600" kern="1200" dirty="0">
+            <a:gradFill>
+              <a:gsLst>
+                <a:gs pos="0">
+                  <a:schemeClr val="tx1"/>
+                </a:gs>
+                <a:gs pos="50000">
+                  <a:schemeClr val="tx1"/>
+                </a:gs>
+                <a:gs pos="100000">
+                  <a:schemeClr val="tx1"/>
+                </a:gs>
+              </a:gsLst>
+              <a:lin ang="5400000" scaled="0"/>
+            </a:gradFill>
+            <a:latin typeface="나눔바른펜" panose="020B0503000000000000" pitchFamily="50" charset="-127"/>
+            <a:ea typeface="나눔바른펜" panose="020B0503000000000000" pitchFamily="50" charset="-127"/>
+          </a:endParaRPr>
+        </a:p>
+      </dsp:txBody>
+      <dsp:txXfrm>
+        <a:off x="3351960" y="2410315"/>
+        <a:ext cx="1468478" cy="1239367"/>
+      </dsp:txXfrm>
+    </dsp:sp>
+    <dsp:sp modelId="{4B92E83B-F9CF-4713-B507-9FE4CEF0A712}">
+      <dsp:nvSpPr>
+        <dsp:cNvPr id="0" name=""/>
+        <dsp:cNvSpPr/>
+      </dsp:nvSpPr>
+      <dsp:spPr>
+        <a:xfrm>
+          <a:off x="5026025" y="1822924"/>
+          <a:ext cx="1468478" cy="587391"/>
+        </a:xfrm>
+        <a:prstGeom prst="rect">
+          <a:avLst/>
+        </a:prstGeom>
+        <a:solidFill>
+          <a:schemeClr val="accent3">
+            <a:lumMod val="75000"/>
+            <a:alpha val="70000"/>
+          </a:schemeClr>
+        </a:solidFill>
+        <a:ln w="9525" cap="flat" cmpd="sng" algn="ctr">
+          <a:solidFill>
+            <a:schemeClr val="accent3">
+              <a:lumMod val="60000"/>
+              <a:lumOff val="40000"/>
+            </a:schemeClr>
+          </a:solidFill>
+          <a:prstDash val="solid"/>
+        </a:ln>
+        <a:effectLst/>
+      </dsp:spPr>
+      <dsp:style>
+        <a:lnRef idx="2">
+          <a:scrgbClr r="0" g="0" b="0"/>
+        </a:lnRef>
+        <a:fillRef idx="1">
+          <a:scrgbClr r="0" g="0" b="0"/>
+        </a:fillRef>
+        <a:effectRef idx="0">
+          <a:scrgbClr r="0" g="0" b="0"/>
+        </a:effectRef>
+        <a:fontRef idx="minor">
+          <a:schemeClr val="lt1"/>
+        </a:fontRef>
+      </dsp:style>
+      <dsp:txBody>
+        <a:bodyPr spcFirstLastPara="0" vert="horz" wrap="square" lIns="149352" tIns="85344" rIns="149352" bIns="85344" numCol="1" spcCol="1270" anchor="ctr" anchorCtr="0">
+          <a:noAutofit/>
+        </a:bodyPr>
+        <a:lstStyle/>
+        <a:p>
+          <a:pPr lvl="0" algn="ctr" defTabSz="933450" latinLnBrk="1">
+            <a:lnSpc>
+              <a:spcPct val="90000"/>
+            </a:lnSpc>
+            <a:spcBef>
+              <a:spcPct val="0"/>
+            </a:spcBef>
+            <a:spcAft>
+              <a:spcPct val="35000"/>
+            </a:spcAft>
+          </a:pPr>
+          <a:r>
+            <a:rPr lang="en-US" altLang="ko-KR" sz="2100" kern="1200" dirty="0" smtClean="0">
+              <a:latin typeface="나눔바른펜" panose="020B0503000000000000" pitchFamily="50" charset="-127"/>
+              <a:ea typeface="나눔바른펜" panose="020B0503000000000000" pitchFamily="50" charset="-127"/>
+            </a:rPr>
+            <a:t>STORE</a:t>
+          </a:r>
+          <a:endParaRPr lang="ko-KR" altLang="en-US" sz="2100" kern="1200" dirty="0">
+            <a:latin typeface="나눔바른펜" panose="020B0503000000000000" pitchFamily="50" charset="-127"/>
+            <a:ea typeface="나눔바른펜" panose="020B0503000000000000" pitchFamily="50" charset="-127"/>
+          </a:endParaRPr>
+        </a:p>
+      </dsp:txBody>
+      <dsp:txXfrm>
+        <a:off x="5026025" y="1822924"/>
+        <a:ext cx="1468478" cy="587391"/>
+      </dsp:txXfrm>
+    </dsp:sp>
+    <dsp:sp modelId="{2EDF3C54-863C-4C72-B123-8CDE63D9D4C8}">
+      <dsp:nvSpPr>
+        <dsp:cNvPr id="0" name=""/>
+        <dsp:cNvSpPr/>
+      </dsp:nvSpPr>
+      <dsp:spPr>
+        <a:xfrm>
+          <a:off x="5026025" y="2410315"/>
+          <a:ext cx="1468478" cy="1239367"/>
+        </a:xfrm>
+        <a:prstGeom prst="rect">
+          <a:avLst/>
+        </a:prstGeom>
+        <a:solidFill>
+          <a:schemeClr val="accent3">
+            <a:lumMod val="20000"/>
+            <a:lumOff val="80000"/>
+          </a:schemeClr>
+        </a:solidFill>
+        <a:ln w="9525" cap="flat" cmpd="sng" algn="ctr">
+          <a:solidFill>
+            <a:schemeClr val="accent3">
+              <a:lumMod val="60000"/>
+              <a:lumOff val="40000"/>
+            </a:schemeClr>
+          </a:solidFill>
+          <a:prstDash val="solid"/>
+        </a:ln>
+        <a:effectLst/>
+      </dsp:spPr>
+      <dsp:style>
+        <a:lnRef idx="2">
+          <a:scrgbClr r="0" g="0" b="0"/>
+        </a:lnRef>
+        <a:fillRef idx="1">
+          <a:scrgbClr r="0" g="0" b="0"/>
+        </a:fillRef>
+        <a:effectRef idx="0">
+          <a:scrgbClr r="0" g="0" b="0"/>
+        </a:effectRef>
+        <a:fontRef idx="minor"/>
+      </dsp:style>
+      <dsp:txBody>
+        <a:bodyPr spcFirstLastPara="0" vert="horz" wrap="square" lIns="85344" tIns="85344" rIns="113792" bIns="128016" numCol="1" spcCol="1270" anchor="t" anchorCtr="0">
+          <a:noAutofit/>
+        </a:bodyPr>
+        <a:lstStyle/>
+        <a:p>
+          <a:pPr marL="171450" lvl="1" indent="-171450" algn="l" defTabSz="711200" latinLnBrk="1">
+            <a:lnSpc>
+              <a:spcPct val="90000"/>
+            </a:lnSpc>
+            <a:spcBef>
+              <a:spcPct val="0"/>
+            </a:spcBef>
+            <a:spcAft>
+              <a:spcPct val="15000"/>
+            </a:spcAft>
+            <a:buChar char="••"/>
+          </a:pPr>
+          <a:r>
+            <a:rPr lang="ko-KR" altLang="en-US" sz="1600" kern="1200" dirty="0" smtClean="0">
+              <a:gradFill>
+                <a:gsLst>
+                  <a:gs pos="0">
+                    <a:schemeClr val="tx1"/>
+                  </a:gs>
+                  <a:gs pos="50000">
+                    <a:schemeClr val="tx1"/>
+                  </a:gs>
+                  <a:gs pos="100000">
+                    <a:schemeClr val="tx1"/>
+                  </a:gs>
+                </a:gsLst>
+                <a:lin ang="5400000" scaled="0"/>
+              </a:gradFill>
+              <a:latin typeface="나눔바른펜" panose="020B0503000000000000" pitchFamily="50" charset="-127"/>
+              <a:ea typeface="나눔바른펜" panose="020B0503000000000000" pitchFamily="50" charset="-127"/>
+            </a:rPr>
+            <a:t>상품권</a:t>
+          </a:r>
+          <a:endParaRPr lang="ko-KR" altLang="en-US" sz="1600" kern="1200" dirty="0">
+            <a:gradFill>
+              <a:gsLst>
+                <a:gs pos="0">
+                  <a:schemeClr val="tx1"/>
+                </a:gs>
+                <a:gs pos="50000">
+                  <a:schemeClr val="tx1"/>
+                </a:gs>
+                <a:gs pos="100000">
+                  <a:schemeClr val="tx1"/>
+                </a:gs>
+              </a:gsLst>
+              <a:lin ang="5400000" scaled="0"/>
+            </a:gradFill>
+            <a:latin typeface="나눔바른펜" panose="020B0503000000000000" pitchFamily="50" charset="-127"/>
+            <a:ea typeface="나눔바른펜" panose="020B0503000000000000" pitchFamily="50" charset="-127"/>
+          </a:endParaRPr>
+        </a:p>
+        <a:p>
+          <a:pPr marL="171450" lvl="1" indent="-171450" algn="l" defTabSz="711200" latinLnBrk="1">
+            <a:lnSpc>
+              <a:spcPct val="90000"/>
+            </a:lnSpc>
+            <a:spcBef>
+              <a:spcPct val="0"/>
+            </a:spcBef>
+            <a:spcAft>
+              <a:spcPct val="15000"/>
+            </a:spcAft>
+            <a:buChar char="••"/>
+          </a:pPr>
+          <a:r>
+            <a:rPr lang="ko-KR" altLang="en-US" sz="1600" kern="1200" dirty="0" smtClean="0">
+              <a:gradFill>
+                <a:gsLst>
+                  <a:gs pos="0">
+                    <a:schemeClr val="tx1"/>
+                  </a:gs>
+                  <a:gs pos="50000">
+                    <a:schemeClr val="tx1"/>
+                  </a:gs>
+                  <a:gs pos="100000">
+                    <a:schemeClr val="tx1"/>
+                  </a:gs>
+                </a:gsLst>
+                <a:lin ang="5400000" scaled="0"/>
+              </a:gradFill>
+              <a:latin typeface="나눔바른펜" panose="020B0503000000000000" pitchFamily="50" charset="-127"/>
+              <a:ea typeface="나눔바른펜" panose="020B0503000000000000" pitchFamily="50" charset="-127"/>
+            </a:rPr>
+            <a:t>스낵</a:t>
+          </a:r>
+          <a:endParaRPr lang="ko-KR" altLang="en-US" sz="1600" kern="1200" dirty="0">
+            <a:gradFill>
+              <a:gsLst>
+                <a:gs pos="0">
+                  <a:schemeClr val="tx1"/>
+                </a:gs>
+                <a:gs pos="50000">
+                  <a:schemeClr val="tx1"/>
+                </a:gs>
+                <a:gs pos="100000">
+                  <a:schemeClr val="tx1"/>
+                </a:gs>
+              </a:gsLst>
+              <a:lin ang="5400000" scaled="0"/>
+            </a:gradFill>
+            <a:latin typeface="나눔바른펜" panose="020B0503000000000000" pitchFamily="50" charset="-127"/>
+            <a:ea typeface="나눔바른펜" panose="020B0503000000000000" pitchFamily="50" charset="-127"/>
+          </a:endParaRPr>
+        </a:p>
+      </dsp:txBody>
+      <dsp:txXfrm>
+        <a:off x="5026025" y="2410315"/>
+        <a:ext cx="1468478" cy="1239367"/>
+      </dsp:txXfrm>
+    </dsp:sp>
+    <dsp:sp modelId="{CC294880-8F4C-4732-8DA4-FC776C8C7BDC}">
+      <dsp:nvSpPr>
+        <dsp:cNvPr id="0" name=""/>
+        <dsp:cNvSpPr/>
+      </dsp:nvSpPr>
+      <dsp:spPr>
+        <a:xfrm>
+          <a:off x="6700091" y="1822924"/>
+          <a:ext cx="1468478" cy="587391"/>
+        </a:xfrm>
+        <a:prstGeom prst="rect">
+          <a:avLst/>
+        </a:prstGeom>
+        <a:solidFill>
+          <a:schemeClr val="accent3">
+            <a:lumMod val="75000"/>
+            <a:alpha val="70000"/>
+          </a:schemeClr>
+        </a:solidFill>
+        <a:ln w="9525" cap="flat" cmpd="sng" algn="ctr">
+          <a:solidFill>
+            <a:schemeClr val="accent3">
+              <a:lumMod val="60000"/>
+              <a:lumOff val="40000"/>
+            </a:schemeClr>
+          </a:solidFill>
+          <a:prstDash val="solid"/>
+        </a:ln>
+        <a:effectLst/>
+      </dsp:spPr>
+      <dsp:style>
+        <a:lnRef idx="2">
+          <a:scrgbClr r="0" g="0" b="0"/>
+        </a:lnRef>
+        <a:fillRef idx="1">
+          <a:scrgbClr r="0" g="0" b="0"/>
+        </a:fillRef>
+        <a:effectRef idx="0">
+          <a:scrgbClr r="0" g="0" b="0"/>
+        </a:effectRef>
+        <a:fontRef idx="minor">
+          <a:schemeClr val="lt1"/>
+        </a:fontRef>
+      </dsp:style>
+      <dsp:txBody>
+        <a:bodyPr spcFirstLastPara="0" vert="horz" wrap="square" lIns="149352" tIns="85344" rIns="149352" bIns="85344" numCol="1" spcCol="1270" anchor="ctr" anchorCtr="0">
+          <a:noAutofit/>
+        </a:bodyPr>
+        <a:lstStyle/>
+        <a:p>
+          <a:pPr lvl="0" algn="ctr" defTabSz="933450" latinLnBrk="1">
+            <a:lnSpc>
+              <a:spcPct val="90000"/>
+            </a:lnSpc>
+            <a:spcBef>
+              <a:spcPct val="0"/>
+            </a:spcBef>
+            <a:spcAft>
+              <a:spcPct val="35000"/>
+            </a:spcAft>
+          </a:pPr>
+          <a:r>
+            <a:rPr lang="ko-KR" altLang="en-US" sz="2100" kern="1200" dirty="0" err="1" smtClean="0">
+              <a:latin typeface="나눔바른펜" panose="020B0503000000000000" pitchFamily="50" charset="-127"/>
+              <a:ea typeface="나눔바른펜" panose="020B0503000000000000" pitchFamily="50" charset="-127"/>
+            </a:rPr>
+            <a:t>마이페이지</a:t>
+          </a:r>
+          <a:endParaRPr lang="ko-KR" altLang="en-US" sz="2100" kern="1200" dirty="0">
+            <a:latin typeface="나눔바른펜" panose="020B0503000000000000" pitchFamily="50" charset="-127"/>
+            <a:ea typeface="나눔바른펜" panose="020B0503000000000000" pitchFamily="50" charset="-127"/>
+          </a:endParaRPr>
+        </a:p>
+      </dsp:txBody>
+      <dsp:txXfrm>
+        <a:off x="6700091" y="1822924"/>
+        <a:ext cx="1468478" cy="587391"/>
+      </dsp:txXfrm>
+    </dsp:sp>
+    <dsp:sp modelId="{2F67CF71-6509-4AD2-A898-2D2DA3287EB5}">
+      <dsp:nvSpPr>
+        <dsp:cNvPr id="0" name=""/>
+        <dsp:cNvSpPr/>
+      </dsp:nvSpPr>
+      <dsp:spPr>
+        <a:xfrm>
+          <a:off x="6700091" y="2410315"/>
+          <a:ext cx="1468478" cy="1239367"/>
+        </a:xfrm>
+        <a:prstGeom prst="rect">
+          <a:avLst/>
+        </a:prstGeom>
+        <a:solidFill>
+          <a:schemeClr val="accent3">
+            <a:lumMod val="20000"/>
+            <a:lumOff val="80000"/>
+            <a:alpha val="90000"/>
+          </a:schemeClr>
+        </a:solidFill>
+        <a:ln w="9525" cap="flat" cmpd="sng" algn="ctr">
+          <a:solidFill>
+            <a:schemeClr val="accent3">
+              <a:lumMod val="60000"/>
+              <a:lumOff val="40000"/>
+            </a:schemeClr>
+          </a:solidFill>
+          <a:prstDash val="solid"/>
+        </a:ln>
+        <a:effectLst/>
+      </dsp:spPr>
+      <dsp:style>
+        <a:lnRef idx="2">
+          <a:scrgbClr r="0" g="0" b="0"/>
+        </a:lnRef>
+        <a:fillRef idx="1">
+          <a:scrgbClr r="0" g="0" b="0"/>
+        </a:fillRef>
+        <a:effectRef idx="0">
+          <a:scrgbClr r="0" g="0" b="0"/>
+        </a:effectRef>
+        <a:fontRef idx="minor"/>
+      </dsp:style>
+      <dsp:txBody>
+        <a:bodyPr spcFirstLastPara="0" vert="horz" wrap="square" lIns="85344" tIns="85344" rIns="113792" bIns="128016" numCol="1" spcCol="1270" anchor="t" anchorCtr="0">
+          <a:noAutofit/>
+        </a:bodyPr>
+        <a:lstStyle/>
+        <a:p>
+          <a:pPr marL="171450" lvl="1" indent="-171450" algn="l" defTabSz="711200" latinLnBrk="1">
+            <a:lnSpc>
+              <a:spcPct val="90000"/>
+            </a:lnSpc>
+            <a:spcBef>
+              <a:spcPct val="0"/>
+            </a:spcBef>
+            <a:spcAft>
+              <a:spcPct val="15000"/>
+            </a:spcAft>
+            <a:buChar char="••"/>
+          </a:pPr>
+          <a:r>
+            <a:rPr lang="ko-KR" altLang="en-US" sz="1600" kern="1200" dirty="0" smtClean="0">
+              <a:gradFill>
+                <a:gsLst>
+                  <a:gs pos="0">
+                    <a:schemeClr val="tx1"/>
+                  </a:gs>
+                  <a:gs pos="50000">
+                    <a:schemeClr val="tx1"/>
+                  </a:gs>
+                  <a:gs pos="100000">
+                    <a:schemeClr val="tx1"/>
+                  </a:gs>
+                </a:gsLst>
+                <a:lin ang="5400000" scaled="0"/>
+              </a:gradFill>
+              <a:latin typeface="나눔바른펜" panose="020B0503000000000000" pitchFamily="50" charset="-127"/>
+              <a:ea typeface="나눔바른펜" panose="020B0503000000000000" pitchFamily="50" charset="-127"/>
+            </a:rPr>
+            <a:t>예매확인</a:t>
+          </a:r>
+          <a:r>
+            <a:rPr lang="en-US" altLang="ko-KR" sz="1600" kern="1200" dirty="0" smtClean="0">
+              <a:gradFill>
+                <a:gsLst>
+                  <a:gs pos="0">
+                    <a:schemeClr val="tx1"/>
+                  </a:gs>
+                  <a:gs pos="50000">
+                    <a:schemeClr val="tx1"/>
+                  </a:gs>
+                  <a:gs pos="100000">
+                    <a:schemeClr val="tx1"/>
+                  </a:gs>
+                </a:gsLst>
+                <a:lin ang="5400000" scaled="0"/>
+              </a:gradFill>
+              <a:latin typeface="나눔바른펜" panose="020B0503000000000000" pitchFamily="50" charset="-127"/>
+              <a:ea typeface="나눔바른펜" panose="020B0503000000000000" pitchFamily="50" charset="-127"/>
+            </a:rPr>
+            <a:t>/</a:t>
+          </a:r>
+          <a:r>
+            <a:rPr lang="ko-KR" altLang="en-US" sz="1600" kern="1200" dirty="0" smtClean="0">
+              <a:gradFill>
+                <a:gsLst>
+                  <a:gs pos="0">
+                    <a:schemeClr val="tx1"/>
+                  </a:gs>
+                  <a:gs pos="50000">
+                    <a:schemeClr val="tx1"/>
+                  </a:gs>
+                  <a:gs pos="100000">
+                    <a:schemeClr val="tx1"/>
+                  </a:gs>
+                </a:gsLst>
+                <a:lin ang="5400000" scaled="0"/>
+              </a:gradFill>
+              <a:latin typeface="나눔바른펜" panose="020B0503000000000000" pitchFamily="50" charset="-127"/>
+              <a:ea typeface="나눔바른펜" panose="020B0503000000000000" pitchFamily="50" charset="-127"/>
+            </a:rPr>
+            <a:t>취소</a:t>
+          </a:r>
+          <a:endParaRPr lang="ko-KR" altLang="en-US" sz="1600" kern="1200" dirty="0">
+            <a:gradFill>
+              <a:gsLst>
+                <a:gs pos="0">
+                  <a:schemeClr val="tx1"/>
+                </a:gs>
+                <a:gs pos="50000">
+                  <a:schemeClr val="tx1"/>
+                </a:gs>
+                <a:gs pos="100000">
+                  <a:schemeClr val="tx1"/>
+                </a:gs>
+              </a:gsLst>
+              <a:lin ang="5400000" scaled="0"/>
+            </a:gradFill>
+            <a:latin typeface="나눔바른펜" panose="020B0503000000000000" pitchFamily="50" charset="-127"/>
+            <a:ea typeface="나눔바른펜" panose="020B0503000000000000" pitchFamily="50" charset="-127"/>
+          </a:endParaRPr>
+        </a:p>
+        <a:p>
+          <a:pPr marL="171450" lvl="1" indent="-171450" algn="l" defTabSz="711200" latinLnBrk="1">
+            <a:lnSpc>
+              <a:spcPct val="90000"/>
+            </a:lnSpc>
+            <a:spcBef>
+              <a:spcPct val="0"/>
+            </a:spcBef>
+            <a:spcAft>
+              <a:spcPct val="15000"/>
+            </a:spcAft>
+            <a:buChar char="••"/>
+          </a:pPr>
+          <a:r>
+            <a:rPr lang="ko-KR" altLang="en-US" sz="1600" kern="1200" dirty="0" smtClean="0">
+              <a:gradFill>
+                <a:gsLst>
+                  <a:gs pos="0">
+                    <a:schemeClr val="tx1"/>
+                  </a:gs>
+                  <a:gs pos="50000">
+                    <a:schemeClr val="tx1"/>
+                  </a:gs>
+                  <a:gs pos="100000">
+                    <a:schemeClr val="tx1"/>
+                  </a:gs>
+                </a:gsLst>
+                <a:lin ang="5400000" scaled="0"/>
+              </a:gradFill>
+              <a:latin typeface="나눔바른펜" panose="020B0503000000000000" pitchFamily="50" charset="-127"/>
+              <a:ea typeface="나눔바른펜" panose="020B0503000000000000" pitchFamily="50" charset="-127"/>
+            </a:rPr>
+            <a:t>포인트</a:t>
+          </a:r>
+          <a:endParaRPr lang="ko-KR" altLang="en-US" sz="1600" kern="1200" dirty="0">
+            <a:gradFill>
+              <a:gsLst>
+                <a:gs pos="0">
+                  <a:schemeClr val="tx1"/>
+                </a:gs>
+                <a:gs pos="50000">
+                  <a:schemeClr val="tx1"/>
+                </a:gs>
+                <a:gs pos="100000">
+                  <a:schemeClr val="tx1"/>
+                </a:gs>
+              </a:gsLst>
+              <a:lin ang="5400000" scaled="0"/>
+            </a:gradFill>
+            <a:latin typeface="나눔바른펜" panose="020B0503000000000000" pitchFamily="50" charset="-127"/>
+            <a:ea typeface="나눔바른펜" panose="020B0503000000000000" pitchFamily="50" charset="-127"/>
+          </a:endParaRPr>
+        </a:p>
+        <a:p>
+          <a:pPr marL="171450" lvl="1" indent="-171450" algn="l" defTabSz="711200" latinLnBrk="1">
+            <a:lnSpc>
+              <a:spcPct val="90000"/>
+            </a:lnSpc>
+            <a:spcBef>
+              <a:spcPct val="0"/>
+            </a:spcBef>
+            <a:spcAft>
+              <a:spcPct val="15000"/>
+            </a:spcAft>
+            <a:buChar char="••"/>
+          </a:pPr>
+          <a:r>
+            <a:rPr lang="ko-KR" altLang="en-US" sz="1600" kern="1200" dirty="0" smtClean="0">
+              <a:gradFill>
+                <a:gsLst>
+                  <a:gs pos="0">
+                    <a:schemeClr val="tx1"/>
+                  </a:gs>
+                  <a:gs pos="50000">
+                    <a:schemeClr val="tx1"/>
+                  </a:gs>
+                  <a:gs pos="100000">
+                    <a:schemeClr val="tx1"/>
+                  </a:gs>
+                </a:gsLst>
+                <a:lin ang="5400000" scaled="0"/>
+              </a:gradFill>
+              <a:latin typeface="나눔바른펜" panose="020B0503000000000000" pitchFamily="50" charset="-127"/>
+              <a:ea typeface="나눔바른펜" panose="020B0503000000000000" pitchFamily="50" charset="-127"/>
+            </a:rPr>
+            <a:t>내정보</a:t>
+          </a:r>
+          <a:endParaRPr lang="ko-KR" altLang="en-US" sz="1600" kern="1200" dirty="0">
+            <a:gradFill>
+              <a:gsLst>
+                <a:gs pos="0">
+                  <a:schemeClr val="tx1"/>
+                </a:gs>
+                <a:gs pos="50000">
+                  <a:schemeClr val="tx1"/>
+                </a:gs>
+                <a:gs pos="100000">
+                  <a:schemeClr val="tx1"/>
+                </a:gs>
+              </a:gsLst>
+              <a:lin ang="5400000" scaled="0"/>
+            </a:gradFill>
+            <a:latin typeface="나눔바른펜" panose="020B0503000000000000" pitchFamily="50" charset="-127"/>
+            <a:ea typeface="나눔바른펜" panose="020B0503000000000000" pitchFamily="50" charset="-127"/>
+          </a:endParaRPr>
+        </a:p>
+      </dsp:txBody>
+      <dsp:txXfrm>
+        <a:off x="6700091" y="2410315"/>
+        <a:ext cx="1468478" cy="1239367"/>
+      </dsp:txXfrm>
+    </dsp:sp>
+  </dsp:spTree>
+</dsp:drawing>
+</file>
+
+<file path=ppt/diagrams/layout1.xml><?xml version="1.0" encoding="utf-8"?>
+<dgm:layoutDef xmlns:dgm="http://schemas.openxmlformats.org/drawingml/2006/diagram" xmlns:a="http://schemas.openxmlformats.org/drawingml/2006/main" uniqueId="urn:microsoft.com/office/officeart/2005/8/layout/hList1">
+  <dgm:title val=""/>
+  <dgm:desc val=""/>
+  <dgm:catLst>
+    <dgm:cat type="list" pri="5000"/>
+    <dgm:cat type="convert" pri="5000"/>
+  </dgm:catLst>
+  <dgm:sampData>
+    <dgm:dataModel>
+      <dgm:ptLst>
+        <dgm:pt modelId="0" type="doc"/>
+        <dgm:pt modelId="1">
+          <dgm:prSet phldr="1"/>
+        </dgm:pt>
+        <dgm:pt modelId="11">
+          <dgm:prSet phldr="1"/>
+        </dgm:pt>
+        <dgm:pt modelId="12">
+          <dgm:prSet phldr="1"/>
+        </dgm:pt>
+        <dgm:pt modelId="2">
+          <dgm:prSet phldr="1"/>
+        </dgm:pt>
+        <dgm:pt modelId="21">
+          <dgm:prSet phldr="1"/>
+        </dgm:pt>
+        <dgm:pt modelId="22">
+          <dgm:prSet phldr="1"/>
+        </dgm:pt>
+        <dgm:pt modelId="3">
+          <dgm:prSet phldr="1"/>
+        </dgm:pt>
+        <dgm:pt modelId="31">
+          <dgm:prSet phldr="1"/>
+        </dgm:pt>
+        <dgm:pt modelId="32">
+          <dgm:prSet phldr="1"/>
+        </dgm:pt>
+      </dgm:ptLst>
+      <dgm:cxnLst>
+        <dgm:cxn modelId="4" srcId="0" destId="1" srcOrd="0" destOrd="0"/>
+        <dgm:cxn modelId="5" srcId="0" destId="2" srcOrd="1" destOrd="0"/>
+        <dgm:cxn modelId="6" srcId="0" destId="3" srcOrd="2" destOrd="0"/>
+        <dgm:cxn modelId="13" srcId="1" destId="11" srcOrd="0" destOrd="0"/>
+        <dgm:cxn modelId="14" srcId="1" destId="12" srcOrd="1" destOrd="0"/>
+        <dgm:cxn modelId="23" srcId="2" destId="21" srcOrd="0" destOrd="0"/>
+        <dgm:cxn modelId="24" srcId="2" destId="22" srcOrd="1" destOrd="0"/>
+        <dgm:cxn modelId="33" srcId="3" destId="31" srcOrd="0" destOrd="0"/>
+        <dgm:cxn modelId="34" srcId="3" destId="32" srcOrd="1" destOrd="0"/>
+      </dgm:cxnLst>
+      <dgm:bg/>
+      <dgm:whole/>
+    </dgm:dataModel>
+  </dgm:sampData>
+  <dgm:styleData>
+    <dgm:dataModel>
+      <dgm:ptLst>
+        <dgm:pt modelId="0" type="doc"/>
+        <dgm:pt modelId="1">
+          <dgm:prSet phldr="1"/>
+        </dgm:pt>
+        <dgm:pt modelId="2">
+          <dgm:prSet phldr="1"/>
+        </dgm:pt>
+      </dgm:ptLst>
+      <dgm:cxnLst>
+        <dgm:cxn modelId="3" srcId="0" destId="1" srcOrd="0" destOrd="0"/>
+        <dgm:cxn modelId="4" srcId="0" destId="2" srcOrd="1" destOrd="0"/>
+      </dgm:cxnLst>
+      <dgm:bg/>
+      <dgm:whole/>
+    </dgm:dataModel>
+  </dgm:styleData>
+  <dgm:clrData>
+    <dgm:dataModel>
+      <dgm:ptLst>
+        <dgm:pt modelId="0" type="doc"/>
+        <dgm:pt modelId="1">
+          <dgm:prSet phldr="1"/>
+        </dgm:pt>
+        <dgm:pt modelId="2">
+          <dgm:prSet phldr="1"/>
+        </dgm:pt>
+        <dgm:pt modelId="3">
+          <dgm:prSet phldr="1"/>
+        </dgm:pt>
+        <dgm:pt modelId="4">
+          <dgm:prSet phldr="1"/>
+        </dgm:pt>
+      </dgm:ptLst>
+      <dgm:cxnLst>
+        <dgm:cxn modelId="5" srcId="0" destId="1" srcOrd="0" destOrd="0"/>
+        <dgm:cxn modelId="6" srcId="0" destId="2" srcOrd="1" destOrd="0"/>
+        <dgm:cxn modelId="7" srcId="0" destId="3" srcOrd="2" destOrd="0"/>
+        <dgm:cxn modelId="8" srcId="0" destId="4" srcOrd="3" destOrd="0"/>
+      </dgm:cxnLst>
+      <dgm:bg/>
+      <dgm:whole/>
+    </dgm:dataModel>
+  </dgm:clrData>
+  <dgm:layoutNode name="Name0">
+    <dgm:varLst>
+      <dgm:dir/>
+      <dgm:animLvl val="lvl"/>
+      <dgm:resizeHandles val="exact"/>
+    </dgm:varLst>
+    <dgm:choose name="Name1">
+      <dgm:if name="Name2" func="var" arg="dir" op="equ" val="norm">
+        <dgm:alg type="lin"/>
+      </dgm:if>
+      <dgm:else name="Name3">
+        <dgm:alg type="lin">
+          <dgm:param type="linDir" val="fromR"/>
+        </dgm:alg>
+      </dgm:else>
+    </dgm:choose>
+    <dgm:shape xmlns:r="http://schemas.openxmlformats.org/officeDocument/2006/relationships" r:blip="">
+      <dgm:adjLst/>
+    </dgm:shape>
+    <dgm:presOf/>
+    <dgm:constrLst>
+      <dgm:constr type="h" for="ch" forName="composite" refType="h"/>
+      <dgm:constr type="w" for="ch" forName="composite" refType="w"/>
+      <dgm:constr type="w" for="des" forName="parTx"/>
+      <dgm:constr type="h" for="des" forName="parTx" op="equ"/>
+      <dgm:constr type="w" for="des" forName="desTx"/>
+      <dgm:constr type="h" for="des" forName="desTx" op="equ"/>
+      <dgm:constr type="primFontSz" for="des" forName="parTx" val="65"/>
+      <dgm:constr type="secFontSz" for="des" forName="desTx" refType="primFontSz" refFor="des" refForName="parTx" op="equ"/>
+      <dgm:constr type="h" for="des" forName="parTx" refType="primFontSz" refFor="des" refForName="parTx" fact="0.8"/>
+      <dgm:constr type="h" for="des" forName="desTx" refType="primFontSz" refFor="des" refForName="parTx" fact="1.22"/>
+      <dgm:constr type="w" for="ch" forName="space" refType="w" refFor="ch" refForName="composite" op="equ" fact="0.14"/>
+    </dgm:constrLst>
+    <dgm:ruleLst>
+      <dgm:rule type="w" for="ch" forName="composite" val="0" fact="NaN" max="NaN"/>
+      <dgm:rule type="primFontSz" for="des" forName="parTx" val="5" fact="NaN" max="NaN"/>
+    </dgm:ruleLst>
+    <dgm:forEach name="Name4" axis="ch" ptType="node">
+      <dgm:layoutNode name="composite">
+        <dgm:alg type="composite"/>
+        <dgm:shape xmlns:r="http://schemas.openxmlformats.org/officeDocument/2006/relationships" r:blip="">
+          <dgm:adjLst/>
+        </dgm:shape>
+        <dgm:presOf/>
+        <dgm:constrLst>
+          <dgm:constr type="l" for="ch" forName="parTx"/>
+          <dgm:constr type="w" for="ch" forName="parTx" refType="w"/>
+          <dgm:constr type="t" for="ch" forName="parTx"/>
+          <dgm:constr type="l" for="ch" forName="desTx"/>
+          <dgm:constr type="w" for="ch" forName="desTx" refType="w" refFor="ch" refForName="parTx"/>
+          <dgm:constr type="t" for="ch" forName="desTx" refType="h" refFor="ch" refForName="parTx"/>
+        </dgm:constrLst>
+        <dgm:ruleLst>
+          <dgm:rule type="h" val="INF" fact="NaN" max="NaN"/>
+        </dgm:ruleLst>
+        <dgm:layoutNode name="parTx" styleLbl="alignNode1">
+          <dgm:varLst>
+            <dgm:chMax val="0"/>
+            <dgm:chPref val="0"/>
+            <dgm:bulletEnabled val="1"/>
+          </dgm:varLst>
+          <dgm:alg type="tx"/>
+          <dgm:shape xmlns:r="http://schemas.openxmlformats.org/officeDocument/2006/relationships" type="rect" r:blip="">
+            <dgm:adjLst/>
+          </dgm:shape>
+          <dgm:presOf axis="self" ptType="node"/>
+          <dgm:constrLst>
+            <dgm:constr type="h" refType="w" op="lte" fact="0.4"/>
+            <dgm:constr type="h"/>
+            <dgm:constr type="tMarg" refType="primFontSz" fact="0.32"/>
+            <dgm:constr type="bMarg" refType="primFontSz" fact="0.32"/>
+          </dgm:constrLst>
+          <dgm:ruleLst>
+            <dgm:rule type="h" val="INF" fact="NaN" max="NaN"/>
+          </dgm:ruleLst>
+        </dgm:layoutNode>
+        <dgm:layoutNode name="desTx" styleLbl="alignAccFollowNode1">
+          <dgm:varLst>
+            <dgm:bulletEnabled val="1"/>
+          </dgm:varLst>
+          <dgm:alg type="tx">
+            <dgm:param type="stBulletLvl" val="1"/>
+          </dgm:alg>
+          <dgm:shape xmlns:r="http://schemas.openxmlformats.org/officeDocument/2006/relationships" type="rect" r:blip="">
+            <dgm:adjLst/>
+          </dgm:shape>
+          <dgm:presOf axis="des" ptType="node"/>
+          <dgm:constrLst>
+            <dgm:constr type="secFontSz" val="65"/>
+            <dgm:constr type="primFontSz" refType="secFontSz"/>
+            <dgm:constr type="h"/>
+            <dgm:constr type="lMarg" refType="primFontSz" fact="0.42"/>
+            <dgm:constr type="tMarg" refType="primFontSz" fact="0.42"/>
+            <dgm:constr type="bMarg" refType="primFontSz" fact="0.63"/>
+          </dgm:constrLst>
+          <dgm:ruleLst>
+            <dgm:rule type="h" val="INF" fact="NaN" max="NaN"/>
+          </dgm:ruleLst>
+        </dgm:layoutNode>
+      </dgm:layoutNode>
+      <dgm:forEach name="Name5" axis="followSib" ptType="sibTrans" cnt="1">
+        <dgm:layoutNode name="space">
+          <dgm:alg type="sp"/>
+          <dgm:shape xmlns:r="http://schemas.openxmlformats.org/officeDocument/2006/relationships" r:blip="">
+            <dgm:adjLst/>
+          </dgm:shape>
+          <dgm:presOf/>
+          <dgm:constrLst/>
+          <dgm:ruleLst/>
+        </dgm:layoutNode>
+      </dgm:forEach>
+    </dgm:forEach>
+  </dgm:layoutNode>
+</dgm:layoutDef>
+</file>
+
+<file path=ppt/diagrams/quickStyle1.xml><?xml version="1.0" encoding="utf-8"?>
+<dgm:styleDef xmlns:dgm="http://schemas.openxmlformats.org/drawingml/2006/diagram" xmlns:a="http://schemas.openxmlformats.org/drawingml/2006/main" uniqueId="urn:microsoft.com/office/officeart/2005/8/quickstyle/simple1">
+  <dgm:title val=""/>
+  <dgm:desc val=""/>
+  <dgm:catLst>
+    <dgm:cat type="simple" pri="10100"/>
+  </dgm:catLst>
+  <dgm:scene3d>
+    <a:camera prst="orthographicFront"/>
+    <a:lightRig rig="threePt" dir="t"/>
+  </dgm:scene3d>
+  <dgm:styleLbl name="node0">
+    <dgm:scene3d>
+      <a:camera prst="orthographicFront"/>
+      <a:lightRig rig="threePt" dir="t"/>
+    </dgm:scene3d>
+    <dgm:sp3d/>
+    <dgm:txPr/>
+    <dgm:style>
+      <a:lnRef idx="2">
+        <a:scrgbClr r="0" g="0" b="0"/>
+      </a:lnRef>
+      <a:fillRef idx="1">
+        <a:scrgbClr r="0" g="0" b="0"/>
+      </a:fillRef>
+      <a:effectRef idx="0">
+        <a:scrgbClr r="0" g="0" b="0"/>
+      </a:effectRef>
+      <a:fontRef idx="minor">
+        <a:schemeClr val="lt1"/>
+      </a:fontRef>
+    </dgm:style>
+  </dgm:styleLbl>
+  <dgm:styleLbl name="lnNode1">
+    <dgm:scene3d>
+      <a:camera prst="orthographicFront"/>
+      <a:lightRig rig="threePt" dir="t"/>
+    </dgm:scene3d>
+    <dgm:sp3d/>
+    <dgm:txPr/>
+    <dgm:style>
+      <a:lnRef idx="2">
+        <a:scrgbClr r="0" g="0" b="0"/>
+      </a:lnRef>
+      <a:fillRef idx="1">
+        <a:scrgbClr r="0" g="0" b="0"/>
+      </a:fillRef>
+      <a:effectRef idx="0">
+        <a:scrgbClr r="0" g="0" b="0"/>
+      </a:effectRef>
+      <a:fontRef idx="minor">
+        <a:schemeClr val="lt1"/>
+      </a:fontRef>
+    </dgm:style>
+  </dgm:styleLbl>
+  <dgm:styleLbl name="vennNode1">
+    <dgm:scene3d>
+      <a:camera prst="orthographicFront"/>
+      <a:lightRig rig="threePt" dir="t"/>
+    </dgm:scene3d>
+    <dgm:sp3d/>
+    <dgm:txPr/>
+    <dgm:style>
+      <a:lnRef idx="2">
+        <a:scrgbClr r="0" g="0" b="0"/>
+      </a:lnRef>
+      <a:fillRef idx="1">
+        <a:scrgbClr r="0" g="0" b="0"/>
+      </a:fillRef>
+      <a:effectRef idx="0">
+        <a:scrgbClr r="0" g="0" b="0"/>
+      </a:effectRef>
+      <a:fontRef idx="minor">
+        <a:schemeClr val="tx1"/>
+      </a:fontRef>
+    </dgm:style>
+  </dgm:styleLbl>
+  <dgm:styleLbl name="alignNode1">
+    <dgm:scene3d>
+      <a:camera prst="orthographicFront"/>
+      <a:lightRig rig="threePt" dir="t"/>
+    </dgm:scene3d>
+    <dgm:sp3d/>
+    <dgm:txPr/>
+    <dgm:style>
+      <a:lnRef idx="2">
+        <a:scrgbClr r="0" g="0" b="0"/>
+      </a:lnRef>
+      <a:fillRef idx="1">
+        <a:scrgbClr r="0" g="0" b="0"/>
+      </a:fillRef>
+      <a:effectRef idx="0">
+        <a:scrgbClr r="0" g="0" b="0"/>
+      </a:effectRef>
+      <a:fontRef idx="minor">
+        <a:schemeClr val="lt1"/>
+      </a:fontRef>
+    </dgm:style>
+  </dgm:styleLbl>
+  <dgm:styleLbl name="node1">
+    <dgm:scene3d>
+      <a:camera prst="orthographicFront"/>
+      <a:lightRig rig="threePt" dir="t"/>
+    </dgm:scene3d>
+    <dgm:sp3d/>
+    <dgm:txPr/>
+    <dgm:style>
+      <a:lnRef idx="2">
+        <a:scrgbClr r="0" g="0" b="0"/>
+      </a:lnRef>
+      <a:fillRef idx="1">
+        <a:scrgbClr r="0" g="0" b="0"/>
+      </a:fillRef>
+      <a:effectRef idx="0">
+        <a:scrgbClr r="0" g="0" b="0"/>
+      </a:effectRef>
+      <a:fontRef idx="minor">
+        <a:schemeClr val="lt1"/>
+      </a:fontRef>
+    </dgm:style>
+  </dgm:styleLbl>
+  <dgm:styleLbl name="node2">
+    <dgm:scene3d>
+      <a:camera prst="orthographicFront"/>
+      <a:lightRig rig="threePt" dir="t"/>
+    </dgm:scene3d>
+    <dgm:sp3d/>
+    <dgm:txPr/>
+    <dgm:style>
+      <a:lnRef idx="2">
+        <a:scrgbClr r="0" g="0" b="0"/>
+      </a:lnRef>
+      <a:fillRef idx="1">
+        <a:scrgbClr r="0" g="0" b="0"/>
+      </a:fillRef>
+      <a:effectRef idx="0">
+        <a:scrgbClr r="0" g="0" b="0"/>
+      </a:effectRef>
+      <a:fontRef idx="minor">
+        <a:schemeClr val="lt1"/>
+      </a:fontRef>
+    </dgm:style>
+  </dgm:styleLbl>
+  <dgm:styleLbl name="node3">
+    <dgm:scene3d>
+      <a:camera prst="orthographicFront"/>
+      <a:lightRig rig="threePt" dir="t"/>
+    </dgm:scene3d>
+    <dgm:sp3d/>
+    <dgm:txPr/>
+    <dgm:style>
+      <a:lnRef idx="2">
+        <a:scrgbClr r="0" g="0" b="0"/>
+      </a:lnRef>
+      <a:fillRef idx="1">
+        <a:scrgbClr r="0" g="0" b="0"/>
+      </a:fillRef>
+      <a:effectRef idx="0">
+        <a:scrgbClr r="0" g="0" b="0"/>
+      </a:effectRef>
+      <a:fontRef idx="minor">
+        <a:schemeClr val="lt1"/>
+      </a:fontRef>
+    </dgm:style>
+  </dgm:styleLbl>
+  <dgm:styleLbl name="node4">
+    <dgm:scene3d>
+      <a:camera prst="orthographicFront"/>
+      <a:lightRig rig="threePt" dir="t"/>
+    </dgm:scene3d>
+    <dgm:sp3d/>
+    <dgm:txPr/>
+    <dgm:style>
+      <a:lnRef idx="2">
+        <a:scrgbClr r="0" g="0" b="0"/>
+      </a:lnRef>
+      <a:fillRef idx="1">
+        <a:scrgbClr r="0" g="0" b="0"/>
+      </a:fillRef>
+      <a:effectRef idx="0">
+        <a:scrgbClr r="0" g="0" b="0"/>
+      </a:effectRef>
+      <a:fontRef idx="minor">
+        <a:schemeClr val="lt1"/>
+      </a:fontRef>
+    </dgm:style>
+  </dgm:styleLbl>
+  <dgm:styleLbl name="fgImgPlace1">
+    <dgm:scene3d>
+      <a:camera prst="orthographicFront"/>
+      <a:lightRig rig="threePt" dir="t"/>
+    </dgm:scene3d>
+    <dgm:sp3d/>
+    <dgm:txPr/>
+    <dgm:style>
+      <a:lnRef idx="2">
+        <a:scrgbClr r="0" g="0" b="0"/>
+      </a:lnRef>
+      <a:fillRef idx="1">
+        <a:scrgbClr r="0" g="0" b="0"/>
+      </a:fillRef>
+      <a:effectRef idx="0">
+        <a:scrgbClr r="0" g="0" b="0"/>
+      </a:effectRef>
+      <a:fontRef idx="minor"/>
+    </dgm:style>
+  </dgm:styleLbl>
+  <dgm:styleLbl name="alignImgPlace1">
+    <dgm:scene3d>
+      <a:camera prst="orthographicFront"/>
+      <a:lightRig rig="threePt" dir="t"/>
+    </dgm:scene3d>
+    <dgm:sp3d/>
+    <dgm:txPr/>
+    <dgm:style>
+      <a:lnRef idx="2">
+        <a:scrgbClr r="0" g="0" b="0"/>
+      </a:lnRef>
+      <a:fillRef idx="1">
+        <a:scrgbClr r="0" g="0" b="0"/>
+      </a:fillRef>
+      <a:effectRef idx="0">
+        <a:scrgbClr r="0" g="0" b="0"/>
+      </a:effectRef>
+      <a:fontRef idx="minor"/>
+    </dgm:style>
+  </dgm:styleLbl>
+  <dgm:styleLbl name="bgImgPlace1">
+    <dgm:scene3d>
+      <a:camera prst="orthographicFront"/>
+      <a:lightRig rig="threePt" dir="t"/>
+    </dgm:scene3d>
+    <dgm:sp3d/>
+    <dgm:txPr/>
+    <dgm:style>
+      <a:lnRef idx="2">
+        <a:scrgbClr r="0" g="0" b="0"/>
+      </a:lnRef>
+      <a:fillRef idx="1">
+        <a:scrgbClr r="0" g="0" b="0"/>
+      </a:fillRef>
+      <a:effectRef idx="0">
+        <a:scrgbClr r="0" g="0" b="0"/>
+      </a:effectRef>
+      <a:fontRef idx="minor"/>
+    </dgm:style>
+  </dgm:styleLbl>
+  <dgm:styleLbl name="sibTrans2D1">
+    <dgm:scene3d>
+      <a:camera prst="orthographicFront"/>
+      <a:lightRig rig="threePt" dir="t"/>
+    </dgm:scene3d>
+    <dgm:sp3d/>
+    <dgm:txPr/>
+    <dgm:style>
+      <a:lnRef idx="0">
+        <a:scrgbClr r="0" g="0" b="0"/>
+      </a:lnRef>
+      <a:fillRef idx="1">
+        <a:scrgbClr r="0" g="0" b="0"/>
+      </a:fillRef>
+      <a:effectRef idx="0">
+        <a:scrgbClr r="0" g="0" b="0"/>
+      </a:effectRef>
+      <a:fontRef idx="minor">
+        <a:schemeClr val="lt1"/>
+      </a:fontRef>
+    </dgm:style>
+  </dgm:styleLbl>
+  <dgm:styleLbl name="fgSibTrans2D1">
+    <dgm:scene3d>
+      <a:camera prst="orthographicFront"/>
+      <a:lightRig rig="threePt" dir="t"/>
+    </dgm:scene3d>
+    <dgm:sp3d/>
+    <dgm:txPr/>
+    <dgm:style>
+      <a:lnRef idx="0">
+        <a:scrgbClr r="0" g="0" b="0"/>
+      </a:lnRef>
+      <a:fillRef idx="1">
+        <a:scrgbClr r="0" g="0" b="0"/>
+      </a:fillRef>
+      <a:effectRef idx="0">
+        <a:scrgbClr r="0" g="0" b="0"/>
+      </a:effectRef>
+      <a:fontRef idx="minor">
+        <a:schemeClr val="lt1"/>
+      </a:fontRef>
+    </dgm:style>
+  </dgm:styleLbl>
+  <dgm:styleLbl name="bgSibTrans2D1">
+    <dgm:scene3d>
+      <a:camera prst="orthographicFront"/>
+      <a:lightRig rig="threePt" dir="t"/>
+    </dgm:scene3d>
+    <dgm:sp3d/>
+    <dgm:txPr/>
+    <dgm:style>
+      <a:lnRef idx="0">
+        <a:scrgbClr r="0" g="0" b="0"/>
+      </a:lnRef>
+      <a:fillRef idx="1">
+        <a:scrgbClr r="0" g="0" b="0"/>
+      </a:fillRef>
+      <a:effectRef idx="0">
+        <a:scrgbClr r="0" g="0" b="0"/>
+      </a:effectRef>
+      <a:fontRef idx="minor">
+        <a:schemeClr val="lt1"/>
+      </a:fontRef>
+    </dgm:style>
+  </dgm:styleLbl>
+  <dgm:styleLbl name="sibTrans1D1">
+    <dgm:scene3d>
+      <a:camera prst="orthographicFront"/>
+      <a:lightRig rig="threePt" dir="t"/>
+    </dgm:scene3d>
+    <dgm:sp3d/>
+    <dgm:txPr/>
+    <dgm:style>
+      <a:lnRef idx="1">
+        <a:scrgbClr r="0" g="0" b="0"/>
+      </a:lnRef>
+      <a:fillRef idx="0">
+        <a:scrgbClr r="0" g="0" b="0"/>
+      </a:fillRef>
+      <a:effectRef idx="0">
+        <a:scrgbClr r="0" g="0" b="0"/>
+      </a:effectRef>
+      <a:fontRef idx="minor"/>
+    </dgm:style>
+  </dgm:styleLbl>
+  <dgm:styleLbl name="callout">
+    <dgm:scene3d>
+      <a:camera prst="orthographicFront"/>
+      <a:lightRig rig="threePt" dir="t"/>
+    </dgm:scene3d>
+    <dgm:sp3d/>
+    <dgm:txPr/>
+    <dgm:style>
+      <a:lnRef idx="2">
+        <a:scrgbClr r="0" g="0" b="0"/>
+      </a:lnRef>
+      <a:fillRef idx="1">
+        <a:scrgbClr r="0" g="0" b="0"/>
+      </a:fillRef>
+      <a:effectRef idx="0">
+        <a:scrgbClr r="0" g="0" b="0"/>
+      </a:effectRef>
+      <a:fontRef idx="minor"/>
+    </dgm:style>
+  </dgm:styleLbl>
+  <dgm:styleLbl name="asst0">
+    <dgm:scene3d>
+      <a:camera prst="orthographicFront"/>
+      <a:lightRig rig="threePt" dir="t"/>
+    </dgm:scene3d>
+    <dgm:sp3d/>
+    <dgm:txPr/>
+    <dgm:style>
+      <a:lnRef idx="2">
+        <a:scrgbClr r="0" g="0" b="0"/>
+      </a:lnRef>
+      <a:fillRef idx="1">
+        <a:scrgbClr r="0" g="0" b="0"/>
+      </a:fillRef>
+      <a:effectRef idx="0">
+        <a:scrgbClr r="0" g="0" b="0"/>
+      </a:effectRef>
+      <a:fontRef idx="minor">
+        <a:schemeClr val="lt1"/>
+      </a:fontRef>
+    </dgm:style>
+  </dgm:styleLbl>
+  <dgm:styleLbl name="asst1">
+    <dgm:scene3d>
+      <a:camera prst="orthographicFront"/>
+      <a:lightRig rig="threePt" dir="t"/>
+    </dgm:scene3d>
+    <dgm:sp3d/>
+    <dgm:txPr/>
+    <dgm:style>
+      <a:lnRef idx="2">
+        <a:scrgbClr r="0" g="0" b="0"/>
+      </a:lnRef>
+      <a:fillRef idx="1">
+        <a:scrgbClr r="0" g="0" b="0"/>
+      </a:fillRef>
+      <a:effectRef idx="0">
+        <a:scrgbClr r="0" g="0" b="0"/>
+      </a:effectRef>
+      <a:fontRef idx="minor">
+        <a:schemeClr val="lt1"/>
+      </a:fontRef>
+    </dgm:style>
+  </dgm:styleLbl>
+  <dgm:styleLbl name="asst2">
+    <dgm:scene3d>
+      <a:camera prst="orthographicFront"/>
+      <a:lightRig rig="threePt" dir="t"/>
+    </dgm:scene3d>
+    <dgm:sp3d/>
+    <dgm:txPr/>
+    <dgm:style>
+      <a:lnRef idx="2">
+        <a:scrgbClr r="0" g="0" b="0"/>
+      </a:lnRef>
+      <a:fillRef idx="1">
+        <a:scrgbClr r="0" g="0" b="0"/>
+      </a:fillRef>
+      <a:effectRef idx="0">
+        <a:scrgbClr r="0" g="0" b="0"/>
+      </a:effectRef>
+      <a:fontRef idx="minor">
+        <a:schemeClr val="lt1"/>
+      </a:fontRef>
+    </dgm:style>
+  </dgm:styleLbl>
+  <dgm:styleLbl name="asst3">
+    <dgm:scene3d>
+      <a:camera prst="orthographicFront"/>
+      <a:lightRig rig="threePt" dir="t"/>
+    </dgm:scene3d>
+    <dgm:sp3d/>
+    <dgm:txPr/>
+    <dgm:style>
+      <a:lnRef idx="2">
+        <a:scrgbClr r="0" g="0" b="0"/>
+      </a:lnRef>
+      <a:fillRef idx="1">
+        <a:scrgbClr r="0" g="0" b="0"/>
+      </a:fillRef>
+      <a:effectRef idx="0">
+        <a:scrgbClr r="0" g="0" b="0"/>
+      </a:effectRef>
+      <a:fontRef idx="minor">
+        <a:schemeClr val="lt1"/>
+      </a:fontRef>
+    </dgm:style>
+  </dgm:styleLbl>
+  <dgm:styleLbl name="asst4">
+    <dgm:scene3d>
+      <a:camera prst="orthographicFront"/>
+      <a:lightRig rig="threePt" dir="t"/>
+    </dgm:scene3d>
+    <dgm:sp3d/>
+    <dgm:txPr/>
+    <dgm:style>
+      <a:lnRef idx="2">
+        <a:scrgbClr r="0" g="0" b="0"/>
+      </a:lnRef>
+      <a:fillRef idx="1">
+        <a:scrgbClr r="0" g="0" b="0"/>
+      </a:fillRef>
+      <a:effectRef idx="0">
+        <a:scrgbClr r="0" g="0" b="0"/>
+      </a:effectRef>
+      <a:fontRef idx="minor">
+        <a:schemeClr val="lt1"/>
+      </a:fontRef>
+    </dgm:style>
+  </dgm:styleLbl>
+  <dgm:styleLbl name="parChTrans2D1">
+    <dgm:scene3d>
+      <a:camera prst="orthographicFront"/>
+      <a:lightRig rig="threePt" dir="t"/>
+    </dgm:scene3d>
+    <dgm:sp3d/>
+    <dgm:txPr/>
+    <dgm:style>
+      <a:lnRef idx="2">
+        <a:scrgbClr r="0" g="0" b="0"/>
+      </a:lnRef>
+      <a:fillRef idx="1">
+        <a:scrgbClr r="0" g="0" b="0"/>
+      </a:fillRef>
+      <a:effectRef idx="0">
+        <a:scrgbClr r="0" g="0" b="0"/>
+      </a:effectRef>
+      <a:fontRef idx="minor">
+        <a:schemeClr val="lt1"/>
+      </a:fontRef>
+    </dgm:style>
+  </dgm:styleLbl>
+  <dgm:styleLbl name="parChTrans2D2">
+    <dgm:scene3d>
+      <a:camera prst="orthographicFront"/>
+      <a:lightRig rig="threePt" dir="t"/>
+    </dgm:scene3d>
+    <dgm:sp3d/>
+    <dgm:txPr/>
+    <dgm:style>
+      <a:lnRef idx="2">
+        <a:scrgbClr r="0" g="0" b="0"/>
+      </a:lnRef>
+      <a:fillRef idx="1">
+        <a:scrgbClr r="0" g="0" b="0"/>
+      </a:fillRef>
+      <a:effectRef idx="0">
+        <a:scrgbClr r="0" g="0" b="0"/>
+      </a:effectRef>
+      <a:fontRef idx="minor">
+        <a:schemeClr val="lt1"/>
+      </a:fontRef>
+    </dgm:style>
+  </dgm:styleLbl>
+  <dgm:styleLbl name="parChTrans2D3">
+    <dgm:scene3d>
+      <a:camera prst="orthographicFront"/>
+      <a:lightRig rig="threePt" dir="t"/>
+    </dgm:scene3d>
+    <dgm:sp3d/>
+    <dgm:txPr/>
+    <dgm:style>
+      <a:lnRef idx="2">
+        <a:scrgbClr r="0" g="0" b="0"/>
+      </a:lnRef>
+      <a:fillRef idx="1">
+        <a:scrgbClr r="0" g="0" b="0"/>
+      </a:fillRef>
+      <a:effectRef idx="0">
+        <a:scrgbClr r="0" g="0" b="0"/>
+      </a:effectRef>
+      <a:fontRef idx="minor">
+        <a:schemeClr val="lt1"/>
+      </a:fontRef>
+    </dgm:style>
+  </dgm:styleLbl>
+  <dgm:styleLbl name="parChTrans2D4">
+    <dgm:scene3d>
+      <a:camera prst="orthographicFront"/>
+      <a:lightRig rig="threePt" dir="t"/>
+    </dgm:scene3d>
+    <dgm:sp3d/>
+    <dgm:txPr/>
+    <dgm:style>
+      <a:lnRef idx="2">
+        <a:scrgbClr r="0" g="0" b="0"/>
+      </a:lnRef>
+      <a:fillRef idx="1">
+        <a:scrgbClr r="0" g="0" b="0"/>
+      </a:fillRef>
+      <a:effectRef idx="0">
+        <a:scrgbClr r="0" g="0" b="0"/>
+      </a:effectRef>
+      <a:fontRef idx="minor">
+        <a:schemeClr val="lt1"/>
+      </a:fontRef>
+    </dgm:style>
+  </dgm:styleLbl>
+  <dgm:styleLbl name="parChTrans1D1">
+    <dgm:scene3d>
+      <a:camera prst="orthographicFront"/>
+      <a:lightRig rig="threePt" dir="t"/>
+    </dgm:scene3d>
+    <dgm:sp3d/>
+    <dgm:txPr/>
+    <dgm:style>
+      <a:lnRef idx="2">
+        <a:scrgbClr r="0" g="0" b="0"/>
+      </a:lnRef>
+      <a:fillRef idx="0">
+        <a:scrgbClr r="0" g="0" b="0"/>
+      </a:fillRef>
+      <a:effectRef idx="0">
+        <a:scrgbClr r="0" g="0" b="0"/>
+      </a:effectRef>
+      <a:fontRef idx="minor"/>
+    </dgm:style>
+  </dgm:styleLbl>
+  <dgm:styleLbl name="parChTrans1D2">
+    <dgm:scene3d>
+      <a:camera prst="orthographicFront"/>
+      <a:lightRig rig="threePt" dir="t"/>
+    </dgm:scene3d>
+    <dgm:sp3d/>
+    <dgm:txPr/>
+    <dgm:style>
+      <a:lnRef idx="2">
+        <a:scrgbClr r="0" g="0" b="0"/>
+      </a:lnRef>
+      <a:fillRef idx="0">
+        <a:scrgbClr r="0" g="0" b="0"/>
+      </a:fillRef>
+      <a:effectRef idx="0">
+        <a:scrgbClr r="0" g="0" b="0"/>
+      </a:effectRef>
+      <a:fontRef idx="minor"/>
+    </dgm:style>
+  </dgm:styleLbl>
+  <dgm:styleLbl name="parChTrans1D3">
+    <dgm:scene3d>
+      <a:camera prst="orthographicFront"/>
+      <a:lightRig rig="threePt" dir="t"/>
+    </dgm:scene3d>
+    <dgm:sp3d/>
+    <dgm:txPr/>
+    <dgm:style>
+      <a:lnRef idx="2">
+        <a:scrgbClr r="0" g="0" b="0"/>
+      </a:lnRef>
+      <a:fillRef idx="0">
+        <a:scrgbClr r="0" g="0" b="0"/>
+      </a:fillRef>
+      <a:effectRef idx="0">
+        <a:scrgbClr r="0" g="0" b="0"/>
+      </a:effectRef>
+      <a:fontRef idx="minor"/>
+    </dgm:style>
+  </dgm:styleLbl>
+  <dgm:styleLbl name="parChTrans1D4">
+    <dgm:scene3d>
+      <a:camera prst="orthographicFront"/>
+      <a:lightRig rig="threePt" dir="t"/>
+    </dgm:scene3d>
+    <dgm:sp3d/>
+    <dgm:txPr/>
+    <dgm:style>
+      <a:lnRef idx="2">
+        <a:scrgbClr r="0" g="0" b="0"/>
+      </a:lnRef>
+      <a:fillRef idx="0">
+        <a:scrgbClr r="0" g="0" b="0"/>
+      </a:fillRef>
+      <a:effectRef idx="0">
+        <a:scrgbClr r="0" g="0" b="0"/>
+      </a:effectRef>
+      <a:fontRef idx="minor"/>
+    </dgm:style>
+  </dgm:styleLbl>
+  <dgm:styleLbl name="fgAcc1">
+    <dgm:scene3d>
+      <a:camera prst="orthographicFront"/>
+      <a:lightRig rig="threePt" dir="t"/>
+    </dgm:scene3d>
+    <dgm:sp3d/>
+    <dgm:txPr/>
+    <dgm:style>
+      <a:lnRef idx="2">
+        <a:scrgbClr r="0" g="0" b="0"/>
+      </a:lnRef>
+      <a:fillRef idx="1">
+        <a:scrgbClr r="0" g="0" b="0"/>
+      </a:fillRef>
+      <a:effectRef idx="0">
+        <a:scrgbClr r="0" g="0" b="0"/>
+      </a:effectRef>
+      <a:fontRef idx="minor"/>
+    </dgm:style>
+  </dgm:styleLbl>
+  <dgm:styleLbl name="conFgAcc1">
+    <dgm:scene3d>
+      <a:camera prst="orthographicFront"/>
+      <a:lightRig rig="threePt" dir="t"/>
+    </dgm:scene3d>
+    <dgm:sp3d/>
+    <dgm:txPr/>
+    <dgm:style>
+      <a:lnRef idx="2">
+        <a:scrgbClr r="0" g="0" b="0"/>
+      </a:lnRef>
+      <a:fillRef idx="1">
+        <a:scrgbClr r="0" g="0" b="0"/>
+      </a:fillRef>
+      <a:effectRef idx="0">
+        <a:scrgbClr r="0" g="0" b="0"/>
+      </a:effectRef>
+      <a:fontRef idx="minor"/>
+    </dgm:style>
+  </dgm:styleLbl>
+  <dgm:styleLbl name="alignAcc1">
+    <dgm:scene3d>
+      <a:camera prst="orthographicFront"/>
+      <a:lightRig rig="threePt" dir="t"/>
+    </dgm:scene3d>
+    <dgm:sp3d/>
+    <dgm:txPr/>
+    <dgm:style>
+      <a:lnRef idx="2">
+        <a:scrgbClr r="0" g="0" b="0"/>
+      </a:lnRef>
+      <a:fillRef idx="1">
+        <a:scrgbClr r="0" g="0" b="0"/>
+      </a:fillRef>
+      <a:effectRef idx="0">
+        <a:scrgbClr r="0" g="0" b="0"/>
+      </a:effectRef>
+      <a:fontRef idx="minor"/>
+    </dgm:style>
+  </dgm:styleLbl>
+  <dgm:styleLbl name="trAlignAcc1">
+    <dgm:scene3d>
+      <a:camera prst="orthographicFront"/>
+      <a:lightRig rig="threePt" dir="t"/>
+    </dgm:scene3d>
+    <dgm:sp3d/>
+    <dgm:txPr/>
+    <dgm:style>
+      <a:lnRef idx="1">
+        <a:scrgbClr r="0" g="0" b="0"/>
+      </a:lnRef>
+      <a:fillRef idx="1">
+        <a:scrgbClr r="0" g="0" b="0"/>
+      </a:fillRef>
+      <a:effectRef idx="0">
+        <a:scrgbClr r="0" g="0" b="0"/>
+      </a:effectRef>
+      <a:fontRef idx="minor"/>
+    </dgm:style>
+  </dgm:styleLbl>
+  <dgm:styleLbl name="bgAcc1">
+    <dgm:scene3d>
+      <a:camera prst="orthographicFront"/>
+      <a:lightRig rig="threePt" dir="t"/>
+    </dgm:scene3d>
+    <dgm:sp3d/>
+    <dgm:txPr/>
+    <dgm:style>
+      <a:lnRef idx="2">
+        <a:scrgbClr r="0" g="0" b="0"/>
+      </a:lnRef>
+      <a:fillRef idx="1">
+        <a:scrgbClr r="0" g="0" b="0"/>
+      </a:fillRef>
+      <a:effectRef idx="0">
+        <a:scrgbClr r="0" g="0" b="0"/>
+      </a:effectRef>
+      <a:fontRef idx="minor"/>
+    </dgm:style>
+  </dgm:styleLbl>
+  <dgm:styleLbl name="solidFgAcc1">
+    <dgm:scene3d>
+      <a:camera prst="orthographicFront"/>
+      <a:lightRig rig="threePt" dir="t"/>
+    </dgm:scene3d>
+    <dgm:sp3d/>
+    <dgm:txPr/>
+    <dgm:style>
+      <a:lnRef idx="2">
+        <a:scrgbClr r="0" g="0" b="0"/>
+      </a:lnRef>
+      <a:fillRef idx="1">
+        <a:scrgbClr r="0" g="0" b="0"/>
+      </a:fillRef>
+      <a:effectRef idx="0">
+        <a:scrgbClr r="0" g="0" b="0"/>
+      </a:effectRef>
+      <a:fontRef idx="minor"/>
+    </dgm:style>
+  </dgm:styleLbl>
+  <dgm:styleLbl name="solidAlignAcc1">
+    <dgm:scene3d>
+      <a:camera prst="orthographicFront"/>
+      <a:lightRig rig="threePt" dir="t"/>
+    </dgm:scene3d>
+    <dgm:sp3d/>
+    <dgm:txPr/>
+    <dgm:style>
+      <a:lnRef idx="2">
+        <a:scrgbClr r="0" g="0" b="0"/>
+      </a:lnRef>
+      <a:fillRef idx="1">
+        <a:scrgbClr r="0" g="0" b="0"/>
+      </a:fillRef>
+      <a:effectRef idx="0">
+        <a:scrgbClr r="0" g="0" b="0"/>
+      </a:effectRef>
+      <a:fontRef idx="minor"/>
+    </dgm:style>
+  </dgm:styleLbl>
+  <dgm:styleLbl name="solidBgAcc1">
+    <dgm:scene3d>
+      <a:camera prst="orthographicFront"/>
+      <a:lightRig rig="threePt" dir="t"/>
+    </dgm:scene3d>
+    <dgm:sp3d/>
+    <dgm:txPr/>
+    <dgm:style>
+      <a:lnRef idx="2">
+        <a:scrgbClr r="0" g="0" b="0"/>
+      </a:lnRef>
+      <a:fillRef idx="1">
+        <a:scrgbClr r="0" g="0" b="0"/>
+      </a:fillRef>
+      <a:effectRef idx="0">
+        <a:scrgbClr r="0" g="0" b="0"/>
+      </a:effectRef>
+      <a:fontRef idx="minor"/>
+    </dgm:style>
+  </dgm:styleLbl>
+  <dgm:styleLbl name="fgAccFollowNode1">
+    <dgm:scene3d>
+      <a:camera prst="orthographicFront"/>
+      <a:lightRig rig="threePt" dir="t"/>
+    </dgm:scene3d>
+    <dgm:sp3d/>
+    <dgm:txPr/>
+    <dgm:style>
+      <a:lnRef idx="2">
+        <a:scrgbClr r="0" g="0" b="0"/>
+      </a:lnRef>
+      <a:fillRef idx="1">
+        <a:scrgbClr r="0" g="0" b="0"/>
+      </a:fillRef>
+      <a:effectRef idx="0">
+        <a:scrgbClr r="0" g="0" b="0"/>
+      </a:effectRef>
+      <a:fontRef idx="minor"/>
+    </dgm:style>
+  </dgm:styleLbl>
+  <dgm:styleLbl name="alignAccFollowNode1">
+    <dgm:scene3d>
+      <a:camera prst="orthographicFront"/>
+      <a:lightRig rig="threePt" dir="t"/>
+    </dgm:scene3d>
+    <dgm:sp3d/>
+    <dgm:txPr/>
+    <dgm:style>
+      <a:lnRef idx="2">
+        <a:scrgbClr r="0" g="0" b="0"/>
+      </a:lnRef>
+      <a:fillRef idx="1">
+        <a:scrgbClr r="0" g="0" b="0"/>
+      </a:fillRef>
+      <a:effectRef idx="0">
+        <a:scrgbClr r="0" g="0" b="0"/>
+      </a:effectRef>
+      <a:fontRef idx="minor"/>
+    </dgm:style>
+  </dgm:styleLbl>
+  <dgm:styleLbl name="bgAccFollowNode1">
+    <dgm:scene3d>
+      <a:camera prst="orthographicFront"/>
+      <a:lightRig rig="threePt" dir="t"/>
+    </dgm:scene3d>
+    <dgm:sp3d/>
+    <dgm:txPr/>
+    <dgm:style>
+      <a:lnRef idx="2">
+        <a:scrgbClr r="0" g="0" b="0"/>
+      </a:lnRef>
+      <a:fillRef idx="1">
+        <a:scrgbClr r="0" g="0" b="0"/>
+      </a:fillRef>
+      <a:effectRef idx="0">
+        <a:scrgbClr r="0" g="0" b="0"/>
+      </a:effectRef>
+      <a:fontRef idx="minor"/>
+    </dgm:style>
+  </dgm:styleLbl>
+  <dgm:styleLbl name="fgAcc0">
+    <dgm:scene3d>
+      <a:camera prst="orthographicFront"/>
+      <a:lightRig rig="threePt" dir="t"/>
+    </dgm:scene3d>
+    <dgm:sp3d/>
+    <dgm:txPr/>
+    <dgm:style>
+      <a:lnRef idx="2">
+        <a:scrgbClr r="0" g="0" b="0"/>
+      </a:lnRef>
+      <a:fillRef idx="1">
+        <a:scrgbClr r="0" g="0" b="0"/>
+      </a:fillRef>
+      <a:effectRef idx="0">
+        <a:scrgbClr r="0" g="0" b="0"/>
+      </a:effectRef>
+      <a:fontRef idx="minor"/>
+    </dgm:style>
+  </dgm:styleLbl>
+  <dgm:styleLbl name="fgAcc2">
+    <dgm:scene3d>
+      <a:camera prst="orthographicFront"/>
+      <a:lightRig rig="threePt" dir="t"/>
+    </dgm:scene3d>
+    <dgm:sp3d/>
+    <dgm:txPr/>
+    <dgm:style>
+      <a:lnRef idx="2">
+        <a:scrgbClr r="0" g="0" b="0"/>
+      </a:lnRef>
+      <a:fillRef idx="1">
+        <a:scrgbClr r="0" g="0" b="0"/>
+      </a:fillRef>
+      <a:effectRef idx="0">
+        <a:scrgbClr r="0" g="0" b="0"/>
+      </a:effectRef>
+      <a:fontRef idx="minor"/>
+    </dgm:style>
+  </dgm:styleLbl>
+  <dgm:styleLbl name="fgAcc3">
+    <dgm:scene3d>
+      <a:camera prst="orthographicFront"/>
+      <a:lightRig rig="threePt" dir="t"/>
+    </dgm:scene3d>
+    <dgm:sp3d/>
+    <dgm:txPr/>
+    <dgm:style>
+      <a:lnRef idx="2">
+        <a:scrgbClr r="0" g="0" b="0"/>
+      </a:lnRef>
+      <a:fillRef idx="1">
+        <a:scrgbClr r="0" g="0" b="0"/>
+      </a:fillRef>
+      <a:effectRef idx="0">
+        <a:scrgbClr r="0" g="0" b="0"/>
+      </a:effectRef>
+      <a:fontRef idx="minor"/>
+    </dgm:style>
+  </dgm:styleLbl>
+  <dgm:styleLbl name="fgAcc4">
+    <dgm:scene3d>
+      <a:camera prst="orthographicFront"/>
+      <a:lightRig rig="threePt" dir="t"/>
+    </dgm:scene3d>
+    <dgm:sp3d/>
+    <dgm:txPr/>
+    <dgm:style>
+      <a:lnRef idx="2">
+        <a:scrgbClr r="0" g="0" b="0"/>
+      </a:lnRef>
+      <a:fillRef idx="1">
+        <a:scrgbClr r="0" g="0" b="0"/>
+      </a:fillRef>
+      <a:effectRef idx="0">
+        <a:scrgbClr r="0" g="0" b="0"/>
+      </a:effectRef>
+      <a:fontRef idx="minor"/>
+    </dgm:style>
+  </dgm:styleLbl>
+  <dgm:styleLbl name="bgShp">
+    <dgm:scene3d>
+      <a:camera prst="orthographicFront"/>
+      <a:lightRig rig="threePt" dir="t"/>
+    </dgm:scene3d>
+    <dgm:sp3d/>
+    <dgm:txPr/>
+    <dgm:style>
+      <a:lnRef idx="0">
+        <a:scrgbClr r="0" g="0" b="0"/>
+      </a:lnRef>
+      <a:fillRef idx="1">
+        <a:scrgbClr r="0" g="0" b="0"/>
+      </a:fillRef>
+      <a:effectRef idx="0">
+        <a:scrgbClr r="0" g="0" b="0"/>
+      </a:effectRef>
+      <a:fontRef idx="minor"/>
+    </dgm:style>
+  </dgm:styleLbl>
+  <dgm:styleLbl name="dkBgShp">
+    <dgm:scene3d>
+      <a:camera prst="orthographicFront"/>
+      <a:lightRig rig="threePt" dir="t"/>
+    </dgm:scene3d>
+    <dgm:sp3d/>
+    <dgm:txPr/>
+    <dgm:style>
+      <a:lnRef idx="0">
+        <a:scrgbClr r="0" g="0" b="0"/>
+      </a:lnRef>
+      <a:fillRef idx="1">
+        <a:scrgbClr r="0" g="0" b="0"/>
+      </a:fillRef>
+      <a:effectRef idx="0">
+        <a:scrgbClr r="0" g="0" b="0"/>
+      </a:effectRef>
+      <a:fontRef idx="minor"/>
+    </dgm:style>
+  </dgm:styleLbl>
+  <dgm:styleLbl name="trBgShp">
+    <dgm:scene3d>
+      <a:camera prst="orthographicFront"/>
+      <a:lightRig rig="threePt" dir="t"/>
+    </dgm:scene3d>
+    <dgm:sp3d/>
+    <dgm:txPr/>
+    <dgm:style>
+      <a:lnRef idx="0">
+        <a:scrgbClr r="0" g="0" b="0"/>
+      </a:lnRef>
+      <a:fillRef idx="1">
+        <a:scrgbClr r="0" g="0" b="0"/>
+      </a:fillRef>
+      <a:effectRef idx="0">
+        <a:scrgbClr r="0" g="0" b="0"/>
+      </a:effectRef>
+      <a:fontRef idx="minor"/>
+    </dgm:style>
+  </dgm:styleLbl>
+  <dgm:styleLbl name="fgShp">
+    <dgm:scene3d>
+      <a:camera prst="orthographicFront"/>
+      <a:lightRig rig="threePt" dir="t"/>
+    </dgm:scene3d>
+    <dgm:sp3d/>
+    <dgm:txPr/>
+    <dgm:style>
+      <a:lnRef idx="2">
+        <a:scrgbClr r="0" g="0" b="0"/>
+      </a:lnRef>
+      <a:fillRef idx="1">
+        <a:scrgbClr r="0" g="0" b="0"/>
+      </a:fillRef>
+      <a:effectRef idx="0">
+        <a:scrgbClr r="0" g="0" b="0"/>
+      </a:effectRef>
+      <a:fontRef idx="minor"/>
+    </dgm:style>
+  </dgm:styleLbl>
+  <dgm:styleLbl name="revTx">
+    <dgm:scene3d>
+      <a:camera prst="orthographicFront"/>
+      <a:lightRig rig="threePt" dir="t"/>
+    </dgm:scene3d>
+    <dgm:sp3d/>
+    <dgm:txPr/>
+    <dgm:style>
+      <a:lnRef idx="0">
+        <a:scrgbClr r="0" g="0" b="0"/>
+      </a:lnRef>
+      <a:fillRef idx="0">
+        <a:scrgbClr r="0" g="0" b="0"/>
+      </a:fillRef>
+      <a:effectRef idx="0">
+        <a:scrgbClr r="0" g="0" b="0"/>
+      </a:effectRef>
+      <a:fontRef idx="minor"/>
+    </dgm:style>
+  </dgm:styleLbl>
+</dgm:styleDef>
 </file>
 
 <file path=ppt/notesMasters/notesMaster1.xml><?xml version="1.0" encoding="utf-8"?>
@@ -4324,6 +9292,210 @@
     </p:spTree>
     <p:extLst>
       <p:ext uri="{BB962C8B-B14F-4D97-AF65-F5344CB8AC3E}">
+        <p14:creationId xmlns:p14="http://schemas.microsoft.com/office/powerpoint/2010/main" val="3524909719"/>
+      </p:ext>
+    </p:extLst>
+  </p:cSld>
+  <p:clrMapOvr>
+    <a:masterClrMapping/>
+  </p:clrMapOvr>
+</p:sld>
+</file>
+
+<file path=ppt/slides/slide11.xml><?xml version="1.0" encoding="utf-8"?>
+<p:sld xmlns:a="http://schemas.openxmlformats.org/drawingml/2006/main" xmlns:r="http://schemas.openxmlformats.org/officeDocument/2006/relationships" xmlns:p="http://schemas.openxmlformats.org/presentationml/2006/main">
+  <p:cSld>
+    <p:spTree>
+      <p:nvGrpSpPr>
+        <p:cNvPr id="1" name=""/>
+        <p:cNvGrpSpPr/>
+        <p:nvPr/>
+      </p:nvGrpSpPr>
+      <p:grpSpPr>
+        <a:xfrm>
+          <a:off x="0" y="0"/>
+          <a:ext cx="0" cy="0"/>
+          <a:chOff x="0" y="0"/>
+          <a:chExt cx="0" cy="0"/>
+        </a:xfrm>
+      </p:grpSpPr>
+      <p:sp>
+        <p:nvSpPr>
+          <p:cNvPr id="2" name="제목 1"/>
+          <p:cNvSpPr>
+            <a:spLocks noGrp="1"/>
+          </p:cNvSpPr>
+          <p:nvPr>
+            <p:ph type="title"/>
+          </p:nvPr>
+        </p:nvSpPr>
+        <p:spPr/>
+        <p:txBody>
+          <a:bodyPr/>
+          <a:lstStyle/>
+          <a:p>
+            <a:endParaRPr lang="ko-KR" altLang="en-US"/>
+          </a:p>
+        </p:txBody>
+      </p:sp>
+      <p:sp>
+        <p:nvSpPr>
+          <p:cNvPr id="3" name="내용 개체 틀 2"/>
+          <p:cNvSpPr>
+            <a:spLocks noGrp="1"/>
+          </p:cNvSpPr>
+          <p:nvPr>
+            <p:ph idx="1"/>
+          </p:nvPr>
+        </p:nvSpPr>
+        <p:spPr/>
+        <p:txBody>
+          <a:bodyPr/>
+          <a:lstStyle/>
+          <a:p>
+            <a:endParaRPr lang="ko-KR" altLang="en-US"/>
+          </a:p>
+        </p:txBody>
+      </p:sp>
+    </p:spTree>
+    <p:extLst>
+      <p:ext uri="{BB962C8B-B14F-4D97-AF65-F5344CB8AC3E}">
+        <p14:creationId xmlns:p14="http://schemas.microsoft.com/office/powerpoint/2010/main" val="831871984"/>
+      </p:ext>
+    </p:extLst>
+  </p:cSld>
+  <p:clrMapOvr>
+    <a:masterClrMapping/>
+  </p:clrMapOvr>
+</p:sld>
+</file>
+
+<file path=ppt/slides/slide12.xml><?xml version="1.0" encoding="utf-8"?>
+<p:sld xmlns:a="http://schemas.openxmlformats.org/drawingml/2006/main" xmlns:r="http://schemas.openxmlformats.org/officeDocument/2006/relationships" xmlns:p="http://schemas.openxmlformats.org/presentationml/2006/main">
+  <p:cSld>
+    <p:spTree>
+      <p:nvGrpSpPr>
+        <p:cNvPr id="1" name=""/>
+        <p:cNvGrpSpPr/>
+        <p:nvPr/>
+      </p:nvGrpSpPr>
+      <p:grpSpPr>
+        <a:xfrm>
+          <a:off x="0" y="0"/>
+          <a:ext cx="0" cy="0"/>
+          <a:chOff x="0" y="0"/>
+          <a:chExt cx="0" cy="0"/>
+        </a:xfrm>
+      </p:grpSpPr>
+      <p:sp>
+        <p:nvSpPr>
+          <p:cNvPr id="2" name="제목 1"/>
+          <p:cNvSpPr>
+            <a:spLocks noGrp="1"/>
+          </p:cNvSpPr>
+          <p:nvPr>
+            <p:ph type="ctrTitle"/>
+          </p:nvPr>
+        </p:nvSpPr>
+        <p:spPr/>
+        <p:txBody>
+          <a:bodyPr/>
+          <a:lstStyle/>
+          <a:p>
+            <a:endParaRPr lang="ko-KR" altLang="en-US"/>
+          </a:p>
+        </p:txBody>
+      </p:sp>
+      <p:sp>
+        <p:nvSpPr>
+          <p:cNvPr id="3" name="부제목 2"/>
+          <p:cNvSpPr>
+            <a:spLocks noGrp="1"/>
+          </p:cNvSpPr>
+          <p:nvPr>
+            <p:ph type="subTitle" idx="1"/>
+          </p:nvPr>
+        </p:nvSpPr>
+        <p:spPr/>
+        <p:txBody>
+          <a:bodyPr/>
+          <a:lstStyle/>
+          <a:p>
+            <a:endParaRPr lang="ko-KR" altLang="en-US"/>
+          </a:p>
+        </p:txBody>
+      </p:sp>
+    </p:spTree>
+    <p:extLst>
+      <p:ext uri="{BB962C8B-B14F-4D97-AF65-F5344CB8AC3E}">
+        <p14:creationId xmlns:p14="http://schemas.microsoft.com/office/powerpoint/2010/main" val="4070694287"/>
+      </p:ext>
+    </p:extLst>
+  </p:cSld>
+  <p:clrMapOvr>
+    <a:masterClrMapping/>
+  </p:clrMapOvr>
+</p:sld>
+</file>
+
+<file path=ppt/slides/slide13.xml><?xml version="1.0" encoding="utf-8"?>
+<p:sld xmlns:a="http://schemas.openxmlformats.org/drawingml/2006/main" xmlns:r="http://schemas.openxmlformats.org/officeDocument/2006/relationships" xmlns:p="http://schemas.openxmlformats.org/presentationml/2006/main">
+  <p:cSld>
+    <p:spTree>
+      <p:nvGrpSpPr>
+        <p:cNvPr id="1" name=""/>
+        <p:cNvGrpSpPr/>
+        <p:nvPr/>
+      </p:nvGrpSpPr>
+      <p:grpSpPr>
+        <a:xfrm>
+          <a:off x="0" y="0"/>
+          <a:ext cx="0" cy="0"/>
+          <a:chOff x="0" y="0"/>
+          <a:chExt cx="0" cy="0"/>
+        </a:xfrm>
+      </p:grpSpPr>
+      <p:sp>
+        <p:nvSpPr>
+          <p:cNvPr id="2" name="제목 1"/>
+          <p:cNvSpPr>
+            <a:spLocks noGrp="1"/>
+          </p:cNvSpPr>
+          <p:nvPr>
+            <p:ph type="title"/>
+          </p:nvPr>
+        </p:nvSpPr>
+        <p:spPr/>
+        <p:txBody>
+          <a:bodyPr/>
+          <a:lstStyle/>
+          <a:p>
+            <a:endParaRPr lang="ko-KR" altLang="en-US"/>
+          </a:p>
+        </p:txBody>
+      </p:sp>
+      <p:sp>
+        <p:nvSpPr>
+          <p:cNvPr id="3" name="내용 개체 틀 2"/>
+          <p:cNvSpPr>
+            <a:spLocks noGrp="1"/>
+          </p:cNvSpPr>
+          <p:nvPr>
+            <p:ph idx="1"/>
+          </p:nvPr>
+        </p:nvSpPr>
+        <p:spPr/>
+        <p:txBody>
+          <a:bodyPr/>
+          <a:lstStyle/>
+          <a:p>
+            <a:endParaRPr lang="ko-KR" altLang="en-US"/>
+          </a:p>
+        </p:txBody>
+      </p:sp>
+    </p:spTree>
+    <p:extLst>
+      <p:ext uri="{BB962C8B-B14F-4D97-AF65-F5344CB8AC3E}">
         <p14:creationId xmlns:p14="http://schemas.microsoft.com/office/powerpoint/2010/main" val="1182412970"/>
       </p:ext>
     </p:extLst>
@@ -4334,7 +9506,7 @@
 </p:sld>
 </file>
 
-<file path=ppt/slides/slide11.xml><?xml version="1.0" encoding="utf-8"?>
+<file path=ppt/slides/slide14.xml><?xml version="1.0" encoding="utf-8"?>
 <p:sld xmlns:a="http://schemas.openxmlformats.org/drawingml/2006/main" xmlns:r="http://schemas.openxmlformats.org/officeDocument/2006/relationships" xmlns:p="http://schemas.openxmlformats.org/presentationml/2006/main">
   <p:cSld>
     <p:spTree>
@@ -4717,7 +9889,7 @@
         </p:nvSpPr>
         <p:spPr>
           <a:xfrm>
-            <a:off x="2411760" y="1844824"/>
+            <a:off x="2411760" y="1871719"/>
             <a:ext cx="4536504" cy="1368152"/>
           </a:xfrm>
           <a:prstGeom prst="rect">
@@ -4800,8 +9972,8 @@
         </p:nvSpPr>
         <p:spPr>
           <a:xfrm>
-            <a:off x="107504" y="116632"/>
-            <a:ext cx="8856984" cy="6552728"/>
+            <a:off x="107504" y="332656"/>
+            <a:ext cx="8856984" cy="6336704"/>
           </a:xfrm>
           <a:prstGeom prst="rect">
             <a:avLst/>
@@ -4849,7 +10021,7 @@
         </p:nvSpPr>
         <p:spPr>
           <a:xfrm>
-            <a:off x="4067944" y="255856"/>
+            <a:off x="4067944" y="427311"/>
             <a:ext cx="1080120" cy="769441"/>
           </a:xfrm>
           <a:prstGeom prst="rect">
@@ -5796,7 +10968,7 @@
         <p:spPr>
           <a:xfrm>
             <a:off x="539552" y="4698249"/>
-            <a:ext cx="1906288" cy="1872208"/>
+            <a:ext cx="1906288" cy="1827095"/>
           </a:xfrm>
           <a:prstGeom prst="rect">
             <a:avLst/>
@@ -5844,8 +11016,8 @@
         </p:nvSpPr>
         <p:spPr>
           <a:xfrm>
-            <a:off x="959578" y="5346321"/>
-            <a:ext cx="1050288" cy="584775"/>
+            <a:off x="590090" y="5346321"/>
+            <a:ext cx="1789272" cy="523220"/>
           </a:xfrm>
           <a:prstGeom prst="rect">
             <a:avLst/>
@@ -5860,7 +11032,7 @@
           <a:p>
             <a:pPr algn="ctr"/>
             <a:r>
-              <a:rPr lang="ko-KR" altLang="en-US" sz="1600" dirty="0" smtClean="0">
+              <a:rPr lang="ko-KR" altLang="en-US" sz="1400" dirty="0" smtClean="0">
                 <a:gradFill>
                   <a:gsLst>
                     <a:gs pos="0">
@@ -5878,10 +11050,31 @@
                 <a:latin typeface="나눔바른펜" panose="020B0503000000000000" pitchFamily="50" charset="-127"/>
                 <a:ea typeface="나눔바른펜" panose="020B0503000000000000" pitchFamily="50" charset="-127"/>
               </a:rPr>
-              <a:t>예매율 </a:t>
-            </a:r>
-            <a:r>
-              <a:rPr lang="en-US" altLang="ko-KR" sz="1600" dirty="0" smtClean="0">
+              <a:t>박스오피스 순위 클릭 시  </a:t>
+            </a:r>
+            <a:endParaRPr lang="en-US" altLang="ko-KR" sz="1400" dirty="0" smtClean="0">
+              <a:gradFill>
+                <a:gsLst>
+                  <a:gs pos="0">
+                    <a:schemeClr val="tx1"/>
+                  </a:gs>
+                  <a:gs pos="50000">
+                    <a:schemeClr val="tx1"/>
+                  </a:gs>
+                  <a:gs pos="100000">
+                    <a:schemeClr val="tx1"/>
+                  </a:gs>
+                </a:gsLst>
+                <a:lin ang="5400000" scaled="0"/>
+              </a:gradFill>
+              <a:latin typeface="나눔바른펜" panose="020B0503000000000000" pitchFamily="50" charset="-127"/>
+              <a:ea typeface="나눔바른펜" panose="020B0503000000000000" pitchFamily="50" charset="-127"/>
+            </a:endParaRPr>
+          </a:p>
+          <a:p>
+            <a:pPr algn="ctr"/>
+            <a:r>
+              <a:rPr lang="ko-KR" altLang="en-US" sz="1400" dirty="0" smtClean="0">
                 <a:gradFill>
                   <a:gsLst>
                     <a:gs pos="0">
@@ -5899,10 +11092,10 @@
                 <a:latin typeface="나눔바른펜" panose="020B0503000000000000" pitchFamily="50" charset="-127"/>
                 <a:ea typeface="나눔바른펜" panose="020B0503000000000000" pitchFamily="50" charset="-127"/>
               </a:rPr>
-              <a:t>1</a:t>
-            </a:r>
-            <a:r>
-              <a:rPr lang="ko-KR" altLang="en-US" sz="1600" dirty="0" smtClean="0">
+              <a:t>해당 </a:t>
+            </a:r>
+            <a:r>
+              <a:rPr lang="ko-KR" altLang="en-US" sz="1400" dirty="0" smtClean="0">
                 <a:gradFill>
                   <a:gsLst>
                     <a:gs pos="0">
@@ -5920,31 +11113,10 @@
                 <a:latin typeface="나눔바른펜" panose="020B0503000000000000" pitchFamily="50" charset="-127"/>
                 <a:ea typeface="나눔바른펜" panose="020B0503000000000000" pitchFamily="50" charset="-127"/>
               </a:rPr>
-              <a:t>위 </a:t>
-            </a:r>
-            <a:endParaRPr lang="en-US" altLang="ko-KR" sz="1600" dirty="0" smtClean="0">
-              <a:gradFill>
-                <a:gsLst>
-                  <a:gs pos="0">
-                    <a:schemeClr val="tx1"/>
-                  </a:gs>
-                  <a:gs pos="50000">
-                    <a:schemeClr val="tx1"/>
-                  </a:gs>
-                  <a:gs pos="100000">
-                    <a:schemeClr val="tx1"/>
-                  </a:gs>
-                </a:gsLst>
-                <a:lin ang="5400000" scaled="0"/>
-              </a:gradFill>
-              <a:latin typeface="나눔바른펜" panose="020B0503000000000000" pitchFamily="50" charset="-127"/>
-              <a:ea typeface="나눔바른펜" panose="020B0503000000000000" pitchFamily="50" charset="-127"/>
-            </a:endParaRPr>
-          </a:p>
-          <a:p>
-            <a:pPr algn="ctr"/>
-            <a:r>
-              <a:rPr lang="ko-KR" altLang="en-US" sz="1600" dirty="0" smtClean="0">
+              <a:t>영화 </a:t>
+            </a:r>
+            <a:r>
+              <a:rPr lang="ko-KR" altLang="en-US" sz="1400" dirty="0" smtClean="0">
                 <a:gradFill>
                   <a:gsLst>
                     <a:gs pos="0">
@@ -5962,9 +11134,9 @@
                 <a:latin typeface="나눔바른펜" panose="020B0503000000000000" pitchFamily="50" charset="-127"/>
                 <a:ea typeface="나눔바른펜" panose="020B0503000000000000" pitchFamily="50" charset="-127"/>
               </a:rPr>
-              <a:t>영화 포스터</a:t>
-            </a:r>
-            <a:endParaRPr lang="ko-KR" altLang="en-US" sz="1600" dirty="0">
+              <a:t>포스터</a:t>
+            </a:r>
+            <a:endParaRPr lang="ko-KR" altLang="en-US" sz="1400" dirty="0">
               <a:gradFill>
                 <a:gsLst>
                   <a:gs pos="0">
@@ -5994,7 +11166,7 @@
         <p:spPr>
           <a:xfrm>
             <a:off x="2627784" y="4050177"/>
-            <a:ext cx="1368152" cy="2520280"/>
+            <a:ext cx="1368152" cy="2475167"/>
           </a:xfrm>
           <a:prstGeom prst="rect">
             <a:avLst/>
@@ -6042,8 +11214,8 @@
         </p:nvSpPr>
         <p:spPr>
           <a:xfrm>
-            <a:off x="2771800" y="4914272"/>
-            <a:ext cx="1075936" cy="646331"/>
+            <a:off x="2691650" y="4914272"/>
+            <a:ext cx="1236236" cy="1384995"/>
           </a:xfrm>
           <a:prstGeom prst="rect">
             <a:avLst/>
@@ -6118,9 +11290,302 @@
                 <a:latin typeface="나눔바른펜" panose="020B0503000000000000" pitchFamily="50" charset="-127"/>
                 <a:ea typeface="나눔바른펜" panose="020B0503000000000000" pitchFamily="50" charset="-127"/>
               </a:rPr>
-              <a:t>순위 노출</a:t>
-            </a:r>
-            <a:endParaRPr lang="ko-KR" altLang="en-US" dirty="0">
+              <a:t>순위 </a:t>
+            </a:r>
+            <a:r>
+              <a:rPr lang="ko-KR" altLang="en-US" dirty="0" smtClean="0">
+                <a:gradFill>
+                  <a:gsLst>
+                    <a:gs pos="0">
+                      <a:schemeClr val="tx1"/>
+                    </a:gs>
+                    <a:gs pos="50000">
+                      <a:schemeClr val="tx1"/>
+                    </a:gs>
+                    <a:gs pos="100000">
+                      <a:schemeClr val="tx1"/>
+                    </a:gs>
+                  </a:gsLst>
+                  <a:lin ang="5400000" scaled="0"/>
+                </a:gradFill>
+                <a:latin typeface="나눔바른펜" panose="020B0503000000000000" pitchFamily="50" charset="-127"/>
+                <a:ea typeface="나눔바른펜" panose="020B0503000000000000" pitchFamily="50" charset="-127"/>
+              </a:rPr>
+              <a:t>노출</a:t>
+            </a:r>
+            <a:endParaRPr lang="en-US" altLang="ko-KR" dirty="0" smtClean="0">
+              <a:gradFill>
+                <a:gsLst>
+                  <a:gs pos="0">
+                    <a:schemeClr val="tx1"/>
+                  </a:gs>
+                  <a:gs pos="50000">
+                    <a:schemeClr val="tx1"/>
+                  </a:gs>
+                  <a:gs pos="100000">
+                    <a:schemeClr val="tx1"/>
+                  </a:gs>
+                </a:gsLst>
+                <a:lin ang="5400000" scaled="0"/>
+              </a:gradFill>
+              <a:latin typeface="나눔바른펜" panose="020B0503000000000000" pitchFamily="50" charset="-127"/>
+              <a:ea typeface="나눔바른펜" panose="020B0503000000000000" pitchFamily="50" charset="-127"/>
+            </a:endParaRPr>
+          </a:p>
+          <a:p>
+            <a:r>
+              <a:rPr lang="en-US" altLang="ko-KR" sz="1200" dirty="0" smtClean="0">
+                <a:gradFill>
+                  <a:gsLst>
+                    <a:gs pos="0">
+                      <a:schemeClr val="tx1"/>
+                    </a:gs>
+                    <a:gs pos="50000">
+                      <a:schemeClr val="tx1"/>
+                    </a:gs>
+                    <a:gs pos="100000">
+                      <a:schemeClr val="tx1"/>
+                    </a:gs>
+                  </a:gsLst>
+                  <a:lin ang="5400000" scaled="0"/>
+                </a:gradFill>
+                <a:latin typeface="나눔바른펜" panose="020B0503000000000000" pitchFamily="50" charset="-127"/>
+                <a:ea typeface="나눔바른펜" panose="020B0503000000000000" pitchFamily="50" charset="-127"/>
+              </a:rPr>
+              <a:t>Ex)</a:t>
+            </a:r>
+          </a:p>
+          <a:p>
+            <a:r>
+              <a:rPr lang="en-US" altLang="ko-KR" sz="1200" dirty="0" smtClean="0">
+                <a:gradFill>
+                  <a:gsLst>
+                    <a:gs pos="0">
+                      <a:schemeClr val="tx1"/>
+                    </a:gs>
+                    <a:gs pos="50000">
+                      <a:schemeClr val="tx1"/>
+                    </a:gs>
+                    <a:gs pos="100000">
+                      <a:schemeClr val="tx1"/>
+                    </a:gs>
+                  </a:gsLst>
+                  <a:lin ang="5400000" scaled="0"/>
+                </a:gradFill>
+                <a:latin typeface="나눔바른펜" panose="020B0503000000000000" pitchFamily="50" charset="-127"/>
+                <a:ea typeface="나눔바른펜" panose="020B0503000000000000" pitchFamily="50" charset="-127"/>
+              </a:rPr>
+              <a:t> 1. </a:t>
+            </a:r>
+            <a:r>
+              <a:rPr lang="ko-KR" altLang="en-US" sz="1200" dirty="0" err="1" smtClean="0">
+                <a:gradFill>
+                  <a:gsLst>
+                    <a:gs pos="0">
+                      <a:schemeClr val="tx1"/>
+                    </a:gs>
+                    <a:gs pos="50000">
+                      <a:schemeClr val="tx1"/>
+                    </a:gs>
+                    <a:gs pos="100000">
+                      <a:schemeClr val="tx1"/>
+                    </a:gs>
+                  </a:gsLst>
+                  <a:lin ang="5400000" scaled="0"/>
+                </a:gradFill>
+                <a:latin typeface="나눔바른펜" panose="020B0503000000000000" pitchFamily="50" charset="-127"/>
+                <a:ea typeface="나눔바른펜" panose="020B0503000000000000" pitchFamily="50" charset="-127"/>
+              </a:rPr>
+              <a:t>아쿠아맨</a:t>
+            </a:r>
+            <a:r>
+              <a:rPr lang="ko-KR" altLang="en-US" sz="1200" dirty="0" smtClean="0">
+                <a:gradFill>
+                  <a:gsLst>
+                    <a:gs pos="0">
+                      <a:schemeClr val="tx1"/>
+                    </a:gs>
+                    <a:gs pos="50000">
+                      <a:schemeClr val="tx1"/>
+                    </a:gs>
+                    <a:gs pos="100000">
+                      <a:schemeClr val="tx1"/>
+                    </a:gs>
+                  </a:gsLst>
+                  <a:lin ang="5400000" scaled="0"/>
+                </a:gradFill>
+                <a:latin typeface="나눔바른펜" panose="020B0503000000000000" pitchFamily="50" charset="-127"/>
+                <a:ea typeface="나눔바른펜" panose="020B0503000000000000" pitchFamily="50" charset="-127"/>
+              </a:rPr>
+              <a:t> </a:t>
+            </a:r>
+            <a:endParaRPr lang="en-US" altLang="ko-KR" sz="1200" dirty="0">
+              <a:gradFill>
+                <a:gsLst>
+                  <a:gs pos="0">
+                    <a:schemeClr val="tx1"/>
+                  </a:gs>
+                  <a:gs pos="50000">
+                    <a:schemeClr val="tx1"/>
+                  </a:gs>
+                  <a:gs pos="100000">
+                    <a:schemeClr val="tx1"/>
+                  </a:gs>
+                </a:gsLst>
+                <a:lin ang="5400000" scaled="0"/>
+              </a:gradFill>
+              <a:latin typeface="나눔바른펜" panose="020B0503000000000000" pitchFamily="50" charset="-127"/>
+              <a:ea typeface="나눔바른펜" panose="020B0503000000000000" pitchFamily="50" charset="-127"/>
+            </a:endParaRPr>
+          </a:p>
+          <a:p>
+            <a:r>
+              <a:rPr lang="en-US" altLang="ko-KR" sz="1200" dirty="0" smtClean="0">
+                <a:gradFill>
+                  <a:gsLst>
+                    <a:gs pos="0">
+                      <a:schemeClr val="tx1"/>
+                    </a:gs>
+                    <a:gs pos="50000">
+                      <a:schemeClr val="tx1"/>
+                    </a:gs>
+                    <a:gs pos="100000">
+                      <a:schemeClr val="tx1"/>
+                    </a:gs>
+                  </a:gsLst>
+                  <a:lin ang="5400000" scaled="0"/>
+                </a:gradFill>
+                <a:latin typeface="나눔바른펜" panose="020B0503000000000000" pitchFamily="50" charset="-127"/>
+                <a:ea typeface="나눔바른펜" panose="020B0503000000000000" pitchFamily="50" charset="-127"/>
+              </a:rPr>
+              <a:t>2. </a:t>
+            </a:r>
+            <a:r>
+              <a:rPr lang="ko-KR" altLang="en-US" sz="1200" dirty="0" err="1" smtClean="0">
+                <a:gradFill>
+                  <a:gsLst>
+                    <a:gs pos="0">
+                      <a:schemeClr val="tx1"/>
+                    </a:gs>
+                    <a:gs pos="50000">
+                      <a:schemeClr val="tx1"/>
+                    </a:gs>
+                    <a:gs pos="100000">
+                      <a:schemeClr val="tx1"/>
+                    </a:gs>
+                  </a:gsLst>
+                  <a:lin ang="5400000" scaled="0"/>
+                </a:gradFill>
+                <a:latin typeface="나눔바른펜" panose="020B0503000000000000" pitchFamily="50" charset="-127"/>
+                <a:ea typeface="나눔바른펜" panose="020B0503000000000000" pitchFamily="50" charset="-127"/>
+              </a:rPr>
+              <a:t>주먹왕</a:t>
+            </a:r>
+            <a:r>
+              <a:rPr lang="ko-KR" altLang="en-US" sz="1200" dirty="0" smtClean="0">
+                <a:gradFill>
+                  <a:gsLst>
+                    <a:gs pos="0">
+                      <a:schemeClr val="tx1"/>
+                    </a:gs>
+                    <a:gs pos="50000">
+                      <a:schemeClr val="tx1"/>
+                    </a:gs>
+                    <a:gs pos="100000">
+                      <a:schemeClr val="tx1"/>
+                    </a:gs>
+                  </a:gsLst>
+                  <a:lin ang="5400000" scaled="0"/>
+                </a:gradFill>
+                <a:latin typeface="나눔바른펜" panose="020B0503000000000000" pitchFamily="50" charset="-127"/>
+                <a:ea typeface="나눔바른펜" panose="020B0503000000000000" pitchFamily="50" charset="-127"/>
+              </a:rPr>
+              <a:t> </a:t>
+            </a:r>
+            <a:r>
+              <a:rPr lang="ko-KR" altLang="en-US" sz="1200" dirty="0" err="1" smtClean="0">
+                <a:gradFill>
+                  <a:gsLst>
+                    <a:gs pos="0">
+                      <a:schemeClr val="tx1"/>
+                    </a:gs>
+                    <a:gs pos="50000">
+                      <a:schemeClr val="tx1"/>
+                    </a:gs>
+                    <a:gs pos="100000">
+                      <a:schemeClr val="tx1"/>
+                    </a:gs>
+                  </a:gsLst>
+                  <a:lin ang="5400000" scaled="0"/>
+                </a:gradFill>
+                <a:latin typeface="나눔바른펜" panose="020B0503000000000000" pitchFamily="50" charset="-127"/>
+                <a:ea typeface="나눔바른펜" panose="020B0503000000000000" pitchFamily="50" charset="-127"/>
+              </a:rPr>
+              <a:t>랄프</a:t>
+            </a:r>
+            <a:endParaRPr lang="en-US" altLang="ko-KR" sz="1200" dirty="0" smtClean="0">
+              <a:gradFill>
+                <a:gsLst>
+                  <a:gs pos="0">
+                    <a:schemeClr val="tx1"/>
+                  </a:gs>
+                  <a:gs pos="50000">
+                    <a:schemeClr val="tx1"/>
+                  </a:gs>
+                  <a:gs pos="100000">
+                    <a:schemeClr val="tx1"/>
+                  </a:gs>
+                </a:gsLst>
+                <a:lin ang="5400000" scaled="0"/>
+              </a:gradFill>
+              <a:latin typeface="나눔바른펜" panose="020B0503000000000000" pitchFamily="50" charset="-127"/>
+              <a:ea typeface="나눔바른펜" panose="020B0503000000000000" pitchFamily="50" charset="-127"/>
+            </a:endParaRPr>
+          </a:p>
+          <a:p>
+            <a:r>
+              <a:rPr lang="en-US" altLang="ko-KR" sz="1200" dirty="0" smtClean="0">
+                <a:gradFill>
+                  <a:gsLst>
+                    <a:gs pos="0">
+                      <a:schemeClr val="tx1"/>
+                    </a:gs>
+                    <a:gs pos="50000">
+                      <a:schemeClr val="tx1"/>
+                    </a:gs>
+                    <a:gs pos="100000">
+                      <a:schemeClr val="tx1"/>
+                    </a:gs>
+                  </a:gsLst>
+                  <a:lin ang="5400000" scaled="0"/>
+                </a:gradFill>
+                <a:latin typeface="나눔바른펜" panose="020B0503000000000000" pitchFamily="50" charset="-127"/>
+                <a:ea typeface="나눔바른펜" panose="020B0503000000000000" pitchFamily="50" charset="-127"/>
+              </a:rPr>
+              <a:t>3. </a:t>
+            </a:r>
+            <a:r>
+              <a:rPr lang="ko-KR" altLang="en-US" sz="1200" dirty="0" smtClean="0">
+                <a:gradFill>
+                  <a:gsLst>
+                    <a:gs pos="0">
+                      <a:schemeClr val="tx1"/>
+                    </a:gs>
+                    <a:gs pos="50000">
+                      <a:schemeClr val="tx1"/>
+                    </a:gs>
+                    <a:gs pos="100000">
+                      <a:schemeClr val="tx1"/>
+                    </a:gs>
+                  </a:gsLst>
+                  <a:lin ang="5400000" scaled="0"/>
+                </a:gradFill>
+                <a:latin typeface="나눔바른펜" panose="020B0503000000000000" pitchFamily="50" charset="-127"/>
+                <a:ea typeface="나눔바른펜" panose="020B0503000000000000" pitchFamily="50" charset="-127"/>
+              </a:rPr>
+              <a:t>보헤미안 랩소디 </a:t>
+            </a:r>
+            <a:endParaRPr lang="ko-KR" altLang="en-US" sz="1200" dirty="0">
               <a:gradFill>
                 <a:gsLst>
                   <a:gs pos="0">
@@ -6339,6 +11804,91 @@
           </a:p>
         </p:txBody>
       </p:sp>
+      <p:sp>
+        <p:nvSpPr>
+          <p:cNvPr id="2" name="TextBox 1"/>
+          <p:cNvSpPr txBox="1"/>
+          <p:nvPr/>
+        </p:nvSpPr>
+        <p:spPr>
+          <a:xfrm>
+            <a:off x="179512" y="44624"/>
+            <a:ext cx="1353256" cy="276999"/>
+          </a:xfrm>
+          <a:prstGeom prst="rect">
+            <a:avLst/>
+          </a:prstGeom>
+          <a:noFill/>
+        </p:spPr>
+        <p:txBody>
+          <a:bodyPr wrap="none" rtlCol="0">
+            <a:spAutoFit/>
+          </a:bodyPr>
+          <a:lstStyle/>
+          <a:p>
+            <a:r>
+              <a:rPr lang="ko-KR" altLang="en-US" sz="1200" dirty="0" smtClean="0">
+                <a:gradFill>
+                  <a:gsLst>
+                    <a:gs pos="0">
+                      <a:schemeClr val="tx1"/>
+                    </a:gs>
+                    <a:gs pos="50000">
+                      <a:schemeClr val="tx1"/>
+                    </a:gs>
+                    <a:gs pos="100000">
+                      <a:schemeClr val="tx1"/>
+                    </a:gs>
+                  </a:gsLst>
+                  <a:lin ang="5400000" scaled="0"/>
+                </a:gradFill>
+                <a:latin typeface="나눔바른펜" panose="020B0503000000000000" pitchFamily="50" charset="-127"/>
+                <a:ea typeface="나눔바른펜" panose="020B0503000000000000" pitchFamily="50" charset="-127"/>
+              </a:rPr>
+              <a:t>공통 요소 </a:t>
+            </a:r>
+            <a:r>
+              <a:rPr lang="en-US" altLang="ko-KR" sz="1200" dirty="0" smtClean="0">
+                <a:gradFill>
+                  <a:gsLst>
+                    <a:gs pos="0">
+                      <a:schemeClr val="tx1"/>
+                    </a:gs>
+                    <a:gs pos="50000">
+                      <a:schemeClr val="tx1"/>
+                    </a:gs>
+                    <a:gs pos="100000">
+                      <a:schemeClr val="tx1"/>
+                    </a:gs>
+                  </a:gsLst>
+                  <a:lin ang="5400000" scaled="0"/>
+                </a:gradFill>
+                <a:latin typeface="나눔바른펜" panose="020B0503000000000000" pitchFamily="50" charset="-127"/>
+                <a:ea typeface="나눔바른펜" panose="020B0503000000000000" pitchFamily="50" charset="-127"/>
+              </a:rPr>
+              <a:t>&gt; 1. Header</a:t>
+            </a:r>
+            <a:endParaRPr lang="ko-KR" altLang="en-US" sz="1200" dirty="0">
+              <a:gradFill>
+                <a:gsLst>
+                  <a:gs pos="0">
+                    <a:schemeClr val="tx1"/>
+                  </a:gs>
+                  <a:gs pos="50000">
+                    <a:schemeClr val="tx1"/>
+                  </a:gs>
+                  <a:gs pos="100000">
+                    <a:schemeClr val="tx1"/>
+                  </a:gs>
+                </a:gsLst>
+                <a:lin ang="5400000" scaled="0"/>
+              </a:gradFill>
+              <a:latin typeface="나눔바른펜" panose="020B0503000000000000" pitchFamily="50" charset="-127"/>
+              <a:ea typeface="나눔바른펜" panose="020B0503000000000000" pitchFamily="50" charset="-127"/>
+            </a:endParaRPr>
+          </a:p>
+        </p:txBody>
+      </p:sp>
     </p:spTree>
     <p:extLst>
       <p:ext uri="{BB962C8B-B14F-4D97-AF65-F5344CB8AC3E}">
@@ -6378,46 +11928,1537 @@
       </p:grpSpPr>
       <p:sp>
         <p:nvSpPr>
-          <p:cNvPr id="2" name="제목 1"/>
-          <p:cNvSpPr>
-            <a:spLocks noGrp="1"/>
-          </p:cNvSpPr>
-          <p:nvPr>
-            <p:ph type="title"/>
-          </p:nvPr>
+          <p:cNvPr id="4" name="직사각형 3"/>
+          <p:cNvSpPr/>
+          <p:nvPr/>
         </p:nvSpPr>
-        <p:spPr/>
+        <p:spPr>
+          <a:xfrm>
+            <a:off x="107504" y="332656"/>
+            <a:ext cx="8856984" cy="6336704"/>
+          </a:xfrm>
+          <a:prstGeom prst="rect">
+            <a:avLst/>
+          </a:prstGeom>
+          <a:noFill/>
+          <a:ln>
+            <a:solidFill>
+              <a:schemeClr val="accent3">
+                <a:lumMod val="40000"/>
+                <a:lumOff val="60000"/>
+              </a:schemeClr>
+            </a:solidFill>
+          </a:ln>
+        </p:spPr>
+        <p:style>
+          <a:lnRef idx="2">
+            <a:schemeClr val="accent1">
+              <a:shade val="50000"/>
+            </a:schemeClr>
+          </a:lnRef>
+          <a:fillRef idx="1">
+            <a:schemeClr val="accent1"/>
+          </a:fillRef>
+          <a:effectRef idx="0">
+            <a:schemeClr val="accent1"/>
+          </a:effectRef>
+          <a:fontRef idx="minor">
+            <a:schemeClr val="lt1"/>
+          </a:fontRef>
+        </p:style>
         <p:txBody>
-          <a:bodyPr/>
+          <a:bodyPr rtlCol="0" anchor="ctr"/>
           <a:lstStyle/>
           <a:p>
+            <a:pPr algn="ctr"/>
             <a:endParaRPr lang="ko-KR" altLang="en-US"/>
           </a:p>
         </p:txBody>
       </p:sp>
       <p:sp>
         <p:nvSpPr>
-          <p:cNvPr id="3" name="내용 개체 틀 2"/>
-          <p:cNvSpPr>
-            <a:spLocks noGrp="1"/>
-          </p:cNvSpPr>
-          <p:nvPr>
-            <p:ph idx="1"/>
-          </p:nvPr>
+          <p:cNvPr id="6" name="TextBox 5"/>
+          <p:cNvSpPr txBox="1"/>
+          <p:nvPr/>
         </p:nvSpPr>
-        <p:spPr/>
+        <p:spPr>
+          <a:xfrm>
+            <a:off x="4067944" y="427311"/>
+            <a:ext cx="1080120" cy="769441"/>
+          </a:xfrm>
+          <a:prstGeom prst="rect">
+            <a:avLst/>
+          </a:prstGeom>
+          <a:noFill/>
+        </p:spPr>
         <p:txBody>
-          <a:bodyPr/>
+          <a:bodyPr wrap="square" rtlCol="0">
+            <a:spAutoFit/>
+          </a:bodyPr>
           <a:lstStyle/>
           <a:p>
+            <a:r>
+              <a:rPr lang="ko-KR" altLang="en-US" sz="4400" b="1" dirty="0" smtClean="0">
+                <a:latin typeface="나눔바른펜" panose="020B0503000000000000" pitchFamily="50" charset="-127"/>
+                <a:ea typeface="나눔바른펜" panose="020B0503000000000000" pitchFamily="50" charset="-127"/>
+              </a:rPr>
+              <a:t>로고</a:t>
+            </a:r>
+            <a:endParaRPr lang="ko-KR" altLang="en-US" sz="4400" b="1" dirty="0">
+              <a:latin typeface="나눔바른펜" panose="020B0503000000000000" pitchFamily="50" charset="-127"/>
+              <a:ea typeface="나눔바른펜" panose="020B0503000000000000" pitchFamily="50" charset="-127"/>
+            </a:endParaRPr>
+          </a:p>
+        </p:txBody>
+      </p:sp>
+      <p:cxnSp>
+        <p:nvCxnSpPr>
+          <p:cNvPr id="11" name="직선 연결선 10"/>
+          <p:cNvCxnSpPr/>
+          <p:nvPr/>
+        </p:nvCxnSpPr>
+        <p:spPr>
+          <a:xfrm>
+            <a:off x="395536" y="1268760"/>
+            <a:ext cx="8352928" cy="0"/>
+          </a:xfrm>
+          <a:prstGeom prst="line">
+            <a:avLst/>
+          </a:prstGeom>
+          <a:ln w="22225">
+            <a:solidFill>
+              <a:schemeClr val="accent3">
+                <a:lumMod val="60000"/>
+                <a:lumOff val="40000"/>
+              </a:schemeClr>
+            </a:solidFill>
+          </a:ln>
+        </p:spPr>
+        <p:style>
+          <a:lnRef idx="1">
+            <a:schemeClr val="accent1"/>
+          </a:lnRef>
+          <a:fillRef idx="0">
+            <a:schemeClr val="accent1"/>
+          </a:fillRef>
+          <a:effectRef idx="0">
+            <a:schemeClr val="accent1"/>
+          </a:effectRef>
+          <a:fontRef idx="minor">
+            <a:schemeClr val="tx1"/>
+          </a:fontRef>
+        </p:style>
+      </p:cxnSp>
+      <p:cxnSp>
+        <p:nvCxnSpPr>
+          <p:cNvPr id="12" name="직선 연결선 11"/>
+          <p:cNvCxnSpPr/>
+          <p:nvPr/>
+        </p:nvCxnSpPr>
+        <p:spPr>
+          <a:xfrm>
+            <a:off x="395536" y="1700808"/>
+            <a:ext cx="8352928" cy="0"/>
+          </a:xfrm>
+          <a:prstGeom prst="line">
+            <a:avLst/>
+          </a:prstGeom>
+          <a:ln w="22225">
+            <a:solidFill>
+              <a:schemeClr val="accent3">
+                <a:lumMod val="60000"/>
+                <a:lumOff val="40000"/>
+              </a:schemeClr>
+            </a:solidFill>
+          </a:ln>
+        </p:spPr>
+        <p:style>
+          <a:lnRef idx="1">
+            <a:schemeClr val="accent1"/>
+          </a:lnRef>
+          <a:fillRef idx="0">
+            <a:schemeClr val="accent1"/>
+          </a:fillRef>
+          <a:effectRef idx="0">
+            <a:schemeClr val="accent1"/>
+          </a:effectRef>
+          <a:fontRef idx="minor">
+            <a:schemeClr val="tx1"/>
+          </a:fontRef>
+        </p:style>
+      </p:cxnSp>
+      <p:cxnSp>
+        <p:nvCxnSpPr>
+          <p:cNvPr id="15" name="직선 연결선 14"/>
+          <p:cNvCxnSpPr/>
+          <p:nvPr/>
+        </p:nvCxnSpPr>
+        <p:spPr>
+          <a:xfrm>
+            <a:off x="2411760" y="1268760"/>
+            <a:ext cx="0" cy="432048"/>
+          </a:xfrm>
+          <a:prstGeom prst="line">
+            <a:avLst/>
+          </a:prstGeom>
+          <a:ln w="22225">
+            <a:solidFill>
+              <a:schemeClr val="accent3">
+                <a:lumMod val="60000"/>
+                <a:lumOff val="40000"/>
+              </a:schemeClr>
+            </a:solidFill>
+          </a:ln>
+        </p:spPr>
+        <p:style>
+          <a:lnRef idx="1">
+            <a:schemeClr val="accent1"/>
+          </a:lnRef>
+          <a:fillRef idx="0">
+            <a:schemeClr val="accent1"/>
+          </a:fillRef>
+          <a:effectRef idx="0">
+            <a:schemeClr val="accent1"/>
+          </a:effectRef>
+          <a:fontRef idx="minor">
+            <a:schemeClr val="tx1"/>
+          </a:fontRef>
+        </p:style>
+      </p:cxnSp>
+      <p:cxnSp>
+        <p:nvCxnSpPr>
+          <p:cNvPr id="16" name="직선 연결선 15"/>
+          <p:cNvCxnSpPr/>
+          <p:nvPr/>
+        </p:nvCxnSpPr>
+        <p:spPr>
+          <a:xfrm>
+            <a:off x="4572000" y="1268760"/>
+            <a:ext cx="0" cy="432048"/>
+          </a:xfrm>
+          <a:prstGeom prst="line">
+            <a:avLst/>
+          </a:prstGeom>
+          <a:ln w="22225">
+            <a:solidFill>
+              <a:schemeClr val="accent3">
+                <a:lumMod val="60000"/>
+                <a:lumOff val="40000"/>
+              </a:schemeClr>
+            </a:solidFill>
+          </a:ln>
+        </p:spPr>
+        <p:style>
+          <a:lnRef idx="1">
+            <a:schemeClr val="accent1"/>
+          </a:lnRef>
+          <a:fillRef idx="0">
+            <a:schemeClr val="accent1"/>
+          </a:fillRef>
+          <a:effectRef idx="0">
+            <a:schemeClr val="accent1"/>
+          </a:effectRef>
+          <a:fontRef idx="minor">
+            <a:schemeClr val="tx1"/>
+          </a:fontRef>
+        </p:style>
+      </p:cxnSp>
+      <p:cxnSp>
+        <p:nvCxnSpPr>
+          <p:cNvPr id="17" name="직선 연결선 16"/>
+          <p:cNvCxnSpPr/>
+          <p:nvPr/>
+        </p:nvCxnSpPr>
+        <p:spPr>
+          <a:xfrm>
+            <a:off x="6732240" y="1268760"/>
+            <a:ext cx="0" cy="432048"/>
+          </a:xfrm>
+          <a:prstGeom prst="line">
+            <a:avLst/>
+          </a:prstGeom>
+          <a:ln w="22225">
+            <a:solidFill>
+              <a:schemeClr val="accent3">
+                <a:lumMod val="60000"/>
+                <a:lumOff val="40000"/>
+              </a:schemeClr>
+            </a:solidFill>
+          </a:ln>
+        </p:spPr>
+        <p:style>
+          <a:lnRef idx="1">
+            <a:schemeClr val="accent1"/>
+          </a:lnRef>
+          <a:fillRef idx="0">
+            <a:schemeClr val="accent1"/>
+          </a:fillRef>
+          <a:effectRef idx="0">
+            <a:schemeClr val="accent1"/>
+          </a:effectRef>
+          <a:fontRef idx="minor">
+            <a:schemeClr val="tx1"/>
+          </a:fontRef>
+        </p:style>
+      </p:cxnSp>
+      <p:sp>
+        <p:nvSpPr>
+          <p:cNvPr id="20" name="TextBox 19"/>
+          <p:cNvSpPr txBox="1"/>
+          <p:nvPr/>
+        </p:nvSpPr>
+        <p:spPr>
+          <a:xfrm>
+            <a:off x="971600" y="1286651"/>
+            <a:ext cx="1512168" cy="369332"/>
+          </a:xfrm>
+          <a:prstGeom prst="rect">
+            <a:avLst/>
+          </a:prstGeom>
+          <a:noFill/>
+        </p:spPr>
+        <p:txBody>
+          <a:bodyPr wrap="square" rtlCol="0">
+            <a:spAutoFit/>
+          </a:bodyPr>
+          <a:lstStyle/>
+          <a:p>
+            <a:r>
+              <a:rPr lang="en-US" altLang="ko-KR" dirty="0" smtClean="0">
+                <a:gradFill>
+                  <a:gsLst>
+                    <a:gs pos="0">
+                      <a:schemeClr val="tx1"/>
+                    </a:gs>
+                    <a:gs pos="50000">
+                      <a:schemeClr val="tx1"/>
+                    </a:gs>
+                    <a:gs pos="100000">
+                      <a:schemeClr val="tx1"/>
+                    </a:gs>
+                  </a:gsLst>
+                  <a:lin ang="5400000" scaled="0"/>
+                </a:gradFill>
+                <a:latin typeface="나눔바른펜" panose="020B0503000000000000" pitchFamily="50" charset="-127"/>
+                <a:ea typeface="나눔바른펜" panose="020B0503000000000000" pitchFamily="50" charset="-127"/>
+              </a:rPr>
+              <a:t>MOVIE</a:t>
+            </a:r>
+            <a:endParaRPr lang="ko-KR" altLang="en-US" dirty="0">
+              <a:gradFill>
+                <a:gsLst>
+                  <a:gs pos="0">
+                    <a:schemeClr val="tx1"/>
+                  </a:gs>
+                  <a:gs pos="50000">
+                    <a:schemeClr val="tx1"/>
+                  </a:gs>
+                  <a:gs pos="100000">
+                    <a:schemeClr val="tx1"/>
+                  </a:gs>
+                </a:gsLst>
+                <a:lin ang="5400000" scaled="0"/>
+              </a:gradFill>
+              <a:latin typeface="나눔바른펜" panose="020B0503000000000000" pitchFamily="50" charset="-127"/>
+              <a:ea typeface="나눔바른펜" panose="020B0503000000000000" pitchFamily="50" charset="-127"/>
+            </a:endParaRPr>
+          </a:p>
+        </p:txBody>
+      </p:sp>
+      <p:sp>
+        <p:nvSpPr>
+          <p:cNvPr id="21" name="TextBox 20"/>
+          <p:cNvSpPr txBox="1"/>
+          <p:nvPr/>
+        </p:nvSpPr>
+        <p:spPr>
+          <a:xfrm>
+            <a:off x="3131840" y="1286651"/>
+            <a:ext cx="1512168" cy="369332"/>
+          </a:xfrm>
+          <a:prstGeom prst="rect">
+            <a:avLst/>
+          </a:prstGeom>
+          <a:noFill/>
+        </p:spPr>
+        <p:txBody>
+          <a:bodyPr wrap="square" rtlCol="0">
+            <a:spAutoFit/>
+          </a:bodyPr>
+          <a:lstStyle/>
+          <a:p>
+            <a:r>
+              <a:rPr lang="en-US" altLang="ko-KR" dirty="0" smtClean="0">
+                <a:gradFill>
+                  <a:gsLst>
+                    <a:gs pos="0">
+                      <a:schemeClr val="tx1"/>
+                    </a:gs>
+                    <a:gs pos="50000">
+                      <a:schemeClr val="tx1"/>
+                    </a:gs>
+                    <a:gs pos="100000">
+                      <a:schemeClr val="tx1"/>
+                    </a:gs>
+                  </a:gsLst>
+                  <a:lin ang="5400000" scaled="0"/>
+                </a:gradFill>
+                <a:latin typeface="나눔바른펜" panose="020B0503000000000000" pitchFamily="50" charset="-127"/>
+                <a:ea typeface="나눔바른펜" panose="020B0503000000000000" pitchFamily="50" charset="-127"/>
+              </a:rPr>
+              <a:t>TICKET</a:t>
+            </a:r>
+            <a:endParaRPr lang="ko-KR" altLang="en-US" dirty="0">
+              <a:gradFill>
+                <a:gsLst>
+                  <a:gs pos="0">
+                    <a:schemeClr val="tx1"/>
+                  </a:gs>
+                  <a:gs pos="50000">
+                    <a:schemeClr val="tx1"/>
+                  </a:gs>
+                  <a:gs pos="100000">
+                    <a:schemeClr val="tx1"/>
+                  </a:gs>
+                </a:gsLst>
+                <a:lin ang="5400000" scaled="0"/>
+              </a:gradFill>
+              <a:latin typeface="나눔바른펜" panose="020B0503000000000000" pitchFamily="50" charset="-127"/>
+              <a:ea typeface="나눔바른펜" panose="020B0503000000000000" pitchFamily="50" charset="-127"/>
+            </a:endParaRPr>
+          </a:p>
+        </p:txBody>
+      </p:sp>
+      <p:sp>
+        <p:nvSpPr>
+          <p:cNvPr id="22" name="TextBox 21"/>
+          <p:cNvSpPr txBox="1"/>
+          <p:nvPr/>
+        </p:nvSpPr>
+        <p:spPr>
+          <a:xfrm>
+            <a:off x="5292080" y="1286651"/>
+            <a:ext cx="1512168" cy="369332"/>
+          </a:xfrm>
+          <a:prstGeom prst="rect">
+            <a:avLst/>
+          </a:prstGeom>
+          <a:noFill/>
+        </p:spPr>
+        <p:txBody>
+          <a:bodyPr wrap="square" rtlCol="0">
+            <a:spAutoFit/>
+          </a:bodyPr>
+          <a:lstStyle/>
+          <a:p>
+            <a:r>
+              <a:rPr lang="en-US" altLang="ko-KR" dirty="0" smtClean="0">
+                <a:gradFill>
+                  <a:gsLst>
+                    <a:gs pos="0">
+                      <a:schemeClr val="tx1"/>
+                    </a:gs>
+                    <a:gs pos="50000">
+                      <a:schemeClr val="tx1"/>
+                    </a:gs>
+                    <a:gs pos="100000">
+                      <a:schemeClr val="tx1"/>
+                    </a:gs>
+                  </a:gsLst>
+                  <a:lin ang="5400000" scaled="0"/>
+                </a:gradFill>
+                <a:latin typeface="나눔바른펜" panose="020B0503000000000000" pitchFamily="50" charset="-127"/>
+                <a:ea typeface="나눔바른펜" panose="020B0503000000000000" pitchFamily="50" charset="-127"/>
+              </a:rPr>
+              <a:t>NOTICE</a:t>
+            </a:r>
+            <a:endParaRPr lang="ko-KR" altLang="en-US" dirty="0">
+              <a:gradFill>
+                <a:gsLst>
+                  <a:gs pos="0">
+                    <a:schemeClr val="tx1"/>
+                  </a:gs>
+                  <a:gs pos="50000">
+                    <a:schemeClr val="tx1"/>
+                  </a:gs>
+                  <a:gs pos="100000">
+                    <a:schemeClr val="tx1"/>
+                  </a:gs>
+                </a:gsLst>
+                <a:lin ang="5400000" scaled="0"/>
+              </a:gradFill>
+              <a:latin typeface="나눔바른펜" panose="020B0503000000000000" pitchFamily="50" charset="-127"/>
+              <a:ea typeface="나눔바른펜" panose="020B0503000000000000" pitchFamily="50" charset="-127"/>
+            </a:endParaRPr>
+          </a:p>
+        </p:txBody>
+      </p:sp>
+      <p:sp>
+        <p:nvSpPr>
+          <p:cNvPr id="23" name="TextBox 22"/>
+          <p:cNvSpPr txBox="1"/>
+          <p:nvPr/>
+        </p:nvSpPr>
+        <p:spPr>
+          <a:xfrm>
+            <a:off x="7308304" y="1286651"/>
+            <a:ext cx="1512168" cy="369332"/>
+          </a:xfrm>
+          <a:prstGeom prst="rect">
+            <a:avLst/>
+          </a:prstGeom>
+          <a:noFill/>
+        </p:spPr>
+        <p:txBody>
+          <a:bodyPr wrap="square" rtlCol="0">
+            <a:spAutoFit/>
+          </a:bodyPr>
+          <a:lstStyle/>
+          <a:p>
+            <a:r>
+              <a:rPr lang="en-US" altLang="ko-KR" dirty="0" smtClean="0">
+                <a:gradFill>
+                  <a:gsLst>
+                    <a:gs pos="0">
+                      <a:schemeClr val="tx1"/>
+                    </a:gs>
+                    <a:gs pos="50000">
+                      <a:schemeClr val="tx1"/>
+                    </a:gs>
+                    <a:gs pos="100000">
+                      <a:schemeClr val="tx1"/>
+                    </a:gs>
+                  </a:gsLst>
+                  <a:lin ang="5400000" scaled="0"/>
+                </a:gradFill>
+                <a:latin typeface="나눔바른펜" panose="020B0503000000000000" pitchFamily="50" charset="-127"/>
+                <a:ea typeface="나눔바른펜" panose="020B0503000000000000" pitchFamily="50" charset="-127"/>
+              </a:rPr>
+              <a:t>STORE</a:t>
+            </a:r>
+          </a:p>
+        </p:txBody>
+      </p:sp>
+      <p:sp>
+        <p:nvSpPr>
+          <p:cNvPr id="24" name="직사각형 23"/>
+          <p:cNvSpPr/>
+          <p:nvPr/>
+        </p:nvSpPr>
+        <p:spPr>
+          <a:xfrm>
+            <a:off x="7380312" y="908720"/>
+            <a:ext cx="648072" cy="288032"/>
+          </a:xfrm>
+          <a:prstGeom prst="rect">
+            <a:avLst/>
+          </a:prstGeom>
+          <a:noFill/>
+          <a:ln>
+            <a:solidFill>
+              <a:schemeClr val="accent3">
+                <a:lumMod val="60000"/>
+                <a:lumOff val="40000"/>
+              </a:schemeClr>
+            </a:solidFill>
+          </a:ln>
+        </p:spPr>
+        <p:style>
+          <a:lnRef idx="2">
+            <a:schemeClr val="accent1">
+              <a:shade val="50000"/>
+            </a:schemeClr>
+          </a:lnRef>
+          <a:fillRef idx="1">
+            <a:schemeClr val="accent1"/>
+          </a:fillRef>
+          <a:effectRef idx="0">
+            <a:schemeClr val="accent1"/>
+          </a:effectRef>
+          <a:fontRef idx="minor">
+            <a:schemeClr val="lt1"/>
+          </a:fontRef>
+        </p:style>
+        <p:txBody>
+          <a:bodyPr rtlCol="0" anchor="ctr"/>
+          <a:lstStyle/>
+          <a:p>
+            <a:pPr algn="ctr"/>
             <a:endParaRPr lang="ko-KR" altLang="en-US"/>
+          </a:p>
+        </p:txBody>
+      </p:sp>
+      <p:sp>
+        <p:nvSpPr>
+          <p:cNvPr id="26" name="직사각형 25"/>
+          <p:cNvSpPr/>
+          <p:nvPr/>
+        </p:nvSpPr>
+        <p:spPr>
+          <a:xfrm>
+            <a:off x="8100392" y="908720"/>
+            <a:ext cx="648072" cy="288032"/>
+          </a:xfrm>
+          <a:prstGeom prst="rect">
+            <a:avLst/>
+          </a:prstGeom>
+          <a:noFill/>
+          <a:ln>
+            <a:solidFill>
+              <a:schemeClr val="accent3">
+                <a:lumMod val="60000"/>
+                <a:lumOff val="40000"/>
+              </a:schemeClr>
+            </a:solidFill>
+          </a:ln>
+        </p:spPr>
+        <p:style>
+          <a:lnRef idx="2">
+            <a:schemeClr val="accent1">
+              <a:shade val="50000"/>
+            </a:schemeClr>
+          </a:lnRef>
+          <a:fillRef idx="1">
+            <a:schemeClr val="accent1"/>
+          </a:fillRef>
+          <a:effectRef idx="0">
+            <a:schemeClr val="accent1"/>
+          </a:effectRef>
+          <a:fontRef idx="minor">
+            <a:schemeClr val="lt1"/>
+          </a:fontRef>
+        </p:style>
+        <p:txBody>
+          <a:bodyPr rtlCol="0" anchor="ctr"/>
+          <a:lstStyle/>
+          <a:p>
+            <a:pPr algn="ctr"/>
+            <a:endParaRPr lang="ko-KR" altLang="en-US"/>
+          </a:p>
+        </p:txBody>
+      </p:sp>
+      <p:sp>
+        <p:nvSpPr>
+          <p:cNvPr id="27" name="TextBox 26"/>
+          <p:cNvSpPr txBox="1"/>
+          <p:nvPr/>
+        </p:nvSpPr>
+        <p:spPr>
+          <a:xfrm>
+            <a:off x="7503822" y="917685"/>
+            <a:ext cx="383438" cy="246221"/>
+          </a:xfrm>
+          <a:prstGeom prst="rect">
+            <a:avLst/>
+          </a:prstGeom>
+          <a:noFill/>
+        </p:spPr>
+        <p:txBody>
+          <a:bodyPr wrap="none" rtlCol="0">
+            <a:spAutoFit/>
+          </a:bodyPr>
+          <a:lstStyle/>
+          <a:p>
+            <a:r>
+              <a:rPr lang="ko-KR" altLang="en-US" sz="1000" dirty="0" smtClean="0">
+                <a:latin typeface="나눔바른펜" panose="020B0503000000000000" pitchFamily="50" charset="-127"/>
+                <a:ea typeface="나눔바른펜" panose="020B0503000000000000" pitchFamily="50" charset="-127"/>
+              </a:rPr>
+              <a:t>가</a:t>
+            </a:r>
+            <a:r>
+              <a:rPr lang="ko-KR" altLang="en-US" sz="1000" dirty="0">
+                <a:latin typeface="나눔바른펜" panose="020B0503000000000000" pitchFamily="50" charset="-127"/>
+                <a:ea typeface="나눔바른펜" panose="020B0503000000000000" pitchFamily="50" charset="-127"/>
+              </a:rPr>
+              <a:t>입</a:t>
+            </a:r>
+          </a:p>
+        </p:txBody>
+      </p:sp>
+      <p:sp>
+        <p:nvSpPr>
+          <p:cNvPr id="29" name="TextBox 28"/>
+          <p:cNvSpPr txBox="1"/>
+          <p:nvPr/>
+        </p:nvSpPr>
+        <p:spPr>
+          <a:xfrm>
+            <a:off x="8139734" y="929625"/>
+            <a:ext cx="479618" cy="246221"/>
+          </a:xfrm>
+          <a:prstGeom prst="rect">
+            <a:avLst/>
+          </a:prstGeom>
+          <a:noFill/>
+        </p:spPr>
+        <p:txBody>
+          <a:bodyPr wrap="none" rtlCol="0">
+            <a:spAutoFit/>
+          </a:bodyPr>
+          <a:lstStyle/>
+          <a:p>
+            <a:r>
+              <a:rPr lang="ko-KR" altLang="en-US" sz="1000" dirty="0" smtClean="0">
+                <a:latin typeface="나눔바른펜" panose="020B0503000000000000" pitchFamily="50" charset="-127"/>
+                <a:ea typeface="나눔바른펜" panose="020B0503000000000000" pitchFamily="50" charset="-127"/>
+              </a:rPr>
+              <a:t>로그</a:t>
+            </a:r>
+            <a:r>
+              <a:rPr lang="ko-KR" altLang="en-US" sz="1000" dirty="0">
+                <a:latin typeface="나눔바른펜" panose="020B0503000000000000" pitchFamily="50" charset="-127"/>
+                <a:ea typeface="나눔바른펜" panose="020B0503000000000000" pitchFamily="50" charset="-127"/>
+              </a:rPr>
+              <a:t>인</a:t>
+            </a:r>
+          </a:p>
+        </p:txBody>
+      </p:sp>
+      <p:sp>
+        <p:nvSpPr>
+          <p:cNvPr id="2" name="TextBox 1"/>
+          <p:cNvSpPr txBox="1"/>
+          <p:nvPr/>
+        </p:nvSpPr>
+        <p:spPr>
+          <a:xfrm>
+            <a:off x="179512" y="44624"/>
+            <a:ext cx="1353256" cy="276999"/>
+          </a:xfrm>
+          <a:prstGeom prst="rect">
+            <a:avLst/>
+          </a:prstGeom>
+          <a:noFill/>
+        </p:spPr>
+        <p:txBody>
+          <a:bodyPr wrap="none" rtlCol="0">
+            <a:spAutoFit/>
+          </a:bodyPr>
+          <a:lstStyle/>
+          <a:p>
+            <a:r>
+              <a:rPr lang="ko-KR" altLang="en-US" sz="1200" dirty="0" smtClean="0">
+                <a:gradFill>
+                  <a:gsLst>
+                    <a:gs pos="0">
+                      <a:schemeClr val="tx1"/>
+                    </a:gs>
+                    <a:gs pos="50000">
+                      <a:schemeClr val="tx1"/>
+                    </a:gs>
+                    <a:gs pos="100000">
+                      <a:schemeClr val="tx1"/>
+                    </a:gs>
+                  </a:gsLst>
+                  <a:lin ang="5400000" scaled="0"/>
+                </a:gradFill>
+                <a:latin typeface="나눔바른펜" panose="020B0503000000000000" pitchFamily="50" charset="-127"/>
+                <a:ea typeface="나눔바른펜" panose="020B0503000000000000" pitchFamily="50" charset="-127"/>
+              </a:rPr>
+              <a:t>공통 요소 </a:t>
+            </a:r>
+            <a:r>
+              <a:rPr lang="en-US" altLang="ko-KR" sz="1200" dirty="0" smtClean="0">
+                <a:gradFill>
+                  <a:gsLst>
+                    <a:gs pos="0">
+                      <a:schemeClr val="tx1"/>
+                    </a:gs>
+                    <a:gs pos="50000">
+                      <a:schemeClr val="tx1"/>
+                    </a:gs>
+                    <a:gs pos="100000">
+                      <a:schemeClr val="tx1"/>
+                    </a:gs>
+                  </a:gsLst>
+                  <a:lin ang="5400000" scaled="0"/>
+                </a:gradFill>
+                <a:latin typeface="나눔바른펜" panose="020B0503000000000000" pitchFamily="50" charset="-127"/>
+                <a:ea typeface="나눔바른펜" panose="020B0503000000000000" pitchFamily="50" charset="-127"/>
+              </a:rPr>
+              <a:t>&gt; 1. Header</a:t>
+            </a:r>
+            <a:endParaRPr lang="ko-KR" altLang="en-US" sz="1200" dirty="0">
+              <a:gradFill>
+                <a:gsLst>
+                  <a:gs pos="0">
+                    <a:schemeClr val="tx1"/>
+                  </a:gs>
+                  <a:gs pos="50000">
+                    <a:schemeClr val="tx1"/>
+                  </a:gs>
+                  <a:gs pos="100000">
+                    <a:schemeClr val="tx1"/>
+                  </a:gs>
+                </a:gsLst>
+                <a:lin ang="5400000" scaled="0"/>
+              </a:gradFill>
+              <a:latin typeface="나눔바른펜" panose="020B0503000000000000" pitchFamily="50" charset="-127"/>
+              <a:ea typeface="나눔바른펜" panose="020B0503000000000000" pitchFamily="50" charset="-127"/>
+            </a:endParaRPr>
+          </a:p>
+        </p:txBody>
+      </p:sp>
+      <p:sp>
+        <p:nvSpPr>
+          <p:cNvPr id="3" name="직사각형 2"/>
+          <p:cNvSpPr/>
+          <p:nvPr/>
+        </p:nvSpPr>
+        <p:spPr>
+          <a:xfrm>
+            <a:off x="395536" y="1772816"/>
+            <a:ext cx="8352928" cy="1800200"/>
+          </a:xfrm>
+          <a:prstGeom prst="rect">
+            <a:avLst/>
+          </a:prstGeom>
+          <a:noFill/>
+          <a:ln>
+            <a:solidFill>
+              <a:schemeClr val="accent3">
+                <a:lumMod val="40000"/>
+                <a:lumOff val="60000"/>
+              </a:schemeClr>
+            </a:solidFill>
+          </a:ln>
+        </p:spPr>
+        <p:style>
+          <a:lnRef idx="2">
+            <a:schemeClr val="accent1">
+              <a:shade val="50000"/>
+            </a:schemeClr>
+          </a:lnRef>
+          <a:fillRef idx="1">
+            <a:schemeClr val="accent1"/>
+          </a:fillRef>
+          <a:effectRef idx="0">
+            <a:schemeClr val="accent1"/>
+          </a:effectRef>
+          <a:fontRef idx="minor">
+            <a:schemeClr val="lt1"/>
+          </a:fontRef>
+        </p:style>
+        <p:txBody>
+          <a:bodyPr rtlCol="0" anchor="ctr"/>
+          <a:lstStyle/>
+          <a:p>
+            <a:pPr algn="ctr"/>
+            <a:endParaRPr lang="ko-KR" altLang="en-US"/>
+          </a:p>
+        </p:txBody>
+      </p:sp>
+      <p:cxnSp>
+        <p:nvCxnSpPr>
+          <p:cNvPr id="25" name="직선 연결선 24"/>
+          <p:cNvCxnSpPr/>
+          <p:nvPr/>
+        </p:nvCxnSpPr>
+        <p:spPr>
+          <a:xfrm>
+            <a:off x="395536" y="2663807"/>
+            <a:ext cx="8352928" cy="0"/>
+          </a:xfrm>
+          <a:prstGeom prst="line">
+            <a:avLst/>
+          </a:prstGeom>
+          <a:ln w="25400">
+            <a:solidFill>
+              <a:schemeClr val="accent3">
+                <a:lumMod val="40000"/>
+                <a:lumOff val="60000"/>
+              </a:schemeClr>
+            </a:solidFill>
+          </a:ln>
+        </p:spPr>
+        <p:style>
+          <a:lnRef idx="1">
+            <a:schemeClr val="accent1"/>
+          </a:lnRef>
+          <a:fillRef idx="0">
+            <a:schemeClr val="accent1"/>
+          </a:fillRef>
+          <a:effectRef idx="0">
+            <a:schemeClr val="accent1"/>
+          </a:effectRef>
+          <a:fontRef idx="minor">
+            <a:schemeClr val="tx1"/>
+          </a:fontRef>
+        </p:style>
+      </p:cxnSp>
+      <p:cxnSp>
+        <p:nvCxnSpPr>
+          <p:cNvPr id="32" name="직선 연결선 31"/>
+          <p:cNvCxnSpPr/>
+          <p:nvPr/>
+        </p:nvCxnSpPr>
+        <p:spPr>
+          <a:xfrm>
+            <a:off x="2411760" y="1772816"/>
+            <a:ext cx="0" cy="1800200"/>
+          </a:xfrm>
+          <a:prstGeom prst="line">
+            <a:avLst/>
+          </a:prstGeom>
+          <a:ln w="25400">
+            <a:solidFill>
+              <a:schemeClr val="accent3">
+                <a:lumMod val="40000"/>
+                <a:lumOff val="60000"/>
+              </a:schemeClr>
+            </a:solidFill>
+          </a:ln>
+        </p:spPr>
+        <p:style>
+          <a:lnRef idx="1">
+            <a:schemeClr val="accent1"/>
+          </a:lnRef>
+          <a:fillRef idx="0">
+            <a:schemeClr val="accent1"/>
+          </a:fillRef>
+          <a:effectRef idx="0">
+            <a:schemeClr val="accent1"/>
+          </a:effectRef>
+          <a:fontRef idx="minor">
+            <a:schemeClr val="tx1"/>
+          </a:fontRef>
+        </p:style>
+      </p:cxnSp>
+      <p:cxnSp>
+        <p:nvCxnSpPr>
+          <p:cNvPr id="40" name="직선 연결선 39"/>
+          <p:cNvCxnSpPr/>
+          <p:nvPr/>
+        </p:nvCxnSpPr>
+        <p:spPr>
+          <a:xfrm>
+            <a:off x="4572000" y="1772816"/>
+            <a:ext cx="0" cy="1800200"/>
+          </a:xfrm>
+          <a:prstGeom prst="line">
+            <a:avLst/>
+          </a:prstGeom>
+          <a:ln w="25400">
+            <a:solidFill>
+              <a:schemeClr val="accent3">
+                <a:lumMod val="40000"/>
+                <a:lumOff val="60000"/>
+              </a:schemeClr>
+            </a:solidFill>
+          </a:ln>
+        </p:spPr>
+        <p:style>
+          <a:lnRef idx="1">
+            <a:schemeClr val="accent1"/>
+          </a:lnRef>
+          <a:fillRef idx="0">
+            <a:schemeClr val="accent1"/>
+          </a:fillRef>
+          <a:effectRef idx="0">
+            <a:schemeClr val="accent1"/>
+          </a:effectRef>
+          <a:fontRef idx="minor">
+            <a:schemeClr val="tx1"/>
+          </a:fontRef>
+        </p:style>
+      </p:cxnSp>
+      <p:cxnSp>
+        <p:nvCxnSpPr>
+          <p:cNvPr id="41" name="직선 연결선 40"/>
+          <p:cNvCxnSpPr/>
+          <p:nvPr/>
+        </p:nvCxnSpPr>
+        <p:spPr>
+          <a:xfrm>
+            <a:off x="6732240" y="1772816"/>
+            <a:ext cx="0" cy="1800200"/>
+          </a:xfrm>
+          <a:prstGeom prst="line">
+            <a:avLst/>
+          </a:prstGeom>
+          <a:ln w="25400">
+            <a:solidFill>
+              <a:schemeClr val="accent3">
+                <a:lumMod val="40000"/>
+                <a:lumOff val="60000"/>
+              </a:schemeClr>
+            </a:solidFill>
+          </a:ln>
+        </p:spPr>
+        <p:style>
+          <a:lnRef idx="1">
+            <a:schemeClr val="accent1"/>
+          </a:lnRef>
+          <a:fillRef idx="0">
+            <a:schemeClr val="accent1"/>
+          </a:fillRef>
+          <a:effectRef idx="0">
+            <a:schemeClr val="accent1"/>
+          </a:effectRef>
+          <a:fontRef idx="minor">
+            <a:schemeClr val="tx1"/>
+          </a:fontRef>
+        </p:style>
+      </p:cxnSp>
+      <p:sp>
+        <p:nvSpPr>
+          <p:cNvPr id="38" name="TextBox 37"/>
+          <p:cNvSpPr txBox="1"/>
+          <p:nvPr/>
+        </p:nvSpPr>
+        <p:spPr>
+          <a:xfrm>
+            <a:off x="836450" y="2060848"/>
+            <a:ext cx="1143262" cy="369332"/>
+          </a:xfrm>
+          <a:prstGeom prst="rect">
+            <a:avLst/>
+          </a:prstGeom>
+          <a:noFill/>
+        </p:spPr>
+        <p:txBody>
+          <a:bodyPr wrap="none" rtlCol="0">
+            <a:spAutoFit/>
+          </a:bodyPr>
+          <a:lstStyle/>
+          <a:p>
+            <a:r>
+              <a:rPr lang="ko-KR" altLang="en-US" dirty="0" smtClean="0">
+                <a:gradFill>
+                  <a:gsLst>
+                    <a:gs pos="0">
+                      <a:schemeClr val="tx1"/>
+                    </a:gs>
+                    <a:gs pos="50000">
+                      <a:schemeClr val="tx1"/>
+                    </a:gs>
+                    <a:gs pos="100000">
+                      <a:schemeClr val="tx1"/>
+                    </a:gs>
+                  </a:gsLst>
+                  <a:lin ang="5400000" scaled="0"/>
+                </a:gradFill>
+                <a:latin typeface="나눔바른펜" panose="020B0503000000000000" pitchFamily="50" charset="-127"/>
+                <a:ea typeface="나눔바른펜" panose="020B0503000000000000" pitchFamily="50" charset="-127"/>
+              </a:rPr>
+              <a:t>현재 </a:t>
+            </a:r>
+            <a:r>
+              <a:rPr lang="ko-KR" altLang="en-US" dirty="0" err="1" smtClean="0">
+                <a:gradFill>
+                  <a:gsLst>
+                    <a:gs pos="0">
+                      <a:schemeClr val="tx1"/>
+                    </a:gs>
+                    <a:gs pos="50000">
+                      <a:schemeClr val="tx1"/>
+                    </a:gs>
+                    <a:gs pos="100000">
+                      <a:schemeClr val="tx1"/>
+                    </a:gs>
+                  </a:gsLst>
+                  <a:lin ang="5400000" scaled="0"/>
+                </a:gradFill>
+                <a:latin typeface="나눔바른펜" panose="020B0503000000000000" pitchFamily="50" charset="-127"/>
+                <a:ea typeface="나눔바른펜" panose="020B0503000000000000" pitchFamily="50" charset="-127"/>
+              </a:rPr>
+              <a:t>상영작</a:t>
+            </a:r>
+            <a:endParaRPr lang="ko-KR" altLang="en-US" dirty="0">
+              <a:gradFill>
+                <a:gsLst>
+                  <a:gs pos="0">
+                    <a:schemeClr val="tx1"/>
+                  </a:gs>
+                  <a:gs pos="50000">
+                    <a:schemeClr val="tx1"/>
+                  </a:gs>
+                  <a:gs pos="100000">
+                    <a:schemeClr val="tx1"/>
+                  </a:gs>
+                </a:gsLst>
+                <a:lin ang="5400000" scaled="0"/>
+              </a:gradFill>
+              <a:latin typeface="나눔바른펜" panose="020B0503000000000000" pitchFamily="50" charset="-127"/>
+              <a:ea typeface="나눔바른펜" panose="020B0503000000000000" pitchFamily="50" charset="-127"/>
+            </a:endParaRPr>
+          </a:p>
+        </p:txBody>
+      </p:sp>
+      <p:sp>
+        <p:nvSpPr>
+          <p:cNvPr id="39" name="TextBox 38"/>
+          <p:cNvSpPr txBox="1"/>
+          <p:nvPr/>
+        </p:nvSpPr>
+        <p:spPr>
+          <a:xfrm>
+            <a:off x="831641" y="2924944"/>
+            <a:ext cx="1148071" cy="369332"/>
+          </a:xfrm>
+          <a:prstGeom prst="rect">
+            <a:avLst/>
+          </a:prstGeom>
+          <a:noFill/>
+        </p:spPr>
+        <p:txBody>
+          <a:bodyPr wrap="none" rtlCol="0">
+            <a:spAutoFit/>
+          </a:bodyPr>
+          <a:lstStyle/>
+          <a:p>
+            <a:r>
+              <a:rPr lang="ko-KR" altLang="en-US" dirty="0" smtClean="0">
+                <a:gradFill>
+                  <a:gsLst>
+                    <a:gs pos="0">
+                      <a:schemeClr val="tx1"/>
+                    </a:gs>
+                    <a:gs pos="50000">
+                      <a:schemeClr val="tx1"/>
+                    </a:gs>
+                    <a:gs pos="100000">
+                      <a:schemeClr val="tx1"/>
+                    </a:gs>
+                  </a:gsLst>
+                  <a:lin ang="5400000" scaled="0"/>
+                </a:gradFill>
+                <a:latin typeface="나눔바른펜" panose="020B0503000000000000" pitchFamily="50" charset="-127"/>
+                <a:ea typeface="나눔바른펜" panose="020B0503000000000000" pitchFamily="50" charset="-127"/>
+              </a:rPr>
+              <a:t>개봉 </a:t>
+            </a:r>
+            <a:r>
+              <a:rPr lang="ko-KR" altLang="en-US" dirty="0" err="1" smtClean="0">
+                <a:gradFill>
+                  <a:gsLst>
+                    <a:gs pos="0">
+                      <a:schemeClr val="tx1"/>
+                    </a:gs>
+                    <a:gs pos="50000">
+                      <a:schemeClr val="tx1"/>
+                    </a:gs>
+                    <a:gs pos="100000">
+                      <a:schemeClr val="tx1"/>
+                    </a:gs>
+                  </a:gsLst>
+                  <a:lin ang="5400000" scaled="0"/>
+                </a:gradFill>
+                <a:latin typeface="나눔바른펜" panose="020B0503000000000000" pitchFamily="50" charset="-127"/>
+                <a:ea typeface="나눔바른펜" panose="020B0503000000000000" pitchFamily="50" charset="-127"/>
+              </a:rPr>
+              <a:t>예정작</a:t>
+            </a:r>
+            <a:endParaRPr lang="ko-KR" altLang="en-US" dirty="0">
+              <a:gradFill>
+                <a:gsLst>
+                  <a:gs pos="0">
+                    <a:schemeClr val="tx1"/>
+                  </a:gs>
+                  <a:gs pos="50000">
+                    <a:schemeClr val="tx1"/>
+                  </a:gs>
+                  <a:gs pos="100000">
+                    <a:schemeClr val="tx1"/>
+                  </a:gs>
+                </a:gsLst>
+                <a:lin ang="5400000" scaled="0"/>
+              </a:gradFill>
+              <a:latin typeface="나눔바른펜" panose="020B0503000000000000" pitchFamily="50" charset="-127"/>
+              <a:ea typeface="나눔바른펜" panose="020B0503000000000000" pitchFamily="50" charset="-127"/>
+            </a:endParaRPr>
+          </a:p>
+        </p:txBody>
+      </p:sp>
+      <p:sp>
+        <p:nvSpPr>
+          <p:cNvPr id="42" name="TextBox 41"/>
+          <p:cNvSpPr txBox="1"/>
+          <p:nvPr/>
+        </p:nvSpPr>
+        <p:spPr>
+          <a:xfrm>
+            <a:off x="3059832" y="2060848"/>
+            <a:ext cx="910827" cy="369332"/>
+          </a:xfrm>
+          <a:prstGeom prst="rect">
+            <a:avLst/>
+          </a:prstGeom>
+          <a:noFill/>
+        </p:spPr>
+        <p:txBody>
+          <a:bodyPr wrap="none" rtlCol="0">
+            <a:spAutoFit/>
+          </a:bodyPr>
+          <a:lstStyle/>
+          <a:p>
+            <a:r>
+              <a:rPr lang="ko-KR" altLang="en-US" dirty="0" smtClean="0">
+                <a:gradFill>
+                  <a:gsLst>
+                    <a:gs pos="0">
+                      <a:schemeClr val="tx1"/>
+                    </a:gs>
+                    <a:gs pos="50000">
+                      <a:schemeClr val="tx1"/>
+                    </a:gs>
+                    <a:gs pos="100000">
+                      <a:schemeClr val="tx1"/>
+                    </a:gs>
+                  </a:gsLst>
+                  <a:lin ang="5400000" scaled="0"/>
+                </a:gradFill>
+                <a:latin typeface="나눔바른펜" panose="020B0503000000000000" pitchFamily="50" charset="-127"/>
+                <a:ea typeface="나눔바른펜" panose="020B0503000000000000" pitchFamily="50" charset="-127"/>
+              </a:rPr>
+              <a:t>예매하기</a:t>
+            </a:r>
+            <a:endParaRPr lang="ko-KR" altLang="en-US" dirty="0">
+              <a:gradFill>
+                <a:gsLst>
+                  <a:gs pos="0">
+                    <a:schemeClr val="tx1"/>
+                  </a:gs>
+                  <a:gs pos="50000">
+                    <a:schemeClr val="tx1"/>
+                  </a:gs>
+                  <a:gs pos="100000">
+                    <a:schemeClr val="tx1"/>
+                  </a:gs>
+                </a:gsLst>
+                <a:lin ang="5400000" scaled="0"/>
+              </a:gradFill>
+              <a:latin typeface="나눔바른펜" panose="020B0503000000000000" pitchFamily="50" charset="-127"/>
+              <a:ea typeface="나눔바른펜" panose="020B0503000000000000" pitchFamily="50" charset="-127"/>
+            </a:endParaRPr>
+          </a:p>
+        </p:txBody>
+      </p:sp>
+      <p:sp>
+        <p:nvSpPr>
+          <p:cNvPr id="45" name="TextBox 44"/>
+          <p:cNvSpPr txBox="1"/>
+          <p:nvPr/>
+        </p:nvSpPr>
+        <p:spPr>
+          <a:xfrm>
+            <a:off x="5251761" y="2060848"/>
+            <a:ext cx="904415" cy="369332"/>
+          </a:xfrm>
+          <a:prstGeom prst="rect">
+            <a:avLst/>
+          </a:prstGeom>
+          <a:noFill/>
+        </p:spPr>
+        <p:txBody>
+          <a:bodyPr wrap="none" rtlCol="0">
+            <a:spAutoFit/>
+          </a:bodyPr>
+          <a:lstStyle/>
+          <a:p>
+            <a:r>
+              <a:rPr lang="ko-KR" altLang="en-US" dirty="0" smtClean="0">
+                <a:gradFill>
+                  <a:gsLst>
+                    <a:gs pos="0">
+                      <a:schemeClr val="tx1"/>
+                    </a:gs>
+                    <a:gs pos="50000">
+                      <a:schemeClr val="tx1"/>
+                    </a:gs>
+                    <a:gs pos="100000">
+                      <a:schemeClr val="tx1"/>
+                    </a:gs>
+                  </a:gsLst>
+                  <a:lin ang="5400000" scaled="0"/>
+                </a:gradFill>
+                <a:latin typeface="나눔바른펜" panose="020B0503000000000000" pitchFamily="50" charset="-127"/>
+                <a:ea typeface="나눔바른펜" panose="020B0503000000000000" pitchFamily="50" charset="-127"/>
+              </a:rPr>
+              <a:t>공지사항</a:t>
+            </a:r>
+            <a:endParaRPr lang="ko-KR" altLang="en-US" dirty="0">
+              <a:gradFill>
+                <a:gsLst>
+                  <a:gs pos="0">
+                    <a:schemeClr val="tx1"/>
+                  </a:gs>
+                  <a:gs pos="50000">
+                    <a:schemeClr val="tx1"/>
+                  </a:gs>
+                  <a:gs pos="100000">
+                    <a:schemeClr val="tx1"/>
+                  </a:gs>
+                </a:gsLst>
+                <a:lin ang="5400000" scaled="0"/>
+              </a:gradFill>
+              <a:latin typeface="나눔바른펜" panose="020B0503000000000000" pitchFamily="50" charset="-127"/>
+              <a:ea typeface="나눔바른펜" panose="020B0503000000000000" pitchFamily="50" charset="-127"/>
+            </a:endParaRPr>
+          </a:p>
+        </p:txBody>
+      </p:sp>
+      <p:sp>
+        <p:nvSpPr>
+          <p:cNvPr id="46" name="TextBox 45"/>
+          <p:cNvSpPr txBox="1"/>
+          <p:nvPr/>
+        </p:nvSpPr>
+        <p:spPr>
+          <a:xfrm>
+            <a:off x="7451744" y="2060848"/>
+            <a:ext cx="720069" cy="369332"/>
+          </a:xfrm>
+          <a:prstGeom prst="rect">
+            <a:avLst/>
+          </a:prstGeom>
+          <a:noFill/>
+        </p:spPr>
+        <p:txBody>
+          <a:bodyPr wrap="none" rtlCol="0">
+            <a:spAutoFit/>
+          </a:bodyPr>
+          <a:lstStyle/>
+          <a:p>
+            <a:r>
+              <a:rPr lang="ko-KR" altLang="en-US" dirty="0" smtClean="0">
+                <a:gradFill>
+                  <a:gsLst>
+                    <a:gs pos="0">
+                      <a:schemeClr val="tx1"/>
+                    </a:gs>
+                    <a:gs pos="50000">
+                      <a:schemeClr val="tx1"/>
+                    </a:gs>
+                    <a:gs pos="100000">
+                      <a:schemeClr val="tx1"/>
+                    </a:gs>
+                  </a:gsLst>
+                  <a:lin ang="5400000" scaled="0"/>
+                </a:gradFill>
+                <a:latin typeface="나눔바른펜" panose="020B0503000000000000" pitchFamily="50" charset="-127"/>
+                <a:ea typeface="나눔바른펜" panose="020B0503000000000000" pitchFamily="50" charset="-127"/>
+              </a:rPr>
+              <a:t>상품권</a:t>
+            </a:r>
+            <a:endParaRPr lang="ko-KR" altLang="en-US" dirty="0">
+              <a:gradFill>
+                <a:gsLst>
+                  <a:gs pos="0">
+                    <a:schemeClr val="tx1"/>
+                  </a:gs>
+                  <a:gs pos="50000">
+                    <a:schemeClr val="tx1"/>
+                  </a:gs>
+                  <a:gs pos="100000">
+                    <a:schemeClr val="tx1"/>
+                  </a:gs>
+                </a:gsLst>
+                <a:lin ang="5400000" scaled="0"/>
+              </a:gradFill>
+              <a:latin typeface="나눔바른펜" panose="020B0503000000000000" pitchFamily="50" charset="-127"/>
+              <a:ea typeface="나눔바른펜" panose="020B0503000000000000" pitchFamily="50" charset="-127"/>
+            </a:endParaRPr>
+          </a:p>
+        </p:txBody>
+      </p:sp>
+      <p:sp>
+        <p:nvSpPr>
+          <p:cNvPr id="47" name="TextBox 46"/>
+          <p:cNvSpPr txBox="1"/>
+          <p:nvPr/>
+        </p:nvSpPr>
+        <p:spPr>
+          <a:xfrm>
+            <a:off x="2931094" y="2924944"/>
+            <a:ext cx="1136850" cy="369332"/>
+          </a:xfrm>
+          <a:prstGeom prst="rect">
+            <a:avLst/>
+          </a:prstGeom>
+          <a:noFill/>
+        </p:spPr>
+        <p:txBody>
+          <a:bodyPr wrap="none" rtlCol="0">
+            <a:spAutoFit/>
+          </a:bodyPr>
+          <a:lstStyle/>
+          <a:p>
+            <a:r>
+              <a:rPr lang="ko-KR" altLang="en-US" dirty="0" smtClean="0">
+                <a:gradFill>
+                  <a:gsLst>
+                    <a:gs pos="0">
+                      <a:schemeClr val="tx1"/>
+                    </a:gs>
+                    <a:gs pos="50000">
+                      <a:schemeClr val="tx1"/>
+                    </a:gs>
+                    <a:gs pos="100000">
+                      <a:schemeClr val="tx1"/>
+                    </a:gs>
+                  </a:gsLst>
+                  <a:lin ang="5400000" scaled="0"/>
+                </a:gradFill>
+                <a:latin typeface="나눔바른펜" panose="020B0503000000000000" pitchFamily="50" charset="-127"/>
+                <a:ea typeface="나눔바른펜" panose="020B0503000000000000" pitchFamily="50" charset="-127"/>
+              </a:rPr>
+              <a:t>상영 시간표</a:t>
+            </a:r>
+            <a:endParaRPr lang="ko-KR" altLang="en-US" dirty="0">
+              <a:gradFill>
+                <a:gsLst>
+                  <a:gs pos="0">
+                    <a:schemeClr val="tx1"/>
+                  </a:gs>
+                  <a:gs pos="50000">
+                    <a:schemeClr val="tx1"/>
+                  </a:gs>
+                  <a:gs pos="100000">
+                    <a:schemeClr val="tx1"/>
+                  </a:gs>
+                </a:gsLst>
+                <a:lin ang="5400000" scaled="0"/>
+              </a:gradFill>
+              <a:latin typeface="나눔바른펜" panose="020B0503000000000000" pitchFamily="50" charset="-127"/>
+              <a:ea typeface="나눔바른펜" panose="020B0503000000000000" pitchFamily="50" charset="-127"/>
+            </a:endParaRPr>
+          </a:p>
+        </p:txBody>
+      </p:sp>
+      <p:sp>
+        <p:nvSpPr>
+          <p:cNvPr id="48" name="TextBox 47"/>
+          <p:cNvSpPr txBox="1"/>
+          <p:nvPr/>
+        </p:nvSpPr>
+        <p:spPr>
+          <a:xfrm>
+            <a:off x="5292080" y="2924944"/>
+            <a:ext cx="720069" cy="369332"/>
+          </a:xfrm>
+          <a:prstGeom prst="rect">
+            <a:avLst/>
+          </a:prstGeom>
+          <a:noFill/>
+        </p:spPr>
+        <p:txBody>
+          <a:bodyPr wrap="none" rtlCol="0">
+            <a:spAutoFit/>
+          </a:bodyPr>
+          <a:lstStyle/>
+          <a:p>
+            <a:r>
+              <a:rPr lang="ko-KR" altLang="en-US" dirty="0" smtClean="0">
+                <a:gradFill>
+                  <a:gsLst>
+                    <a:gs pos="0">
+                      <a:schemeClr val="tx1"/>
+                    </a:gs>
+                    <a:gs pos="50000">
+                      <a:schemeClr val="tx1"/>
+                    </a:gs>
+                    <a:gs pos="100000">
+                      <a:schemeClr val="tx1"/>
+                    </a:gs>
+                  </a:gsLst>
+                  <a:lin ang="5400000" scaled="0"/>
+                </a:gradFill>
+                <a:latin typeface="나눔바른펜" panose="020B0503000000000000" pitchFamily="50" charset="-127"/>
+                <a:ea typeface="나눔바른펜" panose="020B0503000000000000" pitchFamily="50" charset="-127"/>
+              </a:rPr>
+              <a:t>이벤트</a:t>
+            </a:r>
+            <a:endParaRPr lang="ko-KR" altLang="en-US" dirty="0">
+              <a:gradFill>
+                <a:gsLst>
+                  <a:gs pos="0">
+                    <a:schemeClr val="tx1"/>
+                  </a:gs>
+                  <a:gs pos="50000">
+                    <a:schemeClr val="tx1"/>
+                  </a:gs>
+                  <a:gs pos="100000">
+                    <a:schemeClr val="tx1"/>
+                  </a:gs>
+                </a:gsLst>
+                <a:lin ang="5400000" scaled="0"/>
+              </a:gradFill>
+              <a:latin typeface="나눔바른펜" panose="020B0503000000000000" pitchFamily="50" charset="-127"/>
+              <a:ea typeface="나눔바른펜" panose="020B0503000000000000" pitchFamily="50" charset="-127"/>
+            </a:endParaRPr>
+          </a:p>
+        </p:txBody>
+      </p:sp>
+      <p:sp>
+        <p:nvSpPr>
+          <p:cNvPr id="49" name="TextBox 48"/>
+          <p:cNvSpPr txBox="1"/>
+          <p:nvPr/>
+        </p:nvSpPr>
+        <p:spPr>
+          <a:xfrm>
+            <a:off x="7553447" y="2924944"/>
+            <a:ext cx="546945" cy="369332"/>
+          </a:xfrm>
+          <a:prstGeom prst="rect">
+            <a:avLst/>
+          </a:prstGeom>
+          <a:noFill/>
+        </p:spPr>
+        <p:txBody>
+          <a:bodyPr wrap="none" rtlCol="0">
+            <a:spAutoFit/>
+          </a:bodyPr>
+          <a:lstStyle/>
+          <a:p>
+            <a:r>
+              <a:rPr lang="ko-KR" altLang="en-US" dirty="0" smtClean="0">
+                <a:gradFill>
+                  <a:gsLst>
+                    <a:gs pos="0">
+                      <a:schemeClr val="tx1"/>
+                    </a:gs>
+                    <a:gs pos="50000">
+                      <a:schemeClr val="tx1"/>
+                    </a:gs>
+                    <a:gs pos="100000">
+                      <a:schemeClr val="tx1"/>
+                    </a:gs>
+                  </a:gsLst>
+                  <a:lin ang="5400000" scaled="0"/>
+                </a:gradFill>
+                <a:latin typeface="나눔바른펜" panose="020B0503000000000000" pitchFamily="50" charset="-127"/>
+                <a:ea typeface="나눔바른펜" panose="020B0503000000000000" pitchFamily="50" charset="-127"/>
+              </a:rPr>
+              <a:t>스낵</a:t>
+            </a:r>
+            <a:endParaRPr lang="en-US" altLang="ko-KR" dirty="0" smtClean="0">
+              <a:gradFill>
+                <a:gsLst>
+                  <a:gs pos="0">
+                    <a:schemeClr val="tx1"/>
+                  </a:gs>
+                  <a:gs pos="50000">
+                    <a:schemeClr val="tx1"/>
+                  </a:gs>
+                  <a:gs pos="100000">
+                    <a:schemeClr val="tx1"/>
+                  </a:gs>
+                </a:gsLst>
+                <a:lin ang="5400000" scaled="0"/>
+              </a:gradFill>
+              <a:latin typeface="나눔바른펜" panose="020B0503000000000000" pitchFamily="50" charset="-127"/>
+              <a:ea typeface="나눔바른펜" panose="020B0503000000000000" pitchFamily="50" charset="-127"/>
+            </a:endParaRPr>
           </a:p>
         </p:txBody>
       </p:sp>
     </p:spTree>
     <p:extLst>
       <p:ext uri="{BB962C8B-B14F-4D97-AF65-F5344CB8AC3E}">
-        <p14:creationId xmlns:p14="http://schemas.microsoft.com/office/powerpoint/2010/main" val="3720827189"/>
+        <p14:creationId xmlns:p14="http://schemas.microsoft.com/office/powerpoint/2010/main" val="3162164883"/>
       </p:ext>
     </p:extLst>
   </p:cSld>
@@ -6453,46 +13494,164 @@
       </p:grpSpPr>
       <p:sp>
         <p:nvSpPr>
-          <p:cNvPr id="2" name="제목 1"/>
-          <p:cNvSpPr>
-            <a:spLocks noGrp="1"/>
-          </p:cNvSpPr>
-          <p:nvPr>
-            <p:ph type="title"/>
-          </p:nvPr>
+          <p:cNvPr id="4" name="직사각형 3"/>
+          <p:cNvSpPr/>
+          <p:nvPr/>
         </p:nvSpPr>
-        <p:spPr/>
+        <p:spPr>
+          <a:xfrm>
+            <a:off x="107504" y="332656"/>
+            <a:ext cx="8856984" cy="6336704"/>
+          </a:xfrm>
+          <a:prstGeom prst="rect">
+            <a:avLst/>
+          </a:prstGeom>
+          <a:noFill/>
+          <a:ln>
+            <a:solidFill>
+              <a:schemeClr val="accent3">
+                <a:lumMod val="40000"/>
+                <a:lumOff val="60000"/>
+              </a:schemeClr>
+            </a:solidFill>
+          </a:ln>
+        </p:spPr>
+        <p:style>
+          <a:lnRef idx="2">
+            <a:schemeClr val="accent1">
+              <a:shade val="50000"/>
+            </a:schemeClr>
+          </a:lnRef>
+          <a:fillRef idx="1">
+            <a:schemeClr val="accent1"/>
+          </a:fillRef>
+          <a:effectRef idx="0">
+            <a:schemeClr val="accent1"/>
+          </a:effectRef>
+          <a:fontRef idx="minor">
+            <a:schemeClr val="lt1"/>
+          </a:fontRef>
+        </p:style>
         <p:txBody>
-          <a:bodyPr/>
+          <a:bodyPr rtlCol="0" anchor="ctr"/>
           <a:lstStyle/>
           <a:p>
+            <a:pPr algn="ctr"/>
             <a:endParaRPr lang="ko-KR" altLang="en-US"/>
           </a:p>
         </p:txBody>
       </p:sp>
       <p:sp>
         <p:nvSpPr>
-          <p:cNvPr id="3" name="내용 개체 틀 2"/>
-          <p:cNvSpPr>
-            <a:spLocks noGrp="1"/>
-          </p:cNvSpPr>
-          <p:nvPr>
-            <p:ph idx="1"/>
-          </p:nvPr>
+          <p:cNvPr id="2" name="TextBox 1"/>
+          <p:cNvSpPr txBox="1"/>
+          <p:nvPr/>
         </p:nvSpPr>
-        <p:spPr/>
+        <p:spPr>
+          <a:xfrm>
+            <a:off x="179512" y="44624"/>
+            <a:ext cx="1189941" cy="276999"/>
+          </a:xfrm>
+          <a:prstGeom prst="rect">
+            <a:avLst/>
+          </a:prstGeom>
+          <a:noFill/>
+        </p:spPr>
         <p:txBody>
-          <a:bodyPr/>
+          <a:bodyPr wrap="none" rtlCol="0">
+            <a:spAutoFit/>
+          </a:bodyPr>
           <a:lstStyle/>
           <a:p>
-            <a:endParaRPr lang="ko-KR" altLang="en-US"/>
+            <a:r>
+              <a:rPr lang="ko-KR" altLang="en-US" sz="1200" dirty="0" smtClean="0">
+                <a:gradFill>
+                  <a:gsLst>
+                    <a:gs pos="0">
+                      <a:schemeClr val="tx1"/>
+                    </a:gs>
+                    <a:gs pos="50000">
+                      <a:schemeClr val="tx1"/>
+                    </a:gs>
+                    <a:gs pos="100000">
+                      <a:schemeClr val="tx1"/>
+                    </a:gs>
+                  </a:gsLst>
+                  <a:lin ang="5400000" scaled="0"/>
+                </a:gradFill>
+                <a:latin typeface="나눔바른펜" panose="020B0503000000000000" pitchFamily="50" charset="-127"/>
+                <a:ea typeface="나눔바른펜" panose="020B0503000000000000" pitchFamily="50" charset="-127"/>
+              </a:rPr>
+              <a:t>공통 요소 </a:t>
+            </a:r>
+            <a:r>
+              <a:rPr lang="en-US" altLang="ko-KR" sz="1200" dirty="0" smtClean="0">
+                <a:gradFill>
+                  <a:gsLst>
+                    <a:gs pos="0">
+                      <a:schemeClr val="tx1"/>
+                    </a:gs>
+                    <a:gs pos="50000">
+                      <a:schemeClr val="tx1"/>
+                    </a:gs>
+                    <a:gs pos="100000">
+                      <a:schemeClr val="tx1"/>
+                    </a:gs>
+                  </a:gsLst>
+                  <a:lin ang="5400000" scaled="0"/>
+                </a:gradFill>
+                <a:latin typeface="나눔바른펜" panose="020B0503000000000000" pitchFamily="50" charset="-127"/>
+                <a:ea typeface="나눔바른펜" panose="020B0503000000000000" pitchFamily="50" charset="-127"/>
+              </a:rPr>
+              <a:t>&gt; 2. LNB</a:t>
+            </a:r>
+            <a:endParaRPr lang="ko-KR" altLang="en-US" sz="1200" dirty="0">
+              <a:gradFill>
+                <a:gsLst>
+                  <a:gs pos="0">
+                    <a:schemeClr val="tx1"/>
+                  </a:gs>
+                  <a:gs pos="50000">
+                    <a:schemeClr val="tx1"/>
+                  </a:gs>
+                  <a:gs pos="100000">
+                    <a:schemeClr val="tx1"/>
+                  </a:gs>
+                </a:gsLst>
+                <a:lin ang="5400000" scaled="0"/>
+              </a:gradFill>
+              <a:latin typeface="나눔바른펜" panose="020B0503000000000000" pitchFamily="50" charset="-127"/>
+              <a:ea typeface="나눔바른펜" panose="020B0503000000000000" pitchFamily="50" charset="-127"/>
+            </a:endParaRPr>
           </a:p>
         </p:txBody>
       </p:sp>
+      <p:graphicFrame>
+        <p:nvGraphicFramePr>
+          <p:cNvPr id="5" name="다이어그램 4"/>
+          <p:cNvGraphicFramePr/>
+          <p:nvPr>
+            <p:extLst>
+              <p:ext uri="{D42A27DB-BD31-4B8C-83A1-F6EECF244321}">
+                <p14:modId xmlns:p14="http://schemas.microsoft.com/office/powerpoint/2010/main" val="3609372434"/>
+              </p:ext>
+            </p:extLst>
+          </p:nvPr>
+        </p:nvGraphicFramePr>
+        <p:xfrm>
+          <a:off x="485800" y="620688"/>
+          <a:ext cx="8172400" cy="5472608"/>
+        </p:xfrm>
+        <a:graphic>
+          <a:graphicData uri="http://schemas.openxmlformats.org/drawingml/2006/diagram">
+            <dgm:relIds xmlns:dgm="http://schemas.openxmlformats.org/drawingml/2006/diagram" xmlns:r="http://schemas.openxmlformats.org/officeDocument/2006/relationships" r:dm="rId2" r:lo="rId3" r:qs="rId4" r:cs="rId5"/>
+          </a:graphicData>
+        </a:graphic>
+      </p:graphicFrame>
     </p:spTree>
     <p:extLst>
       <p:ext uri="{BB962C8B-B14F-4D97-AF65-F5344CB8AC3E}">
-        <p14:creationId xmlns:p14="http://schemas.microsoft.com/office/powerpoint/2010/main" val="85597916"/>
+        <p14:creationId xmlns:p14="http://schemas.microsoft.com/office/powerpoint/2010/main" val="2485496175"/>
       </p:ext>
     </p:extLst>
   </p:cSld>
@@ -6528,52 +13687,1117 @@
       </p:grpSpPr>
       <p:sp>
         <p:nvSpPr>
-          <p:cNvPr id="2" name="제목 1"/>
-          <p:cNvSpPr>
-            <a:spLocks noGrp="1"/>
-          </p:cNvSpPr>
-          <p:nvPr>
-            <p:ph type="ctrTitle"/>
-          </p:nvPr>
+          <p:cNvPr id="4" name="직사각형 3"/>
+          <p:cNvSpPr/>
+          <p:nvPr/>
         </p:nvSpPr>
-        <p:spPr/>
+        <p:spPr>
+          <a:xfrm>
+            <a:off x="107504" y="332656"/>
+            <a:ext cx="8856984" cy="6336704"/>
+          </a:xfrm>
+          <a:prstGeom prst="rect">
+            <a:avLst/>
+          </a:prstGeom>
+          <a:noFill/>
+          <a:ln>
+            <a:solidFill>
+              <a:schemeClr val="accent3">
+                <a:lumMod val="40000"/>
+                <a:lumOff val="60000"/>
+              </a:schemeClr>
+            </a:solidFill>
+          </a:ln>
+        </p:spPr>
+        <p:style>
+          <a:lnRef idx="2">
+            <a:schemeClr val="accent1">
+              <a:shade val="50000"/>
+            </a:schemeClr>
+          </a:lnRef>
+          <a:fillRef idx="1">
+            <a:schemeClr val="accent1"/>
+          </a:fillRef>
+          <a:effectRef idx="0">
+            <a:schemeClr val="accent1"/>
+          </a:effectRef>
+          <a:fontRef idx="minor">
+            <a:schemeClr val="lt1"/>
+          </a:fontRef>
+        </p:style>
         <p:txBody>
-          <a:bodyPr/>
+          <a:bodyPr rtlCol="0" anchor="ctr"/>
           <a:lstStyle/>
           <a:p>
+            <a:pPr algn="ctr"/>
             <a:endParaRPr lang="ko-KR" altLang="en-US"/>
           </a:p>
         </p:txBody>
       </p:sp>
       <p:sp>
         <p:nvSpPr>
-          <p:cNvPr id="3" name="부제목 2"/>
-          <p:cNvSpPr>
-            <a:spLocks noGrp="1"/>
-          </p:cNvSpPr>
-          <p:nvPr>
-            <p:ph type="subTitle" idx="1"/>
-          </p:nvPr>
+          <p:cNvPr id="6" name="TextBox 5"/>
+          <p:cNvSpPr txBox="1"/>
+          <p:nvPr/>
         </p:nvSpPr>
-        <p:spPr/>
+        <p:spPr>
+          <a:xfrm>
+            <a:off x="1259632" y="3451647"/>
+            <a:ext cx="1080120" cy="769441"/>
+          </a:xfrm>
+          <a:prstGeom prst="rect">
+            <a:avLst/>
+          </a:prstGeom>
+          <a:noFill/>
+        </p:spPr>
         <p:txBody>
-          <a:bodyPr/>
+          <a:bodyPr wrap="square" rtlCol="0">
+            <a:spAutoFit/>
+          </a:bodyPr>
           <a:lstStyle/>
           <a:p>
+            <a:r>
+              <a:rPr lang="ko-KR" altLang="en-US" sz="4400" b="1" dirty="0" smtClean="0">
+                <a:latin typeface="나눔바른펜" panose="020B0503000000000000" pitchFamily="50" charset="-127"/>
+                <a:ea typeface="나눔바른펜" panose="020B0503000000000000" pitchFamily="50" charset="-127"/>
+              </a:rPr>
+              <a:t>로고</a:t>
+            </a:r>
+            <a:endParaRPr lang="ko-KR" altLang="en-US" sz="4400" b="1" dirty="0">
+              <a:latin typeface="나눔바른펜" panose="020B0503000000000000" pitchFamily="50" charset="-127"/>
+              <a:ea typeface="나눔바른펜" panose="020B0503000000000000" pitchFamily="50" charset="-127"/>
+            </a:endParaRPr>
+          </a:p>
+        </p:txBody>
+      </p:sp>
+      <p:cxnSp>
+        <p:nvCxnSpPr>
+          <p:cNvPr id="11" name="직선 연결선 10"/>
+          <p:cNvCxnSpPr/>
+          <p:nvPr/>
+        </p:nvCxnSpPr>
+        <p:spPr>
+          <a:xfrm>
+            <a:off x="395536" y="5085184"/>
+            <a:ext cx="8352928" cy="0"/>
+          </a:xfrm>
+          <a:prstGeom prst="line">
+            <a:avLst/>
+          </a:prstGeom>
+          <a:ln w="22225">
+            <a:solidFill>
+              <a:schemeClr val="accent3">
+                <a:lumMod val="60000"/>
+                <a:lumOff val="40000"/>
+              </a:schemeClr>
+            </a:solidFill>
+          </a:ln>
+        </p:spPr>
+        <p:style>
+          <a:lnRef idx="1">
+            <a:schemeClr val="accent1"/>
+          </a:lnRef>
+          <a:fillRef idx="0">
+            <a:schemeClr val="accent1"/>
+          </a:fillRef>
+          <a:effectRef idx="0">
+            <a:schemeClr val="accent1"/>
+          </a:effectRef>
+          <a:fontRef idx="minor">
+            <a:schemeClr val="tx1"/>
+          </a:fontRef>
+        </p:style>
+      </p:cxnSp>
+      <p:cxnSp>
+        <p:nvCxnSpPr>
+          <p:cNvPr id="12" name="직선 연결선 11"/>
+          <p:cNvCxnSpPr/>
+          <p:nvPr/>
+        </p:nvCxnSpPr>
+        <p:spPr>
+          <a:xfrm>
+            <a:off x="395536" y="2492896"/>
+            <a:ext cx="8352928" cy="0"/>
+          </a:xfrm>
+          <a:prstGeom prst="line">
+            <a:avLst/>
+          </a:prstGeom>
+          <a:ln w="22225">
+            <a:solidFill>
+              <a:schemeClr val="accent3">
+                <a:lumMod val="60000"/>
+                <a:lumOff val="40000"/>
+              </a:schemeClr>
+            </a:solidFill>
+          </a:ln>
+        </p:spPr>
+        <p:style>
+          <a:lnRef idx="1">
+            <a:schemeClr val="accent1"/>
+          </a:lnRef>
+          <a:fillRef idx="0">
+            <a:schemeClr val="accent1"/>
+          </a:fillRef>
+          <a:effectRef idx="0">
+            <a:schemeClr val="accent1"/>
+          </a:effectRef>
+          <a:fontRef idx="minor">
+            <a:schemeClr val="tx1"/>
+          </a:fontRef>
+        </p:style>
+      </p:cxnSp>
+      <p:sp>
+        <p:nvSpPr>
+          <p:cNvPr id="2" name="TextBox 1"/>
+          <p:cNvSpPr txBox="1"/>
+          <p:nvPr/>
+        </p:nvSpPr>
+        <p:spPr>
+          <a:xfrm>
+            <a:off x="179512" y="44624"/>
+            <a:ext cx="1335430" cy="276999"/>
+          </a:xfrm>
+          <a:prstGeom prst="rect">
+            <a:avLst/>
+          </a:prstGeom>
+          <a:noFill/>
+        </p:spPr>
+        <p:txBody>
+          <a:bodyPr wrap="none" rtlCol="0">
+            <a:spAutoFit/>
+          </a:bodyPr>
+          <a:lstStyle/>
+          <a:p>
+            <a:r>
+              <a:rPr lang="ko-KR" altLang="en-US" sz="1200" dirty="0" smtClean="0">
+                <a:gradFill>
+                  <a:gsLst>
+                    <a:gs pos="0">
+                      <a:schemeClr val="tx1"/>
+                    </a:gs>
+                    <a:gs pos="50000">
+                      <a:schemeClr val="tx1"/>
+                    </a:gs>
+                    <a:gs pos="100000">
+                      <a:schemeClr val="tx1"/>
+                    </a:gs>
+                  </a:gsLst>
+                  <a:lin ang="5400000" scaled="0"/>
+                </a:gradFill>
+                <a:latin typeface="나눔바른펜" panose="020B0503000000000000" pitchFamily="50" charset="-127"/>
+                <a:ea typeface="나눔바른펜" panose="020B0503000000000000" pitchFamily="50" charset="-127"/>
+              </a:rPr>
+              <a:t>공통 요소 </a:t>
+            </a:r>
+            <a:r>
+              <a:rPr lang="en-US" altLang="ko-KR" sz="1200" dirty="0" smtClean="0">
+                <a:gradFill>
+                  <a:gsLst>
+                    <a:gs pos="0">
+                      <a:schemeClr val="tx1"/>
+                    </a:gs>
+                    <a:gs pos="50000">
+                      <a:schemeClr val="tx1"/>
+                    </a:gs>
+                    <a:gs pos="100000">
+                      <a:schemeClr val="tx1"/>
+                    </a:gs>
+                  </a:gsLst>
+                  <a:lin ang="5400000" scaled="0"/>
+                </a:gradFill>
+                <a:latin typeface="나눔바른펜" panose="020B0503000000000000" pitchFamily="50" charset="-127"/>
+                <a:ea typeface="나눔바른펜" panose="020B0503000000000000" pitchFamily="50" charset="-127"/>
+              </a:rPr>
+              <a:t>&gt; 3. Footer</a:t>
+            </a:r>
+            <a:endParaRPr lang="ko-KR" altLang="en-US" sz="1200" dirty="0">
+              <a:gradFill>
+                <a:gsLst>
+                  <a:gs pos="0">
+                    <a:schemeClr val="tx1"/>
+                  </a:gs>
+                  <a:gs pos="50000">
+                    <a:schemeClr val="tx1"/>
+                  </a:gs>
+                  <a:gs pos="100000">
+                    <a:schemeClr val="tx1"/>
+                  </a:gs>
+                </a:gsLst>
+                <a:lin ang="5400000" scaled="0"/>
+              </a:gradFill>
+              <a:latin typeface="나눔바른펜" panose="020B0503000000000000" pitchFamily="50" charset="-127"/>
+              <a:ea typeface="나눔바른펜" panose="020B0503000000000000" pitchFamily="50" charset="-127"/>
+            </a:endParaRPr>
+          </a:p>
+        </p:txBody>
+      </p:sp>
+      <p:sp>
+        <p:nvSpPr>
+          <p:cNvPr id="5" name="직사각형 4"/>
+          <p:cNvSpPr/>
+          <p:nvPr/>
+        </p:nvSpPr>
+        <p:spPr>
+          <a:xfrm>
+            <a:off x="539552" y="2924944"/>
+            <a:ext cx="2520280" cy="1800200"/>
+          </a:xfrm>
+          <a:prstGeom prst="rect">
+            <a:avLst/>
+          </a:prstGeom>
+          <a:noFill/>
+          <a:ln>
+            <a:solidFill>
+              <a:schemeClr val="accent3">
+                <a:lumMod val="40000"/>
+                <a:lumOff val="60000"/>
+              </a:schemeClr>
+            </a:solidFill>
+          </a:ln>
+        </p:spPr>
+        <p:style>
+          <a:lnRef idx="2">
+            <a:schemeClr val="accent1">
+              <a:shade val="50000"/>
+            </a:schemeClr>
+          </a:lnRef>
+          <a:fillRef idx="1">
+            <a:schemeClr val="accent1"/>
+          </a:fillRef>
+          <a:effectRef idx="0">
+            <a:schemeClr val="accent1"/>
+          </a:effectRef>
+          <a:fontRef idx="minor">
+            <a:schemeClr val="lt1"/>
+          </a:fontRef>
+        </p:style>
+        <p:txBody>
+          <a:bodyPr rtlCol="0" anchor="ctr"/>
+          <a:lstStyle/>
+          <a:p>
+            <a:pPr algn="ctr"/>
             <a:endParaRPr lang="ko-KR" altLang="en-US"/>
+          </a:p>
+        </p:txBody>
+      </p:sp>
+      <p:sp>
+        <p:nvSpPr>
+          <p:cNvPr id="7" name="TextBox 6"/>
+          <p:cNvSpPr txBox="1"/>
+          <p:nvPr/>
+        </p:nvSpPr>
+        <p:spPr>
+          <a:xfrm>
+            <a:off x="3347864" y="3356992"/>
+            <a:ext cx="1781257" cy="276999"/>
+          </a:xfrm>
+          <a:prstGeom prst="rect">
+            <a:avLst/>
+          </a:prstGeom>
+          <a:noFill/>
+        </p:spPr>
+        <p:txBody>
+          <a:bodyPr wrap="none" rtlCol="0">
+            <a:spAutoFit/>
+          </a:bodyPr>
+          <a:lstStyle/>
+          <a:p>
+            <a:r>
+              <a:rPr lang="ko-KR" altLang="en-US" sz="1200" dirty="0" smtClean="0">
+                <a:gradFill>
+                  <a:gsLst>
+                    <a:gs pos="0">
+                      <a:schemeClr val="tx1"/>
+                    </a:gs>
+                    <a:gs pos="50000">
+                      <a:schemeClr val="tx1"/>
+                    </a:gs>
+                    <a:gs pos="100000">
+                      <a:schemeClr val="tx1"/>
+                    </a:gs>
+                  </a:gsLst>
+                  <a:lin ang="5400000" scaled="0"/>
+                </a:gradFill>
+                <a:latin typeface="나눔바른펜" panose="020B0503000000000000" pitchFamily="50" charset="-127"/>
+                <a:ea typeface="나눔바른펜" panose="020B0503000000000000" pitchFamily="50" charset="-127"/>
+              </a:rPr>
+              <a:t>개인정보 처리방침 </a:t>
+            </a:r>
+            <a:r>
+              <a:rPr lang="en-US" altLang="ko-KR" sz="1200" dirty="0" smtClean="0">
+                <a:gradFill>
+                  <a:gsLst>
+                    <a:gs pos="0">
+                      <a:schemeClr val="tx1"/>
+                    </a:gs>
+                    <a:gs pos="50000">
+                      <a:schemeClr val="tx1"/>
+                    </a:gs>
+                    <a:gs pos="100000">
+                      <a:schemeClr val="tx1"/>
+                    </a:gs>
+                  </a:gsLst>
+                  <a:lin ang="5400000" scaled="0"/>
+                </a:gradFill>
+                <a:latin typeface="나눔바른펜" panose="020B0503000000000000" pitchFamily="50" charset="-127"/>
+                <a:ea typeface="나눔바른펜" panose="020B0503000000000000" pitchFamily="50" charset="-127"/>
+              </a:rPr>
+              <a:t>| </a:t>
+            </a:r>
+            <a:r>
+              <a:rPr lang="ko-KR" altLang="en-US" sz="1200" dirty="0" smtClean="0">
+                <a:gradFill>
+                  <a:gsLst>
+                    <a:gs pos="0">
+                      <a:schemeClr val="tx1"/>
+                    </a:gs>
+                    <a:gs pos="50000">
+                      <a:schemeClr val="tx1"/>
+                    </a:gs>
+                    <a:gs pos="100000">
+                      <a:schemeClr val="tx1"/>
+                    </a:gs>
+                  </a:gsLst>
+                  <a:lin ang="5400000" scaled="0"/>
+                </a:gradFill>
+                <a:latin typeface="나눔바른펜" panose="020B0503000000000000" pitchFamily="50" charset="-127"/>
+                <a:ea typeface="나눔바른펜" panose="020B0503000000000000" pitchFamily="50" charset="-127"/>
+              </a:rPr>
+              <a:t>이용약관</a:t>
+            </a:r>
+            <a:endParaRPr lang="ko-KR" altLang="en-US" sz="1200" dirty="0">
+              <a:gradFill>
+                <a:gsLst>
+                  <a:gs pos="0">
+                    <a:schemeClr val="tx1"/>
+                  </a:gs>
+                  <a:gs pos="50000">
+                    <a:schemeClr val="tx1"/>
+                  </a:gs>
+                  <a:gs pos="100000">
+                    <a:schemeClr val="tx1"/>
+                  </a:gs>
+                </a:gsLst>
+                <a:lin ang="5400000" scaled="0"/>
+              </a:gradFill>
+              <a:latin typeface="나눔바른펜" panose="020B0503000000000000" pitchFamily="50" charset="-127"/>
+              <a:ea typeface="나눔바른펜" panose="020B0503000000000000" pitchFamily="50" charset="-127"/>
+            </a:endParaRPr>
+          </a:p>
+        </p:txBody>
+      </p:sp>
+      <p:sp>
+        <p:nvSpPr>
+          <p:cNvPr id="8" name="TextBox 7"/>
+          <p:cNvSpPr txBox="1"/>
+          <p:nvPr/>
+        </p:nvSpPr>
+        <p:spPr>
+          <a:xfrm>
+            <a:off x="3347864" y="3717032"/>
+            <a:ext cx="5256584" cy="738664"/>
+          </a:xfrm>
+          <a:prstGeom prst="rect">
+            <a:avLst/>
+          </a:prstGeom>
+          <a:noFill/>
+        </p:spPr>
+        <p:txBody>
+          <a:bodyPr wrap="square" rtlCol="0">
+            <a:spAutoFit/>
+          </a:bodyPr>
+          <a:lstStyle/>
+          <a:p>
+            <a:r>
+              <a:rPr lang="ko-KR" altLang="en-US" sz="1400" dirty="0" smtClean="0">
+                <a:gradFill>
+                  <a:gsLst>
+                    <a:gs pos="0">
+                      <a:schemeClr val="tx1"/>
+                    </a:gs>
+                    <a:gs pos="50000">
+                      <a:schemeClr val="tx1"/>
+                    </a:gs>
+                    <a:gs pos="100000">
+                      <a:schemeClr val="tx1"/>
+                    </a:gs>
+                  </a:gsLst>
+                  <a:lin ang="5400000" scaled="0"/>
+                </a:gradFill>
+                <a:latin typeface="나눔바른펜" panose="020B0503000000000000" pitchFamily="50" charset="-127"/>
+                <a:ea typeface="나눔바른펜" panose="020B0503000000000000" pitchFamily="50" charset="-127"/>
+              </a:rPr>
+              <a:t>주소 </a:t>
+            </a:r>
+            <a:r>
+              <a:rPr lang="ko-KR" altLang="en-US" sz="1400" dirty="0" err="1" smtClean="0">
+                <a:gradFill>
+                  <a:gsLst>
+                    <a:gs pos="0">
+                      <a:schemeClr val="tx1"/>
+                    </a:gs>
+                    <a:gs pos="50000">
+                      <a:schemeClr val="tx1"/>
+                    </a:gs>
+                    <a:gs pos="100000">
+                      <a:schemeClr val="tx1"/>
+                    </a:gs>
+                  </a:gsLst>
+                  <a:lin ang="5400000" scaled="0"/>
+                </a:gradFill>
+                <a:latin typeface="나눔바른펜" panose="020B0503000000000000" pitchFamily="50" charset="-127"/>
+                <a:ea typeface="나눔바른펜" panose="020B0503000000000000" pitchFamily="50" charset="-127"/>
+              </a:rPr>
+              <a:t>블라블라</a:t>
+            </a:r>
+            <a:r>
+              <a:rPr lang="ko-KR" altLang="en-US" sz="1400" dirty="0" smtClean="0">
+                <a:gradFill>
+                  <a:gsLst>
+                    <a:gs pos="0">
+                      <a:schemeClr val="tx1"/>
+                    </a:gs>
+                    <a:gs pos="50000">
+                      <a:schemeClr val="tx1"/>
+                    </a:gs>
+                    <a:gs pos="100000">
+                      <a:schemeClr val="tx1"/>
+                    </a:gs>
+                  </a:gsLst>
+                  <a:lin ang="5400000" scaled="0"/>
+                </a:gradFill>
+                <a:latin typeface="나눔바른펜" panose="020B0503000000000000" pitchFamily="50" charset="-127"/>
+                <a:ea typeface="나눔바른펜" panose="020B0503000000000000" pitchFamily="50" charset="-127"/>
+              </a:rPr>
+              <a:t> 어쩌고 경기도 고양시 일산동구 </a:t>
+            </a:r>
+            <a:r>
+              <a:rPr lang="ko-KR" altLang="en-US" sz="1400" dirty="0" err="1" smtClean="0">
+                <a:gradFill>
+                  <a:gsLst>
+                    <a:gs pos="0">
+                      <a:schemeClr val="tx1"/>
+                    </a:gs>
+                    <a:gs pos="50000">
+                      <a:schemeClr val="tx1"/>
+                    </a:gs>
+                    <a:gs pos="100000">
+                      <a:schemeClr val="tx1"/>
+                    </a:gs>
+                  </a:gsLst>
+                  <a:lin ang="5400000" scaled="0"/>
+                </a:gradFill>
+                <a:latin typeface="나눔바른펜" panose="020B0503000000000000" pitchFamily="50" charset="-127"/>
+                <a:ea typeface="나눔바른펜" panose="020B0503000000000000" pitchFamily="50" charset="-127"/>
+              </a:rPr>
+              <a:t>중앙로</a:t>
+            </a:r>
+            <a:r>
+              <a:rPr lang="ko-KR" altLang="en-US" sz="1400" dirty="0" smtClean="0">
+                <a:gradFill>
+                  <a:gsLst>
+                    <a:gs pos="0">
+                      <a:schemeClr val="tx1"/>
+                    </a:gs>
+                    <a:gs pos="50000">
+                      <a:schemeClr val="tx1"/>
+                    </a:gs>
+                    <a:gs pos="100000">
+                      <a:schemeClr val="tx1"/>
+                    </a:gs>
+                  </a:gsLst>
+                  <a:lin ang="5400000" scaled="0"/>
+                </a:gradFill>
+                <a:latin typeface="나눔바른펜" panose="020B0503000000000000" pitchFamily="50" charset="-127"/>
+                <a:ea typeface="나눔바른펜" panose="020B0503000000000000" pitchFamily="50" charset="-127"/>
+              </a:rPr>
+              <a:t> </a:t>
+            </a:r>
+            <a:r>
+              <a:rPr lang="en-US" altLang="ko-KR" sz="1400" dirty="0" smtClean="0">
+                <a:gradFill>
+                  <a:gsLst>
+                    <a:gs pos="0">
+                      <a:schemeClr val="tx1"/>
+                    </a:gs>
+                    <a:gs pos="50000">
+                      <a:schemeClr val="tx1"/>
+                    </a:gs>
+                    <a:gs pos="100000">
+                      <a:schemeClr val="tx1"/>
+                    </a:gs>
+                  </a:gsLst>
+                  <a:lin ang="5400000" scaled="0"/>
+                </a:gradFill>
+                <a:latin typeface="나눔바른펜" panose="020B0503000000000000" pitchFamily="50" charset="-127"/>
+                <a:ea typeface="나눔바른펜" panose="020B0503000000000000" pitchFamily="50" charset="-127"/>
+              </a:rPr>
+              <a:t>1036</a:t>
+            </a:r>
+          </a:p>
+          <a:p>
+            <a:r>
+              <a:rPr lang="ko-KR" altLang="en-US" sz="1400" dirty="0" smtClean="0">
+                <a:gradFill>
+                  <a:gsLst>
+                    <a:gs pos="0">
+                      <a:schemeClr val="tx1"/>
+                    </a:gs>
+                    <a:gs pos="50000">
+                      <a:schemeClr val="tx1"/>
+                    </a:gs>
+                    <a:gs pos="100000">
+                      <a:schemeClr val="tx1"/>
+                    </a:gs>
+                  </a:gsLst>
+                  <a:lin ang="5400000" scaled="0"/>
+                </a:gradFill>
+                <a:latin typeface="나눔바른펜" panose="020B0503000000000000" pitchFamily="50" charset="-127"/>
+                <a:ea typeface="나눔바른펜" panose="020B0503000000000000" pitchFamily="50" charset="-127"/>
+              </a:rPr>
+              <a:t>대표이사 </a:t>
+            </a:r>
+            <a:r>
+              <a:rPr lang="en-US" altLang="ko-KR" sz="1400" dirty="0" smtClean="0">
+                <a:gradFill>
+                  <a:gsLst>
+                    <a:gs pos="0">
+                      <a:schemeClr val="tx1"/>
+                    </a:gs>
+                    <a:gs pos="50000">
+                      <a:schemeClr val="tx1"/>
+                    </a:gs>
+                    <a:gs pos="100000">
+                      <a:schemeClr val="tx1"/>
+                    </a:gs>
+                  </a:gsLst>
+                  <a:lin ang="5400000" scaled="0"/>
+                </a:gradFill>
+                <a:latin typeface="나눔바른펜" panose="020B0503000000000000" pitchFamily="50" charset="-127"/>
+                <a:ea typeface="나눔바른펜" panose="020B0503000000000000" pitchFamily="50" charset="-127"/>
+              </a:rPr>
+              <a:t>: </a:t>
+            </a:r>
+            <a:r>
+              <a:rPr lang="ko-KR" altLang="en-US" sz="1400" dirty="0" err="1" smtClean="0">
+                <a:gradFill>
+                  <a:gsLst>
+                    <a:gs pos="0">
+                      <a:schemeClr val="tx1"/>
+                    </a:gs>
+                    <a:gs pos="50000">
+                      <a:schemeClr val="tx1"/>
+                    </a:gs>
+                    <a:gs pos="100000">
+                      <a:schemeClr val="tx1"/>
+                    </a:gs>
+                  </a:gsLst>
+                  <a:lin ang="5400000" scaled="0"/>
+                </a:gradFill>
+                <a:latin typeface="나눔바른펜" panose="020B0503000000000000" pitchFamily="50" charset="-127"/>
+                <a:ea typeface="나눔바른펜" panose="020B0503000000000000" pitchFamily="50" charset="-127"/>
+              </a:rPr>
+              <a:t>김누구</a:t>
+            </a:r>
+            <a:r>
+              <a:rPr lang="ko-KR" altLang="en-US" sz="1400" dirty="0" smtClean="0">
+                <a:gradFill>
+                  <a:gsLst>
+                    <a:gs pos="0">
+                      <a:schemeClr val="tx1"/>
+                    </a:gs>
+                    <a:gs pos="50000">
+                      <a:schemeClr val="tx1"/>
+                    </a:gs>
+                    <a:gs pos="100000">
+                      <a:schemeClr val="tx1"/>
+                    </a:gs>
+                  </a:gsLst>
+                  <a:lin ang="5400000" scaled="0"/>
+                </a:gradFill>
+                <a:latin typeface="나눔바른펜" panose="020B0503000000000000" pitchFamily="50" charset="-127"/>
+                <a:ea typeface="나눔바른펜" panose="020B0503000000000000" pitchFamily="50" charset="-127"/>
+              </a:rPr>
+              <a:t> </a:t>
+            </a:r>
+            <a:r>
+              <a:rPr lang="en-US" altLang="ko-KR" sz="1400" dirty="0" smtClean="0">
+                <a:gradFill>
+                  <a:gsLst>
+                    <a:gs pos="0">
+                      <a:schemeClr val="tx1"/>
+                    </a:gs>
+                    <a:gs pos="50000">
+                      <a:schemeClr val="tx1"/>
+                    </a:gs>
+                    <a:gs pos="100000">
+                      <a:schemeClr val="tx1"/>
+                    </a:gs>
+                  </a:gsLst>
+                  <a:lin ang="5400000" scaled="0"/>
+                </a:gradFill>
+                <a:latin typeface="나눔바른펜" panose="020B0503000000000000" pitchFamily="50" charset="-127"/>
+                <a:ea typeface="나눔바른펜" panose="020B0503000000000000" pitchFamily="50" charset="-127"/>
+              </a:rPr>
+              <a:t>| </a:t>
+            </a:r>
+            <a:r>
+              <a:rPr lang="ko-KR" altLang="en-US" sz="1400" dirty="0" smtClean="0">
+                <a:gradFill>
+                  <a:gsLst>
+                    <a:gs pos="0">
+                      <a:schemeClr val="tx1"/>
+                    </a:gs>
+                    <a:gs pos="50000">
+                      <a:schemeClr val="tx1"/>
+                    </a:gs>
+                    <a:gs pos="100000">
+                      <a:schemeClr val="tx1"/>
+                    </a:gs>
+                  </a:gsLst>
+                  <a:lin ang="5400000" scaled="0"/>
+                </a:gradFill>
+                <a:latin typeface="나눔바른펜" panose="020B0503000000000000" pitchFamily="50" charset="-127"/>
+                <a:ea typeface="나눔바른펜" panose="020B0503000000000000" pitchFamily="50" charset="-127"/>
+              </a:rPr>
+              <a:t>사업자등록번호 </a:t>
+            </a:r>
+            <a:r>
+              <a:rPr lang="en-US" altLang="ko-KR" sz="1400" dirty="0" smtClean="0">
+                <a:gradFill>
+                  <a:gsLst>
+                    <a:gs pos="0">
+                      <a:schemeClr val="tx1"/>
+                    </a:gs>
+                    <a:gs pos="50000">
+                      <a:schemeClr val="tx1"/>
+                    </a:gs>
+                    <a:gs pos="100000">
+                      <a:schemeClr val="tx1"/>
+                    </a:gs>
+                  </a:gsLst>
+                  <a:lin ang="5400000" scaled="0"/>
+                </a:gradFill>
+                <a:latin typeface="나눔바른펜" panose="020B0503000000000000" pitchFamily="50" charset="-127"/>
+                <a:ea typeface="나눔바른펜" panose="020B0503000000000000" pitchFamily="50" charset="-127"/>
+              </a:rPr>
+              <a:t>: </a:t>
+            </a:r>
+            <a:r>
+              <a:rPr lang="ko-KR" altLang="en-US" sz="1400" dirty="0" smtClean="0">
+                <a:gradFill>
+                  <a:gsLst>
+                    <a:gs pos="0">
+                      <a:schemeClr val="tx1"/>
+                    </a:gs>
+                    <a:gs pos="50000">
+                      <a:schemeClr val="tx1"/>
+                    </a:gs>
+                    <a:gs pos="100000">
+                      <a:schemeClr val="tx1"/>
+                    </a:gs>
+                  </a:gsLst>
+                  <a:lin ang="5400000" scaled="0"/>
+                </a:gradFill>
+                <a:latin typeface="나눔바른펜" panose="020B0503000000000000" pitchFamily="50" charset="-127"/>
+                <a:ea typeface="나눔바른펜" panose="020B0503000000000000" pitchFamily="50" charset="-127"/>
+              </a:rPr>
+              <a:t>얼</a:t>
+            </a:r>
+            <a:r>
+              <a:rPr lang="ko-KR" altLang="en-US" sz="1400" dirty="0">
+                <a:gradFill>
+                  <a:gsLst>
+                    <a:gs pos="0">
+                      <a:schemeClr val="tx1"/>
+                    </a:gs>
+                    <a:gs pos="50000">
+                      <a:schemeClr val="tx1"/>
+                    </a:gs>
+                    <a:gs pos="100000">
+                      <a:schemeClr val="tx1"/>
+                    </a:gs>
+                  </a:gsLst>
+                  <a:lin ang="5400000" scaled="0"/>
+                </a:gradFill>
+                <a:latin typeface="나눔바른펜" panose="020B0503000000000000" pitchFamily="50" charset="-127"/>
+                <a:ea typeface="나눔바른펜" panose="020B0503000000000000" pitchFamily="50" charset="-127"/>
+              </a:rPr>
+              <a:t>씨</a:t>
+            </a:r>
+            <a:r>
+              <a:rPr lang="ko-KR" altLang="en-US" sz="1400" dirty="0" smtClean="0">
+                <a:gradFill>
+                  <a:gsLst>
+                    <a:gs pos="0">
+                      <a:schemeClr val="tx1"/>
+                    </a:gs>
+                    <a:gs pos="50000">
+                      <a:schemeClr val="tx1"/>
+                    </a:gs>
+                    <a:gs pos="100000">
+                      <a:schemeClr val="tx1"/>
+                    </a:gs>
+                  </a:gsLst>
+                  <a:lin ang="5400000" scaled="0"/>
+                </a:gradFill>
+                <a:latin typeface="나눔바른펜" panose="020B0503000000000000" pitchFamily="50" charset="-127"/>
+                <a:ea typeface="나눔바른펜" panose="020B0503000000000000" pitchFamily="50" charset="-127"/>
+              </a:rPr>
+              <a:t>구 </a:t>
+            </a:r>
+            <a:r>
+              <a:rPr lang="en-US" altLang="ko-KR" sz="1400" dirty="0" smtClean="0">
+                <a:gradFill>
+                  <a:gsLst>
+                    <a:gs pos="0">
+                      <a:schemeClr val="tx1"/>
+                    </a:gs>
+                    <a:gs pos="50000">
+                      <a:schemeClr val="tx1"/>
+                    </a:gs>
+                    <a:gs pos="100000">
+                      <a:schemeClr val="tx1"/>
+                    </a:gs>
+                  </a:gsLst>
+                  <a:lin ang="5400000" scaled="0"/>
+                </a:gradFill>
+                <a:latin typeface="나눔바른펜" panose="020B0503000000000000" pitchFamily="50" charset="-127"/>
+                <a:ea typeface="나눔바른펜" panose="020B0503000000000000" pitchFamily="50" charset="-127"/>
+              </a:rPr>
+              <a:t>| </a:t>
+            </a:r>
+            <a:r>
+              <a:rPr lang="ko-KR" altLang="en-US" sz="1400" dirty="0" smtClean="0">
+                <a:gradFill>
+                  <a:gsLst>
+                    <a:gs pos="0">
+                      <a:schemeClr val="tx1"/>
+                    </a:gs>
+                    <a:gs pos="50000">
+                      <a:schemeClr val="tx1"/>
+                    </a:gs>
+                    <a:gs pos="100000">
+                      <a:schemeClr val="tx1"/>
+                    </a:gs>
+                  </a:gsLst>
+                  <a:lin ang="5400000" scaled="0"/>
+                </a:gradFill>
+                <a:latin typeface="나눔바른펜" panose="020B0503000000000000" pitchFamily="50" charset="-127"/>
+                <a:ea typeface="나눔바른펜" panose="020B0503000000000000" pitchFamily="50" charset="-127"/>
+              </a:rPr>
+              <a:t>통신판매업 신고번호 </a:t>
+            </a:r>
+            <a:r>
+              <a:rPr lang="en-US" altLang="ko-KR" sz="1400" dirty="0" smtClean="0">
+                <a:gradFill>
+                  <a:gsLst>
+                    <a:gs pos="0">
+                      <a:schemeClr val="tx1"/>
+                    </a:gs>
+                    <a:gs pos="50000">
+                      <a:schemeClr val="tx1"/>
+                    </a:gs>
+                    <a:gs pos="100000">
+                      <a:schemeClr val="tx1"/>
+                    </a:gs>
+                  </a:gsLst>
+                  <a:lin ang="5400000" scaled="0"/>
+                </a:gradFill>
+                <a:latin typeface="나눔바른펜" panose="020B0503000000000000" pitchFamily="50" charset="-127"/>
+                <a:ea typeface="나눔바른펜" panose="020B0503000000000000" pitchFamily="50" charset="-127"/>
+              </a:rPr>
+              <a:t>: </a:t>
+            </a:r>
+            <a:r>
+              <a:rPr lang="ko-KR" altLang="en-US" sz="1400" dirty="0" err="1" smtClean="0">
+                <a:gradFill>
+                  <a:gsLst>
+                    <a:gs pos="0">
+                      <a:schemeClr val="tx1"/>
+                    </a:gs>
+                    <a:gs pos="50000">
+                      <a:schemeClr val="tx1"/>
+                    </a:gs>
+                    <a:gs pos="100000">
+                      <a:schemeClr val="tx1"/>
+                    </a:gs>
+                  </a:gsLst>
+                  <a:lin ang="5400000" scaled="0"/>
+                </a:gradFill>
+                <a:latin typeface="나눔바른펜" panose="020B0503000000000000" pitchFamily="50" charset="-127"/>
+                <a:ea typeface="나눔바른펜" panose="020B0503000000000000" pitchFamily="50" charset="-127"/>
+              </a:rPr>
+              <a:t>절씨구</a:t>
+            </a:r>
+            <a:r>
+              <a:rPr lang="ko-KR" altLang="en-US" sz="1400" dirty="0" smtClean="0">
+                <a:gradFill>
+                  <a:gsLst>
+                    <a:gs pos="0">
+                      <a:schemeClr val="tx1"/>
+                    </a:gs>
+                    <a:gs pos="50000">
+                      <a:schemeClr val="tx1"/>
+                    </a:gs>
+                    <a:gs pos="100000">
+                      <a:schemeClr val="tx1"/>
+                    </a:gs>
+                  </a:gsLst>
+                  <a:lin ang="5400000" scaled="0"/>
+                </a:gradFill>
+                <a:latin typeface="나눔바른펜" panose="020B0503000000000000" pitchFamily="50" charset="-127"/>
+                <a:ea typeface="나눔바른펜" panose="020B0503000000000000" pitchFamily="50" charset="-127"/>
+              </a:rPr>
+              <a:t> </a:t>
+            </a:r>
+            <a:endParaRPr lang="en-US" altLang="ko-KR" sz="1400" dirty="0" smtClean="0">
+              <a:gradFill>
+                <a:gsLst>
+                  <a:gs pos="0">
+                    <a:schemeClr val="tx1"/>
+                  </a:gs>
+                  <a:gs pos="50000">
+                    <a:schemeClr val="tx1"/>
+                  </a:gs>
+                  <a:gs pos="100000">
+                    <a:schemeClr val="tx1"/>
+                  </a:gs>
+                </a:gsLst>
+                <a:lin ang="5400000" scaled="0"/>
+              </a:gradFill>
+              <a:latin typeface="나눔바른펜" panose="020B0503000000000000" pitchFamily="50" charset="-127"/>
+              <a:ea typeface="나눔바른펜" panose="020B0503000000000000" pitchFamily="50" charset="-127"/>
+            </a:endParaRPr>
+          </a:p>
+          <a:p>
+            <a:r>
+              <a:rPr lang="ko-KR" altLang="en-US" sz="1400" dirty="0" smtClean="0">
+                <a:gradFill>
+                  <a:gsLst>
+                    <a:gs pos="0">
+                      <a:schemeClr val="tx1"/>
+                    </a:gs>
+                    <a:gs pos="50000">
+                      <a:schemeClr val="tx1"/>
+                    </a:gs>
+                    <a:gs pos="100000">
+                      <a:schemeClr val="tx1"/>
+                    </a:gs>
+                  </a:gsLst>
+                  <a:lin ang="5400000" scaled="0"/>
+                </a:gradFill>
+                <a:latin typeface="나눔바른펜" panose="020B0503000000000000" pitchFamily="50" charset="-127"/>
+                <a:ea typeface="나눔바른펜" panose="020B0503000000000000" pitchFamily="50" charset="-127"/>
+              </a:rPr>
+              <a:t>개인정보보호 책임자 </a:t>
+            </a:r>
+            <a:r>
+              <a:rPr lang="en-US" altLang="ko-KR" sz="1400" dirty="0" smtClean="0">
+                <a:gradFill>
+                  <a:gsLst>
+                    <a:gs pos="0">
+                      <a:schemeClr val="tx1"/>
+                    </a:gs>
+                    <a:gs pos="50000">
+                      <a:schemeClr val="tx1"/>
+                    </a:gs>
+                    <a:gs pos="100000">
+                      <a:schemeClr val="tx1"/>
+                    </a:gs>
+                  </a:gsLst>
+                  <a:lin ang="5400000" scaled="0"/>
+                </a:gradFill>
+                <a:latin typeface="나눔바른펜" panose="020B0503000000000000" pitchFamily="50" charset="-127"/>
+                <a:ea typeface="나눔바른펜" panose="020B0503000000000000" pitchFamily="50" charset="-127"/>
+              </a:rPr>
+              <a:t>: </a:t>
+            </a:r>
+            <a:r>
+              <a:rPr lang="ko-KR" altLang="en-US" sz="1400" dirty="0" err="1" smtClean="0">
+                <a:gradFill>
+                  <a:gsLst>
+                    <a:gs pos="0">
+                      <a:schemeClr val="tx1"/>
+                    </a:gs>
+                    <a:gs pos="50000">
+                      <a:schemeClr val="tx1"/>
+                    </a:gs>
+                    <a:gs pos="100000">
+                      <a:schemeClr val="tx1"/>
+                    </a:gs>
+                  </a:gsLst>
+                  <a:lin ang="5400000" scaled="0"/>
+                </a:gradFill>
+                <a:latin typeface="나눔바른펜" panose="020B0503000000000000" pitchFamily="50" charset="-127"/>
+                <a:ea typeface="나눔바른펜" panose="020B0503000000000000" pitchFamily="50" charset="-127"/>
+              </a:rPr>
+              <a:t>김누구</a:t>
+            </a:r>
+            <a:r>
+              <a:rPr lang="ko-KR" altLang="en-US" sz="1400" dirty="0" smtClean="0">
+                <a:gradFill>
+                  <a:gsLst>
+                    <a:gs pos="0">
+                      <a:schemeClr val="tx1"/>
+                    </a:gs>
+                    <a:gs pos="50000">
+                      <a:schemeClr val="tx1"/>
+                    </a:gs>
+                    <a:gs pos="100000">
+                      <a:schemeClr val="tx1"/>
+                    </a:gs>
+                  </a:gsLst>
+                  <a:lin ang="5400000" scaled="0"/>
+                </a:gradFill>
+                <a:latin typeface="나눔바른펜" panose="020B0503000000000000" pitchFamily="50" charset="-127"/>
+                <a:ea typeface="나눔바른펜" panose="020B0503000000000000" pitchFamily="50" charset="-127"/>
+              </a:rPr>
+              <a:t> </a:t>
+            </a:r>
+            <a:r>
+              <a:rPr lang="en-US" altLang="ko-KR" sz="1400" dirty="0" smtClean="0">
+                <a:gradFill>
+                  <a:gsLst>
+                    <a:gs pos="0">
+                      <a:schemeClr val="tx1"/>
+                    </a:gs>
+                    <a:gs pos="50000">
+                      <a:schemeClr val="tx1"/>
+                    </a:gs>
+                    <a:gs pos="100000">
+                      <a:schemeClr val="tx1"/>
+                    </a:gs>
+                  </a:gsLst>
+                  <a:lin ang="5400000" scaled="0"/>
+                </a:gradFill>
+                <a:latin typeface="나눔바른펜" panose="020B0503000000000000" pitchFamily="50" charset="-127"/>
+                <a:ea typeface="나눔바른펜" panose="020B0503000000000000" pitchFamily="50" charset="-127"/>
+              </a:rPr>
+              <a:t>| </a:t>
+            </a:r>
+            <a:r>
+              <a:rPr lang="ko-KR" altLang="en-US" sz="1400" dirty="0" err="1" smtClean="0">
+                <a:gradFill>
+                  <a:gsLst>
+                    <a:gs pos="0">
+                      <a:schemeClr val="tx1"/>
+                    </a:gs>
+                    <a:gs pos="50000">
+                      <a:schemeClr val="tx1"/>
+                    </a:gs>
+                    <a:gs pos="100000">
+                      <a:schemeClr val="tx1"/>
+                    </a:gs>
+                  </a:gsLst>
+                  <a:lin ang="5400000" scaled="0"/>
+                </a:gradFill>
+                <a:latin typeface="나눔바른펜" panose="020B0503000000000000" pitchFamily="50" charset="-127"/>
+                <a:ea typeface="나눔바른펜" panose="020B0503000000000000" pitchFamily="50" charset="-127"/>
+              </a:rPr>
+              <a:t>대표이메일</a:t>
+            </a:r>
+            <a:r>
+              <a:rPr lang="ko-KR" altLang="en-US" sz="1400" dirty="0" smtClean="0">
+                <a:gradFill>
+                  <a:gsLst>
+                    <a:gs pos="0">
+                      <a:schemeClr val="tx1"/>
+                    </a:gs>
+                    <a:gs pos="50000">
+                      <a:schemeClr val="tx1"/>
+                    </a:gs>
+                    <a:gs pos="100000">
+                      <a:schemeClr val="tx1"/>
+                    </a:gs>
+                  </a:gsLst>
+                  <a:lin ang="5400000" scaled="0"/>
+                </a:gradFill>
+                <a:latin typeface="나눔바른펜" panose="020B0503000000000000" pitchFamily="50" charset="-127"/>
+                <a:ea typeface="나눔바른펜" panose="020B0503000000000000" pitchFamily="50" charset="-127"/>
+              </a:rPr>
+              <a:t> </a:t>
+            </a:r>
+            <a:r>
+              <a:rPr lang="en-US" altLang="ko-KR" sz="1400" dirty="0" smtClean="0">
+                <a:gradFill>
+                  <a:gsLst>
+                    <a:gs pos="0">
+                      <a:schemeClr val="tx1"/>
+                    </a:gs>
+                    <a:gs pos="50000">
+                      <a:schemeClr val="tx1"/>
+                    </a:gs>
+                    <a:gs pos="100000">
+                      <a:schemeClr val="tx1"/>
+                    </a:gs>
+                  </a:gsLst>
+                  <a:lin ang="5400000" scaled="0"/>
+                </a:gradFill>
+                <a:latin typeface="나눔바른펜" panose="020B0503000000000000" pitchFamily="50" charset="-127"/>
+                <a:ea typeface="나눔바른펜" panose="020B0503000000000000" pitchFamily="50" charset="-127"/>
+              </a:rPr>
+              <a:t>: </a:t>
+            </a:r>
+            <a:r>
+              <a:rPr lang="ko-KR" altLang="en-US" sz="1400" dirty="0" smtClean="0">
+                <a:gradFill>
+                  <a:gsLst>
+                    <a:gs pos="0">
+                      <a:schemeClr val="tx1"/>
+                    </a:gs>
+                    <a:gs pos="50000">
+                      <a:schemeClr val="tx1"/>
+                    </a:gs>
+                    <a:gs pos="100000">
+                      <a:schemeClr val="tx1"/>
+                    </a:gs>
+                  </a:gsLst>
+                  <a:lin ang="5400000" scaled="0"/>
+                </a:gradFill>
+                <a:latin typeface="나눔바른펜" panose="020B0503000000000000" pitchFamily="50" charset="-127"/>
+                <a:ea typeface="나눔바른펜" panose="020B0503000000000000" pitchFamily="50" charset="-127"/>
+              </a:rPr>
+              <a:t>뭐요</a:t>
+            </a:r>
+            <a:endParaRPr lang="ko-KR" altLang="en-US" sz="1400" dirty="0">
+              <a:gradFill>
+                <a:gsLst>
+                  <a:gs pos="0">
+                    <a:schemeClr val="tx1"/>
+                  </a:gs>
+                  <a:gs pos="50000">
+                    <a:schemeClr val="tx1"/>
+                  </a:gs>
+                  <a:gs pos="100000">
+                    <a:schemeClr val="tx1"/>
+                  </a:gs>
+                </a:gsLst>
+                <a:lin ang="5400000" scaled="0"/>
+              </a:gradFill>
+              <a:latin typeface="나눔바른펜" panose="020B0503000000000000" pitchFamily="50" charset="-127"/>
+              <a:ea typeface="나눔바른펜" panose="020B0503000000000000" pitchFamily="50" charset="-127"/>
+            </a:endParaRPr>
           </a:p>
         </p:txBody>
       </p:sp>
     </p:spTree>
     <p:extLst>
       <p:ext uri="{BB962C8B-B14F-4D97-AF65-F5344CB8AC3E}">
-        <p14:creationId xmlns:p14="http://schemas.microsoft.com/office/powerpoint/2010/main" val="321400622"/>
+        <p14:creationId xmlns:p14="http://schemas.microsoft.com/office/powerpoint/2010/main" val="2563689044"/>
       </p:ext>
     </p:extLst>
   </p:cSld>
   <p:clrMapOvr>
     <a:masterClrMapping/>
   </p:clrMapOvr>
+  <p:timing>
+    <p:tnLst>
+      <p:par>
+        <p:cTn id="1" dur="indefinite" restart="never" nodeType="tmRoot"/>
+      </p:par>
+    </p:tnLst>
+  </p:timing>
 </p:sld>
 </file>
 
@@ -6635,13 +14859,20 @@
     </p:spTree>
     <p:extLst>
       <p:ext uri="{BB962C8B-B14F-4D97-AF65-F5344CB8AC3E}">
-        <p14:creationId xmlns:p14="http://schemas.microsoft.com/office/powerpoint/2010/main" val="3524909719"/>
+        <p14:creationId xmlns:p14="http://schemas.microsoft.com/office/powerpoint/2010/main" val="3720827189"/>
       </p:ext>
     </p:extLst>
   </p:cSld>
   <p:clrMapOvr>
     <a:masterClrMapping/>
   </p:clrMapOvr>
+  <p:timing>
+    <p:tnLst>
+      <p:par>
+        <p:cTn id="1" dur="indefinite" restart="never" nodeType="tmRoot"/>
+      </p:par>
+    </p:tnLst>
+  </p:timing>
 </p:sld>
 </file>
 
@@ -6703,13 +14934,20 @@
     </p:spTree>
     <p:extLst>
       <p:ext uri="{BB962C8B-B14F-4D97-AF65-F5344CB8AC3E}">
-        <p14:creationId xmlns:p14="http://schemas.microsoft.com/office/powerpoint/2010/main" val="831871984"/>
+        <p14:creationId xmlns:p14="http://schemas.microsoft.com/office/powerpoint/2010/main" val="85597916"/>
       </p:ext>
     </p:extLst>
   </p:cSld>
   <p:clrMapOvr>
     <a:masterClrMapping/>
   </p:clrMapOvr>
+  <p:timing>
+    <p:tnLst>
+      <p:par>
+        <p:cTn id="1" dur="indefinite" restart="never" nodeType="tmRoot"/>
+      </p:par>
+    </p:tnLst>
+  </p:timing>
 </p:sld>
 </file>
 
@@ -6771,13 +15009,20 @@
     </p:spTree>
     <p:extLst>
       <p:ext uri="{BB962C8B-B14F-4D97-AF65-F5344CB8AC3E}">
-        <p14:creationId xmlns:p14="http://schemas.microsoft.com/office/powerpoint/2010/main" val="4070694287"/>
+        <p14:creationId xmlns:p14="http://schemas.microsoft.com/office/powerpoint/2010/main" val="321400622"/>
       </p:ext>
     </p:extLst>
   </p:cSld>
   <p:clrMapOvr>
     <a:masterClrMapping/>
   </p:clrMapOvr>
+  <p:timing>
+    <p:tnLst>
+      <p:par>
+        <p:cTn id="1" dur="indefinite" restart="never" nodeType="tmRoot"/>
+      </p:par>
+    </p:tnLst>
+  </p:timing>
 </p:sld>
 </file>
 

--- a/plan/영화-사용자.pptx
+++ b/plan/영화-사용자.pptx
@@ -5,7 +5,7 @@
     <p:sldMasterId id="2147483648" r:id="rId1"/>
   </p:sldMasterIdLst>
   <p:notesMasterIdLst>
-    <p:notesMasterId r:id="rId19"/>
+    <p:notesMasterId r:id="rId22"/>
   </p:notesMasterIdLst>
   <p:sldIdLst>
     <p:sldId id="267" r:id="rId2"/>
@@ -25,26 +25,29 @@
     <p:sldId id="281" r:id="rId16"/>
     <p:sldId id="282" r:id="rId17"/>
     <p:sldId id="283" r:id="rId18"/>
+    <p:sldId id="286" r:id="rId19"/>
+    <p:sldId id="284" r:id="rId20"/>
+    <p:sldId id="285" r:id="rId21"/>
   </p:sldIdLst>
   <p:sldSz cx="9144000" cy="6858000" type="screen4x3"/>
   <p:notesSz cx="6858000" cy="9144000"/>
   <p:embeddedFontLst>
     <p:embeddedFont>
       <p:font typeface="맑은 고딕" panose="020B0503020000020004" pitchFamily="50" charset="-127"/>
-      <p:regular r:id="rId20"/>
-      <p:bold r:id="rId21"/>
+      <p:regular r:id="rId23"/>
+      <p:bold r:id="rId24"/>
+    </p:embeddedFont>
+    <p:embeddedFont>
+      <p:font typeface="Segoe UI" panose="020B0502040204020203" pitchFamily="34" charset="0"/>
+      <p:regular r:id="rId25"/>
+      <p:bold r:id="rId26"/>
+      <p:italic r:id="rId27"/>
+      <p:boldItalic r:id="rId28"/>
     </p:embeddedFont>
     <p:embeddedFont>
       <p:font typeface="나눔바른펜" panose="020B0503000000000000" pitchFamily="50" charset="-127"/>
-      <p:regular r:id="rId22"/>
-      <p:bold r:id="rId23"/>
-    </p:embeddedFont>
-    <p:embeddedFont>
-      <p:font typeface="Segoe UI" panose="020B0502040204020203" pitchFamily="34" charset="0"/>
-      <p:regular r:id="rId24"/>
-      <p:bold r:id="rId25"/>
-      <p:italic r:id="rId26"/>
-      <p:boldItalic r:id="rId27"/>
+      <p:regular r:id="rId29"/>
+      <p:bold r:id="rId30"/>
     </p:embeddedFont>
   </p:embeddedFontLst>
   <p:defaultTextStyle>
@@ -5156,7 +5159,7 @@
           <a:p>
             <a:fld id="{60562B05-B6AA-449C-AF09-8F0DE1CB85A3}" type="datetimeFigureOut">
               <a:rPr lang="ko-KR" altLang="en-US" smtClean="0"/>
-              <a:t>2019-01-08</a:t>
+              <a:t>2019-01-17</a:t>
             </a:fld>
             <a:endParaRPr lang="ko-KR" altLang="en-US"/>
           </a:p>
@@ -5605,7 +5608,7 @@
           <a:p>
             <a:fld id="{47470330-DF45-4F6A-83A7-D6D3DB6D72A2}" type="datetimeFigureOut">
               <a:rPr lang="ko-KR" altLang="en-US" smtClean="0"/>
-              <a:t>2019-01-08</a:t>
+              <a:t>2019-01-17</a:t>
             </a:fld>
             <a:endParaRPr lang="ko-KR" altLang="en-US"/>
           </a:p>
@@ -5775,7 +5778,7 @@
           <a:p>
             <a:fld id="{47470330-DF45-4F6A-83A7-D6D3DB6D72A2}" type="datetimeFigureOut">
               <a:rPr lang="ko-KR" altLang="en-US" smtClean="0"/>
-              <a:t>2019-01-08</a:t>
+              <a:t>2019-01-17</a:t>
             </a:fld>
             <a:endParaRPr lang="ko-KR" altLang="en-US"/>
           </a:p>
@@ -5955,7 +5958,7 @@
           <a:p>
             <a:fld id="{47470330-DF45-4F6A-83A7-D6D3DB6D72A2}" type="datetimeFigureOut">
               <a:rPr lang="ko-KR" altLang="en-US" smtClean="0"/>
-              <a:t>2019-01-08</a:t>
+              <a:t>2019-01-17</a:t>
             </a:fld>
             <a:endParaRPr lang="ko-KR" altLang="en-US"/>
           </a:p>
@@ -6125,7 +6128,7 @@
           <a:p>
             <a:fld id="{47470330-DF45-4F6A-83A7-D6D3DB6D72A2}" type="datetimeFigureOut">
               <a:rPr lang="ko-KR" altLang="en-US" smtClean="0"/>
-              <a:t>2019-01-08</a:t>
+              <a:t>2019-01-17</a:t>
             </a:fld>
             <a:endParaRPr lang="ko-KR" altLang="en-US"/>
           </a:p>
@@ -6371,7 +6374,7 @@
           <a:p>
             <a:fld id="{47470330-DF45-4F6A-83A7-D6D3DB6D72A2}" type="datetimeFigureOut">
               <a:rPr lang="ko-KR" altLang="en-US" smtClean="0"/>
-              <a:t>2019-01-08</a:t>
+              <a:t>2019-01-17</a:t>
             </a:fld>
             <a:endParaRPr lang="ko-KR" altLang="en-US"/>
           </a:p>
@@ -6659,7 +6662,7 @@
           <a:p>
             <a:fld id="{47470330-DF45-4F6A-83A7-D6D3DB6D72A2}" type="datetimeFigureOut">
               <a:rPr lang="ko-KR" altLang="en-US" smtClean="0"/>
-              <a:t>2019-01-08</a:t>
+              <a:t>2019-01-17</a:t>
             </a:fld>
             <a:endParaRPr lang="ko-KR" altLang="en-US"/>
           </a:p>
@@ -7081,7 +7084,7 @@
           <a:p>
             <a:fld id="{47470330-DF45-4F6A-83A7-D6D3DB6D72A2}" type="datetimeFigureOut">
               <a:rPr lang="ko-KR" altLang="en-US" smtClean="0"/>
-              <a:t>2019-01-08</a:t>
+              <a:t>2019-01-17</a:t>
             </a:fld>
             <a:endParaRPr lang="ko-KR" altLang="en-US"/>
           </a:p>
@@ -7199,7 +7202,7 @@
           <a:p>
             <a:fld id="{47470330-DF45-4F6A-83A7-D6D3DB6D72A2}" type="datetimeFigureOut">
               <a:rPr lang="ko-KR" altLang="en-US" smtClean="0"/>
-              <a:t>2019-01-08</a:t>
+              <a:t>2019-01-17</a:t>
             </a:fld>
             <a:endParaRPr lang="ko-KR" altLang="en-US"/>
           </a:p>
@@ -7294,7 +7297,7 @@
           <a:p>
             <a:fld id="{47470330-DF45-4F6A-83A7-D6D3DB6D72A2}" type="datetimeFigureOut">
               <a:rPr lang="ko-KR" altLang="en-US" smtClean="0"/>
-              <a:t>2019-01-08</a:t>
+              <a:t>2019-01-17</a:t>
             </a:fld>
             <a:endParaRPr lang="ko-KR" altLang="en-US"/>
           </a:p>
@@ -7571,7 +7574,7 @@
           <a:p>
             <a:fld id="{47470330-DF45-4F6A-83A7-D6D3DB6D72A2}" type="datetimeFigureOut">
               <a:rPr lang="ko-KR" altLang="en-US" smtClean="0"/>
-              <a:t>2019-01-08</a:t>
+              <a:t>2019-01-17</a:t>
             </a:fld>
             <a:endParaRPr lang="ko-KR" altLang="en-US"/>
           </a:p>
@@ -7824,7 +7827,7 @@
           <a:p>
             <a:fld id="{47470330-DF45-4F6A-83A7-D6D3DB6D72A2}" type="datetimeFigureOut">
               <a:rPr lang="ko-KR" altLang="en-US" smtClean="0"/>
-              <a:t>2019-01-08</a:t>
+              <a:t>2019-01-17</a:t>
             </a:fld>
             <a:endParaRPr lang="ko-KR" altLang="en-US"/>
           </a:p>
@@ -8037,7 +8040,7 @@
           <a:p>
             <a:fld id="{47470330-DF45-4F6A-83A7-D6D3DB6D72A2}" type="datetimeFigureOut">
               <a:rPr lang="ko-KR" altLang="en-US" smtClean="0"/>
-              <a:t>2019-01-08</a:t>
+              <a:t>2019-01-17</a:t>
             </a:fld>
             <a:endParaRPr lang="ko-KR" altLang="en-US"/>
           </a:p>
@@ -15448,28 +15451,7 @@
                 <a:latin typeface="나눔바른펜" panose="020B0503000000000000" pitchFamily="50" charset="-127"/>
                 <a:ea typeface="나눔바른펜" panose="020B0503000000000000" pitchFamily="50" charset="-127"/>
               </a:rPr>
-              <a:t>&gt; </a:t>
-            </a:r>
-            <a:r>
-              <a:rPr lang="en-US" altLang="ko-KR" sz="1200" dirty="0" smtClean="0">
-                <a:gradFill>
-                  <a:gsLst>
-                    <a:gs pos="0">
-                      <a:prstClr val="black"/>
-                    </a:gs>
-                    <a:gs pos="50000">
-                      <a:prstClr val="black"/>
-                    </a:gs>
-                    <a:gs pos="100000">
-                      <a:prstClr val="black"/>
-                    </a:gs>
-                  </a:gsLst>
-                  <a:lin ang="5400000" scaled="0"/>
-                </a:gradFill>
-                <a:latin typeface="나눔바른펜" panose="020B0503000000000000" pitchFamily="50" charset="-127"/>
-                <a:ea typeface="나눔바른펜" panose="020B0503000000000000" pitchFamily="50" charset="-127"/>
-              </a:rPr>
-              <a:t>2. </a:t>
+              <a:t>&gt; 2. </a:t>
             </a:r>
             <a:r>
               <a:rPr lang="ko-KR" altLang="en-US" sz="1200" dirty="0" smtClean="0">
@@ -17756,24 +17738,6 @@
               </a:rPr>
               <a:t>개봉 예정작</a:t>
             </a:r>
-            <a:endParaRPr lang="ko-KR" altLang="en-US" sz="1200" dirty="0">
-              <a:gradFill>
-                <a:gsLst>
-                  <a:gs pos="0">
-                    <a:prstClr val="black"/>
-                  </a:gs>
-                  <a:gs pos="50000">
-                    <a:prstClr val="black"/>
-                  </a:gs>
-                  <a:gs pos="100000">
-                    <a:prstClr val="black"/>
-                  </a:gs>
-                </a:gsLst>
-                <a:lin ang="5400000" scaled="0"/>
-              </a:gradFill>
-              <a:latin typeface="나눔바른펜" panose="020B0503000000000000" pitchFamily="50" charset="-127"/>
-              <a:ea typeface="나눔바른펜" panose="020B0503000000000000" pitchFamily="50" charset="-127"/>
-            </a:endParaRPr>
           </a:p>
         </p:txBody>
       </p:sp>
@@ -19330,24 +19294,6 @@
               </a:rPr>
               <a:t>개봉 예정작</a:t>
             </a:r>
-            <a:endParaRPr lang="ko-KR" altLang="en-US" sz="1200" dirty="0">
-              <a:gradFill>
-                <a:gsLst>
-                  <a:gs pos="0">
-                    <a:prstClr val="black"/>
-                  </a:gs>
-                  <a:gs pos="50000">
-                    <a:prstClr val="black"/>
-                  </a:gs>
-                  <a:gs pos="100000">
-                    <a:prstClr val="black"/>
-                  </a:gs>
-                </a:gsLst>
-                <a:lin ang="5400000" scaled="0"/>
-              </a:gradFill>
-              <a:latin typeface="나눔바른펜" panose="020B0503000000000000" pitchFamily="50" charset="-127"/>
-              <a:ea typeface="나눔바른펜" panose="020B0503000000000000" pitchFamily="50" charset="-127"/>
-            </a:endParaRPr>
           </a:p>
         </p:txBody>
       </p:sp>
@@ -20967,24 +20913,6 @@
               </a:rPr>
               <a:t>개봉 예정작</a:t>
             </a:r>
-            <a:endParaRPr lang="ko-KR" altLang="en-US" sz="1200" dirty="0">
-              <a:gradFill>
-                <a:gsLst>
-                  <a:gs pos="0">
-                    <a:prstClr val="black"/>
-                  </a:gs>
-                  <a:gs pos="50000">
-                    <a:prstClr val="black"/>
-                  </a:gs>
-                  <a:gs pos="100000">
-                    <a:prstClr val="black"/>
-                  </a:gs>
-                </a:gsLst>
-                <a:lin ang="5400000" scaled="0"/>
-              </a:gradFill>
-              <a:latin typeface="나눔바른펜" panose="020B0503000000000000" pitchFamily="50" charset="-127"/>
-              <a:ea typeface="나눔바른펜" panose="020B0503000000000000" pitchFamily="50" charset="-127"/>
-            </a:endParaRPr>
           </a:p>
         </p:txBody>
       </p:sp>
@@ -21291,6 +21219,3005 @@
     <p:extLst>
       <p:ext uri="{BB962C8B-B14F-4D97-AF65-F5344CB8AC3E}">
         <p14:creationId xmlns:p14="http://schemas.microsoft.com/office/powerpoint/2010/main" val="2465293372"/>
+      </p:ext>
+    </p:extLst>
+  </p:cSld>
+  <p:clrMapOvr>
+    <a:masterClrMapping/>
+  </p:clrMapOvr>
+  <p:timing>
+    <p:tnLst>
+      <p:par>
+        <p:cTn id="1" dur="indefinite" restart="never" nodeType="tmRoot"/>
+      </p:par>
+    </p:tnLst>
+  </p:timing>
+</p:sld>
+</file>
+
+<file path=ppt/slides/slide18.xml><?xml version="1.0" encoding="utf-8"?>
+<p:sld xmlns:a="http://schemas.openxmlformats.org/drawingml/2006/main" xmlns:r="http://schemas.openxmlformats.org/officeDocument/2006/relationships" xmlns:p="http://schemas.openxmlformats.org/presentationml/2006/main">
+  <p:cSld>
+    <p:spTree>
+      <p:nvGrpSpPr>
+        <p:cNvPr id="1" name=""/>
+        <p:cNvGrpSpPr/>
+        <p:nvPr/>
+      </p:nvGrpSpPr>
+      <p:grpSpPr>
+        <a:xfrm>
+          <a:off x="0" y="0"/>
+          <a:ext cx="0" cy="0"/>
+          <a:chOff x="0" y="0"/>
+          <a:chExt cx="0" cy="0"/>
+        </a:xfrm>
+      </p:grpSpPr>
+      <p:sp>
+        <p:nvSpPr>
+          <p:cNvPr id="4" name="직사각형 3"/>
+          <p:cNvSpPr/>
+          <p:nvPr/>
+        </p:nvSpPr>
+        <p:spPr>
+          <a:xfrm>
+            <a:off x="2051720" y="1700808"/>
+            <a:ext cx="5112568" cy="1728192"/>
+          </a:xfrm>
+          <a:prstGeom prst="rect">
+            <a:avLst/>
+          </a:prstGeom>
+          <a:solidFill>
+            <a:schemeClr val="accent3">
+              <a:lumMod val="40000"/>
+              <a:lumOff val="60000"/>
+              <a:alpha val="35000"/>
+            </a:schemeClr>
+          </a:solidFill>
+          <a:ln>
+            <a:noFill/>
+          </a:ln>
+        </p:spPr>
+        <p:style>
+          <a:lnRef idx="2">
+            <a:schemeClr val="accent1">
+              <a:shade val="50000"/>
+            </a:schemeClr>
+          </a:lnRef>
+          <a:fillRef idx="1">
+            <a:schemeClr val="accent1"/>
+          </a:fillRef>
+          <a:effectRef idx="0">
+            <a:schemeClr val="accent1"/>
+          </a:effectRef>
+          <a:fontRef idx="minor">
+            <a:schemeClr val="lt1"/>
+          </a:fontRef>
+        </p:style>
+        <p:txBody>
+          <a:bodyPr rtlCol="0" anchor="ctr"/>
+          <a:lstStyle/>
+          <a:p>
+            <a:pPr algn="ctr"/>
+            <a:endParaRPr lang="ko-KR" altLang="en-US" dirty="0">
+              <a:solidFill>
+                <a:prstClr val="white"/>
+              </a:solidFill>
+            </a:endParaRPr>
+          </a:p>
+        </p:txBody>
+      </p:sp>
+      <p:sp>
+        <p:nvSpPr>
+          <p:cNvPr id="9" name="직사각형 8"/>
+          <p:cNvSpPr/>
+          <p:nvPr/>
+        </p:nvSpPr>
+        <p:spPr>
+          <a:xfrm>
+            <a:off x="107504" y="116632"/>
+            <a:ext cx="8856984" cy="6552728"/>
+          </a:xfrm>
+          <a:prstGeom prst="rect">
+            <a:avLst/>
+          </a:prstGeom>
+          <a:noFill/>
+          <a:ln>
+            <a:solidFill>
+              <a:schemeClr val="accent3">
+                <a:lumMod val="40000"/>
+                <a:lumOff val="60000"/>
+              </a:schemeClr>
+            </a:solidFill>
+          </a:ln>
+        </p:spPr>
+        <p:style>
+          <a:lnRef idx="2">
+            <a:schemeClr val="accent1">
+              <a:shade val="50000"/>
+            </a:schemeClr>
+          </a:lnRef>
+          <a:fillRef idx="1">
+            <a:schemeClr val="accent1"/>
+          </a:fillRef>
+          <a:effectRef idx="0">
+            <a:schemeClr val="accent1"/>
+          </a:effectRef>
+          <a:fontRef idx="minor">
+            <a:schemeClr val="lt1"/>
+          </a:fontRef>
+        </p:style>
+        <p:txBody>
+          <a:bodyPr rtlCol="0" anchor="ctr"/>
+          <a:lstStyle/>
+          <a:p>
+            <a:pPr algn="ctr"/>
+            <a:endParaRPr lang="ko-KR" altLang="en-US" dirty="0">
+              <a:solidFill>
+                <a:prstClr val="white"/>
+              </a:solidFill>
+            </a:endParaRPr>
+          </a:p>
+        </p:txBody>
+      </p:sp>
+      <p:sp>
+        <p:nvSpPr>
+          <p:cNvPr id="13" name="제목 1"/>
+          <p:cNvSpPr txBox="1">
+            <a:spLocks/>
+          </p:cNvSpPr>
+          <p:nvPr/>
+        </p:nvSpPr>
+        <p:spPr>
+          <a:xfrm>
+            <a:off x="2267744" y="1844824"/>
+            <a:ext cx="4680520" cy="1368152"/>
+          </a:xfrm>
+          <a:prstGeom prst="rect">
+            <a:avLst/>
+          </a:prstGeom>
+        </p:spPr>
+        <p:txBody>
+          <a:bodyPr vert="horz" lIns="91440" tIns="45720" rIns="91440" bIns="45720" rtlCol="0" anchor="ctr">
+            <a:normAutofit/>
+          </a:bodyPr>
+          <a:lstStyle>
+            <a:lvl1pPr algn="ctr" defTabSz="914400" rtl="0" eaLnBrk="1" latinLnBrk="1" hangingPunct="1">
+              <a:spcBef>
+                <a:spcPct val="0"/>
+              </a:spcBef>
+              <a:buNone/>
+              <a:defRPr sz="4400" kern="1200">
+                <a:solidFill>
+                  <a:schemeClr val="tx1"/>
+                </a:solidFill>
+                <a:latin typeface="+mj-lt"/>
+                <a:ea typeface="+mj-ea"/>
+                <a:cs typeface="+mj-cs"/>
+              </a:defRPr>
+            </a:lvl1pPr>
+          </a:lstStyle>
+          <a:p>
+            <a:r>
+              <a:rPr lang="ko-KR" altLang="en-US" sz="2800" b="1" dirty="0" smtClean="0">
+                <a:solidFill>
+                  <a:prstClr val="black"/>
+                </a:solidFill>
+                <a:latin typeface="나눔바른펜" panose="020B0503000000000000" pitchFamily="50" charset="-127"/>
+                <a:ea typeface="나눔바른펜" panose="020B0503000000000000" pitchFamily="50" charset="-127"/>
+              </a:rPr>
+              <a:t>프로젝트 </a:t>
+            </a:r>
+            <a:endParaRPr lang="en-US" altLang="ko-KR" sz="2800" b="1" dirty="0" smtClean="0">
+              <a:solidFill>
+                <a:prstClr val="black"/>
+              </a:solidFill>
+              <a:latin typeface="나눔바른펜" panose="020B0503000000000000" pitchFamily="50" charset="-127"/>
+              <a:ea typeface="나눔바른펜" panose="020B0503000000000000" pitchFamily="50" charset="-127"/>
+            </a:endParaRPr>
+          </a:p>
+          <a:p>
+            <a:r>
+              <a:rPr lang="ko-KR" altLang="en-US" b="1" dirty="0" smtClean="0">
+                <a:solidFill>
+                  <a:prstClr val="black"/>
+                </a:solidFill>
+                <a:latin typeface="나눔바른펜" panose="020B0503000000000000" pitchFamily="50" charset="-127"/>
+                <a:ea typeface="나눔바른펜" panose="020B0503000000000000" pitchFamily="50" charset="-127"/>
+              </a:rPr>
+              <a:t>예매하기</a:t>
+            </a:r>
+            <a:endParaRPr lang="ko-KR" altLang="en-US" b="1" dirty="0">
+              <a:solidFill>
+                <a:prstClr val="black"/>
+              </a:solidFill>
+              <a:latin typeface="나눔바른펜" panose="020B0503000000000000" pitchFamily="50" charset="-127"/>
+              <a:ea typeface="나눔바른펜" panose="020B0503000000000000" pitchFamily="50" charset="-127"/>
+            </a:endParaRPr>
+          </a:p>
+        </p:txBody>
+      </p:sp>
+      <p:sp>
+        <p:nvSpPr>
+          <p:cNvPr id="2" name="TextBox 1"/>
+          <p:cNvSpPr txBox="1"/>
+          <p:nvPr/>
+        </p:nvSpPr>
+        <p:spPr>
+          <a:xfrm>
+            <a:off x="3440056" y="3809662"/>
+            <a:ext cx="2335896" cy="646331"/>
+          </a:xfrm>
+          <a:prstGeom prst="rect">
+            <a:avLst/>
+          </a:prstGeom>
+          <a:noFill/>
+        </p:spPr>
+        <p:txBody>
+          <a:bodyPr wrap="none" rtlCol="0">
+            <a:spAutoFit/>
+          </a:bodyPr>
+          <a:lstStyle/>
+          <a:p>
+            <a:pPr marL="342900" indent="-342900">
+              <a:buFontTx/>
+              <a:buAutoNum type="arabicPeriod"/>
+            </a:pPr>
+            <a:r>
+              <a:rPr lang="ko-KR" altLang="en-US" dirty="0" smtClean="0">
+                <a:gradFill>
+                  <a:gsLst>
+                    <a:gs pos="0">
+                      <a:prstClr val="black"/>
+                    </a:gs>
+                    <a:gs pos="50000">
+                      <a:prstClr val="black"/>
+                    </a:gs>
+                    <a:gs pos="100000">
+                      <a:prstClr val="black"/>
+                    </a:gs>
+                  </a:gsLst>
+                  <a:lin ang="5400000" scaled="0"/>
+                </a:gradFill>
+                <a:latin typeface="나눔바른펜" panose="020B0503000000000000" pitchFamily="50" charset="-127"/>
+                <a:ea typeface="나눔바른펜" panose="020B0503000000000000" pitchFamily="50" charset="-127"/>
+              </a:rPr>
+              <a:t>현재 </a:t>
+            </a:r>
+            <a:r>
+              <a:rPr lang="ko-KR" altLang="en-US" dirty="0" err="1" smtClean="0">
+                <a:gradFill>
+                  <a:gsLst>
+                    <a:gs pos="0">
+                      <a:prstClr val="black"/>
+                    </a:gs>
+                    <a:gs pos="50000">
+                      <a:prstClr val="black"/>
+                    </a:gs>
+                    <a:gs pos="100000">
+                      <a:prstClr val="black"/>
+                    </a:gs>
+                  </a:gsLst>
+                  <a:lin ang="5400000" scaled="0"/>
+                </a:gradFill>
+                <a:latin typeface="나눔바른펜" panose="020B0503000000000000" pitchFamily="50" charset="-127"/>
+                <a:ea typeface="나눔바른펜" panose="020B0503000000000000" pitchFamily="50" charset="-127"/>
+              </a:rPr>
+              <a:t>상영작에서</a:t>
+            </a:r>
+            <a:r>
+              <a:rPr lang="ko-KR" altLang="en-US" dirty="0" smtClean="0">
+                <a:gradFill>
+                  <a:gsLst>
+                    <a:gs pos="0">
+                      <a:prstClr val="black"/>
+                    </a:gs>
+                    <a:gs pos="50000">
+                      <a:prstClr val="black"/>
+                    </a:gs>
+                    <a:gs pos="100000">
+                      <a:prstClr val="black"/>
+                    </a:gs>
+                  </a:gsLst>
+                  <a:lin ang="5400000" scaled="0"/>
+                </a:gradFill>
+                <a:latin typeface="나눔바른펜" panose="020B0503000000000000" pitchFamily="50" charset="-127"/>
+                <a:ea typeface="나눔바른펜" panose="020B0503000000000000" pitchFamily="50" charset="-127"/>
+              </a:rPr>
+              <a:t> 예매</a:t>
+            </a:r>
+            <a:endParaRPr lang="en-US" altLang="ko-KR" dirty="0" smtClean="0">
+              <a:gradFill>
+                <a:gsLst>
+                  <a:gs pos="0">
+                    <a:prstClr val="black"/>
+                  </a:gs>
+                  <a:gs pos="50000">
+                    <a:prstClr val="black"/>
+                  </a:gs>
+                  <a:gs pos="100000">
+                    <a:prstClr val="black"/>
+                  </a:gs>
+                </a:gsLst>
+                <a:lin ang="5400000" scaled="0"/>
+              </a:gradFill>
+              <a:latin typeface="나눔바른펜" panose="020B0503000000000000" pitchFamily="50" charset="-127"/>
+              <a:ea typeface="나눔바른펜" panose="020B0503000000000000" pitchFamily="50" charset="-127"/>
+            </a:endParaRPr>
+          </a:p>
+          <a:p>
+            <a:pPr marL="342900" indent="-342900">
+              <a:buFontTx/>
+              <a:buAutoNum type="arabicPeriod"/>
+            </a:pPr>
+            <a:r>
+              <a:rPr lang="ko-KR" altLang="en-US" dirty="0" smtClean="0">
+                <a:gradFill>
+                  <a:gsLst>
+                    <a:gs pos="0">
+                      <a:prstClr val="black"/>
+                    </a:gs>
+                    <a:gs pos="50000">
+                      <a:prstClr val="black"/>
+                    </a:gs>
+                    <a:gs pos="100000">
+                      <a:prstClr val="black"/>
+                    </a:gs>
+                  </a:gsLst>
+                  <a:lin ang="5400000" scaled="0"/>
+                </a:gradFill>
+                <a:latin typeface="나눔바른펜" panose="020B0503000000000000" pitchFamily="50" charset="-127"/>
+                <a:ea typeface="나눔바른펜" panose="020B0503000000000000" pitchFamily="50" charset="-127"/>
+              </a:rPr>
+              <a:t>티켓에서 예매</a:t>
+            </a:r>
+            <a:endParaRPr lang="ko-KR" altLang="en-US" dirty="0">
+              <a:gradFill>
+                <a:gsLst>
+                  <a:gs pos="0">
+                    <a:prstClr val="black"/>
+                  </a:gs>
+                  <a:gs pos="50000">
+                    <a:prstClr val="black"/>
+                  </a:gs>
+                  <a:gs pos="100000">
+                    <a:prstClr val="black"/>
+                  </a:gs>
+                </a:gsLst>
+                <a:lin ang="5400000" scaled="0"/>
+              </a:gradFill>
+              <a:latin typeface="나눔바른펜" panose="020B0503000000000000" pitchFamily="50" charset="-127"/>
+              <a:ea typeface="나눔바른펜" panose="020B0503000000000000" pitchFamily="50" charset="-127"/>
+            </a:endParaRPr>
+          </a:p>
+        </p:txBody>
+      </p:sp>
+      <p:sp>
+        <p:nvSpPr>
+          <p:cNvPr id="3" name="직사각형 2"/>
+          <p:cNvSpPr/>
+          <p:nvPr/>
+        </p:nvSpPr>
+        <p:spPr>
+          <a:xfrm>
+            <a:off x="2411760" y="1871719"/>
+            <a:ext cx="4536504" cy="1368152"/>
+          </a:xfrm>
+          <a:prstGeom prst="rect">
+            <a:avLst/>
+          </a:prstGeom>
+          <a:noFill/>
+          <a:ln>
+            <a:solidFill>
+              <a:schemeClr val="bg1"/>
+            </a:solidFill>
+          </a:ln>
+        </p:spPr>
+        <p:style>
+          <a:lnRef idx="2">
+            <a:schemeClr val="accent1">
+              <a:shade val="50000"/>
+            </a:schemeClr>
+          </a:lnRef>
+          <a:fillRef idx="1">
+            <a:schemeClr val="accent1"/>
+          </a:fillRef>
+          <a:effectRef idx="0">
+            <a:schemeClr val="accent1"/>
+          </a:effectRef>
+          <a:fontRef idx="minor">
+            <a:schemeClr val="lt1"/>
+          </a:fontRef>
+        </p:style>
+        <p:txBody>
+          <a:bodyPr rtlCol="0" anchor="ctr"/>
+          <a:lstStyle/>
+          <a:p>
+            <a:pPr algn="ctr"/>
+            <a:endParaRPr lang="ko-KR" altLang="en-US" dirty="0">
+              <a:solidFill>
+                <a:prstClr val="white"/>
+              </a:solidFill>
+            </a:endParaRPr>
+          </a:p>
+        </p:txBody>
+      </p:sp>
+    </p:spTree>
+    <p:extLst>
+      <p:ext uri="{BB962C8B-B14F-4D97-AF65-F5344CB8AC3E}">
+        <p14:creationId xmlns:p14="http://schemas.microsoft.com/office/powerpoint/2010/main" val="1832303743"/>
+      </p:ext>
+    </p:extLst>
+  </p:cSld>
+  <p:clrMapOvr>
+    <a:masterClrMapping/>
+  </p:clrMapOvr>
+  <p:timing>
+    <p:tnLst>
+      <p:par>
+        <p:cTn id="1" dur="indefinite" restart="never" nodeType="tmRoot"/>
+      </p:par>
+    </p:tnLst>
+  </p:timing>
+</p:sld>
+</file>
+
+<file path=ppt/slides/slide19.xml><?xml version="1.0" encoding="utf-8"?>
+<p:sld xmlns:a="http://schemas.openxmlformats.org/drawingml/2006/main" xmlns:r="http://schemas.openxmlformats.org/officeDocument/2006/relationships" xmlns:p="http://schemas.openxmlformats.org/presentationml/2006/main">
+  <p:cSld>
+    <p:spTree>
+      <p:nvGrpSpPr>
+        <p:cNvPr id="1" name=""/>
+        <p:cNvGrpSpPr/>
+        <p:nvPr/>
+      </p:nvGrpSpPr>
+      <p:grpSpPr>
+        <a:xfrm>
+          <a:off x="0" y="0"/>
+          <a:ext cx="0" cy="0"/>
+          <a:chOff x="0" y="0"/>
+          <a:chExt cx="0" cy="0"/>
+        </a:xfrm>
+      </p:grpSpPr>
+      <p:sp>
+        <p:nvSpPr>
+          <p:cNvPr id="4" name="직사각형 3"/>
+          <p:cNvSpPr/>
+          <p:nvPr/>
+        </p:nvSpPr>
+        <p:spPr>
+          <a:xfrm>
+            <a:off x="107504" y="332656"/>
+            <a:ext cx="8856984" cy="6336704"/>
+          </a:xfrm>
+          <a:prstGeom prst="rect">
+            <a:avLst/>
+          </a:prstGeom>
+          <a:noFill/>
+          <a:ln>
+            <a:solidFill>
+              <a:schemeClr val="accent3">
+                <a:lumMod val="40000"/>
+                <a:lumOff val="60000"/>
+              </a:schemeClr>
+            </a:solidFill>
+          </a:ln>
+        </p:spPr>
+        <p:style>
+          <a:lnRef idx="2">
+            <a:schemeClr val="accent1">
+              <a:shade val="50000"/>
+            </a:schemeClr>
+          </a:lnRef>
+          <a:fillRef idx="1">
+            <a:schemeClr val="accent1"/>
+          </a:fillRef>
+          <a:effectRef idx="0">
+            <a:schemeClr val="accent1"/>
+          </a:effectRef>
+          <a:fontRef idx="minor">
+            <a:schemeClr val="lt1"/>
+          </a:fontRef>
+        </p:style>
+        <p:txBody>
+          <a:bodyPr rtlCol="0" anchor="ctr"/>
+          <a:lstStyle/>
+          <a:p>
+            <a:pPr algn="ctr"/>
+            <a:endParaRPr lang="ko-KR" altLang="en-US" dirty="0">
+              <a:solidFill>
+                <a:prstClr val="white"/>
+              </a:solidFill>
+            </a:endParaRPr>
+          </a:p>
+        </p:txBody>
+      </p:sp>
+      <p:sp>
+        <p:nvSpPr>
+          <p:cNvPr id="6" name="TextBox 5"/>
+          <p:cNvSpPr txBox="1"/>
+          <p:nvPr/>
+        </p:nvSpPr>
+        <p:spPr>
+          <a:xfrm>
+            <a:off x="4067944" y="427311"/>
+            <a:ext cx="1080120" cy="769441"/>
+          </a:xfrm>
+          <a:prstGeom prst="rect">
+            <a:avLst/>
+          </a:prstGeom>
+          <a:noFill/>
+        </p:spPr>
+        <p:txBody>
+          <a:bodyPr wrap="square" rtlCol="0">
+            <a:spAutoFit/>
+          </a:bodyPr>
+          <a:lstStyle/>
+          <a:p>
+            <a:r>
+              <a:rPr lang="ko-KR" altLang="en-US" sz="4400" b="1" dirty="0" smtClean="0">
+                <a:solidFill>
+                  <a:prstClr val="black"/>
+                </a:solidFill>
+                <a:latin typeface="나눔바른펜" panose="020B0503000000000000" pitchFamily="50" charset="-127"/>
+                <a:ea typeface="나눔바른펜" panose="020B0503000000000000" pitchFamily="50" charset="-127"/>
+              </a:rPr>
+              <a:t>로고</a:t>
+            </a:r>
+            <a:endParaRPr lang="ko-KR" altLang="en-US" sz="4400" b="1" dirty="0">
+              <a:solidFill>
+                <a:prstClr val="black"/>
+              </a:solidFill>
+              <a:latin typeface="나눔바른펜" panose="020B0503000000000000" pitchFamily="50" charset="-127"/>
+              <a:ea typeface="나눔바른펜" panose="020B0503000000000000" pitchFamily="50" charset="-127"/>
+            </a:endParaRPr>
+          </a:p>
+        </p:txBody>
+      </p:sp>
+      <p:cxnSp>
+        <p:nvCxnSpPr>
+          <p:cNvPr id="11" name="직선 연결선 10"/>
+          <p:cNvCxnSpPr/>
+          <p:nvPr/>
+        </p:nvCxnSpPr>
+        <p:spPr>
+          <a:xfrm>
+            <a:off x="395536" y="1268760"/>
+            <a:ext cx="8352928" cy="0"/>
+          </a:xfrm>
+          <a:prstGeom prst="line">
+            <a:avLst/>
+          </a:prstGeom>
+          <a:ln w="22225">
+            <a:solidFill>
+              <a:schemeClr val="accent3">
+                <a:lumMod val="60000"/>
+                <a:lumOff val="40000"/>
+              </a:schemeClr>
+            </a:solidFill>
+          </a:ln>
+        </p:spPr>
+        <p:style>
+          <a:lnRef idx="1">
+            <a:schemeClr val="accent1"/>
+          </a:lnRef>
+          <a:fillRef idx="0">
+            <a:schemeClr val="accent1"/>
+          </a:fillRef>
+          <a:effectRef idx="0">
+            <a:schemeClr val="accent1"/>
+          </a:effectRef>
+          <a:fontRef idx="minor">
+            <a:schemeClr val="tx1"/>
+          </a:fontRef>
+        </p:style>
+      </p:cxnSp>
+      <p:cxnSp>
+        <p:nvCxnSpPr>
+          <p:cNvPr id="12" name="직선 연결선 11"/>
+          <p:cNvCxnSpPr/>
+          <p:nvPr/>
+        </p:nvCxnSpPr>
+        <p:spPr>
+          <a:xfrm>
+            <a:off x="395536" y="1700808"/>
+            <a:ext cx="8352928" cy="0"/>
+          </a:xfrm>
+          <a:prstGeom prst="line">
+            <a:avLst/>
+          </a:prstGeom>
+          <a:ln w="22225">
+            <a:solidFill>
+              <a:schemeClr val="accent3">
+                <a:lumMod val="60000"/>
+                <a:lumOff val="40000"/>
+              </a:schemeClr>
+            </a:solidFill>
+          </a:ln>
+        </p:spPr>
+        <p:style>
+          <a:lnRef idx="1">
+            <a:schemeClr val="accent1"/>
+          </a:lnRef>
+          <a:fillRef idx="0">
+            <a:schemeClr val="accent1"/>
+          </a:fillRef>
+          <a:effectRef idx="0">
+            <a:schemeClr val="accent1"/>
+          </a:effectRef>
+          <a:fontRef idx="minor">
+            <a:schemeClr val="tx1"/>
+          </a:fontRef>
+        </p:style>
+      </p:cxnSp>
+      <p:cxnSp>
+        <p:nvCxnSpPr>
+          <p:cNvPr id="15" name="직선 연결선 14"/>
+          <p:cNvCxnSpPr/>
+          <p:nvPr/>
+        </p:nvCxnSpPr>
+        <p:spPr>
+          <a:xfrm>
+            <a:off x="2411760" y="1268760"/>
+            <a:ext cx="0" cy="432048"/>
+          </a:xfrm>
+          <a:prstGeom prst="line">
+            <a:avLst/>
+          </a:prstGeom>
+          <a:ln w="22225">
+            <a:solidFill>
+              <a:schemeClr val="accent3">
+                <a:lumMod val="60000"/>
+                <a:lumOff val="40000"/>
+              </a:schemeClr>
+            </a:solidFill>
+          </a:ln>
+        </p:spPr>
+        <p:style>
+          <a:lnRef idx="1">
+            <a:schemeClr val="accent1"/>
+          </a:lnRef>
+          <a:fillRef idx="0">
+            <a:schemeClr val="accent1"/>
+          </a:fillRef>
+          <a:effectRef idx="0">
+            <a:schemeClr val="accent1"/>
+          </a:effectRef>
+          <a:fontRef idx="minor">
+            <a:schemeClr val="tx1"/>
+          </a:fontRef>
+        </p:style>
+      </p:cxnSp>
+      <p:cxnSp>
+        <p:nvCxnSpPr>
+          <p:cNvPr id="16" name="직선 연결선 15"/>
+          <p:cNvCxnSpPr/>
+          <p:nvPr/>
+        </p:nvCxnSpPr>
+        <p:spPr>
+          <a:xfrm>
+            <a:off x="4572000" y="1268760"/>
+            <a:ext cx="0" cy="432048"/>
+          </a:xfrm>
+          <a:prstGeom prst="line">
+            <a:avLst/>
+          </a:prstGeom>
+          <a:ln w="22225">
+            <a:solidFill>
+              <a:schemeClr val="accent3">
+                <a:lumMod val="60000"/>
+                <a:lumOff val="40000"/>
+              </a:schemeClr>
+            </a:solidFill>
+          </a:ln>
+        </p:spPr>
+        <p:style>
+          <a:lnRef idx="1">
+            <a:schemeClr val="accent1"/>
+          </a:lnRef>
+          <a:fillRef idx="0">
+            <a:schemeClr val="accent1"/>
+          </a:fillRef>
+          <a:effectRef idx="0">
+            <a:schemeClr val="accent1"/>
+          </a:effectRef>
+          <a:fontRef idx="minor">
+            <a:schemeClr val="tx1"/>
+          </a:fontRef>
+        </p:style>
+      </p:cxnSp>
+      <p:cxnSp>
+        <p:nvCxnSpPr>
+          <p:cNvPr id="17" name="직선 연결선 16"/>
+          <p:cNvCxnSpPr/>
+          <p:nvPr/>
+        </p:nvCxnSpPr>
+        <p:spPr>
+          <a:xfrm>
+            <a:off x="6732240" y="1268760"/>
+            <a:ext cx="0" cy="432048"/>
+          </a:xfrm>
+          <a:prstGeom prst="line">
+            <a:avLst/>
+          </a:prstGeom>
+          <a:ln w="22225">
+            <a:solidFill>
+              <a:schemeClr val="accent3">
+                <a:lumMod val="60000"/>
+                <a:lumOff val="40000"/>
+              </a:schemeClr>
+            </a:solidFill>
+          </a:ln>
+        </p:spPr>
+        <p:style>
+          <a:lnRef idx="1">
+            <a:schemeClr val="accent1"/>
+          </a:lnRef>
+          <a:fillRef idx="0">
+            <a:schemeClr val="accent1"/>
+          </a:fillRef>
+          <a:effectRef idx="0">
+            <a:schemeClr val="accent1"/>
+          </a:effectRef>
+          <a:fontRef idx="minor">
+            <a:schemeClr val="tx1"/>
+          </a:fontRef>
+        </p:style>
+      </p:cxnSp>
+      <p:sp>
+        <p:nvSpPr>
+          <p:cNvPr id="20" name="TextBox 19"/>
+          <p:cNvSpPr txBox="1"/>
+          <p:nvPr/>
+        </p:nvSpPr>
+        <p:spPr>
+          <a:xfrm>
+            <a:off x="971600" y="1286651"/>
+            <a:ext cx="1512168" cy="369332"/>
+          </a:xfrm>
+          <a:prstGeom prst="rect">
+            <a:avLst/>
+          </a:prstGeom>
+          <a:noFill/>
+        </p:spPr>
+        <p:txBody>
+          <a:bodyPr wrap="square" rtlCol="0">
+            <a:spAutoFit/>
+          </a:bodyPr>
+          <a:lstStyle/>
+          <a:p>
+            <a:r>
+              <a:rPr lang="en-US" altLang="ko-KR" dirty="0" smtClean="0">
+                <a:gradFill>
+                  <a:gsLst>
+                    <a:gs pos="0">
+                      <a:prstClr val="black"/>
+                    </a:gs>
+                    <a:gs pos="50000">
+                      <a:prstClr val="black"/>
+                    </a:gs>
+                    <a:gs pos="100000">
+                      <a:prstClr val="black"/>
+                    </a:gs>
+                  </a:gsLst>
+                  <a:lin ang="5400000" scaled="0"/>
+                </a:gradFill>
+                <a:latin typeface="나눔바른펜" panose="020B0503000000000000" pitchFamily="50" charset="-127"/>
+                <a:ea typeface="나눔바른펜" panose="020B0503000000000000" pitchFamily="50" charset="-127"/>
+              </a:rPr>
+              <a:t>MOVIE</a:t>
+            </a:r>
+            <a:endParaRPr lang="ko-KR" altLang="en-US" dirty="0">
+              <a:gradFill>
+                <a:gsLst>
+                  <a:gs pos="0">
+                    <a:prstClr val="black"/>
+                  </a:gs>
+                  <a:gs pos="50000">
+                    <a:prstClr val="black"/>
+                  </a:gs>
+                  <a:gs pos="100000">
+                    <a:prstClr val="black"/>
+                  </a:gs>
+                </a:gsLst>
+                <a:lin ang="5400000" scaled="0"/>
+              </a:gradFill>
+              <a:latin typeface="나눔바른펜" panose="020B0503000000000000" pitchFamily="50" charset="-127"/>
+              <a:ea typeface="나눔바른펜" panose="020B0503000000000000" pitchFamily="50" charset="-127"/>
+            </a:endParaRPr>
+          </a:p>
+        </p:txBody>
+      </p:sp>
+      <p:sp>
+        <p:nvSpPr>
+          <p:cNvPr id="21" name="TextBox 20"/>
+          <p:cNvSpPr txBox="1"/>
+          <p:nvPr/>
+        </p:nvSpPr>
+        <p:spPr>
+          <a:xfrm>
+            <a:off x="3131840" y="1286651"/>
+            <a:ext cx="1512168" cy="369332"/>
+          </a:xfrm>
+          <a:prstGeom prst="rect">
+            <a:avLst/>
+          </a:prstGeom>
+          <a:noFill/>
+        </p:spPr>
+        <p:txBody>
+          <a:bodyPr wrap="square" rtlCol="0">
+            <a:spAutoFit/>
+          </a:bodyPr>
+          <a:lstStyle/>
+          <a:p>
+            <a:r>
+              <a:rPr lang="en-US" altLang="ko-KR" dirty="0" smtClean="0">
+                <a:gradFill>
+                  <a:gsLst>
+                    <a:gs pos="0">
+                      <a:prstClr val="black"/>
+                    </a:gs>
+                    <a:gs pos="50000">
+                      <a:prstClr val="black"/>
+                    </a:gs>
+                    <a:gs pos="100000">
+                      <a:prstClr val="black"/>
+                    </a:gs>
+                  </a:gsLst>
+                  <a:lin ang="5400000" scaled="0"/>
+                </a:gradFill>
+                <a:latin typeface="나눔바른펜" panose="020B0503000000000000" pitchFamily="50" charset="-127"/>
+                <a:ea typeface="나눔바른펜" panose="020B0503000000000000" pitchFamily="50" charset="-127"/>
+              </a:rPr>
+              <a:t>TICKET</a:t>
+            </a:r>
+            <a:endParaRPr lang="ko-KR" altLang="en-US" dirty="0">
+              <a:gradFill>
+                <a:gsLst>
+                  <a:gs pos="0">
+                    <a:prstClr val="black"/>
+                  </a:gs>
+                  <a:gs pos="50000">
+                    <a:prstClr val="black"/>
+                  </a:gs>
+                  <a:gs pos="100000">
+                    <a:prstClr val="black"/>
+                  </a:gs>
+                </a:gsLst>
+                <a:lin ang="5400000" scaled="0"/>
+              </a:gradFill>
+              <a:latin typeface="나눔바른펜" panose="020B0503000000000000" pitchFamily="50" charset="-127"/>
+              <a:ea typeface="나눔바른펜" panose="020B0503000000000000" pitchFamily="50" charset="-127"/>
+            </a:endParaRPr>
+          </a:p>
+        </p:txBody>
+      </p:sp>
+      <p:sp>
+        <p:nvSpPr>
+          <p:cNvPr id="22" name="TextBox 21"/>
+          <p:cNvSpPr txBox="1"/>
+          <p:nvPr/>
+        </p:nvSpPr>
+        <p:spPr>
+          <a:xfrm>
+            <a:off x="5292080" y="1286651"/>
+            <a:ext cx="1512168" cy="369332"/>
+          </a:xfrm>
+          <a:prstGeom prst="rect">
+            <a:avLst/>
+          </a:prstGeom>
+          <a:noFill/>
+        </p:spPr>
+        <p:txBody>
+          <a:bodyPr wrap="square" rtlCol="0">
+            <a:spAutoFit/>
+          </a:bodyPr>
+          <a:lstStyle/>
+          <a:p>
+            <a:r>
+              <a:rPr lang="en-US" altLang="ko-KR" dirty="0" smtClean="0">
+                <a:gradFill>
+                  <a:gsLst>
+                    <a:gs pos="0">
+                      <a:prstClr val="black"/>
+                    </a:gs>
+                    <a:gs pos="50000">
+                      <a:prstClr val="black"/>
+                    </a:gs>
+                    <a:gs pos="100000">
+                      <a:prstClr val="black"/>
+                    </a:gs>
+                  </a:gsLst>
+                  <a:lin ang="5400000" scaled="0"/>
+                </a:gradFill>
+                <a:latin typeface="나눔바른펜" panose="020B0503000000000000" pitchFamily="50" charset="-127"/>
+                <a:ea typeface="나눔바른펜" panose="020B0503000000000000" pitchFamily="50" charset="-127"/>
+              </a:rPr>
+              <a:t>NOTICE</a:t>
+            </a:r>
+            <a:endParaRPr lang="ko-KR" altLang="en-US" dirty="0">
+              <a:gradFill>
+                <a:gsLst>
+                  <a:gs pos="0">
+                    <a:prstClr val="black"/>
+                  </a:gs>
+                  <a:gs pos="50000">
+                    <a:prstClr val="black"/>
+                  </a:gs>
+                  <a:gs pos="100000">
+                    <a:prstClr val="black"/>
+                  </a:gs>
+                </a:gsLst>
+                <a:lin ang="5400000" scaled="0"/>
+              </a:gradFill>
+              <a:latin typeface="나눔바른펜" panose="020B0503000000000000" pitchFamily="50" charset="-127"/>
+              <a:ea typeface="나눔바른펜" panose="020B0503000000000000" pitchFamily="50" charset="-127"/>
+            </a:endParaRPr>
+          </a:p>
+        </p:txBody>
+      </p:sp>
+      <p:sp>
+        <p:nvSpPr>
+          <p:cNvPr id="23" name="TextBox 22"/>
+          <p:cNvSpPr txBox="1"/>
+          <p:nvPr/>
+        </p:nvSpPr>
+        <p:spPr>
+          <a:xfrm>
+            <a:off x="7308304" y="1286651"/>
+            <a:ext cx="1512168" cy="369332"/>
+          </a:xfrm>
+          <a:prstGeom prst="rect">
+            <a:avLst/>
+          </a:prstGeom>
+          <a:noFill/>
+        </p:spPr>
+        <p:txBody>
+          <a:bodyPr wrap="square" rtlCol="0">
+            <a:spAutoFit/>
+          </a:bodyPr>
+          <a:lstStyle/>
+          <a:p>
+            <a:r>
+              <a:rPr lang="en-US" altLang="ko-KR" dirty="0" smtClean="0">
+                <a:gradFill>
+                  <a:gsLst>
+                    <a:gs pos="0">
+                      <a:prstClr val="black"/>
+                    </a:gs>
+                    <a:gs pos="50000">
+                      <a:prstClr val="black"/>
+                    </a:gs>
+                    <a:gs pos="100000">
+                      <a:prstClr val="black"/>
+                    </a:gs>
+                  </a:gsLst>
+                  <a:lin ang="5400000" scaled="0"/>
+                </a:gradFill>
+                <a:latin typeface="나눔바른펜" panose="020B0503000000000000" pitchFamily="50" charset="-127"/>
+                <a:ea typeface="나눔바른펜" panose="020B0503000000000000" pitchFamily="50" charset="-127"/>
+              </a:rPr>
+              <a:t>STORE</a:t>
+            </a:r>
+          </a:p>
+        </p:txBody>
+      </p:sp>
+      <p:sp>
+        <p:nvSpPr>
+          <p:cNvPr id="24" name="직사각형 23"/>
+          <p:cNvSpPr/>
+          <p:nvPr/>
+        </p:nvSpPr>
+        <p:spPr>
+          <a:xfrm>
+            <a:off x="7380312" y="908720"/>
+            <a:ext cx="648072" cy="288032"/>
+          </a:xfrm>
+          <a:prstGeom prst="rect">
+            <a:avLst/>
+          </a:prstGeom>
+          <a:noFill/>
+          <a:ln>
+            <a:solidFill>
+              <a:schemeClr val="accent3">
+                <a:lumMod val="60000"/>
+                <a:lumOff val="40000"/>
+              </a:schemeClr>
+            </a:solidFill>
+          </a:ln>
+        </p:spPr>
+        <p:style>
+          <a:lnRef idx="2">
+            <a:schemeClr val="accent1">
+              <a:shade val="50000"/>
+            </a:schemeClr>
+          </a:lnRef>
+          <a:fillRef idx="1">
+            <a:schemeClr val="accent1"/>
+          </a:fillRef>
+          <a:effectRef idx="0">
+            <a:schemeClr val="accent1"/>
+          </a:effectRef>
+          <a:fontRef idx="minor">
+            <a:schemeClr val="lt1"/>
+          </a:fontRef>
+        </p:style>
+        <p:txBody>
+          <a:bodyPr rtlCol="0" anchor="ctr"/>
+          <a:lstStyle/>
+          <a:p>
+            <a:pPr algn="ctr"/>
+            <a:endParaRPr lang="ko-KR" altLang="en-US" dirty="0">
+              <a:solidFill>
+                <a:prstClr val="white"/>
+              </a:solidFill>
+            </a:endParaRPr>
+          </a:p>
+        </p:txBody>
+      </p:sp>
+      <p:sp>
+        <p:nvSpPr>
+          <p:cNvPr id="26" name="직사각형 25"/>
+          <p:cNvSpPr/>
+          <p:nvPr/>
+        </p:nvSpPr>
+        <p:spPr>
+          <a:xfrm>
+            <a:off x="8100392" y="908720"/>
+            <a:ext cx="648072" cy="288032"/>
+          </a:xfrm>
+          <a:prstGeom prst="rect">
+            <a:avLst/>
+          </a:prstGeom>
+          <a:noFill/>
+          <a:ln>
+            <a:solidFill>
+              <a:schemeClr val="accent3">
+                <a:lumMod val="60000"/>
+                <a:lumOff val="40000"/>
+              </a:schemeClr>
+            </a:solidFill>
+          </a:ln>
+        </p:spPr>
+        <p:style>
+          <a:lnRef idx="2">
+            <a:schemeClr val="accent1">
+              <a:shade val="50000"/>
+            </a:schemeClr>
+          </a:lnRef>
+          <a:fillRef idx="1">
+            <a:schemeClr val="accent1"/>
+          </a:fillRef>
+          <a:effectRef idx="0">
+            <a:schemeClr val="accent1"/>
+          </a:effectRef>
+          <a:fontRef idx="minor">
+            <a:schemeClr val="lt1"/>
+          </a:fontRef>
+        </p:style>
+        <p:txBody>
+          <a:bodyPr rtlCol="0" anchor="ctr"/>
+          <a:lstStyle/>
+          <a:p>
+            <a:pPr algn="ctr"/>
+            <a:endParaRPr lang="ko-KR" altLang="en-US" dirty="0">
+              <a:solidFill>
+                <a:prstClr val="white"/>
+              </a:solidFill>
+            </a:endParaRPr>
+          </a:p>
+        </p:txBody>
+      </p:sp>
+      <p:sp>
+        <p:nvSpPr>
+          <p:cNvPr id="27" name="TextBox 26"/>
+          <p:cNvSpPr txBox="1"/>
+          <p:nvPr/>
+        </p:nvSpPr>
+        <p:spPr>
+          <a:xfrm>
+            <a:off x="7503822" y="917685"/>
+            <a:ext cx="383438" cy="246221"/>
+          </a:xfrm>
+          <a:prstGeom prst="rect">
+            <a:avLst/>
+          </a:prstGeom>
+          <a:noFill/>
+        </p:spPr>
+        <p:txBody>
+          <a:bodyPr wrap="none" rtlCol="0">
+            <a:spAutoFit/>
+          </a:bodyPr>
+          <a:lstStyle/>
+          <a:p>
+            <a:r>
+              <a:rPr lang="ko-KR" altLang="en-US" sz="1000" dirty="0" smtClean="0">
+                <a:solidFill>
+                  <a:prstClr val="black"/>
+                </a:solidFill>
+                <a:latin typeface="나눔바른펜" panose="020B0503000000000000" pitchFamily="50" charset="-127"/>
+                <a:ea typeface="나눔바른펜" panose="020B0503000000000000" pitchFamily="50" charset="-127"/>
+              </a:rPr>
+              <a:t>가</a:t>
+            </a:r>
+            <a:r>
+              <a:rPr lang="ko-KR" altLang="en-US" sz="1000" dirty="0">
+                <a:solidFill>
+                  <a:prstClr val="black"/>
+                </a:solidFill>
+                <a:latin typeface="나눔바른펜" panose="020B0503000000000000" pitchFamily="50" charset="-127"/>
+                <a:ea typeface="나눔바른펜" panose="020B0503000000000000" pitchFamily="50" charset="-127"/>
+              </a:rPr>
+              <a:t>입</a:t>
+            </a:r>
+          </a:p>
+        </p:txBody>
+      </p:sp>
+      <p:sp>
+        <p:nvSpPr>
+          <p:cNvPr id="29" name="TextBox 28"/>
+          <p:cNvSpPr txBox="1"/>
+          <p:nvPr/>
+        </p:nvSpPr>
+        <p:spPr>
+          <a:xfrm>
+            <a:off x="8139734" y="929625"/>
+            <a:ext cx="479618" cy="246221"/>
+          </a:xfrm>
+          <a:prstGeom prst="rect">
+            <a:avLst/>
+          </a:prstGeom>
+          <a:noFill/>
+        </p:spPr>
+        <p:txBody>
+          <a:bodyPr wrap="none" rtlCol="0">
+            <a:spAutoFit/>
+          </a:bodyPr>
+          <a:lstStyle/>
+          <a:p>
+            <a:r>
+              <a:rPr lang="ko-KR" altLang="en-US" sz="1000" dirty="0" smtClean="0">
+                <a:solidFill>
+                  <a:prstClr val="black"/>
+                </a:solidFill>
+                <a:latin typeface="나눔바른펜" panose="020B0503000000000000" pitchFamily="50" charset="-127"/>
+                <a:ea typeface="나눔바른펜" panose="020B0503000000000000" pitchFamily="50" charset="-127"/>
+              </a:rPr>
+              <a:t>로그</a:t>
+            </a:r>
+            <a:r>
+              <a:rPr lang="ko-KR" altLang="en-US" sz="1000" dirty="0">
+                <a:solidFill>
+                  <a:prstClr val="black"/>
+                </a:solidFill>
+                <a:latin typeface="나눔바른펜" panose="020B0503000000000000" pitchFamily="50" charset="-127"/>
+                <a:ea typeface="나눔바른펜" panose="020B0503000000000000" pitchFamily="50" charset="-127"/>
+              </a:rPr>
+              <a:t>인</a:t>
+            </a:r>
+          </a:p>
+        </p:txBody>
+      </p:sp>
+      <p:sp>
+        <p:nvSpPr>
+          <p:cNvPr id="2" name="TextBox 1"/>
+          <p:cNvSpPr txBox="1"/>
+          <p:nvPr/>
+        </p:nvSpPr>
+        <p:spPr>
+          <a:xfrm>
+            <a:off x="179512" y="44624"/>
+            <a:ext cx="1810111" cy="276999"/>
+          </a:xfrm>
+          <a:prstGeom prst="rect">
+            <a:avLst/>
+          </a:prstGeom>
+          <a:noFill/>
+        </p:spPr>
+        <p:txBody>
+          <a:bodyPr wrap="none" rtlCol="0">
+            <a:spAutoFit/>
+          </a:bodyPr>
+          <a:lstStyle/>
+          <a:p>
+            <a:r>
+              <a:rPr lang="ko-KR" altLang="en-US" sz="1200" dirty="0" smtClean="0">
+                <a:gradFill>
+                  <a:gsLst>
+                    <a:gs pos="0">
+                      <a:prstClr val="black"/>
+                    </a:gs>
+                    <a:gs pos="50000">
+                      <a:prstClr val="black"/>
+                    </a:gs>
+                    <a:gs pos="100000">
+                      <a:prstClr val="black"/>
+                    </a:gs>
+                  </a:gsLst>
+                  <a:lin ang="5400000" scaled="0"/>
+                </a:gradFill>
+                <a:latin typeface="나눔바른펜" panose="020B0503000000000000" pitchFamily="50" charset="-127"/>
+                <a:ea typeface="나눔바른펜" panose="020B0503000000000000" pitchFamily="50" charset="-127"/>
+              </a:rPr>
+              <a:t>예매</a:t>
+            </a:r>
+            <a:r>
+              <a:rPr lang="en-US" altLang="ko-KR" sz="1200" dirty="0" smtClean="0">
+                <a:gradFill>
+                  <a:gsLst>
+                    <a:gs pos="0">
+                      <a:prstClr val="black"/>
+                    </a:gs>
+                    <a:gs pos="50000">
+                      <a:prstClr val="black"/>
+                    </a:gs>
+                    <a:gs pos="100000">
+                      <a:prstClr val="black"/>
+                    </a:gs>
+                  </a:gsLst>
+                  <a:lin ang="5400000" scaled="0"/>
+                </a:gradFill>
+                <a:latin typeface="나눔바른펜" panose="020B0503000000000000" pitchFamily="50" charset="-127"/>
+                <a:ea typeface="나눔바른펜" panose="020B0503000000000000" pitchFamily="50" charset="-127"/>
+              </a:rPr>
+              <a:t>&gt; </a:t>
+            </a:r>
+            <a:r>
+              <a:rPr lang="en-US" altLang="ko-KR" sz="1200" dirty="0">
+                <a:gradFill>
+                  <a:gsLst>
+                    <a:gs pos="0">
+                      <a:prstClr val="black"/>
+                    </a:gs>
+                    <a:gs pos="50000">
+                      <a:prstClr val="black"/>
+                    </a:gs>
+                    <a:gs pos="100000">
+                      <a:prstClr val="black"/>
+                    </a:gs>
+                  </a:gsLst>
+                  <a:lin ang="5400000" scaled="0"/>
+                </a:gradFill>
+                <a:latin typeface="나눔바른펜" panose="020B0503000000000000" pitchFamily="50" charset="-127"/>
+                <a:ea typeface="나눔바른펜" panose="020B0503000000000000" pitchFamily="50" charset="-127"/>
+              </a:rPr>
+              <a:t>1</a:t>
+            </a:r>
+            <a:r>
+              <a:rPr lang="en-US" altLang="ko-KR" sz="1200" dirty="0" smtClean="0">
+                <a:gradFill>
+                  <a:gsLst>
+                    <a:gs pos="0">
+                      <a:prstClr val="black"/>
+                    </a:gs>
+                    <a:gs pos="50000">
+                      <a:prstClr val="black"/>
+                    </a:gs>
+                    <a:gs pos="100000">
+                      <a:prstClr val="black"/>
+                    </a:gs>
+                  </a:gsLst>
+                  <a:lin ang="5400000" scaled="0"/>
+                </a:gradFill>
+                <a:latin typeface="나눔바른펜" panose="020B0503000000000000" pitchFamily="50" charset="-127"/>
+                <a:ea typeface="나눔바른펜" panose="020B0503000000000000" pitchFamily="50" charset="-127"/>
+              </a:rPr>
+              <a:t>. </a:t>
+            </a:r>
+            <a:r>
+              <a:rPr lang="ko-KR" altLang="en-US" sz="1200" dirty="0" smtClean="0">
+                <a:gradFill>
+                  <a:gsLst>
+                    <a:gs pos="0">
+                      <a:prstClr val="black"/>
+                    </a:gs>
+                    <a:gs pos="50000">
+                      <a:prstClr val="black"/>
+                    </a:gs>
+                    <a:gs pos="100000">
+                      <a:prstClr val="black"/>
+                    </a:gs>
+                  </a:gsLst>
+                  <a:lin ang="5400000" scaled="0"/>
+                </a:gradFill>
+                <a:latin typeface="나눔바른펜" panose="020B0503000000000000" pitchFamily="50" charset="-127"/>
+                <a:ea typeface="나눔바른펜" panose="020B0503000000000000" pitchFamily="50" charset="-127"/>
+              </a:rPr>
+              <a:t>현재 </a:t>
+            </a:r>
+            <a:r>
+              <a:rPr lang="ko-KR" altLang="en-US" sz="1200" dirty="0" err="1" smtClean="0">
+                <a:gradFill>
+                  <a:gsLst>
+                    <a:gs pos="0">
+                      <a:prstClr val="black"/>
+                    </a:gs>
+                    <a:gs pos="50000">
+                      <a:prstClr val="black"/>
+                    </a:gs>
+                    <a:gs pos="100000">
+                      <a:prstClr val="black"/>
+                    </a:gs>
+                  </a:gsLst>
+                  <a:lin ang="5400000" scaled="0"/>
+                </a:gradFill>
+                <a:latin typeface="나눔바른펜" panose="020B0503000000000000" pitchFamily="50" charset="-127"/>
+                <a:ea typeface="나눔바른펜" panose="020B0503000000000000" pitchFamily="50" charset="-127"/>
+              </a:rPr>
+              <a:t>상영작에서</a:t>
+            </a:r>
+            <a:r>
+              <a:rPr lang="ko-KR" altLang="en-US" sz="1200" dirty="0" smtClean="0">
+                <a:gradFill>
+                  <a:gsLst>
+                    <a:gs pos="0">
+                      <a:prstClr val="black"/>
+                    </a:gs>
+                    <a:gs pos="50000">
+                      <a:prstClr val="black"/>
+                    </a:gs>
+                    <a:gs pos="100000">
+                      <a:prstClr val="black"/>
+                    </a:gs>
+                  </a:gsLst>
+                  <a:lin ang="5400000" scaled="0"/>
+                </a:gradFill>
+                <a:latin typeface="나눔바른펜" panose="020B0503000000000000" pitchFamily="50" charset="-127"/>
+                <a:ea typeface="나눔바른펜" panose="020B0503000000000000" pitchFamily="50" charset="-127"/>
+              </a:rPr>
+              <a:t> 예매</a:t>
+            </a:r>
+            <a:endParaRPr lang="ko-KR" altLang="en-US" sz="1200" dirty="0">
+              <a:gradFill>
+                <a:gsLst>
+                  <a:gs pos="0">
+                    <a:prstClr val="black"/>
+                  </a:gs>
+                  <a:gs pos="50000">
+                    <a:prstClr val="black"/>
+                  </a:gs>
+                  <a:gs pos="100000">
+                    <a:prstClr val="black"/>
+                  </a:gs>
+                </a:gsLst>
+                <a:lin ang="5400000" scaled="0"/>
+              </a:gradFill>
+              <a:latin typeface="나눔바른펜" panose="020B0503000000000000" pitchFamily="50" charset="-127"/>
+              <a:ea typeface="나눔바른펜" panose="020B0503000000000000" pitchFamily="50" charset="-127"/>
+            </a:endParaRPr>
+          </a:p>
+        </p:txBody>
+      </p:sp>
+      <p:sp>
+        <p:nvSpPr>
+          <p:cNvPr id="3" name="TextBox 2"/>
+          <p:cNvSpPr txBox="1"/>
+          <p:nvPr/>
+        </p:nvSpPr>
+        <p:spPr>
+          <a:xfrm>
+            <a:off x="467544" y="2033665"/>
+            <a:ext cx="1467068" cy="461665"/>
+          </a:xfrm>
+          <a:prstGeom prst="rect">
+            <a:avLst/>
+          </a:prstGeom>
+          <a:noFill/>
+        </p:spPr>
+        <p:txBody>
+          <a:bodyPr wrap="none" rtlCol="0">
+            <a:spAutoFit/>
+          </a:bodyPr>
+          <a:lstStyle/>
+          <a:p>
+            <a:r>
+              <a:rPr lang="ko-KR" altLang="en-US" sz="2400" dirty="0" smtClean="0">
+                <a:gradFill>
+                  <a:gsLst>
+                    <a:gs pos="0">
+                      <a:schemeClr val="tx1"/>
+                    </a:gs>
+                    <a:gs pos="50000">
+                      <a:schemeClr val="tx1"/>
+                    </a:gs>
+                    <a:gs pos="100000">
+                      <a:schemeClr val="tx1"/>
+                    </a:gs>
+                  </a:gsLst>
+                  <a:lin ang="5400000" scaled="0"/>
+                </a:gradFill>
+                <a:latin typeface="나눔바른펜" panose="020B0503000000000000" pitchFamily="50" charset="-127"/>
+                <a:ea typeface="나눔바른펜" panose="020B0503000000000000" pitchFamily="50" charset="-127"/>
+              </a:rPr>
+              <a:t>현재 상영작</a:t>
+            </a:r>
+            <a:endParaRPr lang="ko-KR" altLang="en-US" sz="2400" dirty="0">
+              <a:gradFill>
+                <a:gsLst>
+                  <a:gs pos="0">
+                    <a:schemeClr val="tx1"/>
+                  </a:gs>
+                  <a:gs pos="50000">
+                    <a:schemeClr val="tx1"/>
+                  </a:gs>
+                  <a:gs pos="100000">
+                    <a:schemeClr val="tx1"/>
+                  </a:gs>
+                </a:gsLst>
+                <a:lin ang="5400000" scaled="0"/>
+              </a:gradFill>
+              <a:latin typeface="나눔바른펜" panose="020B0503000000000000" pitchFamily="50" charset="-127"/>
+              <a:ea typeface="나눔바른펜" panose="020B0503000000000000" pitchFamily="50" charset="-127"/>
+            </a:endParaRPr>
+          </a:p>
+        </p:txBody>
+      </p:sp>
+      <p:cxnSp>
+        <p:nvCxnSpPr>
+          <p:cNvPr id="32" name="직선 연결선 31"/>
+          <p:cNvCxnSpPr/>
+          <p:nvPr/>
+        </p:nvCxnSpPr>
+        <p:spPr>
+          <a:xfrm>
+            <a:off x="395536" y="2526596"/>
+            <a:ext cx="8352928" cy="0"/>
+          </a:xfrm>
+          <a:prstGeom prst="line">
+            <a:avLst/>
+          </a:prstGeom>
+          <a:ln w="22225">
+            <a:solidFill>
+              <a:schemeClr val="accent3">
+                <a:lumMod val="60000"/>
+                <a:lumOff val="40000"/>
+              </a:schemeClr>
+            </a:solidFill>
+          </a:ln>
+        </p:spPr>
+        <p:style>
+          <a:lnRef idx="1">
+            <a:schemeClr val="accent1"/>
+          </a:lnRef>
+          <a:fillRef idx="0">
+            <a:schemeClr val="accent1"/>
+          </a:fillRef>
+          <a:effectRef idx="0">
+            <a:schemeClr val="accent1"/>
+          </a:effectRef>
+          <a:fontRef idx="minor">
+            <a:schemeClr val="tx1"/>
+          </a:fontRef>
+        </p:style>
+      </p:cxnSp>
+      <p:sp>
+        <p:nvSpPr>
+          <p:cNvPr id="38" name="직사각형 37"/>
+          <p:cNvSpPr/>
+          <p:nvPr/>
+        </p:nvSpPr>
+        <p:spPr>
+          <a:xfrm>
+            <a:off x="1043608" y="2852936"/>
+            <a:ext cx="1978296" cy="2448272"/>
+          </a:xfrm>
+          <a:prstGeom prst="rect">
+            <a:avLst/>
+          </a:prstGeom>
+          <a:noFill/>
+          <a:ln>
+            <a:solidFill>
+              <a:schemeClr val="accent3">
+                <a:lumMod val="40000"/>
+                <a:lumOff val="60000"/>
+              </a:schemeClr>
+            </a:solidFill>
+          </a:ln>
+        </p:spPr>
+        <p:style>
+          <a:lnRef idx="2">
+            <a:schemeClr val="accent1">
+              <a:shade val="50000"/>
+            </a:schemeClr>
+          </a:lnRef>
+          <a:fillRef idx="1">
+            <a:schemeClr val="accent1"/>
+          </a:fillRef>
+          <a:effectRef idx="0">
+            <a:schemeClr val="accent1"/>
+          </a:effectRef>
+          <a:fontRef idx="minor">
+            <a:schemeClr val="lt1"/>
+          </a:fontRef>
+        </p:style>
+        <p:txBody>
+          <a:bodyPr rtlCol="0" anchor="ctr"/>
+          <a:lstStyle/>
+          <a:p>
+            <a:pPr algn="ctr"/>
+            <a:endParaRPr lang="ko-KR" altLang="en-US" dirty="0"/>
+          </a:p>
+        </p:txBody>
+      </p:sp>
+      <p:sp>
+        <p:nvSpPr>
+          <p:cNvPr id="39" name="직사각형 38"/>
+          <p:cNvSpPr/>
+          <p:nvPr/>
+        </p:nvSpPr>
+        <p:spPr>
+          <a:xfrm>
+            <a:off x="3541302" y="2852936"/>
+            <a:ext cx="1978296" cy="2448272"/>
+          </a:xfrm>
+          <a:prstGeom prst="rect">
+            <a:avLst/>
+          </a:prstGeom>
+          <a:noFill/>
+          <a:ln>
+            <a:solidFill>
+              <a:schemeClr val="accent3">
+                <a:lumMod val="40000"/>
+                <a:lumOff val="60000"/>
+              </a:schemeClr>
+            </a:solidFill>
+          </a:ln>
+        </p:spPr>
+        <p:style>
+          <a:lnRef idx="2">
+            <a:schemeClr val="accent1">
+              <a:shade val="50000"/>
+            </a:schemeClr>
+          </a:lnRef>
+          <a:fillRef idx="1">
+            <a:schemeClr val="accent1"/>
+          </a:fillRef>
+          <a:effectRef idx="0">
+            <a:schemeClr val="accent1"/>
+          </a:effectRef>
+          <a:fontRef idx="minor">
+            <a:schemeClr val="lt1"/>
+          </a:fontRef>
+        </p:style>
+        <p:txBody>
+          <a:bodyPr rtlCol="0" anchor="ctr"/>
+          <a:lstStyle/>
+          <a:p>
+            <a:pPr algn="ctr"/>
+            <a:endParaRPr lang="ko-KR" altLang="en-US" dirty="0"/>
+          </a:p>
+        </p:txBody>
+      </p:sp>
+      <p:sp>
+        <p:nvSpPr>
+          <p:cNvPr id="40" name="직사각형 39"/>
+          <p:cNvSpPr/>
+          <p:nvPr/>
+        </p:nvSpPr>
+        <p:spPr>
+          <a:xfrm>
+            <a:off x="6038997" y="2852936"/>
+            <a:ext cx="1978296" cy="2448272"/>
+          </a:xfrm>
+          <a:prstGeom prst="rect">
+            <a:avLst/>
+          </a:prstGeom>
+          <a:noFill/>
+          <a:ln>
+            <a:solidFill>
+              <a:schemeClr val="accent3">
+                <a:lumMod val="40000"/>
+                <a:lumOff val="60000"/>
+              </a:schemeClr>
+            </a:solidFill>
+          </a:ln>
+        </p:spPr>
+        <p:style>
+          <a:lnRef idx="2">
+            <a:schemeClr val="accent1">
+              <a:shade val="50000"/>
+            </a:schemeClr>
+          </a:lnRef>
+          <a:fillRef idx="1">
+            <a:schemeClr val="accent1"/>
+          </a:fillRef>
+          <a:effectRef idx="0">
+            <a:schemeClr val="accent1"/>
+          </a:effectRef>
+          <a:fontRef idx="minor">
+            <a:schemeClr val="lt1"/>
+          </a:fontRef>
+        </p:style>
+        <p:txBody>
+          <a:bodyPr rtlCol="0" anchor="ctr"/>
+          <a:lstStyle/>
+          <a:p>
+            <a:pPr algn="ctr"/>
+            <a:endParaRPr lang="ko-KR" altLang="en-US" dirty="0"/>
+          </a:p>
+        </p:txBody>
+      </p:sp>
+      <p:sp>
+        <p:nvSpPr>
+          <p:cNvPr id="5" name="직사각형 4"/>
+          <p:cNvSpPr/>
+          <p:nvPr/>
+        </p:nvSpPr>
+        <p:spPr>
+          <a:xfrm>
+            <a:off x="1115616" y="2907014"/>
+            <a:ext cx="288032" cy="288032"/>
+          </a:xfrm>
+          <a:prstGeom prst="rect">
+            <a:avLst/>
+          </a:prstGeom>
+          <a:noFill/>
+          <a:ln>
+            <a:solidFill>
+              <a:schemeClr val="accent3">
+                <a:lumMod val="40000"/>
+                <a:lumOff val="60000"/>
+              </a:schemeClr>
+            </a:solidFill>
+          </a:ln>
+        </p:spPr>
+        <p:style>
+          <a:lnRef idx="2">
+            <a:schemeClr val="accent1">
+              <a:shade val="50000"/>
+            </a:schemeClr>
+          </a:lnRef>
+          <a:fillRef idx="1">
+            <a:schemeClr val="accent1"/>
+          </a:fillRef>
+          <a:effectRef idx="0">
+            <a:schemeClr val="accent1"/>
+          </a:effectRef>
+          <a:fontRef idx="minor">
+            <a:schemeClr val="lt1"/>
+          </a:fontRef>
+        </p:style>
+        <p:txBody>
+          <a:bodyPr rtlCol="0" anchor="ctr"/>
+          <a:lstStyle/>
+          <a:p>
+            <a:pPr algn="ctr"/>
+            <a:endParaRPr lang="ko-KR" altLang="en-US" dirty="0"/>
+          </a:p>
+        </p:txBody>
+      </p:sp>
+      <p:sp>
+        <p:nvSpPr>
+          <p:cNvPr id="41" name="직사각형 40"/>
+          <p:cNvSpPr/>
+          <p:nvPr/>
+        </p:nvSpPr>
+        <p:spPr>
+          <a:xfrm>
+            <a:off x="3622976" y="2915398"/>
+            <a:ext cx="288032" cy="288032"/>
+          </a:xfrm>
+          <a:prstGeom prst="rect">
+            <a:avLst/>
+          </a:prstGeom>
+          <a:noFill/>
+          <a:ln>
+            <a:solidFill>
+              <a:schemeClr val="accent3">
+                <a:lumMod val="40000"/>
+                <a:lumOff val="60000"/>
+              </a:schemeClr>
+            </a:solidFill>
+          </a:ln>
+        </p:spPr>
+        <p:style>
+          <a:lnRef idx="2">
+            <a:schemeClr val="accent1">
+              <a:shade val="50000"/>
+            </a:schemeClr>
+          </a:lnRef>
+          <a:fillRef idx="1">
+            <a:schemeClr val="accent1"/>
+          </a:fillRef>
+          <a:effectRef idx="0">
+            <a:schemeClr val="accent1"/>
+          </a:effectRef>
+          <a:fontRef idx="minor">
+            <a:schemeClr val="lt1"/>
+          </a:fontRef>
+        </p:style>
+        <p:txBody>
+          <a:bodyPr rtlCol="0" anchor="ctr"/>
+          <a:lstStyle/>
+          <a:p>
+            <a:pPr algn="ctr"/>
+            <a:endParaRPr lang="ko-KR" altLang="en-US" dirty="0"/>
+          </a:p>
+        </p:txBody>
+      </p:sp>
+      <p:sp>
+        <p:nvSpPr>
+          <p:cNvPr id="42" name="직사각형 41"/>
+          <p:cNvSpPr/>
+          <p:nvPr/>
+        </p:nvSpPr>
+        <p:spPr>
+          <a:xfrm>
+            <a:off x="6111063" y="2923782"/>
+            <a:ext cx="288032" cy="288032"/>
+          </a:xfrm>
+          <a:prstGeom prst="rect">
+            <a:avLst/>
+          </a:prstGeom>
+          <a:noFill/>
+          <a:ln>
+            <a:solidFill>
+              <a:schemeClr val="accent3">
+                <a:lumMod val="40000"/>
+                <a:lumOff val="60000"/>
+              </a:schemeClr>
+            </a:solidFill>
+          </a:ln>
+        </p:spPr>
+        <p:style>
+          <a:lnRef idx="2">
+            <a:schemeClr val="accent1">
+              <a:shade val="50000"/>
+            </a:schemeClr>
+          </a:lnRef>
+          <a:fillRef idx="1">
+            <a:schemeClr val="accent1"/>
+          </a:fillRef>
+          <a:effectRef idx="0">
+            <a:schemeClr val="accent1"/>
+          </a:effectRef>
+          <a:fontRef idx="minor">
+            <a:schemeClr val="lt1"/>
+          </a:fontRef>
+        </p:style>
+        <p:txBody>
+          <a:bodyPr rtlCol="0" anchor="ctr"/>
+          <a:lstStyle/>
+          <a:p>
+            <a:pPr algn="ctr"/>
+            <a:endParaRPr lang="ko-KR" altLang="en-US" dirty="0"/>
+          </a:p>
+        </p:txBody>
+      </p:sp>
+      <p:sp>
+        <p:nvSpPr>
+          <p:cNvPr id="7" name="TextBox 6"/>
+          <p:cNvSpPr txBox="1"/>
+          <p:nvPr/>
+        </p:nvSpPr>
+        <p:spPr>
+          <a:xfrm>
+            <a:off x="7530717" y="2258181"/>
+            <a:ext cx="922047" cy="261610"/>
+          </a:xfrm>
+          <a:prstGeom prst="rect">
+            <a:avLst/>
+          </a:prstGeom>
+          <a:noFill/>
+        </p:spPr>
+        <p:txBody>
+          <a:bodyPr wrap="none" rtlCol="0">
+            <a:spAutoFit/>
+          </a:bodyPr>
+          <a:lstStyle/>
+          <a:p>
+            <a:r>
+              <a:rPr lang="ko-KR" altLang="en-US" sz="1100" dirty="0" smtClean="0">
+                <a:gradFill>
+                  <a:gsLst>
+                    <a:gs pos="0">
+                      <a:schemeClr val="tx1"/>
+                    </a:gs>
+                    <a:gs pos="50000">
+                      <a:schemeClr val="tx1"/>
+                    </a:gs>
+                    <a:gs pos="100000">
+                      <a:schemeClr val="tx1"/>
+                    </a:gs>
+                  </a:gsLst>
+                  <a:lin ang="5400000" scaled="0"/>
+                </a:gradFill>
+                <a:latin typeface="나눔바른펜" panose="020B0503000000000000" pitchFamily="50" charset="-127"/>
+                <a:ea typeface="나눔바른펜" panose="020B0503000000000000" pitchFamily="50" charset="-127"/>
+              </a:rPr>
+              <a:t>▶ 개봉 예정작</a:t>
+            </a:r>
+            <a:endParaRPr lang="ko-KR" altLang="en-US" sz="1100" dirty="0">
+              <a:gradFill>
+                <a:gsLst>
+                  <a:gs pos="0">
+                    <a:schemeClr val="tx1"/>
+                  </a:gs>
+                  <a:gs pos="50000">
+                    <a:schemeClr val="tx1"/>
+                  </a:gs>
+                  <a:gs pos="100000">
+                    <a:schemeClr val="tx1"/>
+                  </a:gs>
+                </a:gsLst>
+                <a:lin ang="5400000" scaled="0"/>
+              </a:gradFill>
+              <a:latin typeface="나눔바른펜" panose="020B0503000000000000" pitchFamily="50" charset="-127"/>
+              <a:ea typeface="나눔바른펜" panose="020B0503000000000000" pitchFamily="50" charset="-127"/>
+            </a:endParaRPr>
+          </a:p>
+        </p:txBody>
+      </p:sp>
+      <p:sp>
+        <p:nvSpPr>
+          <p:cNvPr id="8" name="TextBox 7"/>
+          <p:cNvSpPr txBox="1"/>
+          <p:nvPr/>
+        </p:nvSpPr>
+        <p:spPr>
+          <a:xfrm>
+            <a:off x="1106651" y="2861901"/>
+            <a:ext cx="261610" cy="369332"/>
+          </a:xfrm>
+          <a:prstGeom prst="rect">
+            <a:avLst/>
+          </a:prstGeom>
+          <a:noFill/>
+        </p:spPr>
+        <p:txBody>
+          <a:bodyPr wrap="none" rtlCol="0">
+            <a:spAutoFit/>
+          </a:bodyPr>
+          <a:lstStyle/>
+          <a:p>
+            <a:r>
+              <a:rPr lang="en-US" altLang="ko-KR" dirty="0" smtClean="0">
+                <a:gradFill>
+                  <a:gsLst>
+                    <a:gs pos="0">
+                      <a:schemeClr val="tx1"/>
+                    </a:gs>
+                    <a:gs pos="50000">
+                      <a:schemeClr val="tx1"/>
+                    </a:gs>
+                    <a:gs pos="100000">
+                      <a:schemeClr val="tx1"/>
+                    </a:gs>
+                  </a:gsLst>
+                  <a:lin ang="5400000" scaled="0"/>
+                </a:gradFill>
+                <a:latin typeface="나눔바른펜" panose="020B0503000000000000" pitchFamily="50" charset="-127"/>
+                <a:ea typeface="나눔바른펜" panose="020B0503000000000000" pitchFamily="50" charset="-127"/>
+              </a:rPr>
+              <a:t>1</a:t>
+            </a:r>
+            <a:endParaRPr lang="ko-KR" altLang="en-US" dirty="0">
+              <a:gradFill>
+                <a:gsLst>
+                  <a:gs pos="0">
+                    <a:schemeClr val="tx1"/>
+                  </a:gs>
+                  <a:gs pos="50000">
+                    <a:schemeClr val="tx1"/>
+                  </a:gs>
+                  <a:gs pos="100000">
+                    <a:schemeClr val="tx1"/>
+                  </a:gs>
+                </a:gsLst>
+                <a:lin ang="5400000" scaled="0"/>
+              </a:gradFill>
+              <a:latin typeface="나눔바른펜" panose="020B0503000000000000" pitchFamily="50" charset="-127"/>
+              <a:ea typeface="나눔바른펜" panose="020B0503000000000000" pitchFamily="50" charset="-127"/>
+            </a:endParaRPr>
+          </a:p>
+        </p:txBody>
+      </p:sp>
+      <p:sp>
+        <p:nvSpPr>
+          <p:cNvPr id="9" name="TextBox 8"/>
+          <p:cNvSpPr txBox="1"/>
+          <p:nvPr/>
+        </p:nvSpPr>
+        <p:spPr>
+          <a:xfrm>
+            <a:off x="3612624" y="2870866"/>
+            <a:ext cx="288862" cy="369332"/>
+          </a:xfrm>
+          <a:prstGeom prst="rect">
+            <a:avLst/>
+          </a:prstGeom>
+          <a:noFill/>
+        </p:spPr>
+        <p:txBody>
+          <a:bodyPr wrap="none" rtlCol="0">
+            <a:spAutoFit/>
+          </a:bodyPr>
+          <a:lstStyle/>
+          <a:p>
+            <a:r>
+              <a:rPr lang="en-US" altLang="ko-KR" dirty="0" smtClean="0">
+                <a:gradFill>
+                  <a:gsLst>
+                    <a:gs pos="0">
+                      <a:schemeClr val="tx1"/>
+                    </a:gs>
+                    <a:gs pos="50000">
+                      <a:schemeClr val="tx1"/>
+                    </a:gs>
+                    <a:gs pos="100000">
+                      <a:schemeClr val="tx1"/>
+                    </a:gs>
+                  </a:gsLst>
+                  <a:lin ang="5400000" scaled="0"/>
+                </a:gradFill>
+                <a:latin typeface="나눔바른펜" panose="020B0503000000000000" pitchFamily="50" charset="-127"/>
+                <a:ea typeface="나눔바른펜" panose="020B0503000000000000" pitchFamily="50" charset="-127"/>
+              </a:rPr>
+              <a:t>2</a:t>
+            </a:r>
+            <a:endParaRPr lang="ko-KR" altLang="en-US" dirty="0">
+              <a:gradFill>
+                <a:gsLst>
+                  <a:gs pos="0">
+                    <a:schemeClr val="tx1"/>
+                  </a:gs>
+                  <a:gs pos="50000">
+                    <a:schemeClr val="tx1"/>
+                  </a:gs>
+                  <a:gs pos="100000">
+                    <a:schemeClr val="tx1"/>
+                  </a:gs>
+                </a:gsLst>
+                <a:lin ang="5400000" scaled="0"/>
+              </a:gradFill>
+              <a:latin typeface="나눔바른펜" panose="020B0503000000000000" pitchFamily="50" charset="-127"/>
+              <a:ea typeface="나눔바른펜" panose="020B0503000000000000" pitchFamily="50" charset="-127"/>
+            </a:endParaRPr>
+          </a:p>
+        </p:txBody>
+      </p:sp>
+      <p:sp>
+        <p:nvSpPr>
+          <p:cNvPr id="10" name="TextBox 9"/>
+          <p:cNvSpPr txBox="1"/>
+          <p:nvPr/>
+        </p:nvSpPr>
+        <p:spPr>
+          <a:xfrm>
+            <a:off x="6111351" y="2879831"/>
+            <a:ext cx="288862" cy="369332"/>
+          </a:xfrm>
+          <a:prstGeom prst="rect">
+            <a:avLst/>
+          </a:prstGeom>
+          <a:noFill/>
+        </p:spPr>
+        <p:txBody>
+          <a:bodyPr wrap="none" rtlCol="0">
+            <a:spAutoFit/>
+          </a:bodyPr>
+          <a:lstStyle/>
+          <a:p>
+            <a:r>
+              <a:rPr lang="en-US" altLang="ko-KR" dirty="0" smtClean="0">
+                <a:gradFill>
+                  <a:gsLst>
+                    <a:gs pos="0">
+                      <a:schemeClr val="tx1"/>
+                    </a:gs>
+                    <a:gs pos="50000">
+                      <a:schemeClr val="tx1"/>
+                    </a:gs>
+                    <a:gs pos="100000">
+                      <a:schemeClr val="tx1"/>
+                    </a:gs>
+                  </a:gsLst>
+                  <a:lin ang="5400000" scaled="0"/>
+                </a:gradFill>
+                <a:latin typeface="나눔바른펜" panose="020B0503000000000000" pitchFamily="50" charset="-127"/>
+                <a:ea typeface="나눔바른펜" panose="020B0503000000000000" pitchFamily="50" charset="-127"/>
+              </a:rPr>
+              <a:t>3</a:t>
+            </a:r>
+            <a:endParaRPr lang="ko-KR" altLang="en-US" dirty="0">
+              <a:gradFill>
+                <a:gsLst>
+                  <a:gs pos="0">
+                    <a:schemeClr val="tx1"/>
+                  </a:gs>
+                  <a:gs pos="50000">
+                    <a:schemeClr val="tx1"/>
+                  </a:gs>
+                  <a:gs pos="100000">
+                    <a:schemeClr val="tx1"/>
+                  </a:gs>
+                </a:gsLst>
+                <a:lin ang="5400000" scaled="0"/>
+              </a:gradFill>
+              <a:latin typeface="나눔바른펜" panose="020B0503000000000000" pitchFamily="50" charset="-127"/>
+              <a:ea typeface="나눔바른펜" panose="020B0503000000000000" pitchFamily="50" charset="-127"/>
+            </a:endParaRPr>
+          </a:p>
+        </p:txBody>
+      </p:sp>
+      <p:sp>
+        <p:nvSpPr>
+          <p:cNvPr id="45" name="직사각형 44"/>
+          <p:cNvSpPr/>
+          <p:nvPr/>
+        </p:nvSpPr>
+        <p:spPr>
+          <a:xfrm>
+            <a:off x="1356925" y="5413702"/>
+            <a:ext cx="648072" cy="288032"/>
+          </a:xfrm>
+          <a:prstGeom prst="rect">
+            <a:avLst/>
+          </a:prstGeom>
+          <a:noFill/>
+          <a:ln>
+            <a:solidFill>
+              <a:schemeClr val="accent3">
+                <a:lumMod val="60000"/>
+                <a:lumOff val="40000"/>
+              </a:schemeClr>
+            </a:solidFill>
+          </a:ln>
+        </p:spPr>
+        <p:style>
+          <a:lnRef idx="2">
+            <a:schemeClr val="accent1">
+              <a:shade val="50000"/>
+            </a:schemeClr>
+          </a:lnRef>
+          <a:fillRef idx="1">
+            <a:schemeClr val="accent1"/>
+          </a:fillRef>
+          <a:effectRef idx="0">
+            <a:schemeClr val="accent1"/>
+          </a:effectRef>
+          <a:fontRef idx="minor">
+            <a:schemeClr val="lt1"/>
+          </a:fontRef>
+        </p:style>
+        <p:txBody>
+          <a:bodyPr rtlCol="0" anchor="ctr"/>
+          <a:lstStyle/>
+          <a:p>
+            <a:pPr algn="ctr"/>
+            <a:endParaRPr lang="ko-KR" altLang="en-US" dirty="0">
+              <a:solidFill>
+                <a:prstClr val="white"/>
+              </a:solidFill>
+            </a:endParaRPr>
+          </a:p>
+        </p:txBody>
+      </p:sp>
+      <p:sp>
+        <p:nvSpPr>
+          <p:cNvPr id="46" name="직사각형 45"/>
+          <p:cNvSpPr/>
+          <p:nvPr/>
+        </p:nvSpPr>
+        <p:spPr>
+          <a:xfrm>
+            <a:off x="2096833" y="5413702"/>
+            <a:ext cx="648072" cy="288032"/>
+          </a:xfrm>
+          <a:prstGeom prst="rect">
+            <a:avLst/>
+          </a:prstGeom>
+          <a:noFill/>
+          <a:ln>
+            <a:solidFill>
+              <a:schemeClr val="accent3">
+                <a:lumMod val="60000"/>
+                <a:lumOff val="40000"/>
+              </a:schemeClr>
+            </a:solidFill>
+          </a:ln>
+        </p:spPr>
+        <p:style>
+          <a:lnRef idx="2">
+            <a:schemeClr val="accent1">
+              <a:shade val="50000"/>
+            </a:schemeClr>
+          </a:lnRef>
+          <a:fillRef idx="1">
+            <a:schemeClr val="accent1"/>
+          </a:fillRef>
+          <a:effectRef idx="0">
+            <a:schemeClr val="accent1"/>
+          </a:effectRef>
+          <a:fontRef idx="minor">
+            <a:schemeClr val="lt1"/>
+          </a:fontRef>
+        </p:style>
+        <p:txBody>
+          <a:bodyPr rtlCol="0" anchor="ctr"/>
+          <a:lstStyle/>
+          <a:p>
+            <a:pPr algn="ctr"/>
+            <a:endParaRPr lang="ko-KR" altLang="en-US" dirty="0">
+              <a:solidFill>
+                <a:prstClr val="white"/>
+              </a:solidFill>
+            </a:endParaRPr>
+          </a:p>
+        </p:txBody>
+      </p:sp>
+      <p:sp>
+        <p:nvSpPr>
+          <p:cNvPr id="14" name="TextBox 13"/>
+          <p:cNvSpPr txBox="1"/>
+          <p:nvPr/>
+        </p:nvSpPr>
+        <p:spPr>
+          <a:xfrm>
+            <a:off x="1466691" y="5403830"/>
+            <a:ext cx="457176" cy="307777"/>
+          </a:xfrm>
+          <a:prstGeom prst="rect">
+            <a:avLst/>
+          </a:prstGeom>
+          <a:noFill/>
+        </p:spPr>
+        <p:txBody>
+          <a:bodyPr wrap="none" rtlCol="0">
+            <a:spAutoFit/>
+          </a:bodyPr>
+          <a:lstStyle/>
+          <a:p>
+            <a:r>
+              <a:rPr lang="ko-KR" altLang="en-US" sz="1400" dirty="0" smtClean="0">
+                <a:gradFill>
+                  <a:gsLst>
+                    <a:gs pos="0">
+                      <a:schemeClr val="tx1"/>
+                    </a:gs>
+                    <a:gs pos="50000">
+                      <a:schemeClr val="tx1"/>
+                    </a:gs>
+                    <a:gs pos="100000">
+                      <a:schemeClr val="tx1"/>
+                    </a:gs>
+                  </a:gsLst>
+                  <a:lin ang="5400000" scaled="0"/>
+                </a:gradFill>
+                <a:latin typeface="나눔바른펜" panose="020B0503000000000000" pitchFamily="50" charset="-127"/>
+                <a:ea typeface="나눔바른펜" panose="020B0503000000000000" pitchFamily="50" charset="-127"/>
+              </a:rPr>
+              <a:t>정보</a:t>
+            </a:r>
+            <a:endParaRPr lang="ko-KR" altLang="en-US" sz="1400" dirty="0">
+              <a:gradFill>
+                <a:gsLst>
+                  <a:gs pos="0">
+                    <a:schemeClr val="tx1"/>
+                  </a:gs>
+                  <a:gs pos="50000">
+                    <a:schemeClr val="tx1"/>
+                  </a:gs>
+                  <a:gs pos="100000">
+                    <a:schemeClr val="tx1"/>
+                  </a:gs>
+                </a:gsLst>
+                <a:lin ang="5400000" scaled="0"/>
+              </a:gradFill>
+              <a:latin typeface="나눔바른펜" panose="020B0503000000000000" pitchFamily="50" charset="-127"/>
+              <a:ea typeface="나눔바른펜" panose="020B0503000000000000" pitchFamily="50" charset="-127"/>
+            </a:endParaRPr>
+          </a:p>
+        </p:txBody>
+      </p:sp>
+      <p:sp>
+        <p:nvSpPr>
+          <p:cNvPr id="47" name="TextBox 46"/>
+          <p:cNvSpPr txBox="1"/>
+          <p:nvPr/>
+        </p:nvSpPr>
+        <p:spPr>
+          <a:xfrm>
+            <a:off x="2195448" y="5403830"/>
+            <a:ext cx="473206" cy="307777"/>
+          </a:xfrm>
+          <a:prstGeom prst="rect">
+            <a:avLst/>
+          </a:prstGeom>
+          <a:noFill/>
+        </p:spPr>
+        <p:txBody>
+          <a:bodyPr wrap="none" rtlCol="0">
+            <a:spAutoFit/>
+          </a:bodyPr>
+          <a:lstStyle/>
+          <a:p>
+            <a:r>
+              <a:rPr lang="ko-KR" altLang="en-US" sz="1400" dirty="0" smtClean="0">
+                <a:gradFill>
+                  <a:gsLst>
+                    <a:gs pos="0">
+                      <a:schemeClr val="tx1"/>
+                    </a:gs>
+                    <a:gs pos="50000">
+                      <a:schemeClr val="tx1"/>
+                    </a:gs>
+                    <a:gs pos="100000">
+                      <a:schemeClr val="tx1"/>
+                    </a:gs>
+                  </a:gsLst>
+                  <a:lin ang="5400000" scaled="0"/>
+                </a:gradFill>
+                <a:latin typeface="나눔바른펜" panose="020B0503000000000000" pitchFamily="50" charset="-127"/>
+                <a:ea typeface="나눔바른펜" panose="020B0503000000000000" pitchFamily="50" charset="-127"/>
+              </a:rPr>
+              <a:t>예</a:t>
+            </a:r>
+            <a:r>
+              <a:rPr lang="ko-KR" altLang="en-US" sz="1400" dirty="0">
+                <a:gradFill>
+                  <a:gsLst>
+                    <a:gs pos="0">
+                      <a:schemeClr val="tx1"/>
+                    </a:gs>
+                    <a:gs pos="50000">
+                      <a:schemeClr val="tx1"/>
+                    </a:gs>
+                    <a:gs pos="100000">
+                      <a:schemeClr val="tx1"/>
+                    </a:gs>
+                  </a:gsLst>
+                  <a:lin ang="5400000" scaled="0"/>
+                </a:gradFill>
+                <a:latin typeface="나눔바른펜" panose="020B0503000000000000" pitchFamily="50" charset="-127"/>
+                <a:ea typeface="나눔바른펜" panose="020B0503000000000000" pitchFamily="50" charset="-127"/>
+              </a:rPr>
+              <a:t>매</a:t>
+            </a:r>
+          </a:p>
+        </p:txBody>
+      </p:sp>
+      <p:sp>
+        <p:nvSpPr>
+          <p:cNvPr id="48" name="직사각형 47"/>
+          <p:cNvSpPr/>
+          <p:nvPr/>
+        </p:nvSpPr>
+        <p:spPr>
+          <a:xfrm>
+            <a:off x="3842955" y="5413702"/>
+            <a:ext cx="648072" cy="288032"/>
+          </a:xfrm>
+          <a:prstGeom prst="rect">
+            <a:avLst/>
+          </a:prstGeom>
+          <a:noFill/>
+          <a:ln>
+            <a:solidFill>
+              <a:schemeClr val="accent3">
+                <a:lumMod val="60000"/>
+                <a:lumOff val="40000"/>
+              </a:schemeClr>
+            </a:solidFill>
+          </a:ln>
+        </p:spPr>
+        <p:style>
+          <a:lnRef idx="2">
+            <a:schemeClr val="accent1">
+              <a:shade val="50000"/>
+            </a:schemeClr>
+          </a:lnRef>
+          <a:fillRef idx="1">
+            <a:schemeClr val="accent1"/>
+          </a:fillRef>
+          <a:effectRef idx="0">
+            <a:schemeClr val="accent1"/>
+          </a:effectRef>
+          <a:fontRef idx="minor">
+            <a:schemeClr val="lt1"/>
+          </a:fontRef>
+        </p:style>
+        <p:txBody>
+          <a:bodyPr rtlCol="0" anchor="ctr"/>
+          <a:lstStyle/>
+          <a:p>
+            <a:pPr algn="ctr"/>
+            <a:endParaRPr lang="ko-KR" altLang="en-US" dirty="0">
+              <a:solidFill>
+                <a:prstClr val="white"/>
+              </a:solidFill>
+            </a:endParaRPr>
+          </a:p>
+        </p:txBody>
+      </p:sp>
+      <p:sp>
+        <p:nvSpPr>
+          <p:cNvPr id="49" name="직사각형 48"/>
+          <p:cNvSpPr/>
+          <p:nvPr/>
+        </p:nvSpPr>
+        <p:spPr>
+          <a:xfrm>
+            <a:off x="4582863" y="5413702"/>
+            <a:ext cx="648072" cy="288032"/>
+          </a:xfrm>
+          <a:prstGeom prst="rect">
+            <a:avLst/>
+          </a:prstGeom>
+          <a:noFill/>
+          <a:ln>
+            <a:solidFill>
+              <a:schemeClr val="accent3">
+                <a:lumMod val="60000"/>
+                <a:lumOff val="40000"/>
+              </a:schemeClr>
+            </a:solidFill>
+          </a:ln>
+        </p:spPr>
+        <p:style>
+          <a:lnRef idx="2">
+            <a:schemeClr val="accent1">
+              <a:shade val="50000"/>
+            </a:schemeClr>
+          </a:lnRef>
+          <a:fillRef idx="1">
+            <a:schemeClr val="accent1"/>
+          </a:fillRef>
+          <a:effectRef idx="0">
+            <a:schemeClr val="accent1"/>
+          </a:effectRef>
+          <a:fontRef idx="minor">
+            <a:schemeClr val="lt1"/>
+          </a:fontRef>
+        </p:style>
+        <p:txBody>
+          <a:bodyPr rtlCol="0" anchor="ctr"/>
+          <a:lstStyle/>
+          <a:p>
+            <a:pPr algn="ctr"/>
+            <a:endParaRPr lang="ko-KR" altLang="en-US" dirty="0">
+              <a:solidFill>
+                <a:prstClr val="white"/>
+              </a:solidFill>
+            </a:endParaRPr>
+          </a:p>
+        </p:txBody>
+      </p:sp>
+      <p:sp>
+        <p:nvSpPr>
+          <p:cNvPr id="50" name="TextBox 49"/>
+          <p:cNvSpPr txBox="1"/>
+          <p:nvPr/>
+        </p:nvSpPr>
+        <p:spPr>
+          <a:xfrm>
+            <a:off x="3952721" y="5403830"/>
+            <a:ext cx="457176" cy="307777"/>
+          </a:xfrm>
+          <a:prstGeom prst="rect">
+            <a:avLst/>
+          </a:prstGeom>
+          <a:noFill/>
+        </p:spPr>
+        <p:txBody>
+          <a:bodyPr wrap="none" rtlCol="0">
+            <a:spAutoFit/>
+          </a:bodyPr>
+          <a:lstStyle/>
+          <a:p>
+            <a:r>
+              <a:rPr lang="ko-KR" altLang="en-US" sz="1400" dirty="0" smtClean="0">
+                <a:gradFill>
+                  <a:gsLst>
+                    <a:gs pos="0">
+                      <a:schemeClr val="tx1"/>
+                    </a:gs>
+                    <a:gs pos="50000">
+                      <a:schemeClr val="tx1"/>
+                    </a:gs>
+                    <a:gs pos="100000">
+                      <a:schemeClr val="tx1"/>
+                    </a:gs>
+                  </a:gsLst>
+                  <a:lin ang="5400000" scaled="0"/>
+                </a:gradFill>
+                <a:latin typeface="나눔바른펜" panose="020B0503000000000000" pitchFamily="50" charset="-127"/>
+                <a:ea typeface="나눔바른펜" panose="020B0503000000000000" pitchFamily="50" charset="-127"/>
+              </a:rPr>
+              <a:t>정보</a:t>
+            </a:r>
+            <a:endParaRPr lang="ko-KR" altLang="en-US" sz="1400" dirty="0">
+              <a:gradFill>
+                <a:gsLst>
+                  <a:gs pos="0">
+                    <a:schemeClr val="tx1"/>
+                  </a:gs>
+                  <a:gs pos="50000">
+                    <a:schemeClr val="tx1"/>
+                  </a:gs>
+                  <a:gs pos="100000">
+                    <a:schemeClr val="tx1"/>
+                  </a:gs>
+                </a:gsLst>
+                <a:lin ang="5400000" scaled="0"/>
+              </a:gradFill>
+              <a:latin typeface="나눔바른펜" panose="020B0503000000000000" pitchFamily="50" charset="-127"/>
+              <a:ea typeface="나눔바른펜" panose="020B0503000000000000" pitchFamily="50" charset="-127"/>
+            </a:endParaRPr>
+          </a:p>
+        </p:txBody>
+      </p:sp>
+      <p:sp>
+        <p:nvSpPr>
+          <p:cNvPr id="51" name="TextBox 50"/>
+          <p:cNvSpPr txBox="1"/>
+          <p:nvPr/>
+        </p:nvSpPr>
+        <p:spPr>
+          <a:xfrm>
+            <a:off x="4681478" y="5403830"/>
+            <a:ext cx="473206" cy="307777"/>
+          </a:xfrm>
+          <a:prstGeom prst="rect">
+            <a:avLst/>
+          </a:prstGeom>
+          <a:noFill/>
+        </p:spPr>
+        <p:txBody>
+          <a:bodyPr wrap="none" rtlCol="0">
+            <a:spAutoFit/>
+          </a:bodyPr>
+          <a:lstStyle/>
+          <a:p>
+            <a:r>
+              <a:rPr lang="ko-KR" altLang="en-US" sz="1400" dirty="0" smtClean="0">
+                <a:gradFill>
+                  <a:gsLst>
+                    <a:gs pos="0">
+                      <a:schemeClr val="tx1"/>
+                    </a:gs>
+                    <a:gs pos="50000">
+                      <a:schemeClr val="tx1"/>
+                    </a:gs>
+                    <a:gs pos="100000">
+                      <a:schemeClr val="tx1"/>
+                    </a:gs>
+                  </a:gsLst>
+                  <a:lin ang="5400000" scaled="0"/>
+                </a:gradFill>
+                <a:latin typeface="나눔바른펜" panose="020B0503000000000000" pitchFamily="50" charset="-127"/>
+                <a:ea typeface="나눔바른펜" panose="020B0503000000000000" pitchFamily="50" charset="-127"/>
+              </a:rPr>
+              <a:t>예</a:t>
+            </a:r>
+            <a:r>
+              <a:rPr lang="ko-KR" altLang="en-US" sz="1400" dirty="0">
+                <a:gradFill>
+                  <a:gsLst>
+                    <a:gs pos="0">
+                      <a:schemeClr val="tx1"/>
+                    </a:gs>
+                    <a:gs pos="50000">
+                      <a:schemeClr val="tx1"/>
+                    </a:gs>
+                    <a:gs pos="100000">
+                      <a:schemeClr val="tx1"/>
+                    </a:gs>
+                  </a:gsLst>
+                  <a:lin ang="5400000" scaled="0"/>
+                </a:gradFill>
+                <a:latin typeface="나눔바른펜" panose="020B0503000000000000" pitchFamily="50" charset="-127"/>
+                <a:ea typeface="나눔바른펜" panose="020B0503000000000000" pitchFamily="50" charset="-127"/>
+              </a:rPr>
+              <a:t>매</a:t>
+            </a:r>
+          </a:p>
+        </p:txBody>
+      </p:sp>
+      <p:sp>
+        <p:nvSpPr>
+          <p:cNvPr id="52" name="직사각형 51"/>
+          <p:cNvSpPr/>
+          <p:nvPr/>
+        </p:nvSpPr>
+        <p:spPr>
+          <a:xfrm>
+            <a:off x="6424380" y="5413702"/>
+            <a:ext cx="648072" cy="288032"/>
+          </a:xfrm>
+          <a:prstGeom prst="rect">
+            <a:avLst/>
+          </a:prstGeom>
+          <a:noFill/>
+          <a:ln>
+            <a:solidFill>
+              <a:schemeClr val="accent3">
+                <a:lumMod val="60000"/>
+                <a:lumOff val="40000"/>
+              </a:schemeClr>
+            </a:solidFill>
+          </a:ln>
+        </p:spPr>
+        <p:style>
+          <a:lnRef idx="2">
+            <a:schemeClr val="accent1">
+              <a:shade val="50000"/>
+            </a:schemeClr>
+          </a:lnRef>
+          <a:fillRef idx="1">
+            <a:schemeClr val="accent1"/>
+          </a:fillRef>
+          <a:effectRef idx="0">
+            <a:schemeClr val="accent1"/>
+          </a:effectRef>
+          <a:fontRef idx="minor">
+            <a:schemeClr val="lt1"/>
+          </a:fontRef>
+        </p:style>
+        <p:txBody>
+          <a:bodyPr rtlCol="0" anchor="ctr"/>
+          <a:lstStyle/>
+          <a:p>
+            <a:pPr algn="ctr"/>
+            <a:endParaRPr lang="ko-KR" altLang="en-US" dirty="0">
+              <a:solidFill>
+                <a:prstClr val="white"/>
+              </a:solidFill>
+            </a:endParaRPr>
+          </a:p>
+        </p:txBody>
+      </p:sp>
+      <p:sp>
+        <p:nvSpPr>
+          <p:cNvPr id="53" name="직사각형 52"/>
+          <p:cNvSpPr/>
+          <p:nvPr/>
+        </p:nvSpPr>
+        <p:spPr>
+          <a:xfrm>
+            <a:off x="7164288" y="5413702"/>
+            <a:ext cx="648072" cy="288032"/>
+          </a:xfrm>
+          <a:prstGeom prst="rect">
+            <a:avLst/>
+          </a:prstGeom>
+          <a:noFill/>
+          <a:ln>
+            <a:solidFill>
+              <a:schemeClr val="accent3">
+                <a:lumMod val="60000"/>
+                <a:lumOff val="40000"/>
+              </a:schemeClr>
+            </a:solidFill>
+          </a:ln>
+        </p:spPr>
+        <p:style>
+          <a:lnRef idx="2">
+            <a:schemeClr val="accent1">
+              <a:shade val="50000"/>
+            </a:schemeClr>
+          </a:lnRef>
+          <a:fillRef idx="1">
+            <a:schemeClr val="accent1"/>
+          </a:fillRef>
+          <a:effectRef idx="0">
+            <a:schemeClr val="accent1"/>
+          </a:effectRef>
+          <a:fontRef idx="minor">
+            <a:schemeClr val="lt1"/>
+          </a:fontRef>
+        </p:style>
+        <p:txBody>
+          <a:bodyPr rtlCol="0" anchor="ctr"/>
+          <a:lstStyle/>
+          <a:p>
+            <a:pPr algn="ctr"/>
+            <a:endParaRPr lang="ko-KR" altLang="en-US" dirty="0">
+              <a:solidFill>
+                <a:prstClr val="white"/>
+              </a:solidFill>
+            </a:endParaRPr>
+          </a:p>
+        </p:txBody>
+      </p:sp>
+      <p:sp>
+        <p:nvSpPr>
+          <p:cNvPr id="54" name="TextBox 53"/>
+          <p:cNvSpPr txBox="1"/>
+          <p:nvPr/>
+        </p:nvSpPr>
+        <p:spPr>
+          <a:xfrm>
+            <a:off x="6534146" y="5403830"/>
+            <a:ext cx="457176" cy="307777"/>
+          </a:xfrm>
+          <a:prstGeom prst="rect">
+            <a:avLst/>
+          </a:prstGeom>
+          <a:noFill/>
+        </p:spPr>
+        <p:txBody>
+          <a:bodyPr wrap="none" rtlCol="0">
+            <a:spAutoFit/>
+          </a:bodyPr>
+          <a:lstStyle/>
+          <a:p>
+            <a:r>
+              <a:rPr lang="ko-KR" altLang="en-US" sz="1400" dirty="0" smtClean="0">
+                <a:gradFill>
+                  <a:gsLst>
+                    <a:gs pos="0">
+                      <a:schemeClr val="tx1"/>
+                    </a:gs>
+                    <a:gs pos="50000">
+                      <a:schemeClr val="tx1"/>
+                    </a:gs>
+                    <a:gs pos="100000">
+                      <a:schemeClr val="tx1"/>
+                    </a:gs>
+                  </a:gsLst>
+                  <a:lin ang="5400000" scaled="0"/>
+                </a:gradFill>
+                <a:latin typeface="나눔바른펜" panose="020B0503000000000000" pitchFamily="50" charset="-127"/>
+                <a:ea typeface="나눔바른펜" panose="020B0503000000000000" pitchFamily="50" charset="-127"/>
+              </a:rPr>
+              <a:t>정보</a:t>
+            </a:r>
+            <a:endParaRPr lang="ko-KR" altLang="en-US" sz="1400" dirty="0">
+              <a:gradFill>
+                <a:gsLst>
+                  <a:gs pos="0">
+                    <a:schemeClr val="tx1"/>
+                  </a:gs>
+                  <a:gs pos="50000">
+                    <a:schemeClr val="tx1"/>
+                  </a:gs>
+                  <a:gs pos="100000">
+                    <a:schemeClr val="tx1"/>
+                  </a:gs>
+                </a:gsLst>
+                <a:lin ang="5400000" scaled="0"/>
+              </a:gradFill>
+              <a:latin typeface="나눔바른펜" panose="020B0503000000000000" pitchFamily="50" charset="-127"/>
+              <a:ea typeface="나눔바른펜" panose="020B0503000000000000" pitchFamily="50" charset="-127"/>
+            </a:endParaRPr>
+          </a:p>
+        </p:txBody>
+      </p:sp>
+      <p:sp>
+        <p:nvSpPr>
+          <p:cNvPr id="55" name="TextBox 54"/>
+          <p:cNvSpPr txBox="1"/>
+          <p:nvPr/>
+        </p:nvSpPr>
+        <p:spPr>
+          <a:xfrm>
+            <a:off x="7262903" y="5403830"/>
+            <a:ext cx="473206" cy="307777"/>
+          </a:xfrm>
+          <a:prstGeom prst="rect">
+            <a:avLst/>
+          </a:prstGeom>
+          <a:noFill/>
+        </p:spPr>
+        <p:txBody>
+          <a:bodyPr wrap="none" rtlCol="0">
+            <a:spAutoFit/>
+          </a:bodyPr>
+          <a:lstStyle/>
+          <a:p>
+            <a:r>
+              <a:rPr lang="ko-KR" altLang="en-US" sz="1400" dirty="0" smtClean="0">
+                <a:gradFill>
+                  <a:gsLst>
+                    <a:gs pos="0">
+                      <a:schemeClr val="tx1"/>
+                    </a:gs>
+                    <a:gs pos="50000">
+                      <a:schemeClr val="tx1"/>
+                    </a:gs>
+                    <a:gs pos="100000">
+                      <a:schemeClr val="tx1"/>
+                    </a:gs>
+                  </a:gsLst>
+                  <a:lin ang="5400000" scaled="0"/>
+                </a:gradFill>
+                <a:latin typeface="나눔바른펜" panose="020B0503000000000000" pitchFamily="50" charset="-127"/>
+                <a:ea typeface="나눔바른펜" panose="020B0503000000000000" pitchFamily="50" charset="-127"/>
+              </a:rPr>
+              <a:t>예</a:t>
+            </a:r>
+            <a:r>
+              <a:rPr lang="ko-KR" altLang="en-US" sz="1400" dirty="0">
+                <a:gradFill>
+                  <a:gsLst>
+                    <a:gs pos="0">
+                      <a:schemeClr val="tx1"/>
+                    </a:gs>
+                    <a:gs pos="50000">
+                      <a:schemeClr val="tx1"/>
+                    </a:gs>
+                    <a:gs pos="100000">
+                      <a:schemeClr val="tx1"/>
+                    </a:gs>
+                  </a:gsLst>
+                  <a:lin ang="5400000" scaled="0"/>
+                </a:gradFill>
+                <a:latin typeface="나눔바른펜" panose="020B0503000000000000" pitchFamily="50" charset="-127"/>
+                <a:ea typeface="나눔바른펜" panose="020B0503000000000000" pitchFamily="50" charset="-127"/>
+              </a:rPr>
+              <a:t>매</a:t>
+            </a:r>
+          </a:p>
+        </p:txBody>
+      </p:sp>
+      <p:sp>
+        <p:nvSpPr>
+          <p:cNvPr id="18" name="TextBox 17"/>
+          <p:cNvSpPr txBox="1"/>
+          <p:nvPr/>
+        </p:nvSpPr>
+        <p:spPr>
+          <a:xfrm>
+            <a:off x="2592131" y="6093296"/>
+            <a:ext cx="3959738" cy="523220"/>
+          </a:xfrm>
+          <a:prstGeom prst="rect">
+            <a:avLst/>
+          </a:prstGeom>
+          <a:noFill/>
+        </p:spPr>
+        <p:txBody>
+          <a:bodyPr wrap="none" rtlCol="0">
+            <a:spAutoFit/>
+          </a:bodyPr>
+          <a:lstStyle/>
+          <a:p>
+            <a:pPr algn="ctr"/>
+            <a:r>
+              <a:rPr lang="ko-KR" altLang="en-US" sz="1400" dirty="0" smtClean="0">
+                <a:gradFill>
+                  <a:gsLst>
+                    <a:gs pos="0">
+                      <a:schemeClr val="tx1"/>
+                    </a:gs>
+                    <a:gs pos="50000">
+                      <a:schemeClr val="tx1"/>
+                    </a:gs>
+                    <a:gs pos="100000">
+                      <a:schemeClr val="tx1"/>
+                    </a:gs>
+                  </a:gsLst>
+                  <a:lin ang="5400000" scaled="0"/>
+                </a:gradFill>
+                <a:latin typeface="나눔바른펜" panose="020B0503000000000000" pitchFamily="50" charset="-127"/>
+                <a:ea typeface="나눔바른펜" panose="020B0503000000000000" pitchFamily="50" charset="-127"/>
+              </a:rPr>
+              <a:t>현재 상영작 </a:t>
+            </a:r>
+            <a:r>
+              <a:rPr lang="en-US" altLang="ko-KR" sz="1400" dirty="0" smtClean="0">
+                <a:gradFill>
+                  <a:gsLst>
+                    <a:gs pos="0">
+                      <a:schemeClr val="tx1"/>
+                    </a:gs>
+                    <a:gs pos="50000">
+                      <a:schemeClr val="tx1"/>
+                    </a:gs>
+                    <a:gs pos="100000">
+                      <a:schemeClr val="tx1"/>
+                    </a:gs>
+                  </a:gsLst>
+                  <a:lin ang="5400000" scaled="0"/>
+                </a:gradFill>
+                <a:latin typeface="나눔바른펜" panose="020B0503000000000000" pitchFamily="50" charset="-127"/>
+                <a:ea typeface="나눔바른펜" panose="020B0503000000000000" pitchFamily="50" charset="-127"/>
+              </a:rPr>
+              <a:t>/ </a:t>
+            </a:r>
+            <a:r>
+              <a:rPr lang="ko-KR" altLang="en-US" sz="1400" dirty="0" smtClean="0">
+                <a:gradFill>
+                  <a:gsLst>
+                    <a:gs pos="0">
+                      <a:schemeClr val="tx1"/>
+                    </a:gs>
+                    <a:gs pos="50000">
+                      <a:schemeClr val="tx1"/>
+                    </a:gs>
+                    <a:gs pos="100000">
+                      <a:schemeClr val="tx1"/>
+                    </a:gs>
+                  </a:gsLst>
+                  <a:lin ang="5400000" scaled="0"/>
+                </a:gradFill>
+                <a:latin typeface="나눔바른펜" panose="020B0503000000000000" pitchFamily="50" charset="-127"/>
+                <a:ea typeface="나눔바른펜" panose="020B0503000000000000" pitchFamily="50" charset="-127"/>
+              </a:rPr>
+              <a:t>개봉 예정작 모두 한 줄에 </a:t>
+            </a:r>
+            <a:r>
+              <a:rPr lang="en-US" altLang="ko-KR" sz="1400" dirty="0" smtClean="0">
+                <a:gradFill>
+                  <a:gsLst>
+                    <a:gs pos="0">
+                      <a:schemeClr val="tx1"/>
+                    </a:gs>
+                    <a:gs pos="50000">
+                      <a:schemeClr val="tx1"/>
+                    </a:gs>
+                    <a:gs pos="100000">
+                      <a:schemeClr val="tx1"/>
+                    </a:gs>
+                  </a:gsLst>
+                  <a:lin ang="5400000" scaled="0"/>
+                </a:gradFill>
+                <a:latin typeface="나눔바른펜" panose="020B0503000000000000" pitchFamily="50" charset="-127"/>
+                <a:ea typeface="나눔바른펜" panose="020B0503000000000000" pitchFamily="50" charset="-127"/>
+              </a:rPr>
+              <a:t>3</a:t>
+            </a:r>
+            <a:r>
+              <a:rPr lang="ko-KR" altLang="en-US" sz="1400" dirty="0" smtClean="0">
+                <a:gradFill>
+                  <a:gsLst>
+                    <a:gs pos="0">
+                      <a:schemeClr val="tx1"/>
+                    </a:gs>
+                    <a:gs pos="50000">
+                      <a:schemeClr val="tx1"/>
+                    </a:gs>
+                    <a:gs pos="100000">
+                      <a:schemeClr val="tx1"/>
+                    </a:gs>
+                  </a:gsLst>
+                  <a:lin ang="5400000" scaled="0"/>
+                </a:gradFill>
+                <a:latin typeface="나눔바른펜" panose="020B0503000000000000" pitchFamily="50" charset="-127"/>
+                <a:ea typeface="나눔바른펜" panose="020B0503000000000000" pitchFamily="50" charset="-127"/>
+              </a:rPr>
+              <a:t>개씩</a:t>
+            </a:r>
+            <a:r>
+              <a:rPr lang="en-US" altLang="ko-KR" sz="1400" dirty="0" smtClean="0">
+                <a:gradFill>
+                  <a:gsLst>
+                    <a:gs pos="0">
+                      <a:schemeClr val="tx1"/>
+                    </a:gs>
+                    <a:gs pos="50000">
+                      <a:schemeClr val="tx1"/>
+                    </a:gs>
+                    <a:gs pos="100000">
+                      <a:schemeClr val="tx1"/>
+                    </a:gs>
+                  </a:gsLst>
+                  <a:lin ang="5400000" scaled="0"/>
+                </a:gradFill>
+                <a:latin typeface="나눔바른펜" panose="020B0503000000000000" pitchFamily="50" charset="-127"/>
+                <a:ea typeface="나눔바른펜" panose="020B0503000000000000" pitchFamily="50" charset="-127"/>
+              </a:rPr>
+              <a:t>.</a:t>
+            </a:r>
+          </a:p>
+          <a:p>
+            <a:pPr algn="ctr"/>
+            <a:r>
+              <a:rPr lang="ko-KR" altLang="en-US" sz="1400" dirty="0" smtClean="0">
+                <a:gradFill>
+                  <a:gsLst>
+                    <a:gs pos="0">
+                      <a:schemeClr val="tx1"/>
+                    </a:gs>
+                    <a:gs pos="50000">
+                      <a:schemeClr val="tx1"/>
+                    </a:gs>
+                    <a:gs pos="100000">
+                      <a:schemeClr val="tx1"/>
+                    </a:gs>
+                  </a:gsLst>
+                  <a:lin ang="5400000" scaled="0"/>
+                </a:gradFill>
+                <a:latin typeface="나눔바른펜" panose="020B0503000000000000" pitchFamily="50" charset="-127"/>
+                <a:ea typeface="나눔바른펜" panose="020B0503000000000000" pitchFamily="50" charset="-127"/>
+              </a:rPr>
+              <a:t>예매 버튼 클릭 시 해당 영화가 선택된 예매창으로 자동 이동</a:t>
+            </a:r>
+            <a:r>
+              <a:rPr lang="en-US" altLang="ko-KR" sz="1400" dirty="0" smtClean="0">
+                <a:gradFill>
+                  <a:gsLst>
+                    <a:gs pos="0">
+                      <a:schemeClr val="tx1"/>
+                    </a:gs>
+                    <a:gs pos="50000">
+                      <a:schemeClr val="tx1"/>
+                    </a:gs>
+                    <a:gs pos="100000">
+                      <a:schemeClr val="tx1"/>
+                    </a:gs>
+                  </a:gsLst>
+                  <a:lin ang="5400000" scaled="0"/>
+                </a:gradFill>
+                <a:latin typeface="나눔바른펜" panose="020B0503000000000000" pitchFamily="50" charset="-127"/>
+                <a:ea typeface="나눔바른펜" panose="020B0503000000000000" pitchFamily="50" charset="-127"/>
+              </a:rPr>
+              <a:t>.</a:t>
+            </a:r>
+            <a:endParaRPr lang="ko-KR" altLang="en-US" sz="1400" dirty="0">
+              <a:gradFill>
+                <a:gsLst>
+                  <a:gs pos="0">
+                    <a:schemeClr val="tx1"/>
+                  </a:gs>
+                  <a:gs pos="50000">
+                    <a:schemeClr val="tx1"/>
+                  </a:gs>
+                  <a:gs pos="100000">
+                    <a:schemeClr val="tx1"/>
+                  </a:gs>
+                </a:gsLst>
+                <a:lin ang="5400000" scaled="0"/>
+              </a:gradFill>
+              <a:latin typeface="나눔바른펜" panose="020B0503000000000000" pitchFamily="50" charset="-127"/>
+              <a:ea typeface="나눔바른펜" panose="020B0503000000000000" pitchFamily="50" charset="-127"/>
+            </a:endParaRPr>
+          </a:p>
+        </p:txBody>
+      </p:sp>
+      <p:sp>
+        <p:nvSpPr>
+          <p:cNvPr id="25" name="오른쪽 화살표 24"/>
+          <p:cNvSpPr/>
+          <p:nvPr/>
+        </p:nvSpPr>
+        <p:spPr>
+          <a:xfrm rot="12905392">
+            <a:off x="2563292" y="5540084"/>
+            <a:ext cx="553888" cy="451793"/>
+          </a:xfrm>
+          <a:prstGeom prst="rightArrow">
+            <a:avLst/>
+          </a:prstGeom>
+          <a:solidFill>
+            <a:schemeClr val="accent3">
+              <a:lumMod val="60000"/>
+              <a:lumOff val="40000"/>
+            </a:schemeClr>
+          </a:solidFill>
+          <a:ln>
+            <a:noFill/>
+          </a:ln>
+        </p:spPr>
+        <p:style>
+          <a:lnRef idx="2">
+            <a:schemeClr val="accent1">
+              <a:shade val="50000"/>
+            </a:schemeClr>
+          </a:lnRef>
+          <a:fillRef idx="1">
+            <a:schemeClr val="accent1"/>
+          </a:fillRef>
+          <a:effectRef idx="0">
+            <a:schemeClr val="accent1"/>
+          </a:effectRef>
+          <a:fontRef idx="minor">
+            <a:schemeClr val="lt1"/>
+          </a:fontRef>
+        </p:style>
+        <p:txBody>
+          <a:bodyPr rtlCol="0" anchor="ctr"/>
+          <a:lstStyle/>
+          <a:p>
+            <a:pPr algn="ctr"/>
+            <a:endParaRPr lang="ko-KR" altLang="en-US" dirty="0"/>
+          </a:p>
+        </p:txBody>
+      </p:sp>
+    </p:spTree>
+    <p:extLst>
+      <p:ext uri="{BB962C8B-B14F-4D97-AF65-F5344CB8AC3E}">
+        <p14:creationId xmlns:p14="http://schemas.microsoft.com/office/powerpoint/2010/main" val="3407579164"/>
       </p:ext>
     </p:extLst>
   </p:cSld>
@@ -21657,6 +24584,1158 @@
     <p:extLst>
       <p:ext uri="{BB962C8B-B14F-4D97-AF65-F5344CB8AC3E}">
         <p14:creationId xmlns:p14="http://schemas.microsoft.com/office/powerpoint/2010/main" val="1298307187"/>
+      </p:ext>
+    </p:extLst>
+  </p:cSld>
+  <p:clrMapOvr>
+    <a:masterClrMapping/>
+  </p:clrMapOvr>
+  <p:timing>
+    <p:tnLst>
+      <p:par>
+        <p:cTn id="1" dur="indefinite" restart="never" nodeType="tmRoot"/>
+      </p:par>
+    </p:tnLst>
+  </p:timing>
+</p:sld>
+</file>
+
+<file path=ppt/slides/slide20.xml><?xml version="1.0" encoding="utf-8"?>
+<p:sld xmlns:a="http://schemas.openxmlformats.org/drawingml/2006/main" xmlns:r="http://schemas.openxmlformats.org/officeDocument/2006/relationships" xmlns:p="http://schemas.openxmlformats.org/presentationml/2006/main">
+  <p:cSld>
+    <p:spTree>
+      <p:nvGrpSpPr>
+        <p:cNvPr id="1" name=""/>
+        <p:cNvGrpSpPr/>
+        <p:nvPr/>
+      </p:nvGrpSpPr>
+      <p:grpSpPr>
+        <a:xfrm>
+          <a:off x="0" y="0"/>
+          <a:ext cx="0" cy="0"/>
+          <a:chOff x="0" y="0"/>
+          <a:chExt cx="0" cy="0"/>
+        </a:xfrm>
+      </p:grpSpPr>
+      <p:sp>
+        <p:nvSpPr>
+          <p:cNvPr id="4" name="직사각형 3"/>
+          <p:cNvSpPr/>
+          <p:nvPr/>
+        </p:nvSpPr>
+        <p:spPr>
+          <a:xfrm>
+            <a:off x="107504" y="332656"/>
+            <a:ext cx="8856984" cy="6336704"/>
+          </a:xfrm>
+          <a:prstGeom prst="rect">
+            <a:avLst/>
+          </a:prstGeom>
+          <a:noFill/>
+          <a:ln>
+            <a:solidFill>
+              <a:schemeClr val="accent3">
+                <a:lumMod val="40000"/>
+                <a:lumOff val="60000"/>
+              </a:schemeClr>
+            </a:solidFill>
+          </a:ln>
+        </p:spPr>
+        <p:style>
+          <a:lnRef idx="2">
+            <a:schemeClr val="accent1">
+              <a:shade val="50000"/>
+            </a:schemeClr>
+          </a:lnRef>
+          <a:fillRef idx="1">
+            <a:schemeClr val="accent1"/>
+          </a:fillRef>
+          <a:effectRef idx="0">
+            <a:schemeClr val="accent1"/>
+          </a:effectRef>
+          <a:fontRef idx="minor">
+            <a:schemeClr val="lt1"/>
+          </a:fontRef>
+        </p:style>
+        <p:txBody>
+          <a:bodyPr rtlCol="0" anchor="ctr"/>
+          <a:lstStyle/>
+          <a:p>
+            <a:pPr algn="ctr"/>
+            <a:endParaRPr lang="ko-KR" altLang="en-US" dirty="0">
+              <a:solidFill>
+                <a:prstClr val="white"/>
+              </a:solidFill>
+            </a:endParaRPr>
+          </a:p>
+        </p:txBody>
+      </p:sp>
+      <p:sp>
+        <p:nvSpPr>
+          <p:cNvPr id="6" name="TextBox 5"/>
+          <p:cNvSpPr txBox="1"/>
+          <p:nvPr/>
+        </p:nvSpPr>
+        <p:spPr>
+          <a:xfrm>
+            <a:off x="4067944" y="427311"/>
+            <a:ext cx="1080120" cy="769441"/>
+          </a:xfrm>
+          <a:prstGeom prst="rect">
+            <a:avLst/>
+          </a:prstGeom>
+          <a:noFill/>
+        </p:spPr>
+        <p:txBody>
+          <a:bodyPr wrap="square" rtlCol="0">
+            <a:spAutoFit/>
+          </a:bodyPr>
+          <a:lstStyle/>
+          <a:p>
+            <a:r>
+              <a:rPr lang="ko-KR" altLang="en-US" sz="4400" b="1" dirty="0" smtClean="0">
+                <a:solidFill>
+                  <a:prstClr val="black"/>
+                </a:solidFill>
+                <a:latin typeface="나눔바른펜" panose="020B0503000000000000" pitchFamily="50" charset="-127"/>
+                <a:ea typeface="나눔바른펜" panose="020B0503000000000000" pitchFamily="50" charset="-127"/>
+              </a:rPr>
+              <a:t>로고</a:t>
+            </a:r>
+            <a:endParaRPr lang="ko-KR" altLang="en-US" sz="4400" b="1" dirty="0">
+              <a:solidFill>
+                <a:prstClr val="black"/>
+              </a:solidFill>
+              <a:latin typeface="나눔바른펜" panose="020B0503000000000000" pitchFamily="50" charset="-127"/>
+              <a:ea typeface="나눔바른펜" panose="020B0503000000000000" pitchFamily="50" charset="-127"/>
+            </a:endParaRPr>
+          </a:p>
+        </p:txBody>
+      </p:sp>
+      <p:cxnSp>
+        <p:nvCxnSpPr>
+          <p:cNvPr id="11" name="직선 연결선 10"/>
+          <p:cNvCxnSpPr/>
+          <p:nvPr/>
+        </p:nvCxnSpPr>
+        <p:spPr>
+          <a:xfrm>
+            <a:off x="395536" y="1268760"/>
+            <a:ext cx="8352928" cy="0"/>
+          </a:xfrm>
+          <a:prstGeom prst="line">
+            <a:avLst/>
+          </a:prstGeom>
+          <a:ln w="22225">
+            <a:solidFill>
+              <a:schemeClr val="accent3">
+                <a:lumMod val="60000"/>
+                <a:lumOff val="40000"/>
+              </a:schemeClr>
+            </a:solidFill>
+          </a:ln>
+        </p:spPr>
+        <p:style>
+          <a:lnRef idx="1">
+            <a:schemeClr val="accent1"/>
+          </a:lnRef>
+          <a:fillRef idx="0">
+            <a:schemeClr val="accent1"/>
+          </a:fillRef>
+          <a:effectRef idx="0">
+            <a:schemeClr val="accent1"/>
+          </a:effectRef>
+          <a:fontRef idx="minor">
+            <a:schemeClr val="tx1"/>
+          </a:fontRef>
+        </p:style>
+      </p:cxnSp>
+      <p:cxnSp>
+        <p:nvCxnSpPr>
+          <p:cNvPr id="12" name="직선 연결선 11"/>
+          <p:cNvCxnSpPr/>
+          <p:nvPr/>
+        </p:nvCxnSpPr>
+        <p:spPr>
+          <a:xfrm>
+            <a:off x="395536" y="1700808"/>
+            <a:ext cx="8352928" cy="0"/>
+          </a:xfrm>
+          <a:prstGeom prst="line">
+            <a:avLst/>
+          </a:prstGeom>
+          <a:ln w="22225">
+            <a:solidFill>
+              <a:schemeClr val="accent3">
+                <a:lumMod val="60000"/>
+                <a:lumOff val="40000"/>
+              </a:schemeClr>
+            </a:solidFill>
+          </a:ln>
+        </p:spPr>
+        <p:style>
+          <a:lnRef idx="1">
+            <a:schemeClr val="accent1"/>
+          </a:lnRef>
+          <a:fillRef idx="0">
+            <a:schemeClr val="accent1"/>
+          </a:fillRef>
+          <a:effectRef idx="0">
+            <a:schemeClr val="accent1"/>
+          </a:effectRef>
+          <a:fontRef idx="minor">
+            <a:schemeClr val="tx1"/>
+          </a:fontRef>
+        </p:style>
+      </p:cxnSp>
+      <p:cxnSp>
+        <p:nvCxnSpPr>
+          <p:cNvPr id="15" name="직선 연결선 14"/>
+          <p:cNvCxnSpPr/>
+          <p:nvPr/>
+        </p:nvCxnSpPr>
+        <p:spPr>
+          <a:xfrm>
+            <a:off x="2411760" y="1268760"/>
+            <a:ext cx="0" cy="432048"/>
+          </a:xfrm>
+          <a:prstGeom prst="line">
+            <a:avLst/>
+          </a:prstGeom>
+          <a:ln w="22225">
+            <a:solidFill>
+              <a:schemeClr val="accent3">
+                <a:lumMod val="60000"/>
+                <a:lumOff val="40000"/>
+              </a:schemeClr>
+            </a:solidFill>
+          </a:ln>
+        </p:spPr>
+        <p:style>
+          <a:lnRef idx="1">
+            <a:schemeClr val="accent1"/>
+          </a:lnRef>
+          <a:fillRef idx="0">
+            <a:schemeClr val="accent1"/>
+          </a:fillRef>
+          <a:effectRef idx="0">
+            <a:schemeClr val="accent1"/>
+          </a:effectRef>
+          <a:fontRef idx="minor">
+            <a:schemeClr val="tx1"/>
+          </a:fontRef>
+        </p:style>
+      </p:cxnSp>
+      <p:cxnSp>
+        <p:nvCxnSpPr>
+          <p:cNvPr id="16" name="직선 연결선 15"/>
+          <p:cNvCxnSpPr/>
+          <p:nvPr/>
+        </p:nvCxnSpPr>
+        <p:spPr>
+          <a:xfrm>
+            <a:off x="4572000" y="1268760"/>
+            <a:ext cx="0" cy="432048"/>
+          </a:xfrm>
+          <a:prstGeom prst="line">
+            <a:avLst/>
+          </a:prstGeom>
+          <a:ln w="22225">
+            <a:solidFill>
+              <a:schemeClr val="accent3">
+                <a:lumMod val="60000"/>
+                <a:lumOff val="40000"/>
+              </a:schemeClr>
+            </a:solidFill>
+          </a:ln>
+        </p:spPr>
+        <p:style>
+          <a:lnRef idx="1">
+            <a:schemeClr val="accent1"/>
+          </a:lnRef>
+          <a:fillRef idx="0">
+            <a:schemeClr val="accent1"/>
+          </a:fillRef>
+          <a:effectRef idx="0">
+            <a:schemeClr val="accent1"/>
+          </a:effectRef>
+          <a:fontRef idx="minor">
+            <a:schemeClr val="tx1"/>
+          </a:fontRef>
+        </p:style>
+      </p:cxnSp>
+      <p:cxnSp>
+        <p:nvCxnSpPr>
+          <p:cNvPr id="17" name="직선 연결선 16"/>
+          <p:cNvCxnSpPr/>
+          <p:nvPr/>
+        </p:nvCxnSpPr>
+        <p:spPr>
+          <a:xfrm>
+            <a:off x="6732240" y="1268760"/>
+            <a:ext cx="0" cy="432048"/>
+          </a:xfrm>
+          <a:prstGeom prst="line">
+            <a:avLst/>
+          </a:prstGeom>
+          <a:ln w="22225">
+            <a:solidFill>
+              <a:schemeClr val="accent3">
+                <a:lumMod val="60000"/>
+                <a:lumOff val="40000"/>
+              </a:schemeClr>
+            </a:solidFill>
+          </a:ln>
+        </p:spPr>
+        <p:style>
+          <a:lnRef idx="1">
+            <a:schemeClr val="accent1"/>
+          </a:lnRef>
+          <a:fillRef idx="0">
+            <a:schemeClr val="accent1"/>
+          </a:fillRef>
+          <a:effectRef idx="0">
+            <a:schemeClr val="accent1"/>
+          </a:effectRef>
+          <a:fontRef idx="minor">
+            <a:schemeClr val="tx1"/>
+          </a:fontRef>
+        </p:style>
+      </p:cxnSp>
+      <p:sp>
+        <p:nvSpPr>
+          <p:cNvPr id="20" name="TextBox 19"/>
+          <p:cNvSpPr txBox="1"/>
+          <p:nvPr/>
+        </p:nvSpPr>
+        <p:spPr>
+          <a:xfrm>
+            <a:off x="971600" y="1286651"/>
+            <a:ext cx="1512168" cy="369332"/>
+          </a:xfrm>
+          <a:prstGeom prst="rect">
+            <a:avLst/>
+          </a:prstGeom>
+          <a:noFill/>
+        </p:spPr>
+        <p:txBody>
+          <a:bodyPr wrap="square" rtlCol="0">
+            <a:spAutoFit/>
+          </a:bodyPr>
+          <a:lstStyle/>
+          <a:p>
+            <a:r>
+              <a:rPr lang="en-US" altLang="ko-KR" dirty="0" smtClean="0">
+                <a:gradFill>
+                  <a:gsLst>
+                    <a:gs pos="0">
+                      <a:prstClr val="black"/>
+                    </a:gs>
+                    <a:gs pos="50000">
+                      <a:prstClr val="black"/>
+                    </a:gs>
+                    <a:gs pos="100000">
+                      <a:prstClr val="black"/>
+                    </a:gs>
+                  </a:gsLst>
+                  <a:lin ang="5400000" scaled="0"/>
+                </a:gradFill>
+                <a:latin typeface="나눔바른펜" panose="020B0503000000000000" pitchFamily="50" charset="-127"/>
+                <a:ea typeface="나눔바른펜" panose="020B0503000000000000" pitchFamily="50" charset="-127"/>
+              </a:rPr>
+              <a:t>MOVIE</a:t>
+            </a:r>
+            <a:endParaRPr lang="ko-KR" altLang="en-US" dirty="0">
+              <a:gradFill>
+                <a:gsLst>
+                  <a:gs pos="0">
+                    <a:prstClr val="black"/>
+                  </a:gs>
+                  <a:gs pos="50000">
+                    <a:prstClr val="black"/>
+                  </a:gs>
+                  <a:gs pos="100000">
+                    <a:prstClr val="black"/>
+                  </a:gs>
+                </a:gsLst>
+                <a:lin ang="5400000" scaled="0"/>
+              </a:gradFill>
+              <a:latin typeface="나눔바른펜" panose="020B0503000000000000" pitchFamily="50" charset="-127"/>
+              <a:ea typeface="나눔바른펜" panose="020B0503000000000000" pitchFamily="50" charset="-127"/>
+            </a:endParaRPr>
+          </a:p>
+        </p:txBody>
+      </p:sp>
+      <p:sp>
+        <p:nvSpPr>
+          <p:cNvPr id="21" name="TextBox 20"/>
+          <p:cNvSpPr txBox="1"/>
+          <p:nvPr/>
+        </p:nvSpPr>
+        <p:spPr>
+          <a:xfrm>
+            <a:off x="3131840" y="1286651"/>
+            <a:ext cx="1512168" cy="369332"/>
+          </a:xfrm>
+          <a:prstGeom prst="rect">
+            <a:avLst/>
+          </a:prstGeom>
+          <a:noFill/>
+        </p:spPr>
+        <p:txBody>
+          <a:bodyPr wrap="square" rtlCol="0">
+            <a:spAutoFit/>
+          </a:bodyPr>
+          <a:lstStyle/>
+          <a:p>
+            <a:r>
+              <a:rPr lang="en-US" altLang="ko-KR" dirty="0" smtClean="0">
+                <a:gradFill>
+                  <a:gsLst>
+                    <a:gs pos="0">
+                      <a:prstClr val="black"/>
+                    </a:gs>
+                    <a:gs pos="50000">
+                      <a:prstClr val="black"/>
+                    </a:gs>
+                    <a:gs pos="100000">
+                      <a:prstClr val="black"/>
+                    </a:gs>
+                  </a:gsLst>
+                  <a:lin ang="5400000" scaled="0"/>
+                </a:gradFill>
+                <a:latin typeface="나눔바른펜" panose="020B0503000000000000" pitchFamily="50" charset="-127"/>
+                <a:ea typeface="나눔바른펜" panose="020B0503000000000000" pitchFamily="50" charset="-127"/>
+              </a:rPr>
+              <a:t>TICKET</a:t>
+            </a:r>
+            <a:endParaRPr lang="ko-KR" altLang="en-US" dirty="0">
+              <a:gradFill>
+                <a:gsLst>
+                  <a:gs pos="0">
+                    <a:prstClr val="black"/>
+                  </a:gs>
+                  <a:gs pos="50000">
+                    <a:prstClr val="black"/>
+                  </a:gs>
+                  <a:gs pos="100000">
+                    <a:prstClr val="black"/>
+                  </a:gs>
+                </a:gsLst>
+                <a:lin ang="5400000" scaled="0"/>
+              </a:gradFill>
+              <a:latin typeface="나눔바른펜" panose="020B0503000000000000" pitchFamily="50" charset="-127"/>
+              <a:ea typeface="나눔바른펜" panose="020B0503000000000000" pitchFamily="50" charset="-127"/>
+            </a:endParaRPr>
+          </a:p>
+        </p:txBody>
+      </p:sp>
+      <p:sp>
+        <p:nvSpPr>
+          <p:cNvPr id="22" name="TextBox 21"/>
+          <p:cNvSpPr txBox="1"/>
+          <p:nvPr/>
+        </p:nvSpPr>
+        <p:spPr>
+          <a:xfrm>
+            <a:off x="5292080" y="1286651"/>
+            <a:ext cx="1512168" cy="369332"/>
+          </a:xfrm>
+          <a:prstGeom prst="rect">
+            <a:avLst/>
+          </a:prstGeom>
+          <a:noFill/>
+        </p:spPr>
+        <p:txBody>
+          <a:bodyPr wrap="square" rtlCol="0">
+            <a:spAutoFit/>
+          </a:bodyPr>
+          <a:lstStyle/>
+          <a:p>
+            <a:r>
+              <a:rPr lang="en-US" altLang="ko-KR" dirty="0" smtClean="0">
+                <a:gradFill>
+                  <a:gsLst>
+                    <a:gs pos="0">
+                      <a:prstClr val="black"/>
+                    </a:gs>
+                    <a:gs pos="50000">
+                      <a:prstClr val="black"/>
+                    </a:gs>
+                    <a:gs pos="100000">
+                      <a:prstClr val="black"/>
+                    </a:gs>
+                  </a:gsLst>
+                  <a:lin ang="5400000" scaled="0"/>
+                </a:gradFill>
+                <a:latin typeface="나눔바른펜" panose="020B0503000000000000" pitchFamily="50" charset="-127"/>
+                <a:ea typeface="나눔바른펜" panose="020B0503000000000000" pitchFamily="50" charset="-127"/>
+              </a:rPr>
+              <a:t>NOTICE</a:t>
+            </a:r>
+            <a:endParaRPr lang="ko-KR" altLang="en-US" dirty="0">
+              <a:gradFill>
+                <a:gsLst>
+                  <a:gs pos="0">
+                    <a:prstClr val="black"/>
+                  </a:gs>
+                  <a:gs pos="50000">
+                    <a:prstClr val="black"/>
+                  </a:gs>
+                  <a:gs pos="100000">
+                    <a:prstClr val="black"/>
+                  </a:gs>
+                </a:gsLst>
+                <a:lin ang="5400000" scaled="0"/>
+              </a:gradFill>
+              <a:latin typeface="나눔바른펜" panose="020B0503000000000000" pitchFamily="50" charset="-127"/>
+              <a:ea typeface="나눔바른펜" panose="020B0503000000000000" pitchFamily="50" charset="-127"/>
+            </a:endParaRPr>
+          </a:p>
+        </p:txBody>
+      </p:sp>
+      <p:sp>
+        <p:nvSpPr>
+          <p:cNvPr id="23" name="TextBox 22"/>
+          <p:cNvSpPr txBox="1"/>
+          <p:nvPr/>
+        </p:nvSpPr>
+        <p:spPr>
+          <a:xfrm>
+            <a:off x="7308304" y="1286651"/>
+            <a:ext cx="1512168" cy="369332"/>
+          </a:xfrm>
+          <a:prstGeom prst="rect">
+            <a:avLst/>
+          </a:prstGeom>
+          <a:noFill/>
+        </p:spPr>
+        <p:txBody>
+          <a:bodyPr wrap="square" rtlCol="0">
+            <a:spAutoFit/>
+          </a:bodyPr>
+          <a:lstStyle/>
+          <a:p>
+            <a:r>
+              <a:rPr lang="en-US" altLang="ko-KR" dirty="0" smtClean="0">
+                <a:gradFill>
+                  <a:gsLst>
+                    <a:gs pos="0">
+                      <a:prstClr val="black"/>
+                    </a:gs>
+                    <a:gs pos="50000">
+                      <a:prstClr val="black"/>
+                    </a:gs>
+                    <a:gs pos="100000">
+                      <a:prstClr val="black"/>
+                    </a:gs>
+                  </a:gsLst>
+                  <a:lin ang="5400000" scaled="0"/>
+                </a:gradFill>
+                <a:latin typeface="나눔바른펜" panose="020B0503000000000000" pitchFamily="50" charset="-127"/>
+                <a:ea typeface="나눔바른펜" panose="020B0503000000000000" pitchFamily="50" charset="-127"/>
+              </a:rPr>
+              <a:t>STORE</a:t>
+            </a:r>
+          </a:p>
+        </p:txBody>
+      </p:sp>
+      <p:sp>
+        <p:nvSpPr>
+          <p:cNvPr id="24" name="직사각형 23"/>
+          <p:cNvSpPr/>
+          <p:nvPr/>
+        </p:nvSpPr>
+        <p:spPr>
+          <a:xfrm>
+            <a:off x="7380312" y="908720"/>
+            <a:ext cx="648072" cy="288032"/>
+          </a:xfrm>
+          <a:prstGeom prst="rect">
+            <a:avLst/>
+          </a:prstGeom>
+          <a:noFill/>
+          <a:ln>
+            <a:solidFill>
+              <a:schemeClr val="accent3">
+                <a:lumMod val="60000"/>
+                <a:lumOff val="40000"/>
+              </a:schemeClr>
+            </a:solidFill>
+          </a:ln>
+        </p:spPr>
+        <p:style>
+          <a:lnRef idx="2">
+            <a:schemeClr val="accent1">
+              <a:shade val="50000"/>
+            </a:schemeClr>
+          </a:lnRef>
+          <a:fillRef idx="1">
+            <a:schemeClr val="accent1"/>
+          </a:fillRef>
+          <a:effectRef idx="0">
+            <a:schemeClr val="accent1"/>
+          </a:effectRef>
+          <a:fontRef idx="minor">
+            <a:schemeClr val="lt1"/>
+          </a:fontRef>
+        </p:style>
+        <p:txBody>
+          <a:bodyPr rtlCol="0" anchor="ctr"/>
+          <a:lstStyle/>
+          <a:p>
+            <a:pPr algn="ctr"/>
+            <a:endParaRPr lang="ko-KR" altLang="en-US" dirty="0">
+              <a:solidFill>
+                <a:prstClr val="white"/>
+              </a:solidFill>
+            </a:endParaRPr>
+          </a:p>
+        </p:txBody>
+      </p:sp>
+      <p:sp>
+        <p:nvSpPr>
+          <p:cNvPr id="26" name="직사각형 25"/>
+          <p:cNvSpPr/>
+          <p:nvPr/>
+        </p:nvSpPr>
+        <p:spPr>
+          <a:xfrm>
+            <a:off x="8100392" y="908720"/>
+            <a:ext cx="648072" cy="288032"/>
+          </a:xfrm>
+          <a:prstGeom prst="rect">
+            <a:avLst/>
+          </a:prstGeom>
+          <a:noFill/>
+          <a:ln>
+            <a:solidFill>
+              <a:schemeClr val="accent3">
+                <a:lumMod val="60000"/>
+                <a:lumOff val="40000"/>
+              </a:schemeClr>
+            </a:solidFill>
+          </a:ln>
+        </p:spPr>
+        <p:style>
+          <a:lnRef idx="2">
+            <a:schemeClr val="accent1">
+              <a:shade val="50000"/>
+            </a:schemeClr>
+          </a:lnRef>
+          <a:fillRef idx="1">
+            <a:schemeClr val="accent1"/>
+          </a:fillRef>
+          <a:effectRef idx="0">
+            <a:schemeClr val="accent1"/>
+          </a:effectRef>
+          <a:fontRef idx="minor">
+            <a:schemeClr val="lt1"/>
+          </a:fontRef>
+        </p:style>
+        <p:txBody>
+          <a:bodyPr rtlCol="0" anchor="ctr"/>
+          <a:lstStyle/>
+          <a:p>
+            <a:pPr algn="ctr"/>
+            <a:endParaRPr lang="ko-KR" altLang="en-US" dirty="0">
+              <a:solidFill>
+                <a:prstClr val="white"/>
+              </a:solidFill>
+            </a:endParaRPr>
+          </a:p>
+        </p:txBody>
+      </p:sp>
+      <p:sp>
+        <p:nvSpPr>
+          <p:cNvPr id="27" name="TextBox 26"/>
+          <p:cNvSpPr txBox="1"/>
+          <p:nvPr/>
+        </p:nvSpPr>
+        <p:spPr>
+          <a:xfrm>
+            <a:off x="7503822" y="917685"/>
+            <a:ext cx="383438" cy="246221"/>
+          </a:xfrm>
+          <a:prstGeom prst="rect">
+            <a:avLst/>
+          </a:prstGeom>
+          <a:noFill/>
+        </p:spPr>
+        <p:txBody>
+          <a:bodyPr wrap="none" rtlCol="0">
+            <a:spAutoFit/>
+          </a:bodyPr>
+          <a:lstStyle/>
+          <a:p>
+            <a:r>
+              <a:rPr lang="ko-KR" altLang="en-US" sz="1000" dirty="0" smtClean="0">
+                <a:solidFill>
+                  <a:prstClr val="black"/>
+                </a:solidFill>
+                <a:latin typeface="나눔바른펜" panose="020B0503000000000000" pitchFamily="50" charset="-127"/>
+                <a:ea typeface="나눔바른펜" panose="020B0503000000000000" pitchFamily="50" charset="-127"/>
+              </a:rPr>
+              <a:t>가</a:t>
+            </a:r>
+            <a:r>
+              <a:rPr lang="ko-KR" altLang="en-US" sz="1000" dirty="0">
+                <a:solidFill>
+                  <a:prstClr val="black"/>
+                </a:solidFill>
+                <a:latin typeface="나눔바른펜" panose="020B0503000000000000" pitchFamily="50" charset="-127"/>
+                <a:ea typeface="나눔바른펜" panose="020B0503000000000000" pitchFamily="50" charset="-127"/>
+              </a:rPr>
+              <a:t>입</a:t>
+            </a:r>
+          </a:p>
+        </p:txBody>
+      </p:sp>
+      <p:sp>
+        <p:nvSpPr>
+          <p:cNvPr id="29" name="TextBox 28"/>
+          <p:cNvSpPr txBox="1"/>
+          <p:nvPr/>
+        </p:nvSpPr>
+        <p:spPr>
+          <a:xfrm>
+            <a:off x="8139734" y="929625"/>
+            <a:ext cx="479618" cy="246221"/>
+          </a:xfrm>
+          <a:prstGeom prst="rect">
+            <a:avLst/>
+          </a:prstGeom>
+          <a:noFill/>
+        </p:spPr>
+        <p:txBody>
+          <a:bodyPr wrap="none" rtlCol="0">
+            <a:spAutoFit/>
+          </a:bodyPr>
+          <a:lstStyle/>
+          <a:p>
+            <a:r>
+              <a:rPr lang="ko-KR" altLang="en-US" sz="1000" dirty="0" smtClean="0">
+                <a:solidFill>
+                  <a:prstClr val="black"/>
+                </a:solidFill>
+                <a:latin typeface="나눔바른펜" panose="020B0503000000000000" pitchFamily="50" charset="-127"/>
+                <a:ea typeface="나눔바른펜" panose="020B0503000000000000" pitchFamily="50" charset="-127"/>
+              </a:rPr>
+              <a:t>로그</a:t>
+            </a:r>
+            <a:r>
+              <a:rPr lang="ko-KR" altLang="en-US" sz="1000" dirty="0">
+                <a:solidFill>
+                  <a:prstClr val="black"/>
+                </a:solidFill>
+                <a:latin typeface="나눔바른펜" panose="020B0503000000000000" pitchFamily="50" charset="-127"/>
+                <a:ea typeface="나눔바른펜" panose="020B0503000000000000" pitchFamily="50" charset="-127"/>
+              </a:rPr>
+              <a:t>인</a:t>
+            </a:r>
+          </a:p>
+        </p:txBody>
+      </p:sp>
+      <p:sp>
+        <p:nvSpPr>
+          <p:cNvPr id="2" name="TextBox 1"/>
+          <p:cNvSpPr txBox="1"/>
+          <p:nvPr/>
+        </p:nvSpPr>
+        <p:spPr>
+          <a:xfrm>
+            <a:off x="179512" y="44624"/>
+            <a:ext cx="1810111" cy="276999"/>
+          </a:xfrm>
+          <a:prstGeom prst="rect">
+            <a:avLst/>
+          </a:prstGeom>
+          <a:noFill/>
+        </p:spPr>
+        <p:txBody>
+          <a:bodyPr wrap="none" rtlCol="0">
+            <a:spAutoFit/>
+          </a:bodyPr>
+          <a:lstStyle/>
+          <a:p>
+            <a:r>
+              <a:rPr lang="ko-KR" altLang="en-US" sz="1200" dirty="0">
+                <a:gradFill>
+                  <a:gsLst>
+                    <a:gs pos="0">
+                      <a:prstClr val="black"/>
+                    </a:gs>
+                    <a:gs pos="50000">
+                      <a:prstClr val="black"/>
+                    </a:gs>
+                    <a:gs pos="100000">
+                      <a:prstClr val="black"/>
+                    </a:gs>
+                  </a:gsLst>
+                  <a:lin ang="5400000" scaled="0"/>
+                </a:gradFill>
+                <a:latin typeface="나눔바른펜" panose="020B0503000000000000" pitchFamily="50" charset="-127"/>
+                <a:ea typeface="나눔바른펜" panose="020B0503000000000000" pitchFamily="50" charset="-127"/>
+              </a:rPr>
+              <a:t>예매</a:t>
+            </a:r>
+            <a:r>
+              <a:rPr lang="en-US" altLang="ko-KR" sz="1200" dirty="0">
+                <a:gradFill>
+                  <a:gsLst>
+                    <a:gs pos="0">
+                      <a:prstClr val="black"/>
+                    </a:gs>
+                    <a:gs pos="50000">
+                      <a:prstClr val="black"/>
+                    </a:gs>
+                    <a:gs pos="100000">
+                      <a:prstClr val="black"/>
+                    </a:gs>
+                  </a:gsLst>
+                  <a:lin ang="5400000" scaled="0"/>
+                </a:gradFill>
+                <a:latin typeface="나눔바른펜" panose="020B0503000000000000" pitchFamily="50" charset="-127"/>
+                <a:ea typeface="나눔바른펜" panose="020B0503000000000000" pitchFamily="50" charset="-127"/>
+              </a:rPr>
+              <a:t>&gt; 1. </a:t>
+            </a:r>
+            <a:r>
+              <a:rPr lang="ko-KR" altLang="en-US" sz="1200" dirty="0">
+                <a:gradFill>
+                  <a:gsLst>
+                    <a:gs pos="0">
+                      <a:prstClr val="black"/>
+                    </a:gs>
+                    <a:gs pos="50000">
+                      <a:prstClr val="black"/>
+                    </a:gs>
+                    <a:gs pos="100000">
+                      <a:prstClr val="black"/>
+                    </a:gs>
+                  </a:gsLst>
+                  <a:lin ang="5400000" scaled="0"/>
+                </a:gradFill>
+                <a:latin typeface="나눔바른펜" panose="020B0503000000000000" pitchFamily="50" charset="-127"/>
+                <a:ea typeface="나눔바른펜" panose="020B0503000000000000" pitchFamily="50" charset="-127"/>
+              </a:rPr>
+              <a:t>현재 </a:t>
+            </a:r>
+            <a:r>
+              <a:rPr lang="ko-KR" altLang="en-US" sz="1200" dirty="0" err="1">
+                <a:gradFill>
+                  <a:gsLst>
+                    <a:gs pos="0">
+                      <a:prstClr val="black"/>
+                    </a:gs>
+                    <a:gs pos="50000">
+                      <a:prstClr val="black"/>
+                    </a:gs>
+                    <a:gs pos="100000">
+                      <a:prstClr val="black"/>
+                    </a:gs>
+                  </a:gsLst>
+                  <a:lin ang="5400000" scaled="0"/>
+                </a:gradFill>
+                <a:latin typeface="나눔바른펜" panose="020B0503000000000000" pitchFamily="50" charset="-127"/>
+                <a:ea typeface="나눔바른펜" panose="020B0503000000000000" pitchFamily="50" charset="-127"/>
+              </a:rPr>
+              <a:t>상영작에서</a:t>
+            </a:r>
+            <a:r>
+              <a:rPr lang="ko-KR" altLang="en-US" sz="1200" dirty="0">
+                <a:gradFill>
+                  <a:gsLst>
+                    <a:gs pos="0">
+                      <a:prstClr val="black"/>
+                    </a:gs>
+                    <a:gs pos="50000">
+                      <a:prstClr val="black"/>
+                    </a:gs>
+                    <a:gs pos="100000">
+                      <a:prstClr val="black"/>
+                    </a:gs>
+                  </a:gsLst>
+                  <a:lin ang="5400000" scaled="0"/>
+                </a:gradFill>
+                <a:latin typeface="나눔바른펜" panose="020B0503000000000000" pitchFamily="50" charset="-127"/>
+                <a:ea typeface="나눔바른펜" panose="020B0503000000000000" pitchFamily="50" charset="-127"/>
+              </a:rPr>
+              <a:t> 예매</a:t>
+            </a:r>
+            <a:endParaRPr lang="ko-KR" altLang="en-US" sz="1200" dirty="0">
+              <a:gradFill>
+                <a:gsLst>
+                  <a:gs pos="0">
+                    <a:prstClr val="black"/>
+                  </a:gs>
+                  <a:gs pos="50000">
+                    <a:prstClr val="black"/>
+                  </a:gs>
+                  <a:gs pos="100000">
+                    <a:prstClr val="black"/>
+                  </a:gs>
+                </a:gsLst>
+                <a:lin ang="5400000" scaled="0"/>
+              </a:gradFill>
+              <a:latin typeface="나눔바른펜" panose="020B0503000000000000" pitchFamily="50" charset="-127"/>
+              <a:ea typeface="나눔바른펜" panose="020B0503000000000000" pitchFamily="50" charset="-127"/>
+            </a:endParaRPr>
+          </a:p>
+        </p:txBody>
+      </p:sp>
+      <p:sp>
+        <p:nvSpPr>
+          <p:cNvPr id="3" name="TextBox 2"/>
+          <p:cNvSpPr txBox="1"/>
+          <p:nvPr/>
+        </p:nvSpPr>
+        <p:spPr>
+          <a:xfrm>
+            <a:off x="467544" y="2033665"/>
+            <a:ext cx="7672190" cy="461665"/>
+          </a:xfrm>
+          <a:prstGeom prst="rect">
+            <a:avLst/>
+          </a:prstGeom>
+          <a:noFill/>
+        </p:spPr>
+        <p:txBody>
+          <a:bodyPr wrap="square" rtlCol="0">
+            <a:spAutoFit/>
+          </a:bodyPr>
+          <a:lstStyle/>
+          <a:p>
+            <a:r>
+              <a:rPr lang="ko-KR" altLang="en-US" sz="2400" dirty="0" smtClean="0">
+                <a:gradFill>
+                  <a:gsLst>
+                    <a:gs pos="0">
+                      <a:schemeClr val="tx1"/>
+                    </a:gs>
+                    <a:gs pos="50000">
+                      <a:schemeClr val="tx1"/>
+                    </a:gs>
+                    <a:gs pos="100000">
+                      <a:schemeClr val="tx1"/>
+                    </a:gs>
+                  </a:gsLst>
+                  <a:lin ang="5400000" scaled="0"/>
+                </a:gradFill>
+                <a:latin typeface="나눔바른펜" panose="020B0503000000000000" pitchFamily="50" charset="-127"/>
+                <a:ea typeface="나눔바른펜" panose="020B0503000000000000" pitchFamily="50" charset="-127"/>
+              </a:rPr>
+              <a:t>예매하기 </a:t>
+            </a:r>
+            <a:r>
+              <a:rPr lang="en-US" altLang="ko-KR" sz="2400" dirty="0" smtClean="0">
+                <a:gradFill>
+                  <a:gsLst>
+                    <a:gs pos="0">
+                      <a:schemeClr val="tx1"/>
+                    </a:gs>
+                    <a:gs pos="50000">
+                      <a:schemeClr val="tx1"/>
+                    </a:gs>
+                    <a:gs pos="100000">
+                      <a:schemeClr val="tx1"/>
+                    </a:gs>
+                  </a:gsLst>
+                  <a:lin ang="5400000" scaled="0"/>
+                </a:gradFill>
+                <a:latin typeface="나눔바른펜" panose="020B0503000000000000" pitchFamily="50" charset="-127"/>
+                <a:ea typeface="나눔바른펜" panose="020B0503000000000000" pitchFamily="50" charset="-127"/>
+              </a:rPr>
+              <a:t>[</a:t>
+            </a:r>
+            <a:r>
+              <a:rPr lang="ko-KR" altLang="en-US" sz="2400" dirty="0" err="1" smtClean="0">
+                <a:gradFill>
+                  <a:gsLst>
+                    <a:gs pos="0">
+                      <a:schemeClr val="tx1"/>
+                    </a:gs>
+                    <a:gs pos="50000">
+                      <a:schemeClr val="tx1"/>
+                    </a:gs>
+                    <a:gs pos="100000">
+                      <a:schemeClr val="tx1"/>
+                    </a:gs>
+                  </a:gsLst>
+                  <a:lin ang="5400000" scaled="0"/>
+                </a:gradFill>
+                <a:latin typeface="나눔바른펜" panose="020B0503000000000000" pitchFamily="50" charset="-127"/>
+                <a:ea typeface="나눔바른펜" panose="020B0503000000000000" pitchFamily="50" charset="-127"/>
+              </a:rPr>
+              <a:t>주먹왕</a:t>
+            </a:r>
+            <a:r>
+              <a:rPr lang="ko-KR" altLang="en-US" sz="2400" dirty="0" smtClean="0">
+                <a:gradFill>
+                  <a:gsLst>
+                    <a:gs pos="0">
+                      <a:schemeClr val="tx1"/>
+                    </a:gs>
+                    <a:gs pos="50000">
+                      <a:schemeClr val="tx1"/>
+                    </a:gs>
+                    <a:gs pos="100000">
+                      <a:schemeClr val="tx1"/>
+                    </a:gs>
+                  </a:gsLst>
+                  <a:lin ang="5400000" scaled="0"/>
+                </a:gradFill>
+                <a:latin typeface="나눔바른펜" panose="020B0503000000000000" pitchFamily="50" charset="-127"/>
+                <a:ea typeface="나눔바른펜" panose="020B0503000000000000" pitchFamily="50" charset="-127"/>
+              </a:rPr>
+              <a:t> </a:t>
+            </a:r>
+            <a:r>
+              <a:rPr lang="ko-KR" altLang="en-US" sz="2400" dirty="0" err="1" smtClean="0">
+                <a:gradFill>
+                  <a:gsLst>
+                    <a:gs pos="0">
+                      <a:schemeClr val="tx1"/>
+                    </a:gs>
+                    <a:gs pos="50000">
+                      <a:schemeClr val="tx1"/>
+                    </a:gs>
+                    <a:gs pos="100000">
+                      <a:schemeClr val="tx1"/>
+                    </a:gs>
+                  </a:gsLst>
+                  <a:lin ang="5400000" scaled="0"/>
+                </a:gradFill>
+                <a:latin typeface="나눔바른펜" panose="020B0503000000000000" pitchFamily="50" charset="-127"/>
+                <a:ea typeface="나눔바른펜" panose="020B0503000000000000" pitchFamily="50" charset="-127"/>
+              </a:rPr>
+              <a:t>랄프</a:t>
+            </a:r>
+            <a:r>
+              <a:rPr lang="en-US" altLang="ko-KR" sz="2400" dirty="0" smtClean="0">
+                <a:gradFill>
+                  <a:gsLst>
+                    <a:gs pos="0">
+                      <a:schemeClr val="tx1"/>
+                    </a:gs>
+                    <a:gs pos="50000">
+                      <a:schemeClr val="tx1"/>
+                    </a:gs>
+                    <a:gs pos="100000">
+                      <a:schemeClr val="tx1"/>
+                    </a:gs>
+                  </a:gsLst>
+                  <a:lin ang="5400000" scaled="0"/>
+                </a:gradFill>
+                <a:latin typeface="나눔바른펜" panose="020B0503000000000000" pitchFamily="50" charset="-127"/>
+                <a:ea typeface="나눔바른펜" panose="020B0503000000000000" pitchFamily="50" charset="-127"/>
+              </a:rPr>
+              <a:t>]</a:t>
+            </a:r>
+            <a:endParaRPr lang="ko-KR" altLang="en-US" sz="2400" dirty="0">
+              <a:gradFill>
+                <a:gsLst>
+                  <a:gs pos="0">
+                    <a:schemeClr val="tx1"/>
+                  </a:gs>
+                  <a:gs pos="50000">
+                    <a:schemeClr val="tx1"/>
+                  </a:gs>
+                  <a:gs pos="100000">
+                    <a:schemeClr val="tx1"/>
+                  </a:gs>
+                </a:gsLst>
+                <a:lin ang="5400000" scaled="0"/>
+              </a:gradFill>
+              <a:latin typeface="나눔바른펜" panose="020B0503000000000000" pitchFamily="50" charset="-127"/>
+              <a:ea typeface="나눔바른펜" panose="020B0503000000000000" pitchFamily="50" charset="-127"/>
+            </a:endParaRPr>
+          </a:p>
+        </p:txBody>
+      </p:sp>
+      <p:cxnSp>
+        <p:nvCxnSpPr>
+          <p:cNvPr id="32" name="직선 연결선 31"/>
+          <p:cNvCxnSpPr/>
+          <p:nvPr/>
+        </p:nvCxnSpPr>
+        <p:spPr>
+          <a:xfrm>
+            <a:off x="395536" y="2526596"/>
+            <a:ext cx="8352928" cy="0"/>
+          </a:xfrm>
+          <a:prstGeom prst="line">
+            <a:avLst/>
+          </a:prstGeom>
+          <a:ln w="22225">
+            <a:solidFill>
+              <a:schemeClr val="accent3">
+                <a:lumMod val="60000"/>
+                <a:lumOff val="40000"/>
+              </a:schemeClr>
+            </a:solidFill>
+          </a:ln>
+        </p:spPr>
+        <p:style>
+          <a:lnRef idx="1">
+            <a:schemeClr val="accent1"/>
+          </a:lnRef>
+          <a:fillRef idx="0">
+            <a:schemeClr val="accent1"/>
+          </a:fillRef>
+          <a:effectRef idx="0">
+            <a:schemeClr val="accent1"/>
+          </a:effectRef>
+          <a:fontRef idx="minor">
+            <a:schemeClr val="tx1"/>
+          </a:fontRef>
+        </p:style>
+      </p:cxnSp>
+      <p:sp>
+        <p:nvSpPr>
+          <p:cNvPr id="19" name="TextBox 18"/>
+          <p:cNvSpPr txBox="1"/>
+          <p:nvPr/>
+        </p:nvSpPr>
+        <p:spPr>
+          <a:xfrm>
+            <a:off x="496863" y="2636911"/>
+            <a:ext cx="7992888" cy="646331"/>
+          </a:xfrm>
+          <a:prstGeom prst="rect">
+            <a:avLst/>
+          </a:prstGeom>
+          <a:noFill/>
+        </p:spPr>
+        <p:txBody>
+          <a:bodyPr wrap="square" rtlCol="0">
+            <a:spAutoFit/>
+          </a:bodyPr>
+          <a:lstStyle/>
+          <a:p>
+            <a:r>
+              <a:rPr lang="en-US" altLang="ko-KR" dirty="0" smtClean="0"/>
+              <a:t>1</a:t>
+            </a:r>
+            <a:r>
+              <a:rPr lang="ko-KR" altLang="en-US" dirty="0" smtClean="0"/>
+              <a:t>월</a:t>
+            </a:r>
+          </a:p>
+          <a:p>
+            <a:pPr algn="ctr"/>
+            <a:r>
+              <a:rPr lang="en-US" altLang="ko-KR" dirty="0" smtClean="0"/>
+              <a:t>&lt;      13      14      15      16      17      18      19      20      21      &gt;</a:t>
+            </a:r>
+            <a:endParaRPr lang="ko-KR" altLang="en-US" dirty="0"/>
+          </a:p>
+        </p:txBody>
+      </p:sp>
+    </p:spTree>
+    <p:extLst>
+      <p:ext uri="{BB962C8B-B14F-4D97-AF65-F5344CB8AC3E}">
+        <p14:creationId xmlns:p14="http://schemas.microsoft.com/office/powerpoint/2010/main" val="3220306976"/>
       </p:ext>
     </p:extLst>
   </p:cSld>
